--- a/Software Presentation.pptx
+++ b/Software Presentation.pptx
@@ -7,10 +7,13 @@
   <p:sldIdLst>
     <p:sldId id="256" r:id="rId2"/>
     <p:sldId id="257" r:id="rId3"/>
-    <p:sldId id="258" r:id="rId4"/>
-    <p:sldId id="259" r:id="rId5"/>
-    <p:sldId id="260" r:id="rId6"/>
-    <p:sldId id="261" r:id="rId7"/>
+    <p:sldId id="264" r:id="rId4"/>
+    <p:sldId id="263" r:id="rId5"/>
+    <p:sldId id="258" r:id="rId6"/>
+    <p:sldId id="262" r:id="rId7"/>
+    <p:sldId id="259" r:id="rId8"/>
+    <p:sldId id="260" r:id="rId9"/>
+    <p:sldId id="261" r:id="rId10"/>
   </p:sldIdLst>
   <p:sldSz cx="12192000" cy="6858000"/>
   <p:notesSz cx="6858000" cy="9144000"/>
@@ -109,6 +112,11 @@
       </a:defRPr>
     </a:lvl9pPr>
   </p:defaultTextStyle>
+  <p:extLst>
+    <p:ext uri="{EFAFB233-063F-42B5-8137-9DF3F51BA10A}">
+      <p15:sldGuideLst xmlns:p15="http://schemas.microsoft.com/office/powerpoint/2012/main"/>
+    </p:ext>
+  </p:extLst>
 </p:presentation>
 </file>
 
@@ -20780,7 +20788,7 @@
           <a:p>
             <a:r>
               <a:rPr lang="en-GB" dirty="0" smtClean="0"/>
-              <a:t>Sprint</a:t>
+              <a:t>User Stories</a:t>
             </a:r>
             <a:endParaRPr lang="en-GB" dirty="0"/>
           </a:p>
@@ -20801,10 +20809,2296 @@
           <a:bodyPr/>
           <a:lstStyle/>
           <a:p>
-            <a:endParaRPr lang="en-GB"/>
+            <a:r>
+              <a:rPr lang="en-GB" b="1" dirty="0" smtClean="0"/>
+              <a:t>As </a:t>
+            </a:r>
+            <a:r>
+              <a:rPr lang="en-GB" b="1" dirty="0"/>
+              <a:t>a &lt; type of user &gt;, I want &lt; some goal &gt; so that &lt; some reason &gt;.</a:t>
+            </a:r>
+            <a:endParaRPr lang="en-GB" dirty="0"/>
+          </a:p>
+          <a:p>
+            <a:r>
+              <a:rPr lang="en-GB" b="1" dirty="0"/>
+              <a:t> </a:t>
+            </a:r>
+            <a:endParaRPr lang="en-GB" dirty="0"/>
+          </a:p>
+          <a:p>
+            <a:r>
+              <a:rPr lang="en-GB" dirty="0"/>
+              <a:t>As a user I want to authorise my account without any errors so that I can access Spotify’s news related playlists.</a:t>
+            </a:r>
+          </a:p>
+          <a:p>
+            <a:r>
+              <a:rPr lang="en-GB" dirty="0"/>
+              <a:t>As a user I want to read the article related to the song on the playlist</a:t>
+            </a:r>
+          </a:p>
+          <a:p>
+            <a:r>
+              <a:rPr lang="en-GB" dirty="0"/>
+              <a:t>As a user I want a user friendly, easy and efficient GUI so that my experience is pleasant and enjoyable. </a:t>
+            </a:r>
+          </a:p>
+          <a:p>
+            <a:r>
+              <a:rPr lang="en-GB" dirty="0"/>
+              <a:t>As a user I want to be able to download my news related playlist to listen offline</a:t>
+            </a:r>
+          </a:p>
+          <a:p>
+            <a:endParaRPr lang="en-GB" dirty="0"/>
           </a:p>
         </p:txBody>
       </p:sp>
+    </p:spTree>
+    <p:extLst>
+      <p:ext uri="{BB962C8B-B14F-4D97-AF65-F5344CB8AC3E}">
+        <p14:creationId xmlns:p14="http://schemas.microsoft.com/office/powerpoint/2010/main" val="1357983482"/>
+      </p:ext>
+    </p:extLst>
+  </p:cSld>
+  <p:clrMapOvr>
+    <a:masterClrMapping/>
+  </p:clrMapOvr>
+</p:sld>
+</file>
+
+<file path=ppt/slides/slide4.xml><?xml version="1.0" encoding="utf-8"?>
+<p:sld xmlns:a="http://schemas.openxmlformats.org/drawingml/2006/main" xmlns:r="http://schemas.openxmlformats.org/officeDocument/2006/relationships" xmlns:p="http://schemas.openxmlformats.org/presentationml/2006/main">
+  <p:cSld>
+    <p:spTree>
+      <p:nvGrpSpPr>
+        <p:cNvPr id="1" name=""/>
+        <p:cNvGrpSpPr/>
+        <p:nvPr/>
+      </p:nvGrpSpPr>
+      <p:grpSpPr>
+        <a:xfrm>
+          <a:off x="0" y="0"/>
+          <a:ext cx="0" cy="0"/>
+          <a:chOff x="0" y="0"/>
+          <a:chExt cx="0" cy="0"/>
+        </a:xfrm>
+      </p:grpSpPr>
+      <p:sp>
+        <p:nvSpPr>
+          <p:cNvPr id="2" name="Title 1"/>
+          <p:cNvSpPr>
+            <a:spLocks noGrp="1"/>
+          </p:cNvSpPr>
+          <p:nvPr>
+            <p:ph type="title"/>
+          </p:nvPr>
+        </p:nvSpPr>
+        <p:spPr>
+          <a:xfrm>
+            <a:off x="899436" y="435588"/>
+            <a:ext cx="9720072" cy="1499616"/>
+          </a:xfrm>
+        </p:spPr>
+        <p:txBody>
+          <a:bodyPr>
+            <a:normAutofit fontScale="90000"/>
+          </a:bodyPr>
+          <a:lstStyle/>
+          <a:p>
+            <a:r>
+              <a:rPr lang="en-GB" dirty="0" smtClean="0"/>
+              <a:t>Product Backlog </a:t>
+            </a:r>
+            <a:br>
+              <a:rPr lang="en-GB" dirty="0" smtClean="0"/>
+            </a:br>
+            <a:r>
+              <a:rPr lang="en-GB" sz="1600" b="1" dirty="0"/>
+              <a:t>-</a:t>
+            </a:r>
+            <a:r>
+              <a:rPr lang="en-GB" sz="1600" dirty="0"/>
+              <a:t>Feature required for Spotify </a:t>
+            </a:r>
+            <a:r>
+              <a:rPr lang="en-GB" sz="1600" dirty="0"/>
+              <a:t/>
+            </a:r>
+            <a:br>
+              <a:rPr lang="en-GB" sz="1600" dirty="0"/>
+            </a:br>
+            <a:r>
+              <a:rPr lang="en-GB" sz="1600" dirty="0" smtClean="0"/>
+              <a:t>-Product </a:t>
+            </a:r>
+            <a:r>
+              <a:rPr lang="en-GB" sz="1600" dirty="0"/>
+              <a:t>backlog placed in correct sequence – </a:t>
+            </a:r>
+            <a:r>
+              <a:rPr lang="en-GB" sz="1600" dirty="0" smtClean="0"/>
+              <a:t>Value/Cost/Knowledge/Risk</a:t>
+            </a:r>
+            <a:r>
+              <a:rPr lang="en-GB" dirty="0"/>
+              <a:t/>
+            </a:r>
+            <a:br>
+              <a:rPr lang="en-GB" dirty="0"/>
+            </a:br>
+            <a:r>
+              <a:rPr lang="en-GB" dirty="0" smtClean="0"/>
+              <a:t>NOT FINISHED </a:t>
+            </a:r>
+            <a:endParaRPr lang="en-GB" dirty="0"/>
+          </a:p>
+        </p:txBody>
+      </p:sp>
+      <p:graphicFrame>
+        <p:nvGraphicFramePr>
+          <p:cNvPr id="5" name="Content Placeholder 4"/>
+          <p:cNvGraphicFramePr>
+            <a:graphicFrameLocks noGrp="1"/>
+          </p:cNvGraphicFramePr>
+          <p:nvPr>
+            <p:ph idx="1"/>
+          </p:nvPr>
+        </p:nvGraphicFramePr>
+        <p:xfrm>
+          <a:off x="3649388" y="2226754"/>
+          <a:ext cx="4469362" cy="4098356"/>
+        </p:xfrm>
+        <a:graphic>
+          <a:graphicData uri="http://schemas.openxmlformats.org/drawingml/2006/table">
+            <a:tbl>
+              <a:tblPr firstRow="1" firstCol="1" bandRow="1">
+                <a:tableStyleId>{5C22544A-7EE6-4342-B048-85BDC9FD1C3A}</a:tableStyleId>
+              </a:tblPr>
+              <a:tblGrid>
+                <a:gridCol w="893773">
+                  <a:extLst>
+                    <a:ext uri="{9D8B030D-6E8A-4147-A177-3AD203B41FA5}">
+                      <a16:colId xmlns:a16="http://schemas.microsoft.com/office/drawing/2014/main" val="2461879978"/>
+                    </a:ext>
+                  </a:extLst>
+                </a:gridCol>
+                <a:gridCol w="1212022">
+                  <a:extLst>
+                    <a:ext uri="{9D8B030D-6E8A-4147-A177-3AD203B41FA5}">
+                      <a16:colId xmlns:a16="http://schemas.microsoft.com/office/drawing/2014/main" val="1059767346"/>
+                    </a:ext>
+                  </a:extLst>
+                </a:gridCol>
+                <a:gridCol w="575525">
+                  <a:extLst>
+                    <a:ext uri="{9D8B030D-6E8A-4147-A177-3AD203B41FA5}">
+                      <a16:colId xmlns:a16="http://schemas.microsoft.com/office/drawing/2014/main" val="1418945718"/>
+                    </a:ext>
+                  </a:extLst>
+                </a:gridCol>
+                <a:gridCol w="893773">
+                  <a:extLst>
+                    <a:ext uri="{9D8B030D-6E8A-4147-A177-3AD203B41FA5}">
+                      <a16:colId xmlns:a16="http://schemas.microsoft.com/office/drawing/2014/main" val="2437744196"/>
+                    </a:ext>
+                  </a:extLst>
+                </a:gridCol>
+                <a:gridCol w="894269">
+                  <a:extLst>
+                    <a:ext uri="{9D8B030D-6E8A-4147-A177-3AD203B41FA5}">
+                      <a16:colId xmlns:a16="http://schemas.microsoft.com/office/drawing/2014/main" val="3514644214"/>
+                    </a:ext>
+                  </a:extLst>
+                </a:gridCol>
+              </a:tblGrid>
+              <a:tr h="280079">
+                <a:tc>
+                  <a:txBody>
+                    <a:bodyPr/>
+                    <a:lstStyle/>
+                    <a:p>
+                      <a:pPr>
+                        <a:lnSpc>
+                          <a:spcPct val="107000"/>
+                        </a:lnSpc>
+                        <a:spcAft>
+                          <a:spcPts val="0"/>
+                        </a:spcAft>
+                      </a:pPr>
+                      <a:r>
+                        <a:rPr lang="en-GB" sz="900">
+                          <a:effectLst/>
+                        </a:rPr>
+                        <a:t>ID</a:t>
+                      </a:r>
+                      <a:endParaRPr lang="en-GB" sz="900">
+                        <a:effectLst/>
+                        <a:latin typeface="Calibri" panose="020F0502020204030204" pitchFamily="34" charset="0"/>
+                        <a:ea typeface="Calibri" panose="020F0502020204030204" pitchFamily="34" charset="0"/>
+                        <a:cs typeface="Times New Roman" panose="02020603050405020304" pitchFamily="18" charset="0"/>
+                      </a:endParaRPr>
+                    </a:p>
+                  </a:txBody>
+                  <a:tcPr marL="53537" marR="53537" marT="0" marB="0"/>
+                </a:tc>
+                <a:tc>
+                  <a:txBody>
+                    <a:bodyPr/>
+                    <a:lstStyle/>
+                    <a:p>
+                      <a:pPr>
+                        <a:lnSpc>
+                          <a:spcPct val="107000"/>
+                        </a:lnSpc>
+                        <a:spcAft>
+                          <a:spcPts val="0"/>
+                        </a:spcAft>
+                      </a:pPr>
+                      <a:r>
+                        <a:rPr lang="en-GB" sz="900">
+                          <a:effectLst/>
+                        </a:rPr>
+                        <a:t>Product Backlog Item</a:t>
+                      </a:r>
+                      <a:endParaRPr lang="en-GB" sz="900">
+                        <a:effectLst/>
+                        <a:latin typeface="Calibri" panose="020F0502020204030204" pitchFamily="34" charset="0"/>
+                        <a:ea typeface="Calibri" panose="020F0502020204030204" pitchFamily="34" charset="0"/>
+                        <a:cs typeface="Times New Roman" panose="02020603050405020304" pitchFamily="18" charset="0"/>
+                      </a:endParaRPr>
+                    </a:p>
+                  </a:txBody>
+                  <a:tcPr marL="53537" marR="53537" marT="0" marB="0"/>
+                </a:tc>
+                <a:tc>
+                  <a:txBody>
+                    <a:bodyPr/>
+                    <a:lstStyle/>
+                    <a:p>
+                      <a:pPr>
+                        <a:lnSpc>
+                          <a:spcPct val="107000"/>
+                        </a:lnSpc>
+                        <a:spcAft>
+                          <a:spcPts val="0"/>
+                        </a:spcAft>
+                      </a:pPr>
+                      <a:r>
+                        <a:rPr lang="en-GB" sz="900">
+                          <a:effectLst/>
+                        </a:rPr>
+                        <a:t>Sprint Points</a:t>
+                      </a:r>
+                      <a:endParaRPr lang="en-GB" sz="900">
+                        <a:effectLst/>
+                        <a:latin typeface="Calibri" panose="020F0502020204030204" pitchFamily="34" charset="0"/>
+                        <a:ea typeface="Calibri" panose="020F0502020204030204" pitchFamily="34" charset="0"/>
+                        <a:cs typeface="Times New Roman" panose="02020603050405020304" pitchFamily="18" charset="0"/>
+                      </a:endParaRPr>
+                    </a:p>
+                  </a:txBody>
+                  <a:tcPr marL="53537" marR="53537" marT="0" marB="0"/>
+                </a:tc>
+                <a:tc>
+                  <a:txBody>
+                    <a:bodyPr/>
+                    <a:lstStyle/>
+                    <a:p>
+                      <a:pPr>
+                        <a:lnSpc>
+                          <a:spcPct val="107000"/>
+                        </a:lnSpc>
+                        <a:spcAft>
+                          <a:spcPts val="0"/>
+                        </a:spcAft>
+                      </a:pPr>
+                      <a:r>
+                        <a:rPr lang="en-GB" sz="900">
+                          <a:effectLst/>
+                        </a:rPr>
+                        <a:t>Business Value</a:t>
+                      </a:r>
+                      <a:endParaRPr lang="en-GB" sz="900">
+                        <a:effectLst/>
+                        <a:latin typeface="Calibri" panose="020F0502020204030204" pitchFamily="34" charset="0"/>
+                        <a:ea typeface="Calibri" panose="020F0502020204030204" pitchFamily="34" charset="0"/>
+                        <a:cs typeface="Times New Roman" panose="02020603050405020304" pitchFamily="18" charset="0"/>
+                      </a:endParaRPr>
+                    </a:p>
+                  </a:txBody>
+                  <a:tcPr marL="53537" marR="53537" marT="0" marB="0"/>
+                </a:tc>
+                <a:tc>
+                  <a:txBody>
+                    <a:bodyPr/>
+                    <a:lstStyle/>
+                    <a:p>
+                      <a:pPr>
+                        <a:lnSpc>
+                          <a:spcPct val="107000"/>
+                        </a:lnSpc>
+                        <a:spcAft>
+                          <a:spcPts val="0"/>
+                        </a:spcAft>
+                      </a:pPr>
+                      <a:r>
+                        <a:rPr lang="en-GB" sz="900">
+                          <a:effectLst/>
+                        </a:rPr>
+                        <a:t>Priority</a:t>
+                      </a:r>
+                      <a:endParaRPr lang="en-GB" sz="900">
+                        <a:effectLst/>
+                        <a:latin typeface="Calibri" panose="020F0502020204030204" pitchFamily="34" charset="0"/>
+                        <a:ea typeface="Calibri" panose="020F0502020204030204" pitchFamily="34" charset="0"/>
+                        <a:cs typeface="Times New Roman" panose="02020603050405020304" pitchFamily="18" charset="0"/>
+                      </a:endParaRPr>
+                    </a:p>
+                  </a:txBody>
+                  <a:tcPr marL="53537" marR="53537" marT="0" marB="0"/>
+                </a:tc>
+                <a:extLst>
+                  <a:ext uri="{0D108BD9-81ED-4DB2-BD59-A6C34878D82A}">
+                    <a16:rowId xmlns:a16="http://schemas.microsoft.com/office/drawing/2014/main" val="3974479799"/>
+                  </a:ext>
+                </a:extLst>
+              </a:tr>
+              <a:tr h="636498">
+                <a:tc>
+                  <a:txBody>
+                    <a:bodyPr/>
+                    <a:lstStyle/>
+                    <a:p>
+                      <a:pPr>
+                        <a:lnSpc>
+                          <a:spcPct val="107000"/>
+                        </a:lnSpc>
+                        <a:spcAft>
+                          <a:spcPts val="0"/>
+                        </a:spcAft>
+                      </a:pPr>
+                      <a:r>
+                        <a:rPr lang="en-GB" sz="900">
+                          <a:effectLst/>
+                        </a:rPr>
+                        <a:t>1</a:t>
+                      </a:r>
+                      <a:endParaRPr lang="en-GB" sz="900">
+                        <a:effectLst/>
+                        <a:latin typeface="Calibri" panose="020F0502020204030204" pitchFamily="34" charset="0"/>
+                        <a:ea typeface="Calibri" panose="020F0502020204030204" pitchFamily="34" charset="0"/>
+                        <a:cs typeface="Times New Roman" panose="02020603050405020304" pitchFamily="18" charset="0"/>
+                      </a:endParaRPr>
+                    </a:p>
+                  </a:txBody>
+                  <a:tcPr marL="53537" marR="53537" marT="0" marB="0"/>
+                </a:tc>
+                <a:tc>
+                  <a:txBody>
+                    <a:bodyPr/>
+                    <a:lstStyle/>
+                    <a:p>
+                      <a:pPr>
+                        <a:lnSpc>
+                          <a:spcPct val="107000"/>
+                        </a:lnSpc>
+                        <a:spcAft>
+                          <a:spcPts val="0"/>
+                        </a:spcAft>
+                      </a:pPr>
+                      <a:r>
+                        <a:rPr lang="en-GB" sz="800">
+                          <a:effectLst/>
+                        </a:rPr>
+                        <a:t>As a user I want to authorise my account without any errors so that I can access Spotify’s news related playlists.</a:t>
+                      </a:r>
+                      <a:endParaRPr lang="en-GB" sz="900">
+                        <a:effectLst/>
+                        <a:latin typeface="Calibri" panose="020F0502020204030204" pitchFamily="34" charset="0"/>
+                        <a:ea typeface="Calibri" panose="020F0502020204030204" pitchFamily="34" charset="0"/>
+                        <a:cs typeface="Times New Roman" panose="02020603050405020304" pitchFamily="18" charset="0"/>
+                      </a:endParaRPr>
+                    </a:p>
+                  </a:txBody>
+                  <a:tcPr marL="53537" marR="53537" marT="0" marB="0"/>
+                </a:tc>
+                <a:tc>
+                  <a:txBody>
+                    <a:bodyPr/>
+                    <a:lstStyle/>
+                    <a:p>
+                      <a:pPr>
+                        <a:lnSpc>
+                          <a:spcPct val="107000"/>
+                        </a:lnSpc>
+                        <a:spcAft>
+                          <a:spcPts val="0"/>
+                        </a:spcAft>
+                      </a:pPr>
+                      <a:r>
+                        <a:rPr lang="en-GB" sz="900">
+                          <a:effectLst/>
+                        </a:rPr>
+                        <a:t> </a:t>
+                      </a:r>
+                      <a:endParaRPr lang="en-GB" sz="900">
+                        <a:effectLst/>
+                        <a:latin typeface="Calibri" panose="020F0502020204030204" pitchFamily="34" charset="0"/>
+                        <a:ea typeface="Calibri" panose="020F0502020204030204" pitchFamily="34" charset="0"/>
+                        <a:cs typeface="Times New Roman" panose="02020603050405020304" pitchFamily="18" charset="0"/>
+                      </a:endParaRPr>
+                    </a:p>
+                  </a:txBody>
+                  <a:tcPr marL="53537" marR="53537" marT="0" marB="0"/>
+                </a:tc>
+                <a:tc>
+                  <a:txBody>
+                    <a:bodyPr/>
+                    <a:lstStyle/>
+                    <a:p>
+                      <a:pPr>
+                        <a:lnSpc>
+                          <a:spcPct val="107000"/>
+                        </a:lnSpc>
+                        <a:spcAft>
+                          <a:spcPts val="0"/>
+                        </a:spcAft>
+                      </a:pPr>
+                      <a:r>
+                        <a:rPr lang="en-GB" sz="900">
+                          <a:effectLst/>
+                        </a:rPr>
+                        <a:t> </a:t>
+                      </a:r>
+                      <a:endParaRPr lang="en-GB" sz="900">
+                        <a:effectLst/>
+                        <a:latin typeface="Calibri" panose="020F0502020204030204" pitchFamily="34" charset="0"/>
+                        <a:ea typeface="Calibri" panose="020F0502020204030204" pitchFamily="34" charset="0"/>
+                        <a:cs typeface="Times New Roman" panose="02020603050405020304" pitchFamily="18" charset="0"/>
+                      </a:endParaRPr>
+                    </a:p>
+                  </a:txBody>
+                  <a:tcPr marL="53537" marR="53537" marT="0" marB="0"/>
+                </a:tc>
+                <a:tc>
+                  <a:txBody>
+                    <a:bodyPr/>
+                    <a:lstStyle/>
+                    <a:p>
+                      <a:pPr>
+                        <a:lnSpc>
+                          <a:spcPct val="107000"/>
+                        </a:lnSpc>
+                        <a:spcAft>
+                          <a:spcPts val="0"/>
+                        </a:spcAft>
+                      </a:pPr>
+                      <a:r>
+                        <a:rPr lang="en-GB" sz="900">
+                          <a:effectLst/>
+                        </a:rPr>
+                        <a:t>1</a:t>
+                      </a:r>
+                      <a:endParaRPr lang="en-GB" sz="900">
+                        <a:effectLst/>
+                        <a:latin typeface="Calibri" panose="020F0502020204030204" pitchFamily="34" charset="0"/>
+                        <a:ea typeface="Calibri" panose="020F0502020204030204" pitchFamily="34" charset="0"/>
+                        <a:cs typeface="Times New Roman" panose="02020603050405020304" pitchFamily="18" charset="0"/>
+                      </a:endParaRPr>
+                    </a:p>
+                  </a:txBody>
+                  <a:tcPr marL="53537" marR="53537" marT="0" marB="0"/>
+                </a:tc>
+                <a:extLst>
+                  <a:ext uri="{0D108BD9-81ED-4DB2-BD59-A6C34878D82A}">
+                    <a16:rowId xmlns:a16="http://schemas.microsoft.com/office/drawing/2014/main" val="2414680188"/>
+                  </a:ext>
+                </a:extLst>
+              </a:tr>
+              <a:tr h="636498">
+                <a:tc>
+                  <a:txBody>
+                    <a:bodyPr/>
+                    <a:lstStyle/>
+                    <a:p>
+                      <a:pPr>
+                        <a:lnSpc>
+                          <a:spcPct val="107000"/>
+                        </a:lnSpc>
+                        <a:spcAft>
+                          <a:spcPts val="0"/>
+                        </a:spcAft>
+                      </a:pPr>
+                      <a:r>
+                        <a:rPr lang="en-GB" sz="900">
+                          <a:effectLst/>
+                        </a:rPr>
+                        <a:t>2</a:t>
+                      </a:r>
+                      <a:endParaRPr lang="en-GB" sz="900">
+                        <a:effectLst/>
+                        <a:latin typeface="Calibri" panose="020F0502020204030204" pitchFamily="34" charset="0"/>
+                        <a:ea typeface="Calibri" panose="020F0502020204030204" pitchFamily="34" charset="0"/>
+                        <a:cs typeface="Times New Roman" panose="02020603050405020304" pitchFamily="18" charset="0"/>
+                      </a:endParaRPr>
+                    </a:p>
+                  </a:txBody>
+                  <a:tcPr marL="53537" marR="53537" marT="0" marB="0"/>
+                </a:tc>
+                <a:tc>
+                  <a:txBody>
+                    <a:bodyPr/>
+                    <a:lstStyle/>
+                    <a:p>
+                      <a:pPr>
+                        <a:lnSpc>
+                          <a:spcPct val="107000"/>
+                        </a:lnSpc>
+                        <a:spcAft>
+                          <a:spcPts val="0"/>
+                        </a:spcAft>
+                      </a:pPr>
+                      <a:r>
+                        <a:rPr lang="en-GB" sz="800">
+                          <a:effectLst/>
+                        </a:rPr>
+                        <a:t>Create a playlist that’s relating the new headlines of the day </a:t>
+                      </a:r>
+                      <a:endParaRPr lang="en-GB" sz="900">
+                        <a:effectLst/>
+                      </a:endParaRPr>
+                    </a:p>
+                    <a:p>
+                      <a:pPr>
+                        <a:lnSpc>
+                          <a:spcPct val="107000"/>
+                        </a:lnSpc>
+                        <a:spcAft>
+                          <a:spcPts val="0"/>
+                        </a:spcAft>
+                      </a:pPr>
+                      <a:r>
+                        <a:rPr lang="en-GB" sz="800">
+                          <a:effectLst/>
+                        </a:rPr>
+                        <a:t> </a:t>
+                      </a:r>
+                      <a:endParaRPr lang="en-GB" sz="900">
+                        <a:effectLst/>
+                      </a:endParaRPr>
+                    </a:p>
+                    <a:p>
+                      <a:pPr algn="just">
+                        <a:lnSpc>
+                          <a:spcPct val="107000"/>
+                        </a:lnSpc>
+                        <a:spcAft>
+                          <a:spcPts val="0"/>
+                        </a:spcAft>
+                      </a:pPr>
+                      <a:r>
+                        <a:rPr lang="en-GB" sz="800">
+                          <a:effectLst/>
+                        </a:rPr>
+                        <a:t> </a:t>
+                      </a:r>
+                      <a:endParaRPr lang="en-GB" sz="900">
+                        <a:effectLst/>
+                        <a:latin typeface="Calibri" panose="020F0502020204030204" pitchFamily="34" charset="0"/>
+                        <a:ea typeface="Calibri" panose="020F0502020204030204" pitchFamily="34" charset="0"/>
+                        <a:cs typeface="Times New Roman" panose="02020603050405020304" pitchFamily="18" charset="0"/>
+                      </a:endParaRPr>
+                    </a:p>
+                  </a:txBody>
+                  <a:tcPr marL="53537" marR="53537" marT="0" marB="0"/>
+                </a:tc>
+                <a:tc>
+                  <a:txBody>
+                    <a:bodyPr/>
+                    <a:lstStyle/>
+                    <a:p>
+                      <a:pPr>
+                        <a:lnSpc>
+                          <a:spcPct val="107000"/>
+                        </a:lnSpc>
+                        <a:spcAft>
+                          <a:spcPts val="0"/>
+                        </a:spcAft>
+                      </a:pPr>
+                      <a:r>
+                        <a:rPr lang="en-GB" sz="900">
+                          <a:effectLst/>
+                        </a:rPr>
+                        <a:t> </a:t>
+                      </a:r>
+                      <a:endParaRPr lang="en-GB" sz="900">
+                        <a:effectLst/>
+                        <a:latin typeface="Calibri" panose="020F0502020204030204" pitchFamily="34" charset="0"/>
+                        <a:ea typeface="Calibri" panose="020F0502020204030204" pitchFamily="34" charset="0"/>
+                        <a:cs typeface="Times New Roman" panose="02020603050405020304" pitchFamily="18" charset="0"/>
+                      </a:endParaRPr>
+                    </a:p>
+                  </a:txBody>
+                  <a:tcPr marL="53537" marR="53537" marT="0" marB="0"/>
+                </a:tc>
+                <a:tc>
+                  <a:txBody>
+                    <a:bodyPr/>
+                    <a:lstStyle/>
+                    <a:p>
+                      <a:pPr>
+                        <a:lnSpc>
+                          <a:spcPct val="107000"/>
+                        </a:lnSpc>
+                        <a:spcAft>
+                          <a:spcPts val="0"/>
+                        </a:spcAft>
+                      </a:pPr>
+                      <a:r>
+                        <a:rPr lang="en-GB" sz="900">
+                          <a:effectLst/>
+                        </a:rPr>
+                        <a:t> </a:t>
+                      </a:r>
+                      <a:endParaRPr lang="en-GB" sz="900">
+                        <a:effectLst/>
+                        <a:latin typeface="Calibri" panose="020F0502020204030204" pitchFamily="34" charset="0"/>
+                        <a:ea typeface="Calibri" panose="020F0502020204030204" pitchFamily="34" charset="0"/>
+                        <a:cs typeface="Times New Roman" panose="02020603050405020304" pitchFamily="18" charset="0"/>
+                      </a:endParaRPr>
+                    </a:p>
+                  </a:txBody>
+                  <a:tcPr marL="53537" marR="53537" marT="0" marB="0"/>
+                </a:tc>
+                <a:tc>
+                  <a:txBody>
+                    <a:bodyPr/>
+                    <a:lstStyle/>
+                    <a:p>
+                      <a:pPr>
+                        <a:lnSpc>
+                          <a:spcPct val="107000"/>
+                        </a:lnSpc>
+                        <a:spcAft>
+                          <a:spcPts val="0"/>
+                        </a:spcAft>
+                      </a:pPr>
+                      <a:r>
+                        <a:rPr lang="en-GB" sz="900">
+                          <a:effectLst/>
+                        </a:rPr>
+                        <a:t>2</a:t>
+                      </a:r>
+                      <a:endParaRPr lang="en-GB" sz="900">
+                        <a:effectLst/>
+                        <a:latin typeface="Calibri" panose="020F0502020204030204" pitchFamily="34" charset="0"/>
+                        <a:ea typeface="Calibri" panose="020F0502020204030204" pitchFamily="34" charset="0"/>
+                        <a:cs typeface="Times New Roman" panose="02020603050405020304" pitchFamily="18" charset="0"/>
+                      </a:endParaRPr>
+                    </a:p>
+                  </a:txBody>
+                  <a:tcPr marL="53537" marR="53537" marT="0" marB="0"/>
+                </a:tc>
+                <a:extLst>
+                  <a:ext uri="{0D108BD9-81ED-4DB2-BD59-A6C34878D82A}">
+                    <a16:rowId xmlns:a16="http://schemas.microsoft.com/office/drawing/2014/main" val="1878458424"/>
+                  </a:ext>
+                </a:extLst>
+              </a:tr>
+              <a:tr h="891097">
+                <a:tc>
+                  <a:txBody>
+                    <a:bodyPr/>
+                    <a:lstStyle/>
+                    <a:p>
+                      <a:pPr>
+                        <a:lnSpc>
+                          <a:spcPct val="107000"/>
+                        </a:lnSpc>
+                        <a:spcAft>
+                          <a:spcPts val="0"/>
+                        </a:spcAft>
+                      </a:pPr>
+                      <a:r>
+                        <a:rPr lang="en-GB" sz="900">
+                          <a:effectLst/>
+                        </a:rPr>
+                        <a:t>3</a:t>
+                      </a:r>
+                      <a:endParaRPr lang="en-GB" sz="900">
+                        <a:effectLst/>
+                        <a:latin typeface="Calibri" panose="020F0502020204030204" pitchFamily="34" charset="0"/>
+                        <a:ea typeface="Calibri" panose="020F0502020204030204" pitchFamily="34" charset="0"/>
+                        <a:cs typeface="Times New Roman" panose="02020603050405020304" pitchFamily="18" charset="0"/>
+                      </a:endParaRPr>
+                    </a:p>
+                  </a:txBody>
+                  <a:tcPr marL="53537" marR="53537" marT="0" marB="0"/>
+                </a:tc>
+                <a:tc>
+                  <a:txBody>
+                    <a:bodyPr/>
+                    <a:lstStyle/>
+                    <a:p>
+                      <a:pPr algn="just">
+                        <a:lnSpc>
+                          <a:spcPct val="107000"/>
+                        </a:lnSpc>
+                        <a:spcAft>
+                          <a:spcPts val="0"/>
+                        </a:spcAft>
+                      </a:pPr>
+                      <a:r>
+                        <a:rPr lang="en-GB" sz="800">
+                          <a:effectLst/>
+                        </a:rPr>
+                        <a:t>As a user I would like a user friendly, easy and efficient GUI so that my experience is pleasant and enjoyable. </a:t>
+                      </a:r>
+                      <a:endParaRPr lang="en-GB" sz="900">
+                        <a:effectLst/>
+                      </a:endParaRPr>
+                    </a:p>
+                    <a:p>
+                      <a:pPr>
+                        <a:lnSpc>
+                          <a:spcPct val="107000"/>
+                        </a:lnSpc>
+                        <a:spcAft>
+                          <a:spcPts val="0"/>
+                        </a:spcAft>
+                      </a:pPr>
+                      <a:r>
+                        <a:rPr lang="en-GB" sz="800">
+                          <a:effectLst/>
+                        </a:rPr>
+                        <a:t> </a:t>
+                      </a:r>
+                      <a:endParaRPr lang="en-GB" sz="900">
+                        <a:effectLst/>
+                      </a:endParaRPr>
+                    </a:p>
+                    <a:p>
+                      <a:pPr>
+                        <a:lnSpc>
+                          <a:spcPct val="107000"/>
+                        </a:lnSpc>
+                        <a:spcAft>
+                          <a:spcPts val="0"/>
+                        </a:spcAft>
+                      </a:pPr>
+                      <a:r>
+                        <a:rPr lang="en-GB" sz="800">
+                          <a:effectLst/>
+                        </a:rPr>
+                        <a:t> </a:t>
+                      </a:r>
+                      <a:endParaRPr lang="en-GB" sz="900">
+                        <a:effectLst/>
+                        <a:latin typeface="Calibri" panose="020F0502020204030204" pitchFamily="34" charset="0"/>
+                        <a:ea typeface="Calibri" panose="020F0502020204030204" pitchFamily="34" charset="0"/>
+                        <a:cs typeface="Times New Roman" panose="02020603050405020304" pitchFamily="18" charset="0"/>
+                      </a:endParaRPr>
+                    </a:p>
+                  </a:txBody>
+                  <a:tcPr marL="53537" marR="53537" marT="0" marB="0"/>
+                </a:tc>
+                <a:tc>
+                  <a:txBody>
+                    <a:bodyPr/>
+                    <a:lstStyle/>
+                    <a:p>
+                      <a:pPr>
+                        <a:lnSpc>
+                          <a:spcPct val="107000"/>
+                        </a:lnSpc>
+                        <a:spcAft>
+                          <a:spcPts val="0"/>
+                        </a:spcAft>
+                      </a:pPr>
+                      <a:r>
+                        <a:rPr lang="en-GB" sz="900">
+                          <a:effectLst/>
+                        </a:rPr>
+                        <a:t> </a:t>
+                      </a:r>
+                      <a:endParaRPr lang="en-GB" sz="900">
+                        <a:effectLst/>
+                        <a:latin typeface="Calibri" panose="020F0502020204030204" pitchFamily="34" charset="0"/>
+                        <a:ea typeface="Calibri" panose="020F0502020204030204" pitchFamily="34" charset="0"/>
+                        <a:cs typeface="Times New Roman" panose="02020603050405020304" pitchFamily="18" charset="0"/>
+                      </a:endParaRPr>
+                    </a:p>
+                  </a:txBody>
+                  <a:tcPr marL="53537" marR="53537" marT="0" marB="0"/>
+                </a:tc>
+                <a:tc>
+                  <a:txBody>
+                    <a:bodyPr/>
+                    <a:lstStyle/>
+                    <a:p>
+                      <a:pPr>
+                        <a:lnSpc>
+                          <a:spcPct val="107000"/>
+                        </a:lnSpc>
+                        <a:spcAft>
+                          <a:spcPts val="0"/>
+                        </a:spcAft>
+                      </a:pPr>
+                      <a:r>
+                        <a:rPr lang="en-GB" sz="900" dirty="0">
+                          <a:effectLst/>
+                        </a:rPr>
+                        <a:t> </a:t>
+                      </a:r>
+                      <a:endParaRPr lang="en-GB" sz="900" dirty="0">
+                        <a:effectLst/>
+                        <a:latin typeface="Calibri" panose="020F0502020204030204" pitchFamily="34" charset="0"/>
+                        <a:ea typeface="Calibri" panose="020F0502020204030204" pitchFamily="34" charset="0"/>
+                        <a:cs typeface="Times New Roman" panose="02020603050405020304" pitchFamily="18" charset="0"/>
+                      </a:endParaRPr>
+                    </a:p>
+                  </a:txBody>
+                  <a:tcPr marL="53537" marR="53537" marT="0" marB="0"/>
+                </a:tc>
+                <a:tc>
+                  <a:txBody>
+                    <a:bodyPr/>
+                    <a:lstStyle/>
+                    <a:p>
+                      <a:pPr>
+                        <a:lnSpc>
+                          <a:spcPct val="107000"/>
+                        </a:lnSpc>
+                        <a:spcAft>
+                          <a:spcPts val="0"/>
+                        </a:spcAft>
+                      </a:pPr>
+                      <a:r>
+                        <a:rPr lang="en-GB" sz="900">
+                          <a:effectLst/>
+                        </a:rPr>
+                        <a:t>3</a:t>
+                      </a:r>
+                      <a:endParaRPr lang="en-GB" sz="900">
+                        <a:effectLst/>
+                        <a:latin typeface="Calibri" panose="020F0502020204030204" pitchFamily="34" charset="0"/>
+                        <a:ea typeface="Calibri" panose="020F0502020204030204" pitchFamily="34" charset="0"/>
+                        <a:cs typeface="Times New Roman" panose="02020603050405020304" pitchFamily="18" charset="0"/>
+                      </a:endParaRPr>
+                    </a:p>
+                  </a:txBody>
+                  <a:tcPr marL="53537" marR="53537" marT="0" marB="0"/>
+                </a:tc>
+                <a:extLst>
+                  <a:ext uri="{0D108BD9-81ED-4DB2-BD59-A6C34878D82A}">
+                    <a16:rowId xmlns:a16="http://schemas.microsoft.com/office/drawing/2014/main" val="4124026374"/>
+                  </a:ext>
+                </a:extLst>
+              </a:tr>
+              <a:tr h="394639">
+                <a:tc>
+                  <a:txBody>
+                    <a:bodyPr/>
+                    <a:lstStyle/>
+                    <a:p>
+                      <a:pPr>
+                        <a:lnSpc>
+                          <a:spcPct val="107000"/>
+                        </a:lnSpc>
+                        <a:spcAft>
+                          <a:spcPts val="0"/>
+                        </a:spcAft>
+                      </a:pPr>
+                      <a:r>
+                        <a:rPr lang="en-GB" sz="900">
+                          <a:effectLst/>
+                        </a:rPr>
+                        <a:t>4</a:t>
+                      </a:r>
+                      <a:endParaRPr lang="en-GB" sz="900">
+                        <a:effectLst/>
+                        <a:latin typeface="Calibri" panose="020F0502020204030204" pitchFamily="34" charset="0"/>
+                        <a:ea typeface="Calibri" panose="020F0502020204030204" pitchFamily="34" charset="0"/>
+                        <a:cs typeface="Times New Roman" panose="02020603050405020304" pitchFamily="18" charset="0"/>
+                      </a:endParaRPr>
+                    </a:p>
+                  </a:txBody>
+                  <a:tcPr marL="53537" marR="53537" marT="0" marB="0"/>
+                </a:tc>
+                <a:tc>
+                  <a:txBody>
+                    <a:bodyPr/>
+                    <a:lstStyle/>
+                    <a:p>
+                      <a:pPr algn="just">
+                        <a:lnSpc>
+                          <a:spcPct val="107000"/>
+                        </a:lnSpc>
+                        <a:spcAft>
+                          <a:spcPts val="0"/>
+                        </a:spcAft>
+                      </a:pPr>
+                      <a:r>
+                        <a:rPr lang="en-GB" sz="800">
+                          <a:effectLst/>
+                        </a:rPr>
+                        <a:t>Saving the playlist to the users account</a:t>
+                      </a:r>
+                      <a:endParaRPr lang="en-GB" sz="900">
+                        <a:effectLst/>
+                      </a:endParaRPr>
+                    </a:p>
+                    <a:p>
+                      <a:pPr algn="just">
+                        <a:lnSpc>
+                          <a:spcPct val="107000"/>
+                        </a:lnSpc>
+                        <a:spcAft>
+                          <a:spcPts val="0"/>
+                        </a:spcAft>
+                      </a:pPr>
+                      <a:r>
+                        <a:rPr lang="en-GB" sz="900">
+                          <a:effectLst/>
+                        </a:rPr>
+                        <a:t> </a:t>
+                      </a:r>
+                      <a:endParaRPr lang="en-GB" sz="900">
+                        <a:effectLst/>
+                        <a:latin typeface="Calibri" panose="020F0502020204030204" pitchFamily="34" charset="0"/>
+                        <a:ea typeface="Calibri" panose="020F0502020204030204" pitchFamily="34" charset="0"/>
+                        <a:cs typeface="Times New Roman" panose="02020603050405020304" pitchFamily="18" charset="0"/>
+                      </a:endParaRPr>
+                    </a:p>
+                  </a:txBody>
+                  <a:tcPr marL="53537" marR="53537" marT="0" marB="0"/>
+                </a:tc>
+                <a:tc>
+                  <a:txBody>
+                    <a:bodyPr/>
+                    <a:lstStyle/>
+                    <a:p>
+                      <a:pPr>
+                        <a:lnSpc>
+                          <a:spcPct val="107000"/>
+                        </a:lnSpc>
+                        <a:spcAft>
+                          <a:spcPts val="0"/>
+                        </a:spcAft>
+                      </a:pPr>
+                      <a:r>
+                        <a:rPr lang="en-GB" sz="900">
+                          <a:effectLst/>
+                        </a:rPr>
+                        <a:t> </a:t>
+                      </a:r>
+                      <a:endParaRPr lang="en-GB" sz="900">
+                        <a:effectLst/>
+                        <a:latin typeface="Calibri" panose="020F0502020204030204" pitchFamily="34" charset="0"/>
+                        <a:ea typeface="Calibri" panose="020F0502020204030204" pitchFamily="34" charset="0"/>
+                        <a:cs typeface="Times New Roman" panose="02020603050405020304" pitchFamily="18" charset="0"/>
+                      </a:endParaRPr>
+                    </a:p>
+                  </a:txBody>
+                  <a:tcPr marL="53537" marR="53537" marT="0" marB="0"/>
+                </a:tc>
+                <a:tc>
+                  <a:txBody>
+                    <a:bodyPr/>
+                    <a:lstStyle/>
+                    <a:p>
+                      <a:pPr>
+                        <a:lnSpc>
+                          <a:spcPct val="107000"/>
+                        </a:lnSpc>
+                        <a:spcAft>
+                          <a:spcPts val="0"/>
+                        </a:spcAft>
+                      </a:pPr>
+                      <a:r>
+                        <a:rPr lang="en-GB" sz="900">
+                          <a:effectLst/>
+                        </a:rPr>
+                        <a:t> </a:t>
+                      </a:r>
+                      <a:endParaRPr lang="en-GB" sz="900">
+                        <a:effectLst/>
+                        <a:latin typeface="Calibri" panose="020F0502020204030204" pitchFamily="34" charset="0"/>
+                        <a:ea typeface="Calibri" panose="020F0502020204030204" pitchFamily="34" charset="0"/>
+                        <a:cs typeface="Times New Roman" panose="02020603050405020304" pitchFamily="18" charset="0"/>
+                      </a:endParaRPr>
+                    </a:p>
+                  </a:txBody>
+                  <a:tcPr marL="53537" marR="53537" marT="0" marB="0"/>
+                </a:tc>
+                <a:tc>
+                  <a:txBody>
+                    <a:bodyPr/>
+                    <a:lstStyle/>
+                    <a:p>
+                      <a:pPr>
+                        <a:lnSpc>
+                          <a:spcPct val="107000"/>
+                        </a:lnSpc>
+                        <a:spcAft>
+                          <a:spcPts val="0"/>
+                        </a:spcAft>
+                      </a:pPr>
+                      <a:r>
+                        <a:rPr lang="en-GB" sz="900">
+                          <a:effectLst/>
+                        </a:rPr>
+                        <a:t>4</a:t>
+                      </a:r>
+                      <a:endParaRPr lang="en-GB" sz="900">
+                        <a:effectLst/>
+                        <a:latin typeface="Calibri" panose="020F0502020204030204" pitchFamily="34" charset="0"/>
+                        <a:ea typeface="Calibri" panose="020F0502020204030204" pitchFamily="34" charset="0"/>
+                        <a:cs typeface="Times New Roman" panose="02020603050405020304" pitchFamily="18" charset="0"/>
+                      </a:endParaRPr>
+                    </a:p>
+                  </a:txBody>
+                  <a:tcPr marL="53537" marR="53537" marT="0" marB="0"/>
+                </a:tc>
+                <a:extLst>
+                  <a:ext uri="{0D108BD9-81ED-4DB2-BD59-A6C34878D82A}">
+                    <a16:rowId xmlns:a16="http://schemas.microsoft.com/office/drawing/2014/main" val="1984354453"/>
+                  </a:ext>
+                </a:extLst>
+              </a:tr>
+              <a:tr h="547418">
+                <a:tc>
+                  <a:txBody>
+                    <a:bodyPr/>
+                    <a:lstStyle/>
+                    <a:p>
+                      <a:pPr>
+                        <a:lnSpc>
+                          <a:spcPct val="107000"/>
+                        </a:lnSpc>
+                        <a:spcAft>
+                          <a:spcPts val="0"/>
+                        </a:spcAft>
+                      </a:pPr>
+                      <a:r>
+                        <a:rPr lang="en-GB" sz="900">
+                          <a:effectLst/>
+                        </a:rPr>
+                        <a:t>5</a:t>
+                      </a:r>
+                      <a:endParaRPr lang="en-GB" sz="900">
+                        <a:effectLst/>
+                        <a:latin typeface="Calibri" panose="020F0502020204030204" pitchFamily="34" charset="0"/>
+                        <a:ea typeface="Calibri" panose="020F0502020204030204" pitchFamily="34" charset="0"/>
+                        <a:cs typeface="Times New Roman" panose="02020603050405020304" pitchFamily="18" charset="0"/>
+                      </a:endParaRPr>
+                    </a:p>
+                  </a:txBody>
+                  <a:tcPr marL="53537" marR="53537" marT="0" marB="0"/>
+                </a:tc>
+                <a:tc>
+                  <a:txBody>
+                    <a:bodyPr/>
+                    <a:lstStyle/>
+                    <a:p>
+                      <a:pPr algn="just">
+                        <a:lnSpc>
+                          <a:spcPct val="107000"/>
+                        </a:lnSpc>
+                        <a:spcAft>
+                          <a:spcPts val="0"/>
+                        </a:spcAft>
+                      </a:pPr>
+                      <a:r>
+                        <a:rPr lang="en-GB" sz="900">
+                          <a:effectLst/>
+                        </a:rPr>
+                        <a:t>As a user I want to read the article related to the song on the playlist</a:t>
+                      </a:r>
+                    </a:p>
+                    <a:p>
+                      <a:pPr>
+                        <a:lnSpc>
+                          <a:spcPct val="107000"/>
+                        </a:lnSpc>
+                        <a:spcAft>
+                          <a:spcPts val="0"/>
+                        </a:spcAft>
+                      </a:pPr>
+                      <a:r>
+                        <a:rPr lang="en-GB" sz="800">
+                          <a:effectLst/>
+                        </a:rPr>
+                        <a:t> </a:t>
+                      </a:r>
+                      <a:endParaRPr lang="en-GB" sz="900">
+                        <a:effectLst/>
+                        <a:latin typeface="Calibri" panose="020F0502020204030204" pitchFamily="34" charset="0"/>
+                        <a:ea typeface="Calibri" panose="020F0502020204030204" pitchFamily="34" charset="0"/>
+                        <a:cs typeface="Times New Roman" panose="02020603050405020304" pitchFamily="18" charset="0"/>
+                      </a:endParaRPr>
+                    </a:p>
+                  </a:txBody>
+                  <a:tcPr marL="53537" marR="53537" marT="0" marB="0"/>
+                </a:tc>
+                <a:tc>
+                  <a:txBody>
+                    <a:bodyPr/>
+                    <a:lstStyle/>
+                    <a:p>
+                      <a:pPr>
+                        <a:lnSpc>
+                          <a:spcPct val="107000"/>
+                        </a:lnSpc>
+                        <a:spcAft>
+                          <a:spcPts val="0"/>
+                        </a:spcAft>
+                      </a:pPr>
+                      <a:r>
+                        <a:rPr lang="en-GB" sz="900">
+                          <a:effectLst/>
+                        </a:rPr>
+                        <a:t> </a:t>
+                      </a:r>
+                      <a:endParaRPr lang="en-GB" sz="900">
+                        <a:effectLst/>
+                        <a:latin typeface="Calibri" panose="020F0502020204030204" pitchFamily="34" charset="0"/>
+                        <a:ea typeface="Calibri" panose="020F0502020204030204" pitchFamily="34" charset="0"/>
+                        <a:cs typeface="Times New Roman" panose="02020603050405020304" pitchFamily="18" charset="0"/>
+                      </a:endParaRPr>
+                    </a:p>
+                  </a:txBody>
+                  <a:tcPr marL="53537" marR="53537" marT="0" marB="0"/>
+                </a:tc>
+                <a:tc>
+                  <a:txBody>
+                    <a:bodyPr/>
+                    <a:lstStyle/>
+                    <a:p>
+                      <a:pPr>
+                        <a:lnSpc>
+                          <a:spcPct val="107000"/>
+                        </a:lnSpc>
+                        <a:spcAft>
+                          <a:spcPts val="0"/>
+                        </a:spcAft>
+                      </a:pPr>
+                      <a:r>
+                        <a:rPr lang="en-GB" sz="900">
+                          <a:effectLst/>
+                        </a:rPr>
+                        <a:t> </a:t>
+                      </a:r>
+                      <a:endParaRPr lang="en-GB" sz="900">
+                        <a:effectLst/>
+                        <a:latin typeface="Calibri" panose="020F0502020204030204" pitchFamily="34" charset="0"/>
+                        <a:ea typeface="Calibri" panose="020F0502020204030204" pitchFamily="34" charset="0"/>
+                        <a:cs typeface="Times New Roman" panose="02020603050405020304" pitchFamily="18" charset="0"/>
+                      </a:endParaRPr>
+                    </a:p>
+                  </a:txBody>
+                  <a:tcPr marL="53537" marR="53537" marT="0" marB="0"/>
+                </a:tc>
+                <a:tc>
+                  <a:txBody>
+                    <a:bodyPr/>
+                    <a:lstStyle/>
+                    <a:p>
+                      <a:pPr>
+                        <a:lnSpc>
+                          <a:spcPct val="107000"/>
+                        </a:lnSpc>
+                        <a:spcAft>
+                          <a:spcPts val="0"/>
+                        </a:spcAft>
+                      </a:pPr>
+                      <a:r>
+                        <a:rPr lang="en-GB" sz="900">
+                          <a:effectLst/>
+                        </a:rPr>
+                        <a:t>5</a:t>
+                      </a:r>
+                      <a:endParaRPr lang="en-GB" sz="900">
+                        <a:effectLst/>
+                        <a:latin typeface="Calibri" panose="020F0502020204030204" pitchFamily="34" charset="0"/>
+                        <a:ea typeface="Calibri" panose="020F0502020204030204" pitchFamily="34" charset="0"/>
+                        <a:cs typeface="Times New Roman" panose="02020603050405020304" pitchFamily="18" charset="0"/>
+                      </a:endParaRPr>
+                    </a:p>
+                  </a:txBody>
+                  <a:tcPr marL="53537" marR="53537" marT="0" marB="0"/>
+                </a:tc>
+                <a:extLst>
+                  <a:ext uri="{0D108BD9-81ED-4DB2-BD59-A6C34878D82A}">
+                    <a16:rowId xmlns:a16="http://schemas.microsoft.com/office/drawing/2014/main" val="2155195183"/>
+                  </a:ext>
+                </a:extLst>
+              </a:tr>
+              <a:tr h="636498">
+                <a:tc>
+                  <a:txBody>
+                    <a:bodyPr/>
+                    <a:lstStyle/>
+                    <a:p>
+                      <a:pPr>
+                        <a:lnSpc>
+                          <a:spcPct val="107000"/>
+                        </a:lnSpc>
+                        <a:spcAft>
+                          <a:spcPts val="0"/>
+                        </a:spcAft>
+                      </a:pPr>
+                      <a:r>
+                        <a:rPr lang="en-GB" sz="900">
+                          <a:effectLst/>
+                        </a:rPr>
+                        <a:t>6</a:t>
+                      </a:r>
+                      <a:endParaRPr lang="en-GB" sz="900">
+                        <a:effectLst/>
+                        <a:latin typeface="Calibri" panose="020F0502020204030204" pitchFamily="34" charset="0"/>
+                        <a:ea typeface="Calibri" panose="020F0502020204030204" pitchFamily="34" charset="0"/>
+                        <a:cs typeface="Times New Roman" panose="02020603050405020304" pitchFamily="18" charset="0"/>
+                      </a:endParaRPr>
+                    </a:p>
+                  </a:txBody>
+                  <a:tcPr marL="53537" marR="53537" marT="0" marB="0"/>
+                </a:tc>
+                <a:tc>
+                  <a:txBody>
+                    <a:bodyPr/>
+                    <a:lstStyle/>
+                    <a:p>
+                      <a:pPr>
+                        <a:lnSpc>
+                          <a:spcPct val="107000"/>
+                        </a:lnSpc>
+                        <a:spcAft>
+                          <a:spcPts val="0"/>
+                        </a:spcAft>
+                      </a:pPr>
+                      <a:r>
+                        <a:rPr lang="en-GB" sz="800">
+                          <a:effectLst/>
+                        </a:rPr>
+                        <a:t>As a user I would like to be able to download my news related playlist to listen offline</a:t>
+                      </a:r>
+                      <a:endParaRPr lang="en-GB" sz="900">
+                        <a:effectLst/>
+                      </a:endParaRPr>
+                    </a:p>
+                    <a:p>
+                      <a:pPr>
+                        <a:lnSpc>
+                          <a:spcPct val="107000"/>
+                        </a:lnSpc>
+                        <a:spcAft>
+                          <a:spcPts val="0"/>
+                        </a:spcAft>
+                      </a:pPr>
+                      <a:r>
+                        <a:rPr lang="en-GB" sz="800">
+                          <a:effectLst/>
+                        </a:rPr>
+                        <a:t> </a:t>
+                      </a:r>
+                      <a:endParaRPr lang="en-GB" sz="900">
+                        <a:effectLst/>
+                        <a:latin typeface="Calibri" panose="020F0502020204030204" pitchFamily="34" charset="0"/>
+                        <a:ea typeface="Calibri" panose="020F0502020204030204" pitchFamily="34" charset="0"/>
+                        <a:cs typeface="Times New Roman" panose="02020603050405020304" pitchFamily="18" charset="0"/>
+                      </a:endParaRPr>
+                    </a:p>
+                  </a:txBody>
+                  <a:tcPr marL="53537" marR="53537" marT="0" marB="0"/>
+                </a:tc>
+                <a:tc>
+                  <a:txBody>
+                    <a:bodyPr/>
+                    <a:lstStyle/>
+                    <a:p>
+                      <a:pPr>
+                        <a:lnSpc>
+                          <a:spcPct val="107000"/>
+                        </a:lnSpc>
+                        <a:spcAft>
+                          <a:spcPts val="0"/>
+                        </a:spcAft>
+                      </a:pPr>
+                      <a:r>
+                        <a:rPr lang="en-GB" sz="900">
+                          <a:effectLst/>
+                        </a:rPr>
+                        <a:t> </a:t>
+                      </a:r>
+                      <a:endParaRPr lang="en-GB" sz="900">
+                        <a:effectLst/>
+                        <a:latin typeface="Calibri" panose="020F0502020204030204" pitchFamily="34" charset="0"/>
+                        <a:ea typeface="Calibri" panose="020F0502020204030204" pitchFamily="34" charset="0"/>
+                        <a:cs typeface="Times New Roman" panose="02020603050405020304" pitchFamily="18" charset="0"/>
+                      </a:endParaRPr>
+                    </a:p>
+                  </a:txBody>
+                  <a:tcPr marL="53537" marR="53537" marT="0" marB="0"/>
+                </a:tc>
+                <a:tc>
+                  <a:txBody>
+                    <a:bodyPr/>
+                    <a:lstStyle/>
+                    <a:p>
+                      <a:pPr>
+                        <a:lnSpc>
+                          <a:spcPct val="107000"/>
+                        </a:lnSpc>
+                        <a:spcAft>
+                          <a:spcPts val="0"/>
+                        </a:spcAft>
+                      </a:pPr>
+                      <a:r>
+                        <a:rPr lang="en-GB" sz="900">
+                          <a:effectLst/>
+                        </a:rPr>
+                        <a:t> </a:t>
+                      </a:r>
+                      <a:endParaRPr lang="en-GB" sz="900">
+                        <a:effectLst/>
+                        <a:latin typeface="Calibri" panose="020F0502020204030204" pitchFamily="34" charset="0"/>
+                        <a:ea typeface="Calibri" panose="020F0502020204030204" pitchFamily="34" charset="0"/>
+                        <a:cs typeface="Times New Roman" panose="02020603050405020304" pitchFamily="18" charset="0"/>
+                      </a:endParaRPr>
+                    </a:p>
+                  </a:txBody>
+                  <a:tcPr marL="53537" marR="53537" marT="0" marB="0"/>
+                </a:tc>
+                <a:tc>
+                  <a:txBody>
+                    <a:bodyPr/>
+                    <a:lstStyle/>
+                    <a:p>
+                      <a:pPr>
+                        <a:lnSpc>
+                          <a:spcPct val="107000"/>
+                        </a:lnSpc>
+                        <a:spcAft>
+                          <a:spcPts val="0"/>
+                        </a:spcAft>
+                      </a:pPr>
+                      <a:r>
+                        <a:rPr lang="en-GB" sz="900" dirty="0">
+                          <a:effectLst/>
+                        </a:rPr>
+                        <a:t>6</a:t>
+                      </a:r>
+                      <a:endParaRPr lang="en-GB" sz="900" dirty="0">
+                        <a:effectLst/>
+                        <a:latin typeface="Calibri" panose="020F0502020204030204" pitchFamily="34" charset="0"/>
+                        <a:ea typeface="Calibri" panose="020F0502020204030204" pitchFamily="34" charset="0"/>
+                        <a:cs typeface="Times New Roman" panose="02020603050405020304" pitchFamily="18" charset="0"/>
+                      </a:endParaRPr>
+                    </a:p>
+                  </a:txBody>
+                  <a:tcPr marL="53537" marR="53537" marT="0" marB="0"/>
+                </a:tc>
+                <a:extLst>
+                  <a:ext uri="{0D108BD9-81ED-4DB2-BD59-A6C34878D82A}">
+                    <a16:rowId xmlns:a16="http://schemas.microsoft.com/office/drawing/2014/main" val="3468224109"/>
+                  </a:ext>
+                </a:extLst>
+              </a:tr>
+            </a:tbl>
+          </a:graphicData>
+        </a:graphic>
+      </p:graphicFrame>
+    </p:spTree>
+    <p:extLst>
+      <p:ext uri="{BB962C8B-B14F-4D97-AF65-F5344CB8AC3E}">
+        <p14:creationId xmlns:p14="http://schemas.microsoft.com/office/powerpoint/2010/main" val="2427580210"/>
+      </p:ext>
+    </p:extLst>
+  </p:cSld>
+  <p:clrMapOvr>
+    <a:masterClrMapping/>
+  </p:clrMapOvr>
+</p:sld>
+</file>
+
+<file path=ppt/slides/slide5.xml><?xml version="1.0" encoding="utf-8"?>
+<p:sld xmlns:a="http://schemas.openxmlformats.org/drawingml/2006/main" xmlns:r="http://schemas.openxmlformats.org/officeDocument/2006/relationships" xmlns:p="http://schemas.openxmlformats.org/presentationml/2006/main">
+  <p:cSld>
+    <p:spTree>
+      <p:nvGrpSpPr>
+        <p:cNvPr id="1" name=""/>
+        <p:cNvGrpSpPr/>
+        <p:nvPr/>
+      </p:nvGrpSpPr>
+      <p:grpSpPr>
+        <a:xfrm>
+          <a:off x="0" y="0"/>
+          <a:ext cx="0" cy="0"/>
+          <a:chOff x="0" y="0"/>
+          <a:chExt cx="0" cy="0"/>
+        </a:xfrm>
+      </p:grpSpPr>
+      <p:sp>
+        <p:nvSpPr>
+          <p:cNvPr id="2" name="Title 1"/>
+          <p:cNvSpPr>
+            <a:spLocks noGrp="1"/>
+          </p:cNvSpPr>
+          <p:nvPr>
+            <p:ph type="title"/>
+          </p:nvPr>
+        </p:nvSpPr>
+        <p:spPr>
+          <a:xfrm>
+            <a:off x="907749" y="410649"/>
+            <a:ext cx="9720072" cy="1499616"/>
+          </a:xfrm>
+        </p:spPr>
+        <p:txBody>
+          <a:bodyPr>
+            <a:normAutofit fontScale="90000"/>
+          </a:bodyPr>
+          <a:lstStyle/>
+          <a:p>
+            <a:pPr lvl="0"/>
+            <a:r>
+              <a:rPr lang="en-GB" dirty="0" smtClean="0"/>
+              <a:t>Sprint Planning </a:t>
+            </a:r>
+            <a:br>
+              <a:rPr lang="en-GB" dirty="0" smtClean="0"/>
+            </a:br>
+            <a:r>
+              <a:rPr lang="en-GB" sz="2200" dirty="0"/>
+              <a:t>Sprint Planning is the subset of the product backlog </a:t>
+            </a:r>
+            <a:br>
+              <a:rPr lang="en-GB" sz="2200" dirty="0"/>
+            </a:br>
+            <a:r>
+              <a:rPr lang="en-GB" sz="2200" dirty="0"/>
+              <a:t>During sprint planning the team have agreed on a sprint goal </a:t>
+            </a:r>
+            <a:r>
+              <a:rPr lang="en-GB" dirty="0"/>
+              <a:t/>
+            </a:r>
+            <a:br>
+              <a:rPr lang="en-GB" dirty="0"/>
+            </a:br>
+            <a:endParaRPr lang="en-GB" dirty="0"/>
+          </a:p>
+        </p:txBody>
+      </p:sp>
+      <p:graphicFrame>
+        <p:nvGraphicFramePr>
+          <p:cNvPr id="4" name="Content Placeholder 3"/>
+          <p:cNvGraphicFramePr>
+            <a:graphicFrameLocks noGrp="1"/>
+          </p:cNvGraphicFramePr>
+          <p:nvPr>
+            <p:ph idx="1"/>
+            <p:extLst>
+              <p:ext uri="{D42A27DB-BD31-4B8C-83A1-F6EECF244321}">
+                <p14:modId xmlns:p14="http://schemas.microsoft.com/office/powerpoint/2010/main" val="8830859"/>
+              </p:ext>
+            </p:extLst>
+          </p:nvPr>
+        </p:nvGraphicFramePr>
+        <p:xfrm>
+          <a:off x="2477015" y="2069868"/>
+          <a:ext cx="5636207" cy="4022725"/>
+        </p:xfrm>
+        <a:graphic>
+          <a:graphicData uri="http://schemas.openxmlformats.org/drawingml/2006/table">
+            <a:tbl>
+              <a:tblPr firstRow="1" firstCol="1" bandRow="1">
+                <a:tableStyleId>{5C22544A-7EE6-4342-B048-85BDC9FD1C3A}</a:tableStyleId>
+              </a:tblPr>
+              <a:tblGrid>
+                <a:gridCol w="859235">
+                  <a:extLst>
+                    <a:ext uri="{9D8B030D-6E8A-4147-A177-3AD203B41FA5}">
+                      <a16:colId xmlns:a16="http://schemas.microsoft.com/office/drawing/2014/main" val="495754055"/>
+                    </a:ext>
+                  </a:extLst>
+                </a:gridCol>
+                <a:gridCol w="2832141">
+                  <a:extLst>
+                    <a:ext uri="{9D8B030D-6E8A-4147-A177-3AD203B41FA5}">
+                      <a16:colId xmlns:a16="http://schemas.microsoft.com/office/drawing/2014/main" val="1782140272"/>
+                    </a:ext>
+                  </a:extLst>
+                </a:gridCol>
+                <a:gridCol w="1944831">
+                  <a:extLst>
+                    <a:ext uri="{9D8B030D-6E8A-4147-A177-3AD203B41FA5}">
+                      <a16:colId xmlns:a16="http://schemas.microsoft.com/office/drawing/2014/main" val="3274615722"/>
+                    </a:ext>
+                  </a:extLst>
+                </a:gridCol>
+              </a:tblGrid>
+              <a:tr h="354686">
+                <a:tc>
+                  <a:txBody>
+                    <a:bodyPr/>
+                    <a:lstStyle/>
+                    <a:p>
+                      <a:pPr>
+                        <a:lnSpc>
+                          <a:spcPct val="107000"/>
+                        </a:lnSpc>
+                        <a:spcAft>
+                          <a:spcPts val="0"/>
+                        </a:spcAft>
+                      </a:pPr>
+                      <a:r>
+                        <a:rPr lang="en-GB" sz="700">
+                          <a:effectLst/>
+                        </a:rPr>
+                        <a:t>Product Backlog ID</a:t>
+                      </a:r>
+                      <a:endParaRPr lang="en-GB" sz="700">
+                        <a:effectLst/>
+                        <a:latin typeface="Calibri" panose="020F0502020204030204" pitchFamily="34" charset="0"/>
+                        <a:ea typeface="Calibri" panose="020F0502020204030204" pitchFamily="34" charset="0"/>
+                        <a:cs typeface="Times New Roman" panose="02020603050405020304" pitchFamily="18" charset="0"/>
+                      </a:endParaRPr>
+                    </a:p>
+                  </a:txBody>
+                  <a:tcPr marL="45440" marR="45440" marT="0" marB="0"/>
+                </a:tc>
+                <a:tc>
+                  <a:txBody>
+                    <a:bodyPr/>
+                    <a:lstStyle/>
+                    <a:p>
+                      <a:pPr>
+                        <a:lnSpc>
+                          <a:spcPct val="107000"/>
+                        </a:lnSpc>
+                        <a:spcAft>
+                          <a:spcPts val="0"/>
+                        </a:spcAft>
+                      </a:pPr>
+                      <a:r>
+                        <a:rPr lang="en-GB" sz="700">
+                          <a:effectLst/>
+                        </a:rPr>
+                        <a:t>Product – To do </a:t>
+                      </a:r>
+                      <a:endParaRPr lang="en-GB" sz="700">
+                        <a:effectLst/>
+                        <a:latin typeface="Calibri" panose="020F0502020204030204" pitchFamily="34" charset="0"/>
+                        <a:ea typeface="Calibri" panose="020F0502020204030204" pitchFamily="34" charset="0"/>
+                        <a:cs typeface="Times New Roman" panose="02020603050405020304" pitchFamily="18" charset="0"/>
+                      </a:endParaRPr>
+                    </a:p>
+                  </a:txBody>
+                  <a:tcPr marL="45440" marR="45440" marT="0" marB="0"/>
+                </a:tc>
+                <a:tc>
+                  <a:txBody>
+                    <a:bodyPr/>
+                    <a:lstStyle/>
+                    <a:p>
+                      <a:pPr>
+                        <a:lnSpc>
+                          <a:spcPct val="107000"/>
+                        </a:lnSpc>
+                        <a:spcAft>
+                          <a:spcPts val="0"/>
+                        </a:spcAft>
+                      </a:pPr>
+                      <a:r>
+                        <a:rPr lang="en-GB" sz="700">
+                          <a:effectLst/>
+                        </a:rPr>
+                        <a:t>Outcome – What to Achieve</a:t>
+                      </a:r>
+                      <a:endParaRPr lang="en-GB" sz="700">
+                        <a:effectLst/>
+                        <a:latin typeface="Calibri" panose="020F0502020204030204" pitchFamily="34" charset="0"/>
+                        <a:ea typeface="Calibri" panose="020F0502020204030204" pitchFamily="34" charset="0"/>
+                        <a:cs typeface="Times New Roman" panose="02020603050405020304" pitchFamily="18" charset="0"/>
+                      </a:endParaRPr>
+                    </a:p>
+                  </a:txBody>
+                  <a:tcPr marL="45440" marR="45440" marT="0" marB="0"/>
+                </a:tc>
+                <a:extLst>
+                  <a:ext uri="{0D108BD9-81ED-4DB2-BD59-A6C34878D82A}">
+                    <a16:rowId xmlns:a16="http://schemas.microsoft.com/office/drawing/2014/main" val="337617253"/>
+                  </a:ext>
+                </a:extLst>
+              </a:tr>
+              <a:tr h="828443">
+                <a:tc>
+                  <a:txBody>
+                    <a:bodyPr/>
+                    <a:lstStyle/>
+                    <a:p>
+                      <a:pPr>
+                        <a:lnSpc>
+                          <a:spcPct val="107000"/>
+                        </a:lnSpc>
+                        <a:spcAft>
+                          <a:spcPts val="0"/>
+                        </a:spcAft>
+                      </a:pPr>
+                      <a:r>
+                        <a:rPr lang="en-GB" sz="700">
+                          <a:effectLst/>
+                        </a:rPr>
+                        <a:t>1</a:t>
+                      </a:r>
+                      <a:endParaRPr lang="en-GB" sz="700">
+                        <a:effectLst/>
+                        <a:latin typeface="Calibri" panose="020F0502020204030204" pitchFamily="34" charset="0"/>
+                        <a:ea typeface="Calibri" panose="020F0502020204030204" pitchFamily="34" charset="0"/>
+                        <a:cs typeface="Times New Roman" panose="02020603050405020304" pitchFamily="18" charset="0"/>
+                      </a:endParaRPr>
+                    </a:p>
+                  </a:txBody>
+                  <a:tcPr marL="45440" marR="45440" marT="0" marB="0"/>
+                </a:tc>
+                <a:tc>
+                  <a:txBody>
+                    <a:bodyPr/>
+                    <a:lstStyle/>
+                    <a:p>
+                      <a:pPr>
+                        <a:lnSpc>
+                          <a:spcPct val="107000"/>
+                        </a:lnSpc>
+                        <a:spcAft>
+                          <a:spcPts val="0"/>
+                        </a:spcAft>
+                      </a:pPr>
+                      <a:r>
+                        <a:rPr lang="en-GB" sz="700">
+                          <a:effectLst/>
+                        </a:rPr>
+                        <a:t>As a user I want to authorise my account without any errors so that I can access Spotify’s news related playlists.</a:t>
+                      </a:r>
+                      <a:endParaRPr lang="en-GB" sz="700">
+                        <a:effectLst/>
+                        <a:latin typeface="Calibri" panose="020F0502020204030204" pitchFamily="34" charset="0"/>
+                        <a:ea typeface="Calibri" panose="020F0502020204030204" pitchFamily="34" charset="0"/>
+                        <a:cs typeface="Times New Roman" panose="02020603050405020304" pitchFamily="18" charset="0"/>
+                      </a:endParaRPr>
+                    </a:p>
+                  </a:txBody>
+                  <a:tcPr marL="45440" marR="45440" marT="0" marB="0"/>
+                </a:tc>
+                <a:tc>
+                  <a:txBody>
+                    <a:bodyPr/>
+                    <a:lstStyle/>
+                    <a:p>
+                      <a:pPr>
+                        <a:lnSpc>
+                          <a:spcPct val="107000"/>
+                        </a:lnSpc>
+                        <a:spcAft>
+                          <a:spcPts val="0"/>
+                        </a:spcAft>
+                      </a:pPr>
+                      <a:r>
+                        <a:rPr lang="en-GB" sz="700">
+                          <a:effectLst/>
+                        </a:rPr>
+                        <a:t>For the user to be-able to log in to their account with having any errors </a:t>
+                      </a:r>
+                    </a:p>
+                    <a:p>
+                      <a:pPr>
+                        <a:lnSpc>
+                          <a:spcPct val="107000"/>
+                        </a:lnSpc>
+                        <a:spcAft>
+                          <a:spcPts val="0"/>
+                        </a:spcAft>
+                      </a:pPr>
+                      <a:r>
+                        <a:rPr lang="en-GB" sz="700">
+                          <a:effectLst/>
+                        </a:rPr>
+                        <a:t> </a:t>
+                      </a:r>
+                    </a:p>
+                    <a:p>
+                      <a:pPr>
+                        <a:lnSpc>
+                          <a:spcPct val="107000"/>
+                        </a:lnSpc>
+                        <a:spcAft>
+                          <a:spcPts val="0"/>
+                        </a:spcAft>
+                      </a:pPr>
+                      <a:r>
+                        <a:rPr lang="en-GB" sz="700">
+                          <a:effectLst/>
+                        </a:rPr>
+                        <a:t>For the user to be able to sign up </a:t>
+                      </a:r>
+                      <a:endParaRPr lang="en-GB" sz="700">
+                        <a:effectLst/>
+                        <a:latin typeface="Calibri" panose="020F0502020204030204" pitchFamily="34" charset="0"/>
+                        <a:ea typeface="Calibri" panose="020F0502020204030204" pitchFamily="34" charset="0"/>
+                        <a:cs typeface="Times New Roman" panose="02020603050405020304" pitchFamily="18" charset="0"/>
+                      </a:endParaRPr>
+                    </a:p>
+                  </a:txBody>
+                  <a:tcPr marL="45440" marR="45440" marT="0" marB="0"/>
+                </a:tc>
+                <a:extLst>
+                  <a:ext uri="{0D108BD9-81ED-4DB2-BD59-A6C34878D82A}">
+                    <a16:rowId xmlns:a16="http://schemas.microsoft.com/office/drawing/2014/main" val="2270290792"/>
+                  </a:ext>
+                </a:extLst>
+              </a:tr>
+              <a:tr h="473336">
+                <a:tc>
+                  <a:txBody>
+                    <a:bodyPr/>
+                    <a:lstStyle/>
+                    <a:p>
+                      <a:pPr>
+                        <a:lnSpc>
+                          <a:spcPct val="107000"/>
+                        </a:lnSpc>
+                        <a:spcAft>
+                          <a:spcPts val="0"/>
+                        </a:spcAft>
+                      </a:pPr>
+                      <a:r>
+                        <a:rPr lang="en-GB" sz="700">
+                          <a:effectLst/>
+                        </a:rPr>
+                        <a:t>2</a:t>
+                      </a:r>
+                      <a:endParaRPr lang="en-GB" sz="700">
+                        <a:effectLst/>
+                        <a:latin typeface="Calibri" panose="020F0502020204030204" pitchFamily="34" charset="0"/>
+                        <a:ea typeface="Calibri" panose="020F0502020204030204" pitchFamily="34" charset="0"/>
+                        <a:cs typeface="Times New Roman" panose="02020603050405020304" pitchFamily="18" charset="0"/>
+                      </a:endParaRPr>
+                    </a:p>
+                  </a:txBody>
+                  <a:tcPr marL="45440" marR="45440" marT="0" marB="0"/>
+                </a:tc>
+                <a:tc>
+                  <a:txBody>
+                    <a:bodyPr/>
+                    <a:lstStyle/>
+                    <a:p>
+                      <a:pPr>
+                        <a:lnSpc>
+                          <a:spcPct val="107000"/>
+                        </a:lnSpc>
+                        <a:spcAft>
+                          <a:spcPts val="0"/>
+                        </a:spcAft>
+                      </a:pPr>
+                      <a:r>
+                        <a:rPr lang="en-GB" sz="700">
+                          <a:effectLst/>
+                        </a:rPr>
+                        <a:t>Create a playlist that’s relating the new headlines of the day </a:t>
+                      </a:r>
+                      <a:endParaRPr lang="en-GB" sz="700">
+                        <a:effectLst/>
+                        <a:latin typeface="Calibri" panose="020F0502020204030204" pitchFamily="34" charset="0"/>
+                        <a:ea typeface="Calibri" panose="020F0502020204030204" pitchFamily="34" charset="0"/>
+                        <a:cs typeface="Times New Roman" panose="02020603050405020304" pitchFamily="18" charset="0"/>
+                      </a:endParaRPr>
+                    </a:p>
+                  </a:txBody>
+                  <a:tcPr marL="45440" marR="45440" marT="0" marB="0"/>
+                </a:tc>
+                <a:tc>
+                  <a:txBody>
+                    <a:bodyPr/>
+                    <a:lstStyle/>
+                    <a:p>
+                      <a:pPr>
+                        <a:lnSpc>
+                          <a:spcPct val="107000"/>
+                        </a:lnSpc>
+                        <a:spcAft>
+                          <a:spcPts val="0"/>
+                        </a:spcAft>
+                      </a:pPr>
+                      <a:r>
+                        <a:rPr lang="en-GB" sz="700">
+                          <a:effectLst/>
+                        </a:rPr>
+                        <a:t>Program Spotify to create daily playlist relating the news headlines </a:t>
+                      </a:r>
+                      <a:endParaRPr lang="en-GB" sz="700">
+                        <a:effectLst/>
+                        <a:latin typeface="Calibri" panose="020F0502020204030204" pitchFamily="34" charset="0"/>
+                        <a:ea typeface="Calibri" panose="020F0502020204030204" pitchFamily="34" charset="0"/>
+                        <a:cs typeface="Times New Roman" panose="02020603050405020304" pitchFamily="18" charset="0"/>
+                      </a:endParaRPr>
+                    </a:p>
+                  </a:txBody>
+                  <a:tcPr marL="45440" marR="45440" marT="0" marB="0"/>
+                </a:tc>
+                <a:extLst>
+                  <a:ext uri="{0D108BD9-81ED-4DB2-BD59-A6C34878D82A}">
+                    <a16:rowId xmlns:a16="http://schemas.microsoft.com/office/drawing/2014/main" val="3874575996"/>
+                  </a:ext>
+                </a:extLst>
+              </a:tr>
+              <a:tr h="473336">
+                <a:tc>
+                  <a:txBody>
+                    <a:bodyPr/>
+                    <a:lstStyle/>
+                    <a:p>
+                      <a:pPr>
+                        <a:lnSpc>
+                          <a:spcPct val="107000"/>
+                        </a:lnSpc>
+                        <a:spcAft>
+                          <a:spcPts val="0"/>
+                        </a:spcAft>
+                      </a:pPr>
+                      <a:r>
+                        <a:rPr lang="en-GB" sz="700">
+                          <a:effectLst/>
+                        </a:rPr>
+                        <a:t>3</a:t>
+                      </a:r>
+                      <a:endParaRPr lang="en-GB" sz="700">
+                        <a:effectLst/>
+                        <a:latin typeface="Calibri" panose="020F0502020204030204" pitchFamily="34" charset="0"/>
+                        <a:ea typeface="Calibri" panose="020F0502020204030204" pitchFamily="34" charset="0"/>
+                        <a:cs typeface="Times New Roman" panose="02020603050405020304" pitchFamily="18" charset="0"/>
+                      </a:endParaRPr>
+                    </a:p>
+                  </a:txBody>
+                  <a:tcPr marL="45440" marR="45440" marT="0" marB="0"/>
+                </a:tc>
+                <a:tc>
+                  <a:txBody>
+                    <a:bodyPr/>
+                    <a:lstStyle/>
+                    <a:p>
+                      <a:pPr algn="just">
+                        <a:lnSpc>
+                          <a:spcPct val="107000"/>
+                        </a:lnSpc>
+                        <a:spcAft>
+                          <a:spcPts val="0"/>
+                        </a:spcAft>
+                      </a:pPr>
+                      <a:r>
+                        <a:rPr lang="en-GB" sz="700">
+                          <a:effectLst/>
+                        </a:rPr>
+                        <a:t>As a user I would like a user friendly, easy and efficient GUI so that my experience is pleasant and enjoyable. </a:t>
+                      </a:r>
+                    </a:p>
+                    <a:p>
+                      <a:pPr>
+                        <a:lnSpc>
+                          <a:spcPct val="107000"/>
+                        </a:lnSpc>
+                        <a:spcAft>
+                          <a:spcPts val="0"/>
+                        </a:spcAft>
+                      </a:pPr>
+                      <a:r>
+                        <a:rPr lang="en-GB" sz="700">
+                          <a:effectLst/>
+                        </a:rPr>
+                        <a:t> </a:t>
+                      </a:r>
+                      <a:endParaRPr lang="en-GB" sz="700">
+                        <a:effectLst/>
+                        <a:latin typeface="Calibri" panose="020F0502020204030204" pitchFamily="34" charset="0"/>
+                        <a:ea typeface="Calibri" panose="020F0502020204030204" pitchFamily="34" charset="0"/>
+                        <a:cs typeface="Times New Roman" panose="02020603050405020304" pitchFamily="18" charset="0"/>
+                      </a:endParaRPr>
+                    </a:p>
+                  </a:txBody>
+                  <a:tcPr marL="45440" marR="45440" marT="0" marB="0"/>
+                </a:tc>
+                <a:tc>
+                  <a:txBody>
+                    <a:bodyPr/>
+                    <a:lstStyle/>
+                    <a:p>
+                      <a:pPr>
+                        <a:lnSpc>
+                          <a:spcPct val="107000"/>
+                        </a:lnSpc>
+                        <a:spcAft>
+                          <a:spcPts val="0"/>
+                        </a:spcAft>
+                      </a:pPr>
+                      <a:r>
+                        <a:rPr lang="en-GB" sz="700">
+                          <a:effectLst/>
+                        </a:rPr>
+                        <a:t>To create a UI that the clients can use which is efficient and is user friendly.</a:t>
+                      </a:r>
+                      <a:endParaRPr lang="en-GB" sz="700">
+                        <a:effectLst/>
+                        <a:latin typeface="Calibri" panose="020F0502020204030204" pitchFamily="34" charset="0"/>
+                        <a:ea typeface="Calibri" panose="020F0502020204030204" pitchFamily="34" charset="0"/>
+                        <a:cs typeface="Times New Roman" panose="02020603050405020304" pitchFamily="18" charset="0"/>
+                      </a:endParaRPr>
+                    </a:p>
+                  </a:txBody>
+                  <a:tcPr marL="45440" marR="45440" marT="0" marB="0"/>
+                </a:tc>
+                <a:extLst>
+                  <a:ext uri="{0D108BD9-81ED-4DB2-BD59-A6C34878D82A}">
+                    <a16:rowId xmlns:a16="http://schemas.microsoft.com/office/drawing/2014/main" val="2906838362"/>
+                  </a:ext>
+                </a:extLst>
+              </a:tr>
+              <a:tr h="473336">
+                <a:tc>
+                  <a:txBody>
+                    <a:bodyPr/>
+                    <a:lstStyle/>
+                    <a:p>
+                      <a:pPr>
+                        <a:lnSpc>
+                          <a:spcPct val="107000"/>
+                        </a:lnSpc>
+                        <a:spcAft>
+                          <a:spcPts val="0"/>
+                        </a:spcAft>
+                      </a:pPr>
+                      <a:r>
+                        <a:rPr lang="en-GB" sz="700">
+                          <a:effectLst/>
+                        </a:rPr>
+                        <a:t>4</a:t>
+                      </a:r>
+                      <a:endParaRPr lang="en-GB" sz="700">
+                        <a:effectLst/>
+                        <a:latin typeface="Calibri" panose="020F0502020204030204" pitchFamily="34" charset="0"/>
+                        <a:ea typeface="Calibri" panose="020F0502020204030204" pitchFamily="34" charset="0"/>
+                        <a:cs typeface="Times New Roman" panose="02020603050405020304" pitchFamily="18" charset="0"/>
+                      </a:endParaRPr>
+                    </a:p>
+                  </a:txBody>
+                  <a:tcPr marL="45440" marR="45440" marT="0" marB="0"/>
+                </a:tc>
+                <a:tc>
+                  <a:txBody>
+                    <a:bodyPr/>
+                    <a:lstStyle/>
+                    <a:p>
+                      <a:pPr algn="just">
+                        <a:lnSpc>
+                          <a:spcPct val="107000"/>
+                        </a:lnSpc>
+                        <a:spcAft>
+                          <a:spcPts val="0"/>
+                        </a:spcAft>
+                      </a:pPr>
+                      <a:r>
+                        <a:rPr lang="en-GB" sz="700">
+                          <a:effectLst/>
+                        </a:rPr>
+                        <a:t>Saving the playlist to the users account</a:t>
+                      </a:r>
+                    </a:p>
+                    <a:p>
+                      <a:pPr algn="just">
+                        <a:lnSpc>
+                          <a:spcPct val="107000"/>
+                        </a:lnSpc>
+                        <a:spcAft>
+                          <a:spcPts val="0"/>
+                        </a:spcAft>
+                      </a:pPr>
+                      <a:r>
+                        <a:rPr lang="en-GB" sz="700">
+                          <a:effectLst/>
+                        </a:rPr>
+                        <a:t> </a:t>
+                      </a:r>
+                      <a:endParaRPr lang="en-GB" sz="700">
+                        <a:effectLst/>
+                        <a:latin typeface="Calibri" panose="020F0502020204030204" pitchFamily="34" charset="0"/>
+                        <a:ea typeface="Calibri" panose="020F0502020204030204" pitchFamily="34" charset="0"/>
+                        <a:cs typeface="Times New Roman" panose="02020603050405020304" pitchFamily="18" charset="0"/>
+                      </a:endParaRPr>
+                    </a:p>
+                  </a:txBody>
+                  <a:tcPr marL="45440" marR="45440" marT="0" marB="0"/>
+                </a:tc>
+                <a:tc>
+                  <a:txBody>
+                    <a:bodyPr/>
+                    <a:lstStyle/>
+                    <a:p>
+                      <a:pPr>
+                        <a:lnSpc>
+                          <a:spcPct val="107000"/>
+                        </a:lnSpc>
+                        <a:spcAft>
+                          <a:spcPts val="0"/>
+                        </a:spcAft>
+                      </a:pPr>
+                      <a:r>
+                        <a:rPr lang="en-GB" sz="700" dirty="0">
+                          <a:effectLst/>
+                        </a:rPr>
+                        <a:t>For the clients to be able to save the playlist to their individual user account. </a:t>
+                      </a:r>
+                      <a:endParaRPr lang="en-GB" sz="700" dirty="0">
+                        <a:effectLst/>
+                        <a:latin typeface="Calibri" panose="020F0502020204030204" pitchFamily="34" charset="0"/>
+                        <a:ea typeface="Calibri" panose="020F0502020204030204" pitchFamily="34" charset="0"/>
+                        <a:cs typeface="Times New Roman" panose="02020603050405020304" pitchFamily="18" charset="0"/>
+                      </a:endParaRPr>
+                    </a:p>
+                  </a:txBody>
+                  <a:tcPr marL="45440" marR="45440" marT="0" marB="0"/>
+                </a:tc>
+                <a:extLst>
+                  <a:ext uri="{0D108BD9-81ED-4DB2-BD59-A6C34878D82A}">
+                    <a16:rowId xmlns:a16="http://schemas.microsoft.com/office/drawing/2014/main" val="2305130590"/>
+                  </a:ext>
+                </a:extLst>
+              </a:tr>
+              <a:tr h="709794">
+                <a:tc>
+                  <a:txBody>
+                    <a:bodyPr/>
+                    <a:lstStyle/>
+                    <a:p>
+                      <a:pPr>
+                        <a:lnSpc>
+                          <a:spcPct val="107000"/>
+                        </a:lnSpc>
+                        <a:spcAft>
+                          <a:spcPts val="0"/>
+                        </a:spcAft>
+                      </a:pPr>
+                      <a:r>
+                        <a:rPr lang="en-GB" sz="700">
+                          <a:effectLst/>
+                        </a:rPr>
+                        <a:t>5</a:t>
+                      </a:r>
+                      <a:endParaRPr lang="en-GB" sz="700">
+                        <a:effectLst/>
+                        <a:latin typeface="Calibri" panose="020F0502020204030204" pitchFamily="34" charset="0"/>
+                        <a:ea typeface="Calibri" panose="020F0502020204030204" pitchFamily="34" charset="0"/>
+                        <a:cs typeface="Times New Roman" panose="02020603050405020304" pitchFamily="18" charset="0"/>
+                      </a:endParaRPr>
+                    </a:p>
+                  </a:txBody>
+                  <a:tcPr marL="45440" marR="45440" marT="0" marB="0"/>
+                </a:tc>
+                <a:tc>
+                  <a:txBody>
+                    <a:bodyPr/>
+                    <a:lstStyle/>
+                    <a:p>
+                      <a:pPr algn="just">
+                        <a:lnSpc>
+                          <a:spcPct val="107000"/>
+                        </a:lnSpc>
+                        <a:spcAft>
+                          <a:spcPts val="0"/>
+                        </a:spcAft>
+                      </a:pPr>
+                      <a:r>
+                        <a:rPr lang="en-GB" sz="700">
+                          <a:effectLst/>
+                        </a:rPr>
+                        <a:t>As a user I want to read the article related to the song on the playlist</a:t>
+                      </a:r>
+                    </a:p>
+                    <a:p>
+                      <a:pPr>
+                        <a:lnSpc>
+                          <a:spcPct val="107000"/>
+                        </a:lnSpc>
+                        <a:spcAft>
+                          <a:spcPts val="0"/>
+                        </a:spcAft>
+                      </a:pPr>
+                      <a:r>
+                        <a:rPr lang="en-GB" sz="700">
+                          <a:effectLst/>
+                        </a:rPr>
+                        <a:t> </a:t>
+                      </a:r>
+                      <a:endParaRPr lang="en-GB" sz="700">
+                        <a:effectLst/>
+                        <a:latin typeface="Calibri" panose="020F0502020204030204" pitchFamily="34" charset="0"/>
+                        <a:ea typeface="Calibri" panose="020F0502020204030204" pitchFamily="34" charset="0"/>
+                        <a:cs typeface="Times New Roman" panose="02020603050405020304" pitchFamily="18" charset="0"/>
+                      </a:endParaRPr>
+                    </a:p>
+                  </a:txBody>
+                  <a:tcPr marL="45440" marR="45440" marT="0" marB="0"/>
+                </a:tc>
+                <a:tc>
+                  <a:txBody>
+                    <a:bodyPr/>
+                    <a:lstStyle/>
+                    <a:p>
+                      <a:pPr>
+                        <a:lnSpc>
+                          <a:spcPct val="107000"/>
+                        </a:lnSpc>
+                        <a:spcAft>
+                          <a:spcPts val="0"/>
+                        </a:spcAft>
+                      </a:pPr>
+                      <a:r>
+                        <a:rPr lang="en-GB" sz="700">
+                          <a:effectLst/>
+                        </a:rPr>
+                        <a:t>Program Spotify to be able to give you the link to be able to  read an article relating the headlines </a:t>
+                      </a:r>
+                      <a:endParaRPr lang="en-GB" sz="700">
+                        <a:effectLst/>
+                        <a:latin typeface="Calibri" panose="020F0502020204030204" pitchFamily="34" charset="0"/>
+                        <a:ea typeface="Calibri" panose="020F0502020204030204" pitchFamily="34" charset="0"/>
+                        <a:cs typeface="Times New Roman" panose="02020603050405020304" pitchFamily="18" charset="0"/>
+                      </a:endParaRPr>
+                    </a:p>
+                  </a:txBody>
+                  <a:tcPr marL="45440" marR="45440" marT="0" marB="0"/>
+                </a:tc>
+                <a:extLst>
+                  <a:ext uri="{0D108BD9-81ED-4DB2-BD59-A6C34878D82A}">
+                    <a16:rowId xmlns:a16="http://schemas.microsoft.com/office/drawing/2014/main" val="378285995"/>
+                  </a:ext>
+                </a:extLst>
+              </a:tr>
+              <a:tr h="709794">
+                <a:tc>
+                  <a:txBody>
+                    <a:bodyPr/>
+                    <a:lstStyle/>
+                    <a:p>
+                      <a:pPr>
+                        <a:lnSpc>
+                          <a:spcPct val="107000"/>
+                        </a:lnSpc>
+                        <a:spcAft>
+                          <a:spcPts val="0"/>
+                        </a:spcAft>
+                      </a:pPr>
+                      <a:r>
+                        <a:rPr lang="en-GB" sz="700">
+                          <a:effectLst/>
+                        </a:rPr>
+                        <a:t>6</a:t>
+                      </a:r>
+                      <a:endParaRPr lang="en-GB" sz="700">
+                        <a:effectLst/>
+                        <a:latin typeface="Calibri" panose="020F0502020204030204" pitchFamily="34" charset="0"/>
+                        <a:ea typeface="Calibri" panose="020F0502020204030204" pitchFamily="34" charset="0"/>
+                        <a:cs typeface="Times New Roman" panose="02020603050405020304" pitchFamily="18" charset="0"/>
+                      </a:endParaRPr>
+                    </a:p>
+                  </a:txBody>
+                  <a:tcPr marL="45440" marR="45440" marT="0" marB="0"/>
+                </a:tc>
+                <a:tc>
+                  <a:txBody>
+                    <a:bodyPr/>
+                    <a:lstStyle/>
+                    <a:p>
+                      <a:pPr>
+                        <a:lnSpc>
+                          <a:spcPct val="107000"/>
+                        </a:lnSpc>
+                        <a:spcAft>
+                          <a:spcPts val="0"/>
+                        </a:spcAft>
+                      </a:pPr>
+                      <a:r>
+                        <a:rPr lang="en-GB" sz="700">
+                          <a:effectLst/>
+                        </a:rPr>
+                        <a:t>As a user I would like to be able to download my news related playlist to listen offline</a:t>
+                      </a:r>
+                    </a:p>
+                    <a:p>
+                      <a:pPr>
+                        <a:lnSpc>
+                          <a:spcPct val="107000"/>
+                        </a:lnSpc>
+                        <a:spcAft>
+                          <a:spcPts val="0"/>
+                        </a:spcAft>
+                      </a:pPr>
+                      <a:r>
+                        <a:rPr lang="en-GB" sz="700">
+                          <a:effectLst/>
+                        </a:rPr>
+                        <a:t> </a:t>
+                      </a:r>
+                      <a:endParaRPr lang="en-GB" sz="700">
+                        <a:effectLst/>
+                        <a:latin typeface="Calibri" panose="020F0502020204030204" pitchFamily="34" charset="0"/>
+                        <a:ea typeface="Calibri" panose="020F0502020204030204" pitchFamily="34" charset="0"/>
+                        <a:cs typeface="Times New Roman" panose="02020603050405020304" pitchFamily="18" charset="0"/>
+                      </a:endParaRPr>
+                    </a:p>
+                  </a:txBody>
+                  <a:tcPr marL="45440" marR="45440" marT="0" marB="0"/>
+                </a:tc>
+                <a:tc>
+                  <a:txBody>
+                    <a:bodyPr/>
+                    <a:lstStyle/>
+                    <a:p>
+                      <a:pPr>
+                        <a:lnSpc>
+                          <a:spcPct val="107000"/>
+                        </a:lnSpc>
+                        <a:spcAft>
+                          <a:spcPts val="0"/>
+                        </a:spcAft>
+                      </a:pPr>
+                      <a:r>
+                        <a:rPr lang="en-GB" sz="700" dirty="0">
+                          <a:effectLst/>
+                        </a:rPr>
+                        <a:t>To program Spotify making sure  the clients/ customers able to download the playlist </a:t>
+                      </a:r>
+                      <a:endParaRPr lang="en-GB" sz="700" dirty="0">
+                        <a:effectLst/>
+                        <a:latin typeface="Calibri" panose="020F0502020204030204" pitchFamily="34" charset="0"/>
+                        <a:ea typeface="Calibri" panose="020F0502020204030204" pitchFamily="34" charset="0"/>
+                        <a:cs typeface="Times New Roman" panose="02020603050405020304" pitchFamily="18" charset="0"/>
+                      </a:endParaRPr>
+                    </a:p>
+                  </a:txBody>
+                  <a:tcPr marL="45440" marR="45440" marT="0" marB="0"/>
+                </a:tc>
+                <a:extLst>
+                  <a:ext uri="{0D108BD9-81ED-4DB2-BD59-A6C34878D82A}">
+                    <a16:rowId xmlns:a16="http://schemas.microsoft.com/office/drawing/2014/main" val="3783885673"/>
+                  </a:ext>
+                </a:extLst>
+              </a:tr>
+            </a:tbl>
+          </a:graphicData>
+        </a:graphic>
+      </p:graphicFrame>
     </p:spTree>
     <p:extLst>
       <p:ext uri="{BB962C8B-B14F-4D97-AF65-F5344CB8AC3E}">
@@ -20818,7 +23112,111 @@
 </p:sld>
 </file>
 
-<file path=ppt/slides/slide4.xml><?xml version="1.0" encoding="utf-8"?>
+<file path=ppt/slides/slide6.xml><?xml version="1.0" encoding="utf-8"?>
+<p:sld xmlns:a="http://schemas.openxmlformats.org/drawingml/2006/main" xmlns:r="http://schemas.openxmlformats.org/officeDocument/2006/relationships" xmlns:p="http://schemas.openxmlformats.org/presentationml/2006/main">
+  <p:cSld>
+    <p:spTree>
+      <p:nvGrpSpPr>
+        <p:cNvPr id="1" name=""/>
+        <p:cNvGrpSpPr/>
+        <p:nvPr/>
+      </p:nvGrpSpPr>
+      <p:grpSpPr>
+        <a:xfrm>
+          <a:off x="0" y="0"/>
+          <a:ext cx="0" cy="0"/>
+          <a:chOff x="0" y="0"/>
+          <a:chExt cx="0" cy="0"/>
+        </a:xfrm>
+      </p:grpSpPr>
+      <p:sp>
+        <p:nvSpPr>
+          <p:cNvPr id="2" name="Title 1"/>
+          <p:cNvSpPr>
+            <a:spLocks noGrp="1"/>
+          </p:cNvSpPr>
+          <p:nvPr>
+            <p:ph type="title"/>
+          </p:nvPr>
+        </p:nvSpPr>
+        <p:spPr>
+          <a:xfrm>
+            <a:off x="907749" y="410649"/>
+            <a:ext cx="9720072" cy="1499616"/>
+          </a:xfrm>
+        </p:spPr>
+        <p:txBody>
+          <a:bodyPr>
+            <a:normAutofit fontScale="90000"/>
+          </a:bodyPr>
+          <a:lstStyle/>
+          <a:p>
+            <a:r>
+              <a:rPr lang="en-GB" dirty="0"/>
+              <a:t>Sprint Backlog </a:t>
+            </a:r>
+            <a:r>
+              <a:rPr lang="en-GB" dirty="0" smtClean="0"/>
+              <a:t/>
+            </a:r>
+            <a:br>
+              <a:rPr lang="en-GB" dirty="0" smtClean="0"/>
+            </a:br>
+            <a:r>
+              <a:rPr lang="en-GB" sz="1600" dirty="0"/>
+              <a:t>Sprint Backlog is a list a task identified by the scrum team </a:t>
+            </a:r>
+            <a:r>
+              <a:rPr lang="en-GB" dirty="0"/>
+              <a:t/>
+            </a:r>
+            <a:br>
+              <a:rPr lang="en-GB" dirty="0"/>
+            </a:br>
+            <a:endParaRPr lang="en-GB" dirty="0"/>
+          </a:p>
+        </p:txBody>
+      </p:sp>
+      <p:pic>
+        <p:nvPicPr>
+          <p:cNvPr id="5" name="Content Placeholder 4"/>
+          <p:cNvPicPr>
+            <a:picLocks noGrp="1"/>
+          </p:cNvPicPr>
+          <p:nvPr>
+            <p:ph idx="1"/>
+          </p:nvPr>
+        </p:nvPicPr>
+        <p:blipFill>
+          <a:blip r:embed="rId2"/>
+          <a:stretch>
+            <a:fillRect/>
+          </a:stretch>
+        </p:blipFill>
+        <p:spPr>
+          <a:xfrm>
+            <a:off x="2145506" y="2482850"/>
+            <a:ext cx="7477125" cy="3629025"/>
+          </a:xfrm>
+          <a:prstGeom prst="rect">
+            <a:avLst/>
+          </a:prstGeom>
+        </p:spPr>
+      </p:pic>
+    </p:spTree>
+    <p:extLst>
+      <p:ext uri="{BB962C8B-B14F-4D97-AF65-F5344CB8AC3E}">
+        <p14:creationId xmlns:p14="http://schemas.microsoft.com/office/powerpoint/2010/main" val="1273718308"/>
+      </p:ext>
+    </p:extLst>
+  </p:cSld>
+  <p:clrMapOvr>
+    <a:masterClrMapping/>
+  </p:clrMapOvr>
+</p:sld>
+</file>
+
+<file path=ppt/slides/slide7.xml><?xml version="1.0" encoding="utf-8"?>
 <p:sld xmlns:a="http://schemas.openxmlformats.org/drawingml/2006/main" xmlns:r="http://schemas.openxmlformats.org/officeDocument/2006/relationships" xmlns:p="http://schemas.openxmlformats.org/presentationml/2006/main">
   <p:cSld>
     <p:spTree>
@@ -20933,7 +23331,7 @@
 </p:sld>
 </file>
 
-<file path=ppt/slides/slide5.xml><?xml version="1.0" encoding="utf-8"?>
+<file path=ppt/slides/slide8.xml><?xml version="1.0" encoding="utf-8"?>
 <p:sld xmlns:a="http://schemas.openxmlformats.org/drawingml/2006/main" xmlns:r="http://schemas.openxmlformats.org/officeDocument/2006/relationships" xmlns:p="http://schemas.openxmlformats.org/presentationml/2006/main">
   <p:cSld>
     <p:spTree>
@@ -21005,7 +23403,7 @@
 </p:sld>
 </file>
 
-<file path=ppt/slides/slide6.xml><?xml version="1.0" encoding="utf-8"?>
+<file path=ppt/slides/slide9.xml><?xml version="1.0" encoding="utf-8"?>
 <p:sld xmlns:a="http://schemas.openxmlformats.org/drawingml/2006/main" xmlns:r="http://schemas.openxmlformats.org/officeDocument/2006/relationships" xmlns:p="http://schemas.openxmlformats.org/presentationml/2006/main">
   <p:cSld>
     <p:spTree>

--- a/Software Presentation.pptx
+++ b/Software Presentation.pptx
@@ -10,10 +10,12 @@
     <p:sldId id="264" r:id="rId4"/>
     <p:sldId id="263" r:id="rId5"/>
     <p:sldId id="258" r:id="rId6"/>
-    <p:sldId id="262" r:id="rId7"/>
-    <p:sldId id="259" r:id="rId8"/>
-    <p:sldId id="260" r:id="rId9"/>
-    <p:sldId id="261" r:id="rId10"/>
+    <p:sldId id="265" r:id="rId7"/>
+    <p:sldId id="267" r:id="rId8"/>
+    <p:sldId id="262" r:id="rId9"/>
+    <p:sldId id="259" r:id="rId10"/>
+    <p:sldId id="260" r:id="rId11"/>
+    <p:sldId id="261" r:id="rId12"/>
   </p:sldIdLst>
   <p:sldSz cx="12192000" cy="6858000"/>
   <p:notesSz cx="6858000" cy="9144000"/>
@@ -8913,7 +8915,7 @@
           <a:p>
             <a:fld id="{6AD6EE87-EBD5-4F12-A48A-63ACA297AC8F}" type="datetimeFigureOut">
               <a:rPr lang="en-US" dirty="0"/>
-              <a:t>10/29/2019</a:t>
+              <a:t>10/30/2019</a:t>
             </a:fld>
             <a:endParaRPr lang="en-US" dirty="0"/>
           </a:p>
@@ -9115,7 +9117,7 @@
           <a:p>
             <a:fld id="{4CD73815-2707-4475-8F1A-B873CB631BB4}" type="datetimeFigureOut">
               <a:rPr lang="en-US" dirty="0"/>
-              <a:t>10/29/2019</a:t>
+              <a:t>10/30/2019</a:t>
             </a:fld>
             <a:endParaRPr lang="en-US" dirty="0"/>
           </a:p>
@@ -9290,7 +9292,7 @@
           <a:p>
             <a:fld id="{2A4AFB99-0EAB-4182-AFF8-E214C82A68F6}" type="datetimeFigureOut">
               <a:rPr lang="en-US" dirty="0"/>
-              <a:t>10/29/2019</a:t>
+              <a:t>10/30/2019</a:t>
             </a:fld>
             <a:endParaRPr lang="en-US" dirty="0"/>
           </a:p>
@@ -9490,7 +9492,7 @@
           <a:p>
             <a:fld id="{A5D3794B-289A-4A80-97D7-111025398D45}" type="datetimeFigureOut">
               <a:rPr lang="en-US" dirty="0"/>
-              <a:t>10/29/2019</a:t>
+              <a:t>10/30/2019</a:t>
             </a:fld>
             <a:endParaRPr lang="en-US" dirty="0"/>
           </a:p>
@@ -18383,7 +18385,7 @@
           <a:p>
             <a:fld id="{5A61015F-7CC6-4D0A-9D87-873EA4C304CC}" type="datetimeFigureOut">
               <a:rPr lang="en-US" dirty="0"/>
-              <a:t>10/29/2019</a:t>
+              <a:t>10/30/2019</a:t>
             </a:fld>
             <a:endParaRPr lang="en-US" dirty="0"/>
           </a:p>
@@ -18652,7 +18654,7 @@
           <a:p>
             <a:fld id="{93C6A301-0538-44EC-B09D-202E1042A48B}" type="datetimeFigureOut">
               <a:rPr lang="en-US" dirty="0"/>
-              <a:t>10/29/2019</a:t>
+              <a:t>10/30/2019</a:t>
             </a:fld>
             <a:endParaRPr lang="en-US" dirty="0"/>
           </a:p>
@@ -19045,7 +19047,7 @@
           <a:p>
             <a:fld id="{D789574A-8875-45EF-8EA2-3CAA0F7ABC4C}" type="datetimeFigureOut">
               <a:rPr lang="en-US" dirty="0"/>
-              <a:t>10/29/2019</a:t>
+              <a:t>10/30/2019</a:t>
             </a:fld>
             <a:endParaRPr lang="en-US" dirty="0"/>
           </a:p>
@@ -19158,7 +19160,7 @@
           <a:p>
             <a:fld id="{67EF4D4C-5367-4C26-9E2B-D8088D7FCA81}" type="datetimeFigureOut">
               <a:rPr lang="en-US" dirty="0"/>
-              <a:t>10/29/2019</a:t>
+              <a:t>10/30/2019</a:t>
             </a:fld>
             <a:endParaRPr lang="en-US" dirty="0"/>
           </a:p>
@@ -19248,7 +19250,7 @@
           <a:p>
             <a:fld id="{56E91E96-98B0-4413-9547-46F3504108EF}" type="datetimeFigureOut">
               <a:rPr lang="en-US" dirty="0"/>
-              <a:t>10/29/2019</a:t>
+              <a:t>10/30/2019</a:t>
             </a:fld>
             <a:endParaRPr lang="en-US" dirty="0"/>
           </a:p>
@@ -19533,7 +19535,7 @@
           <a:p>
             <a:fld id="{05C68B11-C5A8-448C-8CE9-B1A273C79CFC}" type="datetimeFigureOut">
               <a:rPr lang="en-US" dirty="0"/>
-              <a:t>10/29/2019</a:t>
+              <a:t>10/30/2019</a:t>
             </a:fld>
             <a:endParaRPr lang="en-US" dirty="0"/>
           </a:p>
@@ -19808,7 +19810,7 @@
           <a:p>
             <a:fld id="{C7616CA0-919D-4A49-9C8A-62FDFB3A5183}" type="datetimeFigureOut">
               <a:rPr lang="en-US" dirty="0"/>
-              <a:t>10/29/2019</a:t>
+              <a:t>10/30/2019</a:t>
             </a:fld>
             <a:endParaRPr lang="en-US" dirty="0"/>
           </a:p>
@@ -20054,7 +20056,7 @@
             <a:fld id="{90298CD5-6C1E-4009-B41F-6DF62E31D3BE}" type="datetimeFigureOut">
               <a:rPr lang="en-US" dirty="0"/>
               <a:pPr/>
-              <a:t>10/29/2019</a:t>
+              <a:t>10/30/2019</a:t>
             </a:fld>
             <a:endParaRPr lang="en-US" dirty="0"/>
           </a:p>
@@ -20611,6 +20613,136 @@
 </p:sld>
 </file>
 
+<file path=ppt/slides/slide10.xml><?xml version="1.0" encoding="utf-8"?>
+<p:sld xmlns:a="http://schemas.openxmlformats.org/drawingml/2006/main" xmlns:r="http://schemas.openxmlformats.org/officeDocument/2006/relationships" xmlns:p="http://schemas.openxmlformats.org/presentationml/2006/main">
+  <p:cSld>
+    <p:spTree>
+      <p:nvGrpSpPr>
+        <p:cNvPr id="1" name=""/>
+        <p:cNvGrpSpPr/>
+        <p:nvPr/>
+      </p:nvGrpSpPr>
+      <p:grpSpPr>
+        <a:xfrm>
+          <a:off x="0" y="0"/>
+          <a:ext cx="0" cy="0"/>
+          <a:chOff x="0" y="0"/>
+          <a:chExt cx="0" cy="0"/>
+        </a:xfrm>
+      </p:grpSpPr>
+      <p:sp>
+        <p:nvSpPr>
+          <p:cNvPr id="2" name="Title 1"/>
+          <p:cNvSpPr>
+            <a:spLocks noGrp="1"/>
+          </p:cNvSpPr>
+          <p:nvPr>
+            <p:ph type="title"/>
+          </p:nvPr>
+        </p:nvSpPr>
+        <p:spPr/>
+        <p:txBody>
+          <a:bodyPr/>
+          <a:lstStyle/>
+          <a:p>
+            <a:r>
+              <a:rPr lang="en-GB" dirty="0" smtClean="0"/>
+              <a:t>Evaluation</a:t>
+            </a:r>
+            <a:endParaRPr lang="en-GB" dirty="0"/>
+          </a:p>
+        </p:txBody>
+      </p:sp>
+      <p:sp>
+        <p:nvSpPr>
+          <p:cNvPr id="3" name="Content Placeholder 2"/>
+          <p:cNvSpPr>
+            <a:spLocks noGrp="1"/>
+          </p:cNvSpPr>
+          <p:nvPr>
+            <p:ph idx="1"/>
+          </p:nvPr>
+        </p:nvSpPr>
+        <p:spPr/>
+        <p:txBody>
+          <a:bodyPr/>
+          <a:lstStyle/>
+          <a:p>
+            <a:endParaRPr lang="en-GB"/>
+          </a:p>
+        </p:txBody>
+      </p:sp>
+    </p:spTree>
+    <p:extLst>
+      <p:ext uri="{BB962C8B-B14F-4D97-AF65-F5344CB8AC3E}">
+        <p14:creationId xmlns:p14="http://schemas.microsoft.com/office/powerpoint/2010/main" val="3819476694"/>
+      </p:ext>
+    </p:extLst>
+  </p:cSld>
+  <p:clrMapOvr>
+    <a:masterClrMapping/>
+  </p:clrMapOvr>
+</p:sld>
+</file>
+
+<file path=ppt/slides/slide11.xml><?xml version="1.0" encoding="utf-8"?>
+<p:sld xmlns:a="http://schemas.openxmlformats.org/drawingml/2006/main" xmlns:r="http://schemas.openxmlformats.org/officeDocument/2006/relationships" xmlns:p="http://schemas.openxmlformats.org/presentationml/2006/main">
+  <p:cSld>
+    <p:spTree>
+      <p:nvGrpSpPr>
+        <p:cNvPr id="1" name=""/>
+        <p:cNvGrpSpPr/>
+        <p:nvPr/>
+      </p:nvGrpSpPr>
+      <p:grpSpPr>
+        <a:xfrm>
+          <a:off x="0" y="0"/>
+          <a:ext cx="0" cy="0"/>
+          <a:chOff x="0" y="0"/>
+          <a:chExt cx="0" cy="0"/>
+        </a:xfrm>
+      </p:grpSpPr>
+      <p:sp>
+        <p:nvSpPr>
+          <p:cNvPr id="2" name="Title 1"/>
+          <p:cNvSpPr>
+            <a:spLocks noGrp="1"/>
+          </p:cNvSpPr>
+          <p:nvPr>
+            <p:ph type="title"/>
+          </p:nvPr>
+        </p:nvSpPr>
+        <p:spPr>
+          <a:xfrm>
+            <a:off x="4142082" y="2294094"/>
+            <a:ext cx="2798364" cy="1499616"/>
+          </a:xfrm>
+        </p:spPr>
+        <p:txBody>
+          <a:bodyPr/>
+          <a:lstStyle/>
+          <a:p>
+            <a:r>
+              <a:rPr lang="en-GB" dirty="0" smtClean="0"/>
+              <a:t>Thank you</a:t>
+            </a:r>
+            <a:endParaRPr lang="en-GB" dirty="0"/>
+          </a:p>
+        </p:txBody>
+      </p:sp>
+    </p:spTree>
+    <p:extLst>
+      <p:ext uri="{BB962C8B-B14F-4D97-AF65-F5344CB8AC3E}">
+        <p14:creationId xmlns:p14="http://schemas.microsoft.com/office/powerpoint/2010/main" val="2542580315"/>
+      </p:ext>
+    </p:extLst>
+  </p:cSld>
+  <p:clrMapOvr>
+    <a:masterClrMapping/>
+  </p:clrMapOvr>
+</p:sld>
+</file>
+
 <file path=ppt/slides/slide2.xml><?xml version="1.0" encoding="utf-8"?>
 <p:sld xmlns:a="http://schemas.openxmlformats.org/drawingml/2006/main" xmlns:r="http://schemas.openxmlformats.org/officeDocument/2006/relationships" xmlns:p="http://schemas.openxmlformats.org/presentationml/2006/main">
   <p:cSld>
@@ -20922,10 +21054,6 @@
               <a:rPr lang="en-GB" sz="1600" dirty="0"/>
               <a:t>Feature required for Spotify </a:t>
             </a:r>
-            <a:r>
-              <a:rPr lang="en-GB" sz="1600" dirty="0"/>
-              <a:t/>
-            </a:r>
             <a:br>
               <a:rPr lang="en-GB" sz="1600" dirty="0"/>
             </a:br>
@@ -20968,7 +21096,7 @@
         </p:nvGraphicFramePr>
         <p:xfrm>
           <a:off x="3649388" y="2226754"/>
-          <a:ext cx="4469362" cy="4098356"/>
+          <a:ext cx="4469362" cy="4141217"/>
         </p:xfrm>
         <a:graphic>
           <a:graphicData uri="http://schemas.openxmlformats.org/drawingml/2006/table">
@@ -22809,7 +22937,7 @@
                         </a:spcAft>
                       </a:pPr>
                       <a:r>
-                        <a:rPr lang="en-GB" sz="700">
+                        <a:rPr lang="en-GB" sz="700" dirty="0">
                           <a:effectLst/>
                         </a:rPr>
                         <a:t>Saving the playlist to the users account</a:t>
@@ -22825,12 +22953,12 @@
                         </a:spcAft>
                       </a:pPr>
                       <a:r>
-                        <a:rPr lang="en-GB" sz="700">
+                        <a:rPr lang="en-GB" sz="700" dirty="0">
                           <a:effectLst/>
                         </a:rPr>
                         <a:t> </a:t>
                       </a:r>
-                      <a:endParaRPr lang="en-GB" sz="700">
+                      <a:endParaRPr lang="en-GB" sz="700" dirty="0">
                         <a:effectLst/>
                         <a:latin typeface="Calibri" panose="020F0502020204030204" pitchFamily="34" charset="0"/>
                         <a:ea typeface="Calibri" panose="020F0502020204030204" pitchFamily="34" charset="0"/>
@@ -23141,6 +23269,1730 @@
         </p:nvSpPr>
         <p:spPr>
           <a:xfrm>
+            <a:off x="778932" y="551350"/>
+            <a:ext cx="11751733" cy="1480650"/>
+          </a:xfrm>
+        </p:spPr>
+        <p:txBody>
+          <a:bodyPr/>
+          <a:lstStyle/>
+          <a:p>
+            <a:r>
+              <a:rPr lang="en-GB" dirty="0" smtClean="0"/>
+              <a:t>Pair Programming Log: Driver: Darius Observer: Jackson</a:t>
+            </a:r>
+            <a:endParaRPr lang="en-GB" dirty="0"/>
+          </a:p>
+        </p:txBody>
+      </p:sp>
+      <p:graphicFrame>
+        <p:nvGraphicFramePr>
+          <p:cNvPr id="4" name="Table 3"/>
+          <p:cNvGraphicFramePr>
+            <a:graphicFrameLocks noGrp="1"/>
+          </p:cNvGraphicFramePr>
+          <p:nvPr>
+            <p:extLst>
+              <p:ext uri="{D42A27DB-BD31-4B8C-83A1-F6EECF244321}">
+                <p14:modId xmlns:p14="http://schemas.microsoft.com/office/powerpoint/2010/main" val="1497153871"/>
+              </p:ext>
+            </p:extLst>
+          </p:nvPr>
+        </p:nvGraphicFramePr>
+        <p:xfrm>
+          <a:off x="185575" y="2032001"/>
+          <a:ext cx="10888826" cy="3846005"/>
+        </p:xfrm>
+        <a:graphic>
+          <a:graphicData uri="http://schemas.openxmlformats.org/drawingml/2006/table">
+            <a:tbl>
+              <a:tblPr firstRow="1" firstCol="1" bandRow="1">
+                <a:tableStyleId>{5C22544A-7EE6-4342-B048-85BDC9FD1C3A}</a:tableStyleId>
+              </a:tblPr>
+              <a:tblGrid>
+                <a:gridCol w="1382991">
+                  <a:extLst>
+                    <a:ext uri="{9D8B030D-6E8A-4147-A177-3AD203B41FA5}">
+                      <a16:colId xmlns:a16="http://schemas.microsoft.com/office/drawing/2014/main" val="1808003361"/>
+                    </a:ext>
+                  </a:extLst>
+                </a:gridCol>
+                <a:gridCol w="1385672">
+                  <a:extLst>
+                    <a:ext uri="{9D8B030D-6E8A-4147-A177-3AD203B41FA5}">
+                      <a16:colId xmlns:a16="http://schemas.microsoft.com/office/drawing/2014/main" val="3035148868"/>
+                    </a:ext>
+                  </a:extLst>
+                </a:gridCol>
+                <a:gridCol w="1384779">
+                  <a:extLst>
+                    <a:ext uri="{9D8B030D-6E8A-4147-A177-3AD203B41FA5}">
+                      <a16:colId xmlns:a16="http://schemas.microsoft.com/office/drawing/2014/main" val="1092703709"/>
+                    </a:ext>
+                  </a:extLst>
+                </a:gridCol>
+                <a:gridCol w="2679322">
+                  <a:extLst>
+                    <a:ext uri="{9D8B030D-6E8A-4147-A177-3AD203B41FA5}">
+                      <a16:colId xmlns:a16="http://schemas.microsoft.com/office/drawing/2014/main" val="1943483210"/>
+                    </a:ext>
+                  </a:extLst>
+                </a:gridCol>
+                <a:gridCol w="2028031">
+                  <a:extLst>
+                    <a:ext uri="{9D8B030D-6E8A-4147-A177-3AD203B41FA5}">
+                      <a16:colId xmlns:a16="http://schemas.microsoft.com/office/drawing/2014/main" val="894418458"/>
+                    </a:ext>
+                  </a:extLst>
+                </a:gridCol>
+                <a:gridCol w="2028031">
+                  <a:extLst>
+                    <a:ext uri="{9D8B030D-6E8A-4147-A177-3AD203B41FA5}">
+                      <a16:colId xmlns:a16="http://schemas.microsoft.com/office/drawing/2014/main" val="4228983985"/>
+                    </a:ext>
+                  </a:extLst>
+                </a:gridCol>
+              </a:tblGrid>
+              <a:tr h="936999">
+                <a:tc>
+                  <a:txBody>
+                    <a:bodyPr/>
+                    <a:lstStyle/>
+                    <a:p>
+                      <a:pPr algn="l">
+                        <a:lnSpc>
+                          <a:spcPct val="107000"/>
+                        </a:lnSpc>
+                        <a:spcAft>
+                          <a:spcPts val="0"/>
+                        </a:spcAft>
+                      </a:pPr>
+                      <a:r>
+                        <a:rPr lang="en-GB" sz="1100" b="0">
+                          <a:effectLst/>
+                          <a:latin typeface="Calibri" panose="020F0502020204030204" pitchFamily="34" charset="0"/>
+                          <a:cs typeface="Calibri" panose="020F0502020204030204" pitchFamily="34" charset="0"/>
+                        </a:rPr>
+                        <a:t>Time session started</a:t>
+                      </a:r>
+                      <a:endParaRPr lang="en-GB" sz="1100" b="0">
+                        <a:effectLst/>
+                        <a:latin typeface="Calibri" panose="020F0502020204030204" pitchFamily="34" charset="0"/>
+                        <a:ea typeface="Calibri" panose="020F0502020204030204" pitchFamily="34" charset="0"/>
+                        <a:cs typeface="Calibri" panose="020F0502020204030204" pitchFamily="34" charset="0"/>
+                      </a:endParaRPr>
+                    </a:p>
+                  </a:txBody>
+                  <a:tcPr marL="68580" marR="68580" marT="0" marB="0"/>
+                </a:tc>
+                <a:tc>
+                  <a:txBody>
+                    <a:bodyPr/>
+                    <a:lstStyle/>
+                    <a:p>
+                      <a:pPr algn="l">
+                        <a:lnSpc>
+                          <a:spcPct val="107000"/>
+                        </a:lnSpc>
+                        <a:spcAft>
+                          <a:spcPts val="0"/>
+                        </a:spcAft>
+                      </a:pPr>
+                      <a:r>
+                        <a:rPr lang="en-GB" sz="1100" b="0">
+                          <a:effectLst/>
+                          <a:latin typeface="Calibri" panose="020F0502020204030204" pitchFamily="34" charset="0"/>
+                          <a:cs typeface="Calibri" panose="020F0502020204030204" pitchFamily="34" charset="0"/>
+                        </a:rPr>
+                        <a:t>Number of lines of code written</a:t>
+                      </a:r>
+                      <a:endParaRPr lang="en-GB" sz="1100" b="0">
+                        <a:effectLst/>
+                        <a:latin typeface="Calibri" panose="020F0502020204030204" pitchFamily="34" charset="0"/>
+                        <a:ea typeface="Calibri" panose="020F0502020204030204" pitchFamily="34" charset="0"/>
+                        <a:cs typeface="Calibri" panose="020F0502020204030204" pitchFamily="34" charset="0"/>
+                      </a:endParaRPr>
+                    </a:p>
+                  </a:txBody>
+                  <a:tcPr marL="68580" marR="68580" marT="0" marB="0"/>
+                </a:tc>
+                <a:tc>
+                  <a:txBody>
+                    <a:bodyPr/>
+                    <a:lstStyle/>
+                    <a:p>
+                      <a:pPr algn="l">
+                        <a:lnSpc>
+                          <a:spcPct val="107000"/>
+                        </a:lnSpc>
+                        <a:spcAft>
+                          <a:spcPts val="0"/>
+                        </a:spcAft>
+                      </a:pPr>
+                      <a:r>
+                        <a:rPr lang="en-GB" sz="1100" b="0">
+                          <a:effectLst/>
+                          <a:latin typeface="Calibri" panose="020F0502020204030204" pitchFamily="34" charset="0"/>
+                          <a:cs typeface="Calibri" panose="020F0502020204030204" pitchFamily="34" charset="0"/>
+                        </a:rPr>
+                        <a:t>Errors spotted (and by whom)</a:t>
+                      </a:r>
+                      <a:endParaRPr lang="en-GB" sz="1100" b="0">
+                        <a:effectLst/>
+                        <a:latin typeface="Calibri" panose="020F0502020204030204" pitchFamily="34" charset="0"/>
+                        <a:ea typeface="Calibri" panose="020F0502020204030204" pitchFamily="34" charset="0"/>
+                        <a:cs typeface="Calibri" panose="020F0502020204030204" pitchFamily="34" charset="0"/>
+                      </a:endParaRPr>
+                    </a:p>
+                  </a:txBody>
+                  <a:tcPr marL="68580" marR="68580" marT="0" marB="0"/>
+                </a:tc>
+                <a:tc>
+                  <a:txBody>
+                    <a:bodyPr/>
+                    <a:lstStyle/>
+                    <a:p>
+                      <a:pPr algn="l">
+                        <a:lnSpc>
+                          <a:spcPct val="107000"/>
+                        </a:lnSpc>
+                        <a:spcAft>
+                          <a:spcPts val="0"/>
+                        </a:spcAft>
+                      </a:pPr>
+                      <a:r>
+                        <a:rPr lang="en-GB" sz="1100" b="0">
+                          <a:effectLst/>
+                          <a:latin typeface="Calibri" panose="020F0502020204030204" pitchFamily="34" charset="0"/>
+                          <a:cs typeface="Calibri" panose="020F0502020204030204" pitchFamily="34" charset="0"/>
+                        </a:rPr>
+                        <a:t>Activity (what’s being coded), or tested, or compiled</a:t>
+                      </a:r>
+                      <a:endParaRPr lang="en-GB" sz="1100" b="0">
+                        <a:effectLst/>
+                        <a:latin typeface="Calibri" panose="020F0502020204030204" pitchFamily="34" charset="0"/>
+                        <a:ea typeface="Calibri" panose="020F0502020204030204" pitchFamily="34" charset="0"/>
+                        <a:cs typeface="Calibri" panose="020F0502020204030204" pitchFamily="34" charset="0"/>
+                      </a:endParaRPr>
+                    </a:p>
+                  </a:txBody>
+                  <a:tcPr marL="68580" marR="68580" marT="0" marB="0"/>
+                </a:tc>
+                <a:tc>
+                  <a:txBody>
+                    <a:bodyPr/>
+                    <a:lstStyle/>
+                    <a:p>
+                      <a:pPr algn="l">
+                        <a:lnSpc>
+                          <a:spcPct val="107000"/>
+                        </a:lnSpc>
+                        <a:spcAft>
+                          <a:spcPts val="0"/>
+                        </a:spcAft>
+                      </a:pPr>
+                      <a:r>
+                        <a:rPr lang="en-GB" sz="1100" b="0">
+                          <a:effectLst/>
+                          <a:latin typeface="Calibri" panose="020F0502020204030204" pitchFamily="34" charset="0"/>
+                          <a:cs typeface="Calibri" panose="020F0502020204030204" pitchFamily="34" charset="0"/>
+                        </a:rPr>
+                        <a:t>Comments</a:t>
+                      </a:r>
+                      <a:endParaRPr lang="en-GB" sz="1100" b="0">
+                        <a:effectLst/>
+                        <a:latin typeface="Calibri" panose="020F0502020204030204" pitchFamily="34" charset="0"/>
+                        <a:ea typeface="Calibri" panose="020F0502020204030204" pitchFamily="34" charset="0"/>
+                        <a:cs typeface="Calibri" panose="020F0502020204030204" pitchFamily="34" charset="0"/>
+                      </a:endParaRPr>
+                    </a:p>
+                  </a:txBody>
+                  <a:tcPr marL="68580" marR="68580" marT="0" marB="0"/>
+                </a:tc>
+                <a:tc>
+                  <a:txBody>
+                    <a:bodyPr/>
+                    <a:lstStyle/>
+                    <a:p>
+                      <a:pPr algn="l">
+                        <a:lnSpc>
+                          <a:spcPct val="107000"/>
+                        </a:lnSpc>
+                        <a:spcAft>
+                          <a:spcPts val="0"/>
+                        </a:spcAft>
+                      </a:pPr>
+                      <a:r>
+                        <a:rPr lang="en-GB" sz="1100" b="0">
+                          <a:effectLst/>
+                          <a:latin typeface="Calibri" panose="020F0502020204030204" pitchFamily="34" charset="0"/>
+                          <a:cs typeface="Calibri" panose="020F0502020204030204" pitchFamily="34" charset="0"/>
+                        </a:rPr>
+                        <a:t>Fixed error</a:t>
+                      </a:r>
+                      <a:endParaRPr lang="en-GB" sz="1100" b="0">
+                        <a:effectLst/>
+                        <a:latin typeface="Calibri" panose="020F0502020204030204" pitchFamily="34" charset="0"/>
+                        <a:ea typeface="Calibri" panose="020F0502020204030204" pitchFamily="34" charset="0"/>
+                        <a:cs typeface="Calibri" panose="020F0502020204030204" pitchFamily="34" charset="0"/>
+                      </a:endParaRPr>
+                    </a:p>
+                  </a:txBody>
+                  <a:tcPr marL="68580" marR="68580" marT="0" marB="0"/>
+                </a:tc>
+                <a:extLst>
+                  <a:ext uri="{0D108BD9-81ED-4DB2-BD59-A6C34878D82A}">
+                    <a16:rowId xmlns:a16="http://schemas.microsoft.com/office/drawing/2014/main" val="570888987"/>
+                  </a:ext>
+                </a:extLst>
+              </a:tr>
+              <a:tr h="470529">
+                <a:tc>
+                  <a:txBody>
+                    <a:bodyPr/>
+                    <a:lstStyle/>
+                    <a:p>
+                      <a:pPr algn="l">
+                        <a:lnSpc>
+                          <a:spcPct val="107000"/>
+                        </a:lnSpc>
+                        <a:spcAft>
+                          <a:spcPts val="0"/>
+                        </a:spcAft>
+                      </a:pPr>
+                      <a:r>
+                        <a:rPr lang="en-GB" sz="1000" b="0">
+                          <a:effectLst/>
+                          <a:latin typeface="Calibri" panose="020F0502020204030204" pitchFamily="34" charset="0"/>
+                          <a:cs typeface="Calibri" panose="020F0502020204030204" pitchFamily="34" charset="0"/>
+                        </a:rPr>
+                        <a:t>29/10/2019</a:t>
+                      </a:r>
+                      <a:endParaRPr lang="en-GB" sz="1100" b="0">
+                        <a:effectLst/>
+                        <a:latin typeface="Calibri" panose="020F0502020204030204" pitchFamily="34" charset="0"/>
+                        <a:ea typeface="Calibri" panose="020F0502020204030204" pitchFamily="34" charset="0"/>
+                        <a:cs typeface="Calibri" panose="020F0502020204030204" pitchFamily="34" charset="0"/>
+                      </a:endParaRPr>
+                    </a:p>
+                  </a:txBody>
+                  <a:tcPr marL="68580" marR="68580" marT="0" marB="0"/>
+                </a:tc>
+                <a:tc>
+                  <a:txBody>
+                    <a:bodyPr/>
+                    <a:lstStyle/>
+                    <a:p>
+                      <a:pPr algn="l">
+                        <a:lnSpc>
+                          <a:spcPct val="107000"/>
+                        </a:lnSpc>
+                        <a:spcAft>
+                          <a:spcPts val="0"/>
+                        </a:spcAft>
+                      </a:pPr>
+                      <a:r>
+                        <a:rPr lang="en-GB" sz="1000" b="0">
+                          <a:effectLst/>
+                          <a:latin typeface="Calibri" panose="020F0502020204030204" pitchFamily="34" charset="0"/>
+                          <a:cs typeface="Calibri" panose="020F0502020204030204" pitchFamily="34" charset="0"/>
+                        </a:rPr>
+                        <a:t>Line: 24</a:t>
+                      </a:r>
+                      <a:endParaRPr lang="en-GB" sz="1100" b="0">
+                        <a:effectLst/>
+                        <a:latin typeface="Calibri" panose="020F0502020204030204" pitchFamily="34" charset="0"/>
+                        <a:ea typeface="Calibri" panose="020F0502020204030204" pitchFamily="34" charset="0"/>
+                        <a:cs typeface="Calibri" panose="020F0502020204030204" pitchFamily="34" charset="0"/>
+                      </a:endParaRPr>
+                    </a:p>
+                  </a:txBody>
+                  <a:tcPr marL="68580" marR="68580" marT="0" marB="0"/>
+                </a:tc>
+                <a:tc>
+                  <a:txBody>
+                    <a:bodyPr/>
+                    <a:lstStyle/>
+                    <a:p>
+                      <a:pPr algn="l">
+                        <a:lnSpc>
+                          <a:spcPct val="107000"/>
+                        </a:lnSpc>
+                        <a:spcAft>
+                          <a:spcPts val="0"/>
+                        </a:spcAft>
+                      </a:pPr>
+                      <a:r>
+                        <a:rPr lang="en-GB" sz="1000" b="0">
+                          <a:effectLst/>
+                          <a:latin typeface="Calibri" panose="020F0502020204030204" pitchFamily="34" charset="0"/>
+                          <a:cs typeface="Calibri" panose="020F0502020204030204" pitchFamily="34" charset="0"/>
+                        </a:rPr>
+                        <a:t>1</a:t>
+                      </a:r>
+                      <a:endParaRPr lang="en-GB" sz="1100" b="0">
+                        <a:effectLst/>
+                        <a:latin typeface="Calibri" panose="020F0502020204030204" pitchFamily="34" charset="0"/>
+                        <a:ea typeface="Calibri" panose="020F0502020204030204" pitchFamily="34" charset="0"/>
+                        <a:cs typeface="Calibri" panose="020F0502020204030204" pitchFamily="34" charset="0"/>
+                      </a:endParaRPr>
+                    </a:p>
+                  </a:txBody>
+                  <a:tcPr marL="68580" marR="68580" marT="0" marB="0"/>
+                </a:tc>
+                <a:tc>
+                  <a:txBody>
+                    <a:bodyPr/>
+                    <a:lstStyle/>
+                    <a:p>
+                      <a:pPr algn="l">
+                        <a:lnSpc>
+                          <a:spcPct val="107000"/>
+                        </a:lnSpc>
+                        <a:spcAft>
+                          <a:spcPts val="0"/>
+                        </a:spcAft>
+                      </a:pPr>
+                      <a:r>
+                        <a:rPr lang="en-GB" sz="1000" b="0">
+                          <a:effectLst/>
+                          <a:latin typeface="Calibri" panose="020F0502020204030204" pitchFamily="34" charset="0"/>
+                          <a:cs typeface="Calibri" panose="020F0502020204030204" pitchFamily="34" charset="0"/>
+                        </a:rPr>
+                        <a:t>MessageBox.Show(“Please input the user name”)</a:t>
+                      </a:r>
+                      <a:endParaRPr lang="en-GB" sz="1100" b="0">
+                        <a:effectLst/>
+                        <a:latin typeface="Calibri" panose="020F0502020204030204" pitchFamily="34" charset="0"/>
+                        <a:ea typeface="Calibri" panose="020F0502020204030204" pitchFamily="34" charset="0"/>
+                        <a:cs typeface="Calibri" panose="020F0502020204030204" pitchFamily="34" charset="0"/>
+                      </a:endParaRPr>
+                    </a:p>
+                  </a:txBody>
+                  <a:tcPr marL="68580" marR="68580" marT="0" marB="0"/>
+                </a:tc>
+                <a:tc>
+                  <a:txBody>
+                    <a:bodyPr/>
+                    <a:lstStyle/>
+                    <a:p>
+                      <a:pPr algn="l">
+                        <a:lnSpc>
+                          <a:spcPct val="107000"/>
+                        </a:lnSpc>
+                        <a:spcAft>
+                          <a:spcPts val="0"/>
+                        </a:spcAft>
+                      </a:pPr>
+                      <a:r>
+                        <a:rPr lang="en-GB" sz="1000" b="0">
+                          <a:effectLst/>
+                          <a:latin typeface="Calibri" panose="020F0502020204030204" pitchFamily="34" charset="0"/>
+                          <a:cs typeface="Calibri" panose="020F0502020204030204" pitchFamily="34" charset="0"/>
+                        </a:rPr>
+                        <a:t>Add speech marks to the text.</a:t>
+                      </a:r>
+                      <a:endParaRPr lang="en-GB" sz="1100" b="0">
+                        <a:effectLst/>
+                        <a:latin typeface="Calibri" panose="020F0502020204030204" pitchFamily="34" charset="0"/>
+                        <a:ea typeface="Calibri" panose="020F0502020204030204" pitchFamily="34" charset="0"/>
+                        <a:cs typeface="Calibri" panose="020F0502020204030204" pitchFamily="34" charset="0"/>
+                      </a:endParaRPr>
+                    </a:p>
+                  </a:txBody>
+                  <a:tcPr marL="68580" marR="68580" marT="0" marB="0"/>
+                </a:tc>
+                <a:tc>
+                  <a:txBody>
+                    <a:bodyPr/>
+                    <a:lstStyle/>
+                    <a:p>
+                      <a:pPr algn="l">
+                        <a:lnSpc>
+                          <a:spcPct val="107000"/>
+                        </a:lnSpc>
+                        <a:spcAft>
+                          <a:spcPts val="0"/>
+                        </a:spcAft>
+                      </a:pPr>
+                      <a:r>
+                        <a:rPr lang="en-GB" sz="1000" b="0">
+                          <a:effectLst/>
+                          <a:latin typeface="Calibri" panose="020F0502020204030204" pitchFamily="34" charset="0"/>
+                          <a:cs typeface="Calibri" panose="020F0502020204030204" pitchFamily="34" charset="0"/>
+                        </a:rPr>
+                        <a:t>Yes</a:t>
+                      </a:r>
+                      <a:endParaRPr lang="en-GB" sz="1100" b="0">
+                        <a:effectLst/>
+                        <a:latin typeface="Calibri" panose="020F0502020204030204" pitchFamily="34" charset="0"/>
+                        <a:ea typeface="Calibri" panose="020F0502020204030204" pitchFamily="34" charset="0"/>
+                        <a:cs typeface="Calibri" panose="020F0502020204030204" pitchFamily="34" charset="0"/>
+                      </a:endParaRPr>
+                    </a:p>
+                  </a:txBody>
+                  <a:tcPr marL="68580" marR="68580" marT="0" marB="0"/>
+                </a:tc>
+                <a:extLst>
+                  <a:ext uri="{0D108BD9-81ED-4DB2-BD59-A6C34878D82A}">
+                    <a16:rowId xmlns:a16="http://schemas.microsoft.com/office/drawing/2014/main" val="1722484163"/>
+                  </a:ext>
+                </a:extLst>
+              </a:tr>
+              <a:tr h="2097143">
+                <a:tc>
+                  <a:txBody>
+                    <a:bodyPr/>
+                    <a:lstStyle/>
+                    <a:p>
+                      <a:pPr algn="l">
+                        <a:lnSpc>
+                          <a:spcPct val="107000"/>
+                        </a:lnSpc>
+                        <a:spcAft>
+                          <a:spcPts val="0"/>
+                        </a:spcAft>
+                      </a:pPr>
+                      <a:r>
+                        <a:rPr lang="en-GB" sz="1100" b="0">
+                          <a:effectLst/>
+                          <a:latin typeface="Calibri" panose="020F0502020204030204" pitchFamily="34" charset="0"/>
+                          <a:cs typeface="Calibri" panose="020F0502020204030204" pitchFamily="34" charset="0"/>
+                        </a:rPr>
+                        <a:t>29/10/2019</a:t>
+                      </a:r>
+                      <a:endParaRPr lang="en-GB" sz="1100" b="0">
+                        <a:effectLst/>
+                        <a:latin typeface="Calibri" panose="020F0502020204030204" pitchFamily="34" charset="0"/>
+                        <a:ea typeface="Calibri" panose="020F0502020204030204" pitchFamily="34" charset="0"/>
+                        <a:cs typeface="Calibri" panose="020F0502020204030204" pitchFamily="34" charset="0"/>
+                      </a:endParaRPr>
+                    </a:p>
+                  </a:txBody>
+                  <a:tcPr marL="68580" marR="68580" marT="0" marB="0"/>
+                </a:tc>
+                <a:tc>
+                  <a:txBody>
+                    <a:bodyPr/>
+                    <a:lstStyle/>
+                    <a:p>
+                      <a:pPr algn="l">
+                        <a:lnSpc>
+                          <a:spcPct val="107000"/>
+                        </a:lnSpc>
+                        <a:spcAft>
+                          <a:spcPts val="0"/>
+                        </a:spcAft>
+                      </a:pPr>
+                      <a:r>
+                        <a:rPr lang="en-GB" sz="1100" b="0">
+                          <a:effectLst/>
+                          <a:latin typeface="Calibri" panose="020F0502020204030204" pitchFamily="34" charset="0"/>
+                          <a:cs typeface="Calibri" panose="020F0502020204030204" pitchFamily="34" charset="0"/>
+                        </a:rPr>
+                        <a:t>Line: 24</a:t>
+                      </a:r>
+                    </a:p>
+                    <a:p>
+                      <a:pPr algn="l">
+                        <a:lnSpc>
+                          <a:spcPct val="107000"/>
+                        </a:lnSpc>
+                        <a:spcAft>
+                          <a:spcPts val="0"/>
+                        </a:spcAft>
+                      </a:pPr>
+                      <a:r>
+                        <a:rPr lang="en-GB" sz="1100" b="0">
+                          <a:effectLst/>
+                          <a:latin typeface="Calibri" panose="020F0502020204030204" pitchFamily="34" charset="0"/>
+                          <a:cs typeface="Calibri" panose="020F0502020204030204" pitchFamily="34" charset="0"/>
+                        </a:rPr>
+                        <a:t>Line: 37</a:t>
+                      </a:r>
+                      <a:endParaRPr lang="en-GB" sz="1100" b="0">
+                        <a:effectLst/>
+                        <a:latin typeface="Calibri" panose="020F0502020204030204" pitchFamily="34" charset="0"/>
+                        <a:ea typeface="Calibri" panose="020F0502020204030204" pitchFamily="34" charset="0"/>
+                        <a:cs typeface="Calibri" panose="020F0502020204030204" pitchFamily="34" charset="0"/>
+                      </a:endParaRPr>
+                    </a:p>
+                  </a:txBody>
+                  <a:tcPr marL="68580" marR="68580" marT="0" marB="0"/>
+                </a:tc>
+                <a:tc>
+                  <a:txBody>
+                    <a:bodyPr/>
+                    <a:lstStyle/>
+                    <a:p>
+                      <a:pPr algn="l">
+                        <a:lnSpc>
+                          <a:spcPct val="107000"/>
+                        </a:lnSpc>
+                        <a:spcAft>
+                          <a:spcPts val="0"/>
+                        </a:spcAft>
+                      </a:pPr>
+                      <a:r>
+                        <a:rPr lang="en-GB" sz="1100" b="0">
+                          <a:effectLst/>
+                          <a:latin typeface="Calibri" panose="020F0502020204030204" pitchFamily="34" charset="0"/>
+                          <a:cs typeface="Calibri" panose="020F0502020204030204" pitchFamily="34" charset="0"/>
+                        </a:rPr>
+                        <a:t>2</a:t>
+                      </a:r>
+                      <a:endParaRPr lang="en-GB" sz="1100" b="0">
+                        <a:effectLst/>
+                        <a:latin typeface="Calibri" panose="020F0502020204030204" pitchFamily="34" charset="0"/>
+                        <a:ea typeface="Calibri" panose="020F0502020204030204" pitchFamily="34" charset="0"/>
+                        <a:cs typeface="Calibri" panose="020F0502020204030204" pitchFamily="34" charset="0"/>
+                      </a:endParaRPr>
+                    </a:p>
+                  </a:txBody>
+                  <a:tcPr marL="68580" marR="68580" marT="0" marB="0"/>
+                </a:tc>
+                <a:tc>
+                  <a:txBody>
+                    <a:bodyPr/>
+                    <a:lstStyle/>
+                    <a:p>
+                      <a:pPr algn="l">
+                        <a:lnSpc>
+                          <a:spcPct val="107000"/>
+                        </a:lnSpc>
+                        <a:spcAft>
+                          <a:spcPts val="0"/>
+                        </a:spcAft>
+                      </a:pPr>
+                      <a:r>
+                        <a:rPr lang="en-GB" sz="950" b="0" dirty="0" err="1">
+                          <a:effectLst/>
+                          <a:latin typeface="Calibri" panose="020F0502020204030204" pitchFamily="34" charset="0"/>
+                          <a:cs typeface="Calibri" panose="020F0502020204030204" pitchFamily="34" charset="0"/>
+                        </a:rPr>
+                        <a:t>this.Close</a:t>
+                      </a:r>
+                      <a:r>
+                        <a:rPr lang="en-GB" sz="950" b="0" dirty="0">
+                          <a:effectLst/>
+                          <a:latin typeface="Calibri" panose="020F0502020204030204" pitchFamily="34" charset="0"/>
+                          <a:cs typeface="Calibri" panose="020F0502020204030204" pitchFamily="34" charset="0"/>
+                        </a:rPr>
+                        <a:t>();</a:t>
+                      </a:r>
+                      <a:endParaRPr lang="en-GB" sz="1100" b="0" dirty="0">
+                        <a:effectLst/>
+                        <a:latin typeface="Calibri" panose="020F0502020204030204" pitchFamily="34" charset="0"/>
+                        <a:ea typeface="Calibri" panose="020F0502020204030204" pitchFamily="34" charset="0"/>
+                        <a:cs typeface="Calibri" panose="020F0502020204030204" pitchFamily="34" charset="0"/>
+                      </a:endParaRPr>
+                    </a:p>
+                  </a:txBody>
+                  <a:tcPr marL="68580" marR="68580" marT="0" marB="0"/>
+                </a:tc>
+                <a:tc>
+                  <a:txBody>
+                    <a:bodyPr/>
+                    <a:lstStyle/>
+                    <a:p>
+                      <a:pPr algn="l">
+                        <a:lnSpc>
+                          <a:spcPct val="107000"/>
+                        </a:lnSpc>
+                        <a:spcAft>
+                          <a:spcPts val="0"/>
+                        </a:spcAft>
+                      </a:pPr>
+                      <a:r>
+                        <a:rPr lang="en-GB" sz="1100" b="0" dirty="0">
+                          <a:effectLst/>
+                          <a:latin typeface="Calibri" panose="020F0502020204030204" pitchFamily="34" charset="0"/>
+                          <a:cs typeface="Calibri" panose="020F0502020204030204" pitchFamily="34" charset="0"/>
+                        </a:rPr>
+                        <a:t>Add brackets at the end of the “</a:t>
+                      </a:r>
+                      <a:r>
+                        <a:rPr lang="en-GB" sz="1100" b="0" dirty="0" err="1">
+                          <a:effectLst/>
+                          <a:latin typeface="Calibri" panose="020F0502020204030204" pitchFamily="34" charset="0"/>
+                          <a:cs typeface="Calibri" panose="020F0502020204030204" pitchFamily="34" charset="0"/>
+                        </a:rPr>
+                        <a:t>this.Close</a:t>
+                      </a:r>
+                      <a:r>
+                        <a:rPr lang="en-GB" sz="1100" b="0" dirty="0">
+                          <a:effectLst/>
+                          <a:latin typeface="Calibri" panose="020F0502020204030204" pitchFamily="34" charset="0"/>
+                          <a:cs typeface="Calibri" panose="020F0502020204030204" pitchFamily="34" charset="0"/>
+                        </a:rPr>
+                        <a:t>()”; </a:t>
+                      </a:r>
+                    </a:p>
+                    <a:p>
+                      <a:pPr algn="l">
+                        <a:lnSpc>
+                          <a:spcPct val="107000"/>
+                        </a:lnSpc>
+                        <a:spcAft>
+                          <a:spcPts val="0"/>
+                        </a:spcAft>
+                      </a:pPr>
+                      <a:r>
+                        <a:rPr lang="en-GB" sz="1100" b="0" dirty="0">
+                          <a:effectLst/>
+                          <a:latin typeface="Calibri" panose="020F0502020204030204" pitchFamily="34" charset="0"/>
+                          <a:cs typeface="Calibri" panose="020F0502020204030204" pitchFamily="34" charset="0"/>
+                        </a:rPr>
+                        <a:t>When selecting Log in button displays message instead of going to the next login form.</a:t>
+                      </a:r>
+                      <a:endParaRPr lang="en-GB" sz="1100" b="0" dirty="0">
+                        <a:effectLst/>
+                        <a:latin typeface="Calibri" panose="020F0502020204030204" pitchFamily="34" charset="0"/>
+                        <a:ea typeface="Calibri" panose="020F0502020204030204" pitchFamily="34" charset="0"/>
+                        <a:cs typeface="Calibri" panose="020F0502020204030204" pitchFamily="34" charset="0"/>
+                      </a:endParaRPr>
+                    </a:p>
+                  </a:txBody>
+                  <a:tcPr marL="68580" marR="68580" marT="0" marB="0"/>
+                </a:tc>
+                <a:tc>
+                  <a:txBody>
+                    <a:bodyPr/>
+                    <a:lstStyle/>
+                    <a:p>
+                      <a:pPr algn="l">
+                        <a:lnSpc>
+                          <a:spcPct val="107000"/>
+                        </a:lnSpc>
+                        <a:spcAft>
+                          <a:spcPts val="0"/>
+                        </a:spcAft>
+                      </a:pPr>
+                      <a:r>
+                        <a:rPr lang="en-GB" sz="1100" b="0" dirty="0">
+                          <a:effectLst/>
+                          <a:latin typeface="Calibri" panose="020F0502020204030204" pitchFamily="34" charset="0"/>
+                          <a:cs typeface="Calibri" panose="020F0502020204030204" pitchFamily="34" charset="0"/>
+                        </a:rPr>
+                        <a:t>Yes</a:t>
+                      </a:r>
+                    </a:p>
+                    <a:p>
+                      <a:pPr algn="l">
+                        <a:lnSpc>
+                          <a:spcPct val="107000"/>
+                        </a:lnSpc>
+                        <a:spcAft>
+                          <a:spcPts val="0"/>
+                        </a:spcAft>
+                      </a:pPr>
+                      <a:r>
+                        <a:rPr lang="en-GB" sz="1100" b="0" dirty="0">
+                          <a:effectLst/>
+                          <a:latin typeface="Calibri" panose="020F0502020204030204" pitchFamily="34" charset="0"/>
+                          <a:cs typeface="Calibri" panose="020F0502020204030204" pitchFamily="34" charset="0"/>
+                        </a:rPr>
+                        <a:t> </a:t>
+                      </a:r>
+                    </a:p>
+                    <a:p>
+                      <a:pPr algn="l">
+                        <a:lnSpc>
+                          <a:spcPct val="107000"/>
+                        </a:lnSpc>
+                        <a:spcAft>
+                          <a:spcPts val="0"/>
+                        </a:spcAft>
+                      </a:pPr>
+                      <a:r>
+                        <a:rPr lang="en-GB" sz="1100" b="0" dirty="0">
+                          <a:effectLst/>
+                          <a:latin typeface="Calibri" panose="020F0502020204030204" pitchFamily="34" charset="0"/>
+                          <a:cs typeface="Calibri" panose="020F0502020204030204" pitchFamily="34" charset="0"/>
+                        </a:rPr>
+                        <a:t> </a:t>
+                      </a:r>
+                    </a:p>
+                    <a:p>
+                      <a:pPr algn="l">
+                        <a:lnSpc>
+                          <a:spcPct val="107000"/>
+                        </a:lnSpc>
+                        <a:spcAft>
+                          <a:spcPts val="0"/>
+                        </a:spcAft>
+                      </a:pPr>
+                      <a:r>
+                        <a:rPr lang="en-GB" sz="1100" b="0" dirty="0">
+                          <a:effectLst/>
+                          <a:latin typeface="Calibri" panose="020F0502020204030204" pitchFamily="34" charset="0"/>
+                          <a:cs typeface="Calibri" panose="020F0502020204030204" pitchFamily="34" charset="0"/>
+                        </a:rPr>
+                        <a:t> </a:t>
+                      </a:r>
+                    </a:p>
+                    <a:p>
+                      <a:pPr algn="l">
+                        <a:lnSpc>
+                          <a:spcPct val="107000"/>
+                        </a:lnSpc>
+                        <a:spcAft>
+                          <a:spcPts val="0"/>
+                        </a:spcAft>
+                      </a:pPr>
+                      <a:r>
+                        <a:rPr lang="en-GB" sz="1100" b="0" dirty="0">
+                          <a:effectLst/>
+                          <a:latin typeface="Calibri" panose="020F0502020204030204" pitchFamily="34" charset="0"/>
+                          <a:cs typeface="Calibri" panose="020F0502020204030204" pitchFamily="34" charset="0"/>
+                        </a:rPr>
+                        <a:t> </a:t>
+                      </a:r>
+                    </a:p>
+                    <a:p>
+                      <a:pPr algn="l">
+                        <a:lnSpc>
+                          <a:spcPct val="107000"/>
+                        </a:lnSpc>
+                        <a:spcAft>
+                          <a:spcPts val="0"/>
+                        </a:spcAft>
+                      </a:pPr>
+                      <a:r>
+                        <a:rPr lang="en-GB" sz="1100" b="0" dirty="0">
+                          <a:effectLst/>
+                          <a:latin typeface="Calibri" panose="020F0502020204030204" pitchFamily="34" charset="0"/>
+                          <a:cs typeface="Calibri" panose="020F0502020204030204" pitchFamily="34" charset="0"/>
+                        </a:rPr>
+                        <a:t>Yes</a:t>
+                      </a:r>
+                      <a:endParaRPr lang="en-GB" sz="1100" b="0" dirty="0">
+                        <a:effectLst/>
+                        <a:latin typeface="Calibri" panose="020F0502020204030204" pitchFamily="34" charset="0"/>
+                        <a:ea typeface="Calibri" panose="020F0502020204030204" pitchFamily="34" charset="0"/>
+                        <a:cs typeface="Calibri" panose="020F0502020204030204" pitchFamily="34" charset="0"/>
+                      </a:endParaRPr>
+                    </a:p>
+                  </a:txBody>
+                  <a:tcPr marL="68580" marR="68580" marT="0" marB="0"/>
+                </a:tc>
+                <a:extLst>
+                  <a:ext uri="{0D108BD9-81ED-4DB2-BD59-A6C34878D82A}">
+                    <a16:rowId xmlns:a16="http://schemas.microsoft.com/office/drawing/2014/main" val="2653626668"/>
+                  </a:ext>
+                </a:extLst>
+              </a:tr>
+              <a:tr h="341334">
+                <a:tc>
+                  <a:txBody>
+                    <a:bodyPr/>
+                    <a:lstStyle/>
+                    <a:p>
+                      <a:pPr algn="l">
+                        <a:lnSpc>
+                          <a:spcPct val="107000"/>
+                        </a:lnSpc>
+                        <a:spcAft>
+                          <a:spcPts val="0"/>
+                        </a:spcAft>
+                      </a:pPr>
+                      <a:r>
+                        <a:rPr lang="en-GB" sz="1000" b="0">
+                          <a:effectLst/>
+                          <a:latin typeface="Calibri" panose="020F0502020204030204" pitchFamily="34" charset="0"/>
+                          <a:cs typeface="Calibri" panose="020F0502020204030204" pitchFamily="34" charset="0"/>
+                        </a:rPr>
+                        <a:t>29/10/2019</a:t>
+                      </a:r>
+                      <a:endParaRPr lang="en-GB" sz="1100" b="0">
+                        <a:effectLst/>
+                        <a:latin typeface="Calibri" panose="020F0502020204030204" pitchFamily="34" charset="0"/>
+                        <a:ea typeface="Calibri" panose="020F0502020204030204" pitchFamily="34" charset="0"/>
+                        <a:cs typeface="Calibri" panose="020F0502020204030204" pitchFamily="34" charset="0"/>
+                      </a:endParaRPr>
+                    </a:p>
+                  </a:txBody>
+                  <a:tcPr marL="68580" marR="68580" marT="0" marB="0"/>
+                </a:tc>
+                <a:tc>
+                  <a:txBody>
+                    <a:bodyPr/>
+                    <a:lstStyle/>
+                    <a:p>
+                      <a:pPr algn="l">
+                        <a:lnSpc>
+                          <a:spcPct val="107000"/>
+                        </a:lnSpc>
+                        <a:spcAft>
+                          <a:spcPts val="0"/>
+                        </a:spcAft>
+                      </a:pPr>
+                      <a:r>
+                        <a:rPr lang="en-GB" sz="1000" b="0">
+                          <a:effectLst/>
+                          <a:latin typeface="Calibri" panose="020F0502020204030204" pitchFamily="34" charset="0"/>
+                          <a:cs typeface="Calibri" panose="020F0502020204030204" pitchFamily="34" charset="0"/>
+                        </a:rPr>
+                        <a:t>N/A</a:t>
+                      </a:r>
+                      <a:endParaRPr lang="en-GB" sz="1100" b="0">
+                        <a:effectLst/>
+                        <a:latin typeface="Calibri" panose="020F0502020204030204" pitchFamily="34" charset="0"/>
+                        <a:ea typeface="Calibri" panose="020F0502020204030204" pitchFamily="34" charset="0"/>
+                        <a:cs typeface="Calibri" panose="020F0502020204030204" pitchFamily="34" charset="0"/>
+                      </a:endParaRPr>
+                    </a:p>
+                  </a:txBody>
+                  <a:tcPr marL="68580" marR="68580" marT="0" marB="0"/>
+                </a:tc>
+                <a:tc>
+                  <a:txBody>
+                    <a:bodyPr/>
+                    <a:lstStyle/>
+                    <a:p>
+                      <a:pPr algn="l">
+                        <a:lnSpc>
+                          <a:spcPct val="107000"/>
+                        </a:lnSpc>
+                        <a:spcAft>
+                          <a:spcPts val="0"/>
+                        </a:spcAft>
+                      </a:pPr>
+                      <a:r>
+                        <a:rPr lang="en-GB" sz="1000" b="0">
+                          <a:effectLst/>
+                          <a:latin typeface="Calibri" panose="020F0502020204030204" pitchFamily="34" charset="0"/>
+                          <a:cs typeface="Calibri" panose="020F0502020204030204" pitchFamily="34" charset="0"/>
+                        </a:rPr>
+                        <a:t>0</a:t>
+                      </a:r>
+                      <a:endParaRPr lang="en-GB" sz="1100" b="0">
+                        <a:effectLst/>
+                        <a:latin typeface="Calibri" panose="020F0502020204030204" pitchFamily="34" charset="0"/>
+                        <a:ea typeface="Calibri" panose="020F0502020204030204" pitchFamily="34" charset="0"/>
+                        <a:cs typeface="Calibri" panose="020F0502020204030204" pitchFamily="34" charset="0"/>
+                      </a:endParaRPr>
+                    </a:p>
+                  </a:txBody>
+                  <a:tcPr marL="68580" marR="68580" marT="0" marB="0"/>
+                </a:tc>
+                <a:tc>
+                  <a:txBody>
+                    <a:bodyPr/>
+                    <a:lstStyle/>
+                    <a:p>
+                      <a:pPr algn="l">
+                        <a:lnSpc>
+                          <a:spcPct val="107000"/>
+                        </a:lnSpc>
+                        <a:spcAft>
+                          <a:spcPts val="0"/>
+                        </a:spcAft>
+                      </a:pPr>
+                      <a:r>
+                        <a:rPr lang="en-GB" sz="1100" b="0" dirty="0">
+                          <a:effectLst/>
+                          <a:latin typeface="Calibri" panose="020F0502020204030204" pitchFamily="34" charset="0"/>
+                          <a:cs typeface="Calibri" panose="020F0502020204030204" pitchFamily="34" charset="0"/>
+                        </a:rPr>
+                        <a:t>Sign in button moves to next form </a:t>
+                      </a:r>
+                      <a:endParaRPr lang="en-GB" sz="1100" b="0" dirty="0">
+                        <a:effectLst/>
+                        <a:latin typeface="Calibri" panose="020F0502020204030204" pitchFamily="34" charset="0"/>
+                        <a:ea typeface="Calibri" panose="020F0502020204030204" pitchFamily="34" charset="0"/>
+                        <a:cs typeface="Calibri" panose="020F0502020204030204" pitchFamily="34" charset="0"/>
+                      </a:endParaRPr>
+                    </a:p>
+                  </a:txBody>
+                  <a:tcPr marL="68580" marR="68580" marT="0" marB="0"/>
+                </a:tc>
+                <a:tc>
+                  <a:txBody>
+                    <a:bodyPr/>
+                    <a:lstStyle/>
+                    <a:p>
+                      <a:pPr algn="l">
+                        <a:lnSpc>
+                          <a:spcPct val="107000"/>
+                        </a:lnSpc>
+                        <a:spcAft>
+                          <a:spcPts val="0"/>
+                        </a:spcAft>
+                      </a:pPr>
+                      <a:r>
+                        <a:rPr lang="en-GB" sz="1100" b="0">
+                          <a:effectLst/>
+                          <a:latin typeface="Calibri" panose="020F0502020204030204" pitchFamily="34" charset="0"/>
+                          <a:cs typeface="Calibri" panose="020F0502020204030204" pitchFamily="34" charset="0"/>
+                        </a:rPr>
+                        <a:t>N/A</a:t>
+                      </a:r>
+                      <a:endParaRPr lang="en-GB" sz="1100" b="0">
+                        <a:effectLst/>
+                        <a:latin typeface="Calibri" panose="020F0502020204030204" pitchFamily="34" charset="0"/>
+                        <a:ea typeface="Calibri" panose="020F0502020204030204" pitchFamily="34" charset="0"/>
+                        <a:cs typeface="Calibri" panose="020F0502020204030204" pitchFamily="34" charset="0"/>
+                      </a:endParaRPr>
+                    </a:p>
+                  </a:txBody>
+                  <a:tcPr marL="68580" marR="68580" marT="0" marB="0"/>
+                </a:tc>
+                <a:tc>
+                  <a:txBody>
+                    <a:bodyPr/>
+                    <a:lstStyle/>
+                    <a:p>
+                      <a:pPr algn="l">
+                        <a:lnSpc>
+                          <a:spcPct val="107000"/>
+                        </a:lnSpc>
+                        <a:spcAft>
+                          <a:spcPts val="0"/>
+                        </a:spcAft>
+                      </a:pPr>
+                      <a:r>
+                        <a:rPr lang="en-GB" sz="1100" b="0" dirty="0">
+                          <a:effectLst/>
+                          <a:latin typeface="Calibri" panose="020F0502020204030204" pitchFamily="34" charset="0"/>
+                          <a:cs typeface="Calibri" panose="020F0502020204030204" pitchFamily="34" charset="0"/>
+                        </a:rPr>
+                        <a:t>N/A</a:t>
+                      </a:r>
+                      <a:endParaRPr lang="en-GB" sz="1100" b="0" dirty="0">
+                        <a:effectLst/>
+                        <a:latin typeface="Calibri" panose="020F0502020204030204" pitchFamily="34" charset="0"/>
+                        <a:ea typeface="Calibri" panose="020F0502020204030204" pitchFamily="34" charset="0"/>
+                        <a:cs typeface="Calibri" panose="020F0502020204030204" pitchFamily="34" charset="0"/>
+                      </a:endParaRPr>
+                    </a:p>
+                  </a:txBody>
+                  <a:tcPr marL="68580" marR="68580" marT="0" marB="0"/>
+                </a:tc>
+                <a:extLst>
+                  <a:ext uri="{0D108BD9-81ED-4DB2-BD59-A6C34878D82A}">
+                    <a16:rowId xmlns:a16="http://schemas.microsoft.com/office/drawing/2014/main" val="2929220705"/>
+                  </a:ext>
+                </a:extLst>
+              </a:tr>
+            </a:tbl>
+          </a:graphicData>
+        </a:graphic>
+      </p:graphicFrame>
+    </p:spTree>
+    <p:extLst>
+      <p:ext uri="{BB962C8B-B14F-4D97-AF65-F5344CB8AC3E}">
+        <p14:creationId xmlns:p14="http://schemas.microsoft.com/office/powerpoint/2010/main" val="2850891702"/>
+      </p:ext>
+    </p:extLst>
+  </p:cSld>
+  <p:clrMapOvr>
+    <a:masterClrMapping/>
+  </p:clrMapOvr>
+</p:sld>
+</file>
+
+<file path=ppt/slides/slide7.xml><?xml version="1.0" encoding="utf-8"?>
+<p:sld xmlns:a="http://schemas.openxmlformats.org/drawingml/2006/main" xmlns:r="http://schemas.openxmlformats.org/officeDocument/2006/relationships" xmlns:p="http://schemas.openxmlformats.org/presentationml/2006/main">
+  <p:cSld>
+    <p:spTree>
+      <p:nvGrpSpPr>
+        <p:cNvPr id="1" name=""/>
+        <p:cNvGrpSpPr/>
+        <p:nvPr/>
+      </p:nvGrpSpPr>
+      <p:grpSpPr>
+        <a:xfrm>
+          <a:off x="0" y="0"/>
+          <a:ext cx="0" cy="0"/>
+          <a:chOff x="0" y="0"/>
+          <a:chExt cx="0" cy="0"/>
+        </a:xfrm>
+      </p:grpSpPr>
+      <p:sp>
+        <p:nvSpPr>
+          <p:cNvPr id="2" name="Title 1"/>
+          <p:cNvSpPr>
+            <a:spLocks noGrp="1"/>
+          </p:cNvSpPr>
+          <p:nvPr>
+            <p:ph type="title"/>
+          </p:nvPr>
+        </p:nvSpPr>
+        <p:spPr>
+          <a:xfrm>
+            <a:off x="778932" y="551350"/>
+            <a:ext cx="11125201" cy="1480650"/>
+          </a:xfrm>
+        </p:spPr>
+        <p:txBody>
+          <a:bodyPr/>
+          <a:lstStyle/>
+          <a:p>
+            <a:r>
+              <a:rPr lang="en-GB" dirty="0" smtClean="0"/>
+              <a:t>Pair Programming Log: Driver: Jackson Observer: Darius</a:t>
+            </a:r>
+            <a:endParaRPr lang="en-GB" dirty="0"/>
+          </a:p>
+        </p:txBody>
+      </p:sp>
+      <p:graphicFrame>
+        <p:nvGraphicFramePr>
+          <p:cNvPr id="3" name="Table 2"/>
+          <p:cNvGraphicFramePr>
+            <a:graphicFrameLocks noGrp="1"/>
+          </p:cNvGraphicFramePr>
+          <p:nvPr>
+            <p:extLst>
+              <p:ext uri="{D42A27DB-BD31-4B8C-83A1-F6EECF244321}">
+                <p14:modId xmlns:p14="http://schemas.microsoft.com/office/powerpoint/2010/main" val="2169524319"/>
+              </p:ext>
+            </p:extLst>
+          </p:nvPr>
+        </p:nvGraphicFramePr>
+        <p:xfrm>
+          <a:off x="778932" y="2353331"/>
+          <a:ext cx="8175677" cy="3051187"/>
+        </p:xfrm>
+        <a:graphic>
+          <a:graphicData uri="http://schemas.openxmlformats.org/drawingml/2006/table">
+            <a:tbl>
+              <a:tblPr firstRow="1" firstCol="1" bandRow="1">
+                <a:tableStyleId>{5C22544A-7EE6-4342-B048-85BDC9FD1C3A}</a:tableStyleId>
+              </a:tblPr>
+              <a:tblGrid>
+                <a:gridCol w="1294594">
+                  <a:extLst>
+                    <a:ext uri="{9D8B030D-6E8A-4147-A177-3AD203B41FA5}">
+                      <a16:colId xmlns:a16="http://schemas.microsoft.com/office/drawing/2014/main" val="3169772730"/>
+                    </a:ext>
+                  </a:extLst>
+                </a:gridCol>
+                <a:gridCol w="1297102">
+                  <a:extLst>
+                    <a:ext uri="{9D8B030D-6E8A-4147-A177-3AD203B41FA5}">
+                      <a16:colId xmlns:a16="http://schemas.microsoft.com/office/drawing/2014/main" val="1976435013"/>
+                    </a:ext>
+                  </a:extLst>
+                </a:gridCol>
+                <a:gridCol w="1296266">
+                  <a:extLst>
+                    <a:ext uri="{9D8B030D-6E8A-4147-A177-3AD203B41FA5}">
+                      <a16:colId xmlns:a16="http://schemas.microsoft.com/office/drawing/2014/main" val="4033450689"/>
+                    </a:ext>
+                  </a:extLst>
+                </a:gridCol>
+                <a:gridCol w="2508067">
+                  <a:extLst>
+                    <a:ext uri="{9D8B030D-6E8A-4147-A177-3AD203B41FA5}">
+                      <a16:colId xmlns:a16="http://schemas.microsoft.com/office/drawing/2014/main" val="1593628307"/>
+                    </a:ext>
+                  </a:extLst>
+                </a:gridCol>
+                <a:gridCol w="1779648">
+                  <a:extLst>
+                    <a:ext uri="{9D8B030D-6E8A-4147-A177-3AD203B41FA5}">
+                      <a16:colId xmlns:a16="http://schemas.microsoft.com/office/drawing/2014/main" val="310577444"/>
+                    </a:ext>
+                  </a:extLst>
+                </a:gridCol>
+              </a:tblGrid>
+              <a:tr h="1507469">
+                <a:tc>
+                  <a:txBody>
+                    <a:bodyPr/>
+                    <a:lstStyle/>
+                    <a:p>
+                      <a:pPr>
+                        <a:lnSpc>
+                          <a:spcPct val="107000"/>
+                        </a:lnSpc>
+                        <a:spcAft>
+                          <a:spcPts val="0"/>
+                        </a:spcAft>
+                      </a:pPr>
+                      <a:r>
+                        <a:rPr lang="en-GB" sz="1100" b="0">
+                          <a:effectLst/>
+                          <a:latin typeface="Calibri" panose="020F0502020204030204" pitchFamily="34" charset="0"/>
+                          <a:cs typeface="Calibri" panose="020F0502020204030204" pitchFamily="34" charset="0"/>
+                        </a:rPr>
+                        <a:t>Time session started</a:t>
+                      </a:r>
+                      <a:endParaRPr lang="en-GB" sz="1100" b="0">
+                        <a:effectLst/>
+                        <a:latin typeface="Calibri" panose="020F0502020204030204" pitchFamily="34" charset="0"/>
+                        <a:ea typeface="Calibri" panose="020F0502020204030204" pitchFamily="34" charset="0"/>
+                        <a:cs typeface="Calibri" panose="020F0502020204030204" pitchFamily="34" charset="0"/>
+                      </a:endParaRPr>
+                    </a:p>
+                  </a:txBody>
+                  <a:tcPr marL="68580" marR="68580" marT="0" marB="0"/>
+                </a:tc>
+                <a:tc>
+                  <a:txBody>
+                    <a:bodyPr/>
+                    <a:lstStyle/>
+                    <a:p>
+                      <a:pPr>
+                        <a:lnSpc>
+                          <a:spcPct val="107000"/>
+                        </a:lnSpc>
+                        <a:spcAft>
+                          <a:spcPts val="0"/>
+                        </a:spcAft>
+                      </a:pPr>
+                      <a:r>
+                        <a:rPr lang="en-GB" sz="1100" b="0">
+                          <a:effectLst/>
+                          <a:latin typeface="Calibri" panose="020F0502020204030204" pitchFamily="34" charset="0"/>
+                          <a:cs typeface="Calibri" panose="020F0502020204030204" pitchFamily="34" charset="0"/>
+                        </a:rPr>
+                        <a:t>Number of lines of code written</a:t>
+                      </a:r>
+                      <a:endParaRPr lang="en-GB" sz="1100" b="0">
+                        <a:effectLst/>
+                        <a:latin typeface="Calibri" panose="020F0502020204030204" pitchFamily="34" charset="0"/>
+                        <a:ea typeface="Calibri" panose="020F0502020204030204" pitchFamily="34" charset="0"/>
+                        <a:cs typeface="Calibri" panose="020F0502020204030204" pitchFamily="34" charset="0"/>
+                      </a:endParaRPr>
+                    </a:p>
+                  </a:txBody>
+                  <a:tcPr marL="68580" marR="68580" marT="0" marB="0"/>
+                </a:tc>
+                <a:tc>
+                  <a:txBody>
+                    <a:bodyPr/>
+                    <a:lstStyle/>
+                    <a:p>
+                      <a:pPr>
+                        <a:lnSpc>
+                          <a:spcPct val="107000"/>
+                        </a:lnSpc>
+                        <a:spcAft>
+                          <a:spcPts val="0"/>
+                        </a:spcAft>
+                      </a:pPr>
+                      <a:r>
+                        <a:rPr lang="en-GB" sz="1100" b="0">
+                          <a:effectLst/>
+                          <a:latin typeface="Calibri" panose="020F0502020204030204" pitchFamily="34" charset="0"/>
+                          <a:cs typeface="Calibri" panose="020F0502020204030204" pitchFamily="34" charset="0"/>
+                        </a:rPr>
+                        <a:t>Errors spotted (and by whom)</a:t>
+                      </a:r>
+                      <a:endParaRPr lang="en-GB" sz="1100" b="0">
+                        <a:effectLst/>
+                        <a:latin typeface="Calibri" panose="020F0502020204030204" pitchFamily="34" charset="0"/>
+                        <a:ea typeface="Calibri" panose="020F0502020204030204" pitchFamily="34" charset="0"/>
+                        <a:cs typeface="Calibri" panose="020F0502020204030204" pitchFamily="34" charset="0"/>
+                      </a:endParaRPr>
+                    </a:p>
+                  </a:txBody>
+                  <a:tcPr marL="68580" marR="68580" marT="0" marB="0"/>
+                </a:tc>
+                <a:tc>
+                  <a:txBody>
+                    <a:bodyPr/>
+                    <a:lstStyle/>
+                    <a:p>
+                      <a:pPr>
+                        <a:lnSpc>
+                          <a:spcPct val="107000"/>
+                        </a:lnSpc>
+                        <a:spcAft>
+                          <a:spcPts val="0"/>
+                        </a:spcAft>
+                      </a:pPr>
+                      <a:r>
+                        <a:rPr lang="en-GB" sz="1100" b="0">
+                          <a:effectLst/>
+                          <a:latin typeface="Calibri" panose="020F0502020204030204" pitchFamily="34" charset="0"/>
+                          <a:cs typeface="Calibri" panose="020F0502020204030204" pitchFamily="34" charset="0"/>
+                        </a:rPr>
+                        <a:t>Activity (what’s being coded), or tested, or compiled</a:t>
+                      </a:r>
+                      <a:endParaRPr lang="en-GB" sz="1100" b="0">
+                        <a:effectLst/>
+                        <a:latin typeface="Calibri" panose="020F0502020204030204" pitchFamily="34" charset="0"/>
+                        <a:ea typeface="Calibri" panose="020F0502020204030204" pitchFamily="34" charset="0"/>
+                        <a:cs typeface="Calibri" panose="020F0502020204030204" pitchFamily="34" charset="0"/>
+                      </a:endParaRPr>
+                    </a:p>
+                  </a:txBody>
+                  <a:tcPr marL="68580" marR="68580" marT="0" marB="0"/>
+                </a:tc>
+                <a:tc>
+                  <a:txBody>
+                    <a:bodyPr/>
+                    <a:lstStyle/>
+                    <a:p>
+                      <a:pPr>
+                        <a:lnSpc>
+                          <a:spcPct val="107000"/>
+                        </a:lnSpc>
+                        <a:spcAft>
+                          <a:spcPts val="0"/>
+                        </a:spcAft>
+                      </a:pPr>
+                      <a:r>
+                        <a:rPr lang="en-GB" sz="1100" b="0" dirty="0">
+                          <a:effectLst/>
+                          <a:latin typeface="Calibri" panose="020F0502020204030204" pitchFamily="34" charset="0"/>
+                          <a:cs typeface="Calibri" panose="020F0502020204030204" pitchFamily="34" charset="0"/>
+                        </a:rPr>
+                        <a:t>Comments</a:t>
+                      </a:r>
+                      <a:endParaRPr lang="en-GB" sz="1100" b="0" dirty="0">
+                        <a:effectLst/>
+                        <a:latin typeface="Calibri" panose="020F0502020204030204" pitchFamily="34" charset="0"/>
+                        <a:ea typeface="Calibri" panose="020F0502020204030204" pitchFamily="34" charset="0"/>
+                        <a:cs typeface="Calibri" panose="020F0502020204030204" pitchFamily="34" charset="0"/>
+                      </a:endParaRPr>
+                    </a:p>
+                  </a:txBody>
+                  <a:tcPr marL="68580" marR="68580" marT="0" marB="0"/>
+                </a:tc>
+                <a:extLst>
+                  <a:ext uri="{0D108BD9-81ED-4DB2-BD59-A6C34878D82A}">
+                    <a16:rowId xmlns:a16="http://schemas.microsoft.com/office/drawing/2014/main" val="768894708"/>
+                  </a:ext>
+                </a:extLst>
+              </a:tr>
+              <a:tr h="735076">
+                <a:tc>
+                  <a:txBody>
+                    <a:bodyPr/>
+                    <a:lstStyle/>
+                    <a:p>
+                      <a:pPr>
+                        <a:lnSpc>
+                          <a:spcPct val="107000"/>
+                        </a:lnSpc>
+                        <a:spcAft>
+                          <a:spcPts val="0"/>
+                        </a:spcAft>
+                      </a:pPr>
+                      <a:r>
+                        <a:rPr lang="en-GB" sz="1000" b="0" dirty="0">
+                          <a:effectLst/>
+                          <a:latin typeface="Calibri" panose="020F0502020204030204" pitchFamily="34" charset="0"/>
+                          <a:cs typeface="Calibri" panose="020F0502020204030204" pitchFamily="34" charset="0"/>
+                        </a:rPr>
+                        <a:t>29/10/2019</a:t>
+                      </a:r>
+                      <a:endParaRPr lang="en-GB" sz="1100" b="0" dirty="0">
+                        <a:effectLst/>
+                        <a:latin typeface="Calibri" panose="020F0502020204030204" pitchFamily="34" charset="0"/>
+                        <a:ea typeface="Calibri" panose="020F0502020204030204" pitchFamily="34" charset="0"/>
+                        <a:cs typeface="Calibri" panose="020F0502020204030204" pitchFamily="34" charset="0"/>
+                      </a:endParaRPr>
+                    </a:p>
+                  </a:txBody>
+                  <a:tcPr marL="68580" marR="68580" marT="0" marB="0"/>
+                </a:tc>
+                <a:tc>
+                  <a:txBody>
+                    <a:bodyPr/>
+                    <a:lstStyle/>
+                    <a:p>
+                      <a:pPr>
+                        <a:lnSpc>
+                          <a:spcPct val="107000"/>
+                        </a:lnSpc>
+                        <a:spcAft>
+                          <a:spcPts val="0"/>
+                        </a:spcAft>
+                      </a:pPr>
+                      <a:r>
+                        <a:rPr lang="en-GB" sz="1000">
+                          <a:effectLst/>
+                          <a:latin typeface="Calibri" panose="020F0502020204030204" pitchFamily="34" charset="0"/>
+                          <a:cs typeface="Calibri" panose="020F0502020204030204" pitchFamily="34" charset="0"/>
+                        </a:rPr>
+                        <a:t>41</a:t>
+                      </a:r>
+                      <a:endParaRPr lang="en-GB" sz="1100">
+                        <a:effectLst/>
+                        <a:latin typeface="Calibri" panose="020F0502020204030204" pitchFamily="34" charset="0"/>
+                        <a:ea typeface="Calibri" panose="020F0502020204030204" pitchFamily="34" charset="0"/>
+                        <a:cs typeface="Calibri" panose="020F0502020204030204" pitchFamily="34" charset="0"/>
+                      </a:endParaRPr>
+                    </a:p>
+                  </a:txBody>
+                  <a:tcPr marL="68580" marR="68580" marT="0" marB="0"/>
+                </a:tc>
+                <a:tc>
+                  <a:txBody>
+                    <a:bodyPr/>
+                    <a:lstStyle/>
+                    <a:p>
+                      <a:pPr>
+                        <a:lnSpc>
+                          <a:spcPct val="107000"/>
+                        </a:lnSpc>
+                        <a:spcAft>
+                          <a:spcPts val="0"/>
+                        </a:spcAft>
+                      </a:pPr>
+                      <a:r>
+                        <a:rPr lang="en-GB" sz="1000">
+                          <a:effectLst/>
+                          <a:latin typeface="Calibri" panose="020F0502020204030204" pitchFamily="34" charset="0"/>
+                          <a:cs typeface="Calibri" panose="020F0502020204030204" pitchFamily="34" charset="0"/>
+                        </a:rPr>
+                        <a:t>1</a:t>
+                      </a:r>
+                      <a:endParaRPr lang="en-GB" sz="1100">
+                        <a:effectLst/>
+                        <a:latin typeface="Calibri" panose="020F0502020204030204" pitchFamily="34" charset="0"/>
+                        <a:ea typeface="Calibri" panose="020F0502020204030204" pitchFamily="34" charset="0"/>
+                        <a:cs typeface="Calibri" panose="020F0502020204030204" pitchFamily="34" charset="0"/>
+                      </a:endParaRPr>
+                    </a:p>
+                  </a:txBody>
+                  <a:tcPr marL="68580" marR="68580" marT="0" marB="0"/>
+                </a:tc>
+                <a:tc>
+                  <a:txBody>
+                    <a:bodyPr/>
+                    <a:lstStyle/>
+                    <a:p>
+                      <a:pPr>
+                        <a:lnSpc>
+                          <a:spcPct val="107000"/>
+                        </a:lnSpc>
+                        <a:spcAft>
+                          <a:spcPts val="0"/>
+                        </a:spcAft>
+                      </a:pPr>
+                      <a:r>
+                        <a:rPr lang="en-GB" sz="1000" dirty="0">
+                          <a:effectLst/>
+                          <a:latin typeface="Calibri" panose="020F0502020204030204" pitchFamily="34" charset="0"/>
+                          <a:cs typeface="Calibri" panose="020F0502020204030204" pitchFamily="34" charset="0"/>
+                        </a:rPr>
+                        <a:t>Choose the function</a:t>
+                      </a:r>
+                      <a:endParaRPr lang="en-GB" sz="1100" dirty="0">
+                        <a:effectLst/>
+                        <a:latin typeface="Calibri" panose="020F0502020204030204" pitchFamily="34" charset="0"/>
+                        <a:ea typeface="Calibri" panose="020F0502020204030204" pitchFamily="34" charset="0"/>
+                        <a:cs typeface="Calibri" panose="020F0502020204030204" pitchFamily="34" charset="0"/>
+                      </a:endParaRPr>
+                    </a:p>
+                  </a:txBody>
+                  <a:tcPr marL="68580" marR="68580" marT="0" marB="0"/>
+                </a:tc>
+                <a:tc>
+                  <a:txBody>
+                    <a:bodyPr/>
+                    <a:lstStyle/>
+                    <a:p>
+                      <a:pPr>
+                        <a:lnSpc>
+                          <a:spcPct val="107000"/>
+                        </a:lnSpc>
+                        <a:spcAft>
+                          <a:spcPts val="0"/>
+                        </a:spcAft>
+                      </a:pPr>
+                      <a:r>
+                        <a:rPr lang="en-GB" sz="1000" dirty="0">
+                          <a:effectLst/>
+                          <a:latin typeface="Calibri" panose="020F0502020204030204" pitchFamily="34" charset="0"/>
+                          <a:cs typeface="Calibri" panose="020F0502020204030204" pitchFamily="34" charset="0"/>
+                        </a:rPr>
+                        <a:t>Use the Break for every cases</a:t>
+                      </a:r>
+                      <a:endParaRPr lang="en-GB" sz="1100" dirty="0">
+                        <a:effectLst/>
+                        <a:latin typeface="Calibri" panose="020F0502020204030204" pitchFamily="34" charset="0"/>
+                        <a:ea typeface="Calibri" panose="020F0502020204030204" pitchFamily="34" charset="0"/>
+                        <a:cs typeface="Calibri" panose="020F0502020204030204" pitchFamily="34" charset="0"/>
+                      </a:endParaRPr>
+                    </a:p>
+                  </a:txBody>
+                  <a:tcPr marL="68580" marR="68580" marT="0" marB="0"/>
+                </a:tc>
+                <a:extLst>
+                  <a:ext uri="{0D108BD9-81ED-4DB2-BD59-A6C34878D82A}">
+                    <a16:rowId xmlns:a16="http://schemas.microsoft.com/office/drawing/2014/main" val="3158666904"/>
+                  </a:ext>
+                </a:extLst>
+              </a:tr>
+              <a:tr h="808642">
+                <a:tc>
+                  <a:txBody>
+                    <a:bodyPr/>
+                    <a:lstStyle/>
+                    <a:p>
+                      <a:pPr>
+                        <a:lnSpc>
+                          <a:spcPct val="107000"/>
+                        </a:lnSpc>
+                        <a:spcAft>
+                          <a:spcPts val="0"/>
+                        </a:spcAft>
+                      </a:pPr>
+                      <a:r>
+                        <a:rPr lang="en-GB" sz="1000" b="0" dirty="0">
+                          <a:effectLst/>
+                          <a:latin typeface="Calibri" panose="020F0502020204030204" pitchFamily="34" charset="0"/>
+                          <a:cs typeface="Calibri" panose="020F0502020204030204" pitchFamily="34" charset="0"/>
+                        </a:rPr>
+                        <a:t>29/10/2019</a:t>
+                      </a:r>
+                      <a:endParaRPr lang="en-GB" sz="1100" b="0" dirty="0">
+                        <a:effectLst/>
+                        <a:latin typeface="Calibri" panose="020F0502020204030204" pitchFamily="34" charset="0"/>
+                        <a:ea typeface="Calibri" panose="020F0502020204030204" pitchFamily="34" charset="0"/>
+                        <a:cs typeface="Calibri" panose="020F0502020204030204" pitchFamily="34" charset="0"/>
+                      </a:endParaRPr>
+                    </a:p>
+                  </a:txBody>
+                  <a:tcPr marL="68580" marR="68580" marT="0" marB="0"/>
+                </a:tc>
+                <a:tc>
+                  <a:txBody>
+                    <a:bodyPr/>
+                    <a:lstStyle/>
+                    <a:p>
+                      <a:pPr>
+                        <a:lnSpc>
+                          <a:spcPct val="107000"/>
+                        </a:lnSpc>
+                        <a:spcAft>
+                          <a:spcPts val="0"/>
+                        </a:spcAft>
+                      </a:pPr>
+                      <a:r>
+                        <a:rPr lang="en-GB" sz="1100">
+                          <a:effectLst/>
+                          <a:latin typeface="Calibri" panose="020F0502020204030204" pitchFamily="34" charset="0"/>
+                          <a:cs typeface="Calibri" panose="020F0502020204030204" pitchFamily="34" charset="0"/>
+                        </a:rPr>
+                        <a:t>58</a:t>
+                      </a:r>
+                      <a:endParaRPr lang="en-GB" sz="1100">
+                        <a:effectLst/>
+                        <a:latin typeface="Calibri" panose="020F0502020204030204" pitchFamily="34" charset="0"/>
+                        <a:ea typeface="Calibri" panose="020F0502020204030204" pitchFamily="34" charset="0"/>
+                        <a:cs typeface="Calibri" panose="020F0502020204030204" pitchFamily="34" charset="0"/>
+                      </a:endParaRPr>
+                    </a:p>
+                  </a:txBody>
+                  <a:tcPr marL="68580" marR="68580" marT="0" marB="0"/>
+                </a:tc>
+                <a:tc>
+                  <a:txBody>
+                    <a:bodyPr/>
+                    <a:lstStyle/>
+                    <a:p>
+                      <a:pPr>
+                        <a:lnSpc>
+                          <a:spcPct val="107000"/>
+                        </a:lnSpc>
+                        <a:spcAft>
+                          <a:spcPts val="0"/>
+                        </a:spcAft>
+                      </a:pPr>
+                      <a:r>
+                        <a:rPr lang="en-GB" sz="1100">
+                          <a:effectLst/>
+                          <a:latin typeface="Calibri" panose="020F0502020204030204" pitchFamily="34" charset="0"/>
+                          <a:cs typeface="Calibri" panose="020F0502020204030204" pitchFamily="34" charset="0"/>
+                        </a:rPr>
+                        <a:t>3</a:t>
+                      </a:r>
+                      <a:endParaRPr lang="en-GB" sz="1100">
+                        <a:effectLst/>
+                        <a:latin typeface="Calibri" panose="020F0502020204030204" pitchFamily="34" charset="0"/>
+                        <a:ea typeface="Calibri" panose="020F0502020204030204" pitchFamily="34" charset="0"/>
+                        <a:cs typeface="Calibri" panose="020F0502020204030204" pitchFamily="34" charset="0"/>
+                      </a:endParaRPr>
+                    </a:p>
+                  </a:txBody>
+                  <a:tcPr marL="68580" marR="68580" marT="0" marB="0"/>
+                </a:tc>
+                <a:tc>
+                  <a:txBody>
+                    <a:bodyPr/>
+                    <a:lstStyle/>
+                    <a:p>
+                      <a:pPr>
+                        <a:lnSpc>
+                          <a:spcPct val="107000"/>
+                        </a:lnSpc>
+                        <a:spcAft>
+                          <a:spcPts val="0"/>
+                        </a:spcAft>
+                      </a:pPr>
+                      <a:r>
+                        <a:rPr lang="en-GB" sz="1100">
+                          <a:effectLst/>
+                          <a:latin typeface="Calibri" panose="020F0502020204030204" pitchFamily="34" charset="0"/>
+                          <a:cs typeface="Calibri" panose="020F0502020204030204" pitchFamily="34" charset="0"/>
+                        </a:rPr>
+                        <a:t>Update playlist</a:t>
+                      </a:r>
+                      <a:endParaRPr lang="en-GB" sz="1100">
+                        <a:effectLst/>
+                        <a:latin typeface="Calibri" panose="020F0502020204030204" pitchFamily="34" charset="0"/>
+                        <a:ea typeface="Calibri" panose="020F0502020204030204" pitchFamily="34" charset="0"/>
+                        <a:cs typeface="Calibri" panose="020F0502020204030204" pitchFamily="34" charset="0"/>
+                      </a:endParaRPr>
+                    </a:p>
+                  </a:txBody>
+                  <a:tcPr marL="68580" marR="68580" marT="0" marB="0"/>
+                </a:tc>
+                <a:tc>
+                  <a:txBody>
+                    <a:bodyPr/>
+                    <a:lstStyle/>
+                    <a:p>
+                      <a:pPr>
+                        <a:lnSpc>
+                          <a:spcPct val="107000"/>
+                        </a:lnSpc>
+                        <a:spcAft>
+                          <a:spcPts val="0"/>
+                        </a:spcAft>
+                      </a:pPr>
+                      <a:r>
+                        <a:rPr lang="en-GB" sz="1100" dirty="0">
+                          <a:effectLst/>
+                          <a:latin typeface="Calibri" panose="020F0502020204030204" pitchFamily="34" charset="0"/>
+                          <a:cs typeface="Calibri" panose="020F0502020204030204" pitchFamily="34" charset="0"/>
+                        </a:rPr>
+                        <a:t>Remember to press; at the end of codes</a:t>
+                      </a:r>
+                      <a:endParaRPr lang="en-GB" sz="1100" dirty="0">
+                        <a:effectLst/>
+                        <a:latin typeface="Calibri" panose="020F0502020204030204" pitchFamily="34" charset="0"/>
+                        <a:ea typeface="Calibri" panose="020F0502020204030204" pitchFamily="34" charset="0"/>
+                        <a:cs typeface="Calibri" panose="020F0502020204030204" pitchFamily="34" charset="0"/>
+                      </a:endParaRPr>
+                    </a:p>
+                  </a:txBody>
+                  <a:tcPr marL="68580" marR="68580" marT="0" marB="0"/>
+                </a:tc>
+                <a:extLst>
+                  <a:ext uri="{0D108BD9-81ED-4DB2-BD59-A6C34878D82A}">
+                    <a16:rowId xmlns:a16="http://schemas.microsoft.com/office/drawing/2014/main" val="1040820032"/>
+                  </a:ext>
+                </a:extLst>
+              </a:tr>
+            </a:tbl>
+          </a:graphicData>
+        </a:graphic>
+      </p:graphicFrame>
+      <p:sp>
+        <p:nvSpPr>
+          <p:cNvPr id="5" name="Rectangle 1"/>
+          <p:cNvSpPr>
+            <a:spLocks noChangeArrowheads="1"/>
+          </p:cNvSpPr>
+          <p:nvPr/>
+        </p:nvSpPr>
+        <p:spPr bwMode="auto">
+          <a:xfrm>
+            <a:off x="917045" y="2217738"/>
+            <a:ext cx="14128073" cy="779012"/>
+          </a:xfrm>
+          <a:prstGeom prst="rect">
+            <a:avLst/>
+          </a:prstGeom>
+          <a:noFill/>
+          <a:ln>
+            <a:noFill/>
+          </a:ln>
+          <a:effectLst/>
+          <a:extLst>
+            <a:ext uri="{909E8E84-426E-40DD-AFC4-6F175D3DCCD1}">
+              <a14:hiddenFill xmlns:a14="http://schemas.microsoft.com/office/drawing/2010/main">
+                <a:solidFill>
+                  <a:schemeClr val="accent1"/>
+                </a:solidFill>
+              </a14:hiddenFill>
+            </a:ext>
+            <a:ext uri="{91240B29-F687-4F45-9708-019B960494DF}">
+              <a14:hiddenLine xmlns:a14="http://schemas.microsoft.com/office/drawing/2010/main" w="9525">
+                <a:solidFill>
+                  <a:schemeClr val="tx1"/>
+                </a:solidFill>
+                <a:miter lim="800000"/>
+                <a:headEnd/>
+                <a:tailEnd/>
+              </a14:hiddenLine>
+            </a:ext>
+            <a:ext uri="{AF507438-7753-43E0-B8FC-AC1667EBCBE1}">
+              <a14:hiddenEffects xmlns:a14="http://schemas.microsoft.com/office/drawing/2010/main">
+                <a:effectLst>
+                  <a:outerShdw dist="35921" dir="2700000" algn="ctr" rotWithShape="0">
+                    <a:schemeClr val="bg2"/>
+                  </a:outerShdw>
+                </a:effectLst>
+              </a14:hiddenEffects>
+            </a:ext>
+          </a:extLst>
+        </p:spPr>
+        <p:txBody>
+          <a:bodyPr vert="horz" wrap="square" lIns="91440" tIns="45720" rIns="91440" bIns="45720" numCol="1" anchor="ctr" anchorCtr="0" compatLnSpc="1">
+            <a:prstTxWarp prst="textNoShape">
+              <a:avLst/>
+            </a:prstTxWarp>
+            <a:spAutoFit/>
+          </a:bodyPr>
+          <a:lstStyle/>
+          <a:p>
+            <a:endParaRPr lang="en-GB"/>
+          </a:p>
+        </p:txBody>
+      </p:sp>
+    </p:spTree>
+    <p:extLst>
+      <p:ext uri="{BB962C8B-B14F-4D97-AF65-F5344CB8AC3E}">
+        <p14:creationId xmlns:p14="http://schemas.microsoft.com/office/powerpoint/2010/main" val="3201937581"/>
+      </p:ext>
+    </p:extLst>
+  </p:cSld>
+  <p:clrMapOvr>
+    <a:masterClrMapping/>
+  </p:clrMapOvr>
+</p:sld>
+</file>
+
+<file path=ppt/slides/slide8.xml><?xml version="1.0" encoding="utf-8"?>
+<p:sld xmlns:a="http://schemas.openxmlformats.org/drawingml/2006/main" xmlns:r="http://schemas.openxmlformats.org/officeDocument/2006/relationships" xmlns:p="http://schemas.openxmlformats.org/presentationml/2006/main">
+  <p:cSld>
+    <p:spTree>
+      <p:nvGrpSpPr>
+        <p:cNvPr id="1" name=""/>
+        <p:cNvGrpSpPr/>
+        <p:nvPr/>
+      </p:nvGrpSpPr>
+      <p:grpSpPr>
+        <a:xfrm>
+          <a:off x="0" y="0"/>
+          <a:ext cx="0" cy="0"/>
+          <a:chOff x="0" y="0"/>
+          <a:chExt cx="0" cy="0"/>
+        </a:xfrm>
+      </p:grpSpPr>
+      <p:sp>
+        <p:nvSpPr>
+          <p:cNvPr id="2" name="Title 1"/>
+          <p:cNvSpPr>
+            <a:spLocks noGrp="1"/>
+          </p:cNvSpPr>
+          <p:nvPr>
+            <p:ph type="title"/>
+          </p:nvPr>
+        </p:nvSpPr>
+        <p:spPr>
+          <a:xfrm>
             <a:off x="907749" y="410649"/>
             <a:ext cx="9720072" cy="1499616"/>
           </a:xfrm>
@@ -23216,7 +25068,7 @@
 </p:sld>
 </file>
 
-<file path=ppt/slides/slide7.xml><?xml version="1.0" encoding="utf-8"?>
+<file path=ppt/slides/slide9.xml><?xml version="1.0" encoding="utf-8"?>
 <p:sld xmlns:a="http://schemas.openxmlformats.org/drawingml/2006/main" xmlns:r="http://schemas.openxmlformats.org/officeDocument/2006/relationships" xmlns:p="http://schemas.openxmlformats.org/presentationml/2006/main">
   <p:cSld>
     <p:spTree>
@@ -23322,136 +25174,6 @@
     <p:extLst>
       <p:ext uri="{BB962C8B-B14F-4D97-AF65-F5344CB8AC3E}">
         <p14:creationId xmlns:p14="http://schemas.microsoft.com/office/powerpoint/2010/main" val="272777818"/>
-      </p:ext>
-    </p:extLst>
-  </p:cSld>
-  <p:clrMapOvr>
-    <a:masterClrMapping/>
-  </p:clrMapOvr>
-</p:sld>
-</file>
-
-<file path=ppt/slides/slide8.xml><?xml version="1.0" encoding="utf-8"?>
-<p:sld xmlns:a="http://schemas.openxmlformats.org/drawingml/2006/main" xmlns:r="http://schemas.openxmlformats.org/officeDocument/2006/relationships" xmlns:p="http://schemas.openxmlformats.org/presentationml/2006/main">
-  <p:cSld>
-    <p:spTree>
-      <p:nvGrpSpPr>
-        <p:cNvPr id="1" name=""/>
-        <p:cNvGrpSpPr/>
-        <p:nvPr/>
-      </p:nvGrpSpPr>
-      <p:grpSpPr>
-        <a:xfrm>
-          <a:off x="0" y="0"/>
-          <a:ext cx="0" cy="0"/>
-          <a:chOff x="0" y="0"/>
-          <a:chExt cx="0" cy="0"/>
-        </a:xfrm>
-      </p:grpSpPr>
-      <p:sp>
-        <p:nvSpPr>
-          <p:cNvPr id="2" name="Title 1"/>
-          <p:cNvSpPr>
-            <a:spLocks noGrp="1"/>
-          </p:cNvSpPr>
-          <p:nvPr>
-            <p:ph type="title"/>
-          </p:nvPr>
-        </p:nvSpPr>
-        <p:spPr/>
-        <p:txBody>
-          <a:bodyPr/>
-          <a:lstStyle/>
-          <a:p>
-            <a:r>
-              <a:rPr lang="en-GB" dirty="0" smtClean="0"/>
-              <a:t>Evaluation</a:t>
-            </a:r>
-            <a:endParaRPr lang="en-GB" dirty="0"/>
-          </a:p>
-        </p:txBody>
-      </p:sp>
-      <p:sp>
-        <p:nvSpPr>
-          <p:cNvPr id="3" name="Content Placeholder 2"/>
-          <p:cNvSpPr>
-            <a:spLocks noGrp="1"/>
-          </p:cNvSpPr>
-          <p:nvPr>
-            <p:ph idx="1"/>
-          </p:nvPr>
-        </p:nvSpPr>
-        <p:spPr/>
-        <p:txBody>
-          <a:bodyPr/>
-          <a:lstStyle/>
-          <a:p>
-            <a:endParaRPr lang="en-GB"/>
-          </a:p>
-        </p:txBody>
-      </p:sp>
-    </p:spTree>
-    <p:extLst>
-      <p:ext uri="{BB962C8B-B14F-4D97-AF65-F5344CB8AC3E}">
-        <p14:creationId xmlns:p14="http://schemas.microsoft.com/office/powerpoint/2010/main" val="3819476694"/>
-      </p:ext>
-    </p:extLst>
-  </p:cSld>
-  <p:clrMapOvr>
-    <a:masterClrMapping/>
-  </p:clrMapOvr>
-</p:sld>
-</file>
-
-<file path=ppt/slides/slide9.xml><?xml version="1.0" encoding="utf-8"?>
-<p:sld xmlns:a="http://schemas.openxmlformats.org/drawingml/2006/main" xmlns:r="http://schemas.openxmlformats.org/officeDocument/2006/relationships" xmlns:p="http://schemas.openxmlformats.org/presentationml/2006/main">
-  <p:cSld>
-    <p:spTree>
-      <p:nvGrpSpPr>
-        <p:cNvPr id="1" name=""/>
-        <p:cNvGrpSpPr/>
-        <p:nvPr/>
-      </p:nvGrpSpPr>
-      <p:grpSpPr>
-        <a:xfrm>
-          <a:off x="0" y="0"/>
-          <a:ext cx="0" cy="0"/>
-          <a:chOff x="0" y="0"/>
-          <a:chExt cx="0" cy="0"/>
-        </a:xfrm>
-      </p:grpSpPr>
-      <p:sp>
-        <p:nvSpPr>
-          <p:cNvPr id="2" name="Title 1"/>
-          <p:cNvSpPr>
-            <a:spLocks noGrp="1"/>
-          </p:cNvSpPr>
-          <p:nvPr>
-            <p:ph type="title"/>
-          </p:nvPr>
-        </p:nvSpPr>
-        <p:spPr>
-          <a:xfrm>
-            <a:off x="4142082" y="2294094"/>
-            <a:ext cx="2798364" cy="1499616"/>
-          </a:xfrm>
-        </p:spPr>
-        <p:txBody>
-          <a:bodyPr/>
-          <a:lstStyle/>
-          <a:p>
-            <a:r>
-              <a:rPr lang="en-GB" dirty="0" smtClean="0"/>
-              <a:t>Thank you</a:t>
-            </a:r>
-            <a:endParaRPr lang="en-GB" dirty="0"/>
-          </a:p>
-        </p:txBody>
-      </p:sp>
-    </p:spTree>
-    <p:extLst>
-      <p:ext uri="{BB962C8B-B14F-4D97-AF65-F5344CB8AC3E}">
-        <p14:creationId xmlns:p14="http://schemas.microsoft.com/office/powerpoint/2010/main" val="2542580315"/>
       </p:ext>
     </p:extLst>
   </p:cSld>

--- a/Software Presentation.pptx
+++ b/Software Presentation.pptx
@@ -12,10 +12,13 @@
     <p:sldId id="258" r:id="rId6"/>
     <p:sldId id="265" r:id="rId7"/>
     <p:sldId id="267" r:id="rId8"/>
-    <p:sldId id="262" r:id="rId9"/>
-    <p:sldId id="259" r:id="rId10"/>
-    <p:sldId id="260" r:id="rId11"/>
-    <p:sldId id="261" r:id="rId12"/>
+    <p:sldId id="269" r:id="rId9"/>
+    <p:sldId id="270" r:id="rId10"/>
+    <p:sldId id="271" r:id="rId11"/>
+    <p:sldId id="262" r:id="rId12"/>
+    <p:sldId id="259" r:id="rId13"/>
+    <p:sldId id="260" r:id="rId14"/>
+    <p:sldId id="261" r:id="rId15"/>
   </p:sldIdLst>
   <p:sldSz cx="12192000" cy="6858000"/>
   <p:notesSz cx="6858000" cy="9144000"/>
@@ -8915,7 +8918,7 @@
           <a:p>
             <a:fld id="{6AD6EE87-EBD5-4F12-A48A-63ACA297AC8F}" type="datetimeFigureOut">
               <a:rPr lang="en-US" dirty="0"/>
-              <a:t>10/30/2019</a:t>
+              <a:t>10/31/2019</a:t>
             </a:fld>
             <a:endParaRPr lang="en-US" dirty="0"/>
           </a:p>
@@ -9117,7 +9120,7 @@
           <a:p>
             <a:fld id="{4CD73815-2707-4475-8F1A-B873CB631BB4}" type="datetimeFigureOut">
               <a:rPr lang="en-US" dirty="0"/>
-              <a:t>10/30/2019</a:t>
+              <a:t>10/31/2019</a:t>
             </a:fld>
             <a:endParaRPr lang="en-US" dirty="0"/>
           </a:p>
@@ -9292,7 +9295,7 @@
           <a:p>
             <a:fld id="{2A4AFB99-0EAB-4182-AFF8-E214C82A68F6}" type="datetimeFigureOut">
               <a:rPr lang="en-US" dirty="0"/>
-              <a:t>10/30/2019</a:t>
+              <a:t>10/31/2019</a:t>
             </a:fld>
             <a:endParaRPr lang="en-US" dirty="0"/>
           </a:p>
@@ -9492,7 +9495,7 @@
           <a:p>
             <a:fld id="{A5D3794B-289A-4A80-97D7-111025398D45}" type="datetimeFigureOut">
               <a:rPr lang="en-US" dirty="0"/>
-              <a:t>10/30/2019</a:t>
+              <a:t>10/31/2019</a:t>
             </a:fld>
             <a:endParaRPr lang="en-US" dirty="0"/>
           </a:p>
@@ -18385,7 +18388,7 @@
           <a:p>
             <a:fld id="{5A61015F-7CC6-4D0A-9D87-873EA4C304CC}" type="datetimeFigureOut">
               <a:rPr lang="en-US" dirty="0"/>
-              <a:t>10/30/2019</a:t>
+              <a:t>10/31/2019</a:t>
             </a:fld>
             <a:endParaRPr lang="en-US" dirty="0"/>
           </a:p>
@@ -18654,7 +18657,7 @@
           <a:p>
             <a:fld id="{93C6A301-0538-44EC-B09D-202E1042A48B}" type="datetimeFigureOut">
               <a:rPr lang="en-US" dirty="0"/>
-              <a:t>10/30/2019</a:t>
+              <a:t>10/31/2019</a:t>
             </a:fld>
             <a:endParaRPr lang="en-US" dirty="0"/>
           </a:p>
@@ -19047,7 +19050,7 @@
           <a:p>
             <a:fld id="{D789574A-8875-45EF-8EA2-3CAA0F7ABC4C}" type="datetimeFigureOut">
               <a:rPr lang="en-US" dirty="0"/>
-              <a:t>10/30/2019</a:t>
+              <a:t>10/31/2019</a:t>
             </a:fld>
             <a:endParaRPr lang="en-US" dirty="0"/>
           </a:p>
@@ -19160,7 +19163,7 @@
           <a:p>
             <a:fld id="{67EF4D4C-5367-4C26-9E2B-D8088D7FCA81}" type="datetimeFigureOut">
               <a:rPr lang="en-US" dirty="0"/>
-              <a:t>10/30/2019</a:t>
+              <a:t>10/31/2019</a:t>
             </a:fld>
             <a:endParaRPr lang="en-US" dirty="0"/>
           </a:p>
@@ -19250,7 +19253,7 @@
           <a:p>
             <a:fld id="{56E91E96-98B0-4413-9547-46F3504108EF}" type="datetimeFigureOut">
               <a:rPr lang="en-US" dirty="0"/>
-              <a:t>10/30/2019</a:t>
+              <a:t>10/31/2019</a:t>
             </a:fld>
             <a:endParaRPr lang="en-US" dirty="0"/>
           </a:p>
@@ -19535,7 +19538,7 @@
           <a:p>
             <a:fld id="{05C68B11-C5A8-448C-8CE9-B1A273C79CFC}" type="datetimeFigureOut">
               <a:rPr lang="en-US" dirty="0"/>
-              <a:t>10/30/2019</a:t>
+              <a:t>10/31/2019</a:t>
             </a:fld>
             <a:endParaRPr lang="en-US" dirty="0"/>
           </a:p>
@@ -19810,7 +19813,7 @@
           <a:p>
             <a:fld id="{C7616CA0-919D-4A49-9C8A-62FDFB3A5183}" type="datetimeFigureOut">
               <a:rPr lang="en-US" dirty="0"/>
-              <a:t>10/30/2019</a:t>
+              <a:t>10/31/2019</a:t>
             </a:fld>
             <a:endParaRPr lang="en-US" dirty="0"/>
           </a:p>
@@ -20056,7 +20059,7 @@
             <a:fld id="{90298CD5-6C1E-4009-B41F-6DF62E31D3BE}" type="datetimeFigureOut">
               <a:rPr lang="en-US" dirty="0"/>
               <a:pPr/>
-              <a:t>10/30/2019</a:t>
+              <a:t>10/31/2019</a:t>
             </a:fld>
             <a:endParaRPr lang="en-US" dirty="0"/>
           </a:p>
@@ -20610,10 +20613,800 @@
   <p:clrMapOvr>
     <a:masterClrMapping/>
   </p:clrMapOvr>
+  <p:timing>
+    <p:tnLst>
+      <p:par>
+        <p:cTn id="1" dur="indefinite" restart="never" nodeType="tmRoot"/>
+      </p:par>
+    </p:tnLst>
+  </p:timing>
 </p:sld>
 </file>
 
 <file path=ppt/slides/slide10.xml><?xml version="1.0" encoding="utf-8"?>
+<p:sld xmlns:a="http://schemas.openxmlformats.org/drawingml/2006/main" xmlns:r="http://schemas.openxmlformats.org/officeDocument/2006/relationships" xmlns:p="http://schemas.openxmlformats.org/presentationml/2006/main">
+  <p:cSld>
+    <p:spTree>
+      <p:nvGrpSpPr>
+        <p:cNvPr id="1" name=""/>
+        <p:cNvGrpSpPr/>
+        <p:nvPr/>
+      </p:nvGrpSpPr>
+      <p:grpSpPr>
+        <a:xfrm>
+          <a:off x="0" y="0"/>
+          <a:ext cx="0" cy="0"/>
+          <a:chOff x="0" y="0"/>
+          <a:chExt cx="0" cy="0"/>
+        </a:xfrm>
+      </p:grpSpPr>
+      <p:sp>
+        <p:nvSpPr>
+          <p:cNvPr id="2" name="Title 1"/>
+          <p:cNvSpPr>
+            <a:spLocks noGrp="1"/>
+          </p:cNvSpPr>
+          <p:nvPr>
+            <p:ph type="title"/>
+          </p:nvPr>
+        </p:nvSpPr>
+        <p:spPr>
+          <a:xfrm>
+            <a:off x="778932" y="551350"/>
+            <a:ext cx="11125201" cy="1480650"/>
+          </a:xfrm>
+        </p:spPr>
+        <p:txBody>
+          <a:bodyPr/>
+          <a:lstStyle/>
+          <a:p>
+            <a:r>
+              <a:rPr lang="en-GB" dirty="0" smtClean="0"/>
+              <a:t>Pair Programming Log: Driver: HAYDEN Observer: </a:t>
+            </a:r>
+            <a:r>
+              <a:rPr lang="en-GB" dirty="0" err="1" smtClean="0"/>
+              <a:t>luke</a:t>
+            </a:r>
+            <a:endParaRPr lang="en-GB" dirty="0"/>
+          </a:p>
+        </p:txBody>
+      </p:sp>
+      <p:sp>
+        <p:nvSpPr>
+          <p:cNvPr id="5" name="Rectangle 1"/>
+          <p:cNvSpPr>
+            <a:spLocks noChangeArrowheads="1"/>
+          </p:cNvSpPr>
+          <p:nvPr/>
+        </p:nvSpPr>
+        <p:spPr bwMode="auto">
+          <a:xfrm>
+            <a:off x="917045" y="2217738"/>
+            <a:ext cx="14128073" cy="779012"/>
+          </a:xfrm>
+          <a:prstGeom prst="rect">
+            <a:avLst/>
+          </a:prstGeom>
+          <a:noFill/>
+          <a:ln>
+            <a:noFill/>
+          </a:ln>
+          <a:effectLst/>
+          <a:extLst>
+            <a:ext uri="{909E8E84-426E-40DD-AFC4-6F175D3DCCD1}">
+              <a14:hiddenFill xmlns:a14="http://schemas.microsoft.com/office/drawing/2010/main">
+                <a:solidFill>
+                  <a:schemeClr val="accent1"/>
+                </a:solidFill>
+              </a14:hiddenFill>
+            </a:ext>
+            <a:ext uri="{91240B29-F687-4F45-9708-019B960494DF}">
+              <a14:hiddenLine xmlns:a14="http://schemas.microsoft.com/office/drawing/2010/main" w="9525">
+                <a:solidFill>
+                  <a:schemeClr val="tx1"/>
+                </a:solidFill>
+                <a:miter lim="800000"/>
+                <a:headEnd/>
+                <a:tailEnd/>
+              </a14:hiddenLine>
+            </a:ext>
+            <a:ext uri="{AF507438-7753-43E0-B8FC-AC1667EBCBE1}">
+              <a14:hiddenEffects xmlns:a14="http://schemas.microsoft.com/office/drawing/2010/main">
+                <a:effectLst>
+                  <a:outerShdw dist="35921" dir="2700000" algn="ctr" rotWithShape="0">
+                    <a:schemeClr val="bg2"/>
+                  </a:outerShdw>
+                </a:effectLst>
+              </a14:hiddenEffects>
+            </a:ext>
+          </a:extLst>
+        </p:spPr>
+        <p:txBody>
+          <a:bodyPr vert="horz" wrap="square" lIns="91440" tIns="45720" rIns="91440" bIns="45720" numCol="1" anchor="ctr" anchorCtr="0" compatLnSpc="1">
+            <a:prstTxWarp prst="textNoShape">
+              <a:avLst/>
+            </a:prstTxWarp>
+            <a:spAutoFit/>
+          </a:bodyPr>
+          <a:lstStyle/>
+          <a:p>
+            <a:endParaRPr lang="en-GB"/>
+          </a:p>
+        </p:txBody>
+      </p:sp>
+      <p:graphicFrame>
+        <p:nvGraphicFramePr>
+          <p:cNvPr id="3" name="Table 2"/>
+          <p:cNvGraphicFramePr>
+            <a:graphicFrameLocks noGrp="1"/>
+          </p:cNvGraphicFramePr>
+          <p:nvPr>
+            <p:extLst>
+              <p:ext uri="{D42A27DB-BD31-4B8C-83A1-F6EECF244321}">
+                <p14:modId xmlns:p14="http://schemas.microsoft.com/office/powerpoint/2010/main" val="3387662404"/>
+              </p:ext>
+            </p:extLst>
+          </p:nvPr>
+        </p:nvGraphicFramePr>
+        <p:xfrm>
+          <a:off x="778932" y="2217738"/>
+          <a:ext cx="9922936" cy="3421062"/>
+        </p:xfrm>
+        <a:graphic>
+          <a:graphicData uri="http://schemas.openxmlformats.org/drawingml/2006/table">
+            <a:tbl>
+              <a:tblPr firstRow="1" firstCol="1" bandRow="1">
+                <a:tableStyleId>{5C22544A-7EE6-4342-B048-85BDC9FD1C3A}</a:tableStyleId>
+              </a:tblPr>
+              <a:tblGrid>
+                <a:gridCol w="1378411">
+                  <a:extLst>
+                    <a:ext uri="{9D8B030D-6E8A-4147-A177-3AD203B41FA5}">
+                      <a16:colId xmlns:a16="http://schemas.microsoft.com/office/drawing/2014/main" val="4223646850"/>
+                    </a:ext>
+                  </a:extLst>
+                </a:gridCol>
+                <a:gridCol w="1378411">
+                  <a:extLst>
+                    <a:ext uri="{9D8B030D-6E8A-4147-A177-3AD203B41FA5}">
+                      <a16:colId xmlns:a16="http://schemas.microsoft.com/office/drawing/2014/main" val="1331053190"/>
+                    </a:ext>
+                  </a:extLst>
+                </a:gridCol>
+                <a:gridCol w="1332735">
+                  <a:extLst>
+                    <a:ext uri="{9D8B030D-6E8A-4147-A177-3AD203B41FA5}">
+                      <a16:colId xmlns:a16="http://schemas.microsoft.com/office/drawing/2014/main" val="3131590779"/>
+                    </a:ext>
+                  </a:extLst>
+                </a:gridCol>
+                <a:gridCol w="2204646">
+                  <a:extLst>
+                    <a:ext uri="{9D8B030D-6E8A-4147-A177-3AD203B41FA5}">
+                      <a16:colId xmlns:a16="http://schemas.microsoft.com/office/drawing/2014/main" val="3260387674"/>
+                    </a:ext>
+                  </a:extLst>
+                </a:gridCol>
+                <a:gridCol w="3628733">
+                  <a:extLst>
+                    <a:ext uri="{9D8B030D-6E8A-4147-A177-3AD203B41FA5}">
+                      <a16:colId xmlns:a16="http://schemas.microsoft.com/office/drawing/2014/main" val="915574396"/>
+                    </a:ext>
+                  </a:extLst>
+                </a:gridCol>
+              </a:tblGrid>
+              <a:tr h="1792022">
+                <a:tc>
+                  <a:txBody>
+                    <a:bodyPr/>
+                    <a:lstStyle/>
+                    <a:p>
+                      <a:pPr>
+                        <a:lnSpc>
+                          <a:spcPct val="107000"/>
+                        </a:lnSpc>
+                        <a:spcAft>
+                          <a:spcPts val="0"/>
+                        </a:spcAft>
+                      </a:pPr>
+                      <a:r>
+                        <a:rPr lang="en-GB" sz="1100">
+                          <a:effectLst/>
+                        </a:rPr>
+                        <a:t>Time session started</a:t>
+                      </a:r>
+                      <a:endParaRPr lang="en-GB" sz="1100">
+                        <a:effectLst/>
+                        <a:latin typeface="Calibri" panose="020F0502020204030204" pitchFamily="34" charset="0"/>
+                        <a:ea typeface="Calibri" panose="020F0502020204030204" pitchFamily="34" charset="0"/>
+                        <a:cs typeface="Times New Roman" panose="02020603050405020304" pitchFamily="18" charset="0"/>
+                      </a:endParaRPr>
+                    </a:p>
+                  </a:txBody>
+                  <a:tcPr marL="68580" marR="68580" marT="0" marB="0"/>
+                </a:tc>
+                <a:tc>
+                  <a:txBody>
+                    <a:bodyPr/>
+                    <a:lstStyle/>
+                    <a:p>
+                      <a:pPr>
+                        <a:lnSpc>
+                          <a:spcPct val="107000"/>
+                        </a:lnSpc>
+                        <a:spcAft>
+                          <a:spcPts val="0"/>
+                        </a:spcAft>
+                      </a:pPr>
+                      <a:r>
+                        <a:rPr lang="en-GB" sz="1100">
+                          <a:effectLst/>
+                        </a:rPr>
+                        <a:t>Number of lines of code written</a:t>
+                      </a:r>
+                      <a:endParaRPr lang="en-GB" sz="1100">
+                        <a:effectLst/>
+                        <a:latin typeface="Calibri" panose="020F0502020204030204" pitchFamily="34" charset="0"/>
+                        <a:ea typeface="Calibri" panose="020F0502020204030204" pitchFamily="34" charset="0"/>
+                        <a:cs typeface="Times New Roman" panose="02020603050405020304" pitchFamily="18" charset="0"/>
+                      </a:endParaRPr>
+                    </a:p>
+                  </a:txBody>
+                  <a:tcPr marL="68580" marR="68580" marT="0" marB="0"/>
+                </a:tc>
+                <a:tc>
+                  <a:txBody>
+                    <a:bodyPr/>
+                    <a:lstStyle/>
+                    <a:p>
+                      <a:pPr>
+                        <a:lnSpc>
+                          <a:spcPct val="107000"/>
+                        </a:lnSpc>
+                        <a:spcAft>
+                          <a:spcPts val="0"/>
+                        </a:spcAft>
+                      </a:pPr>
+                      <a:r>
+                        <a:rPr lang="en-GB" sz="1100">
+                          <a:effectLst/>
+                        </a:rPr>
+                        <a:t>Errors spotted (and by whom)</a:t>
+                      </a:r>
+                      <a:endParaRPr lang="en-GB" sz="1100">
+                        <a:effectLst/>
+                        <a:latin typeface="Calibri" panose="020F0502020204030204" pitchFamily="34" charset="0"/>
+                        <a:ea typeface="Calibri" panose="020F0502020204030204" pitchFamily="34" charset="0"/>
+                        <a:cs typeface="Times New Roman" panose="02020603050405020304" pitchFamily="18" charset="0"/>
+                      </a:endParaRPr>
+                    </a:p>
+                  </a:txBody>
+                  <a:tcPr marL="68580" marR="68580" marT="0" marB="0"/>
+                </a:tc>
+                <a:tc>
+                  <a:txBody>
+                    <a:bodyPr/>
+                    <a:lstStyle/>
+                    <a:p>
+                      <a:pPr>
+                        <a:lnSpc>
+                          <a:spcPct val="107000"/>
+                        </a:lnSpc>
+                        <a:spcAft>
+                          <a:spcPts val="0"/>
+                        </a:spcAft>
+                      </a:pPr>
+                      <a:r>
+                        <a:rPr lang="en-GB" sz="1100">
+                          <a:effectLst/>
+                        </a:rPr>
+                        <a:t>Activity (what’s being coded), or tested, or compiled</a:t>
+                      </a:r>
+                      <a:endParaRPr lang="en-GB" sz="1100">
+                        <a:effectLst/>
+                        <a:latin typeface="Calibri" panose="020F0502020204030204" pitchFamily="34" charset="0"/>
+                        <a:ea typeface="Calibri" panose="020F0502020204030204" pitchFamily="34" charset="0"/>
+                        <a:cs typeface="Times New Roman" panose="02020603050405020304" pitchFamily="18" charset="0"/>
+                      </a:endParaRPr>
+                    </a:p>
+                  </a:txBody>
+                  <a:tcPr marL="68580" marR="68580" marT="0" marB="0"/>
+                </a:tc>
+                <a:tc>
+                  <a:txBody>
+                    <a:bodyPr/>
+                    <a:lstStyle/>
+                    <a:p>
+                      <a:pPr>
+                        <a:lnSpc>
+                          <a:spcPct val="107000"/>
+                        </a:lnSpc>
+                        <a:spcAft>
+                          <a:spcPts val="0"/>
+                        </a:spcAft>
+                      </a:pPr>
+                      <a:r>
+                        <a:rPr lang="en-GB" sz="1100">
+                          <a:effectLst/>
+                        </a:rPr>
+                        <a:t>Comments</a:t>
+                      </a:r>
+                      <a:endParaRPr lang="en-GB" sz="1100">
+                        <a:effectLst/>
+                        <a:latin typeface="Calibri" panose="020F0502020204030204" pitchFamily="34" charset="0"/>
+                        <a:ea typeface="Calibri" panose="020F0502020204030204" pitchFamily="34" charset="0"/>
+                        <a:cs typeface="Times New Roman" panose="02020603050405020304" pitchFamily="18" charset="0"/>
+                      </a:endParaRPr>
+                    </a:p>
+                  </a:txBody>
+                  <a:tcPr marL="68580" marR="68580" marT="0" marB="0"/>
+                </a:tc>
+                <a:extLst>
+                  <a:ext uri="{0D108BD9-81ED-4DB2-BD59-A6C34878D82A}">
+                    <a16:rowId xmlns:a16="http://schemas.microsoft.com/office/drawing/2014/main" val="3873337225"/>
+                  </a:ext>
+                </a:extLst>
+              </a:tr>
+              <a:tr h="1629040">
+                <a:tc>
+                  <a:txBody>
+                    <a:bodyPr/>
+                    <a:lstStyle/>
+                    <a:p>
+                      <a:pPr>
+                        <a:lnSpc>
+                          <a:spcPct val="107000"/>
+                        </a:lnSpc>
+                        <a:spcAft>
+                          <a:spcPts val="0"/>
+                        </a:spcAft>
+                      </a:pPr>
+                      <a:r>
+                        <a:rPr lang="en-GB" sz="1000">
+                          <a:effectLst/>
+                        </a:rPr>
+                        <a:t>30/10/2019</a:t>
+                      </a:r>
+                      <a:endParaRPr lang="en-GB" sz="1100">
+                        <a:effectLst/>
+                      </a:endParaRPr>
+                    </a:p>
+                    <a:p>
+                      <a:pPr>
+                        <a:lnSpc>
+                          <a:spcPct val="107000"/>
+                        </a:lnSpc>
+                        <a:spcAft>
+                          <a:spcPts val="0"/>
+                        </a:spcAft>
+                      </a:pPr>
+                      <a:r>
+                        <a:rPr lang="en-GB" sz="1000">
+                          <a:effectLst/>
+                        </a:rPr>
+                        <a:t>4:15pm – 5:15pm</a:t>
+                      </a:r>
+                      <a:endParaRPr lang="en-GB" sz="1100">
+                        <a:effectLst/>
+                        <a:latin typeface="Calibri" panose="020F0502020204030204" pitchFamily="34" charset="0"/>
+                        <a:ea typeface="Calibri" panose="020F0502020204030204" pitchFamily="34" charset="0"/>
+                        <a:cs typeface="Times New Roman" panose="02020603050405020304" pitchFamily="18" charset="0"/>
+                      </a:endParaRPr>
+                    </a:p>
+                  </a:txBody>
+                  <a:tcPr marL="68580" marR="68580" marT="0" marB="0"/>
+                </a:tc>
+                <a:tc>
+                  <a:txBody>
+                    <a:bodyPr/>
+                    <a:lstStyle/>
+                    <a:p>
+                      <a:pPr>
+                        <a:lnSpc>
+                          <a:spcPct val="107000"/>
+                        </a:lnSpc>
+                        <a:spcAft>
+                          <a:spcPts val="0"/>
+                        </a:spcAft>
+                      </a:pPr>
+                      <a:r>
+                        <a:rPr lang="en-GB" sz="1000">
+                          <a:effectLst/>
+                        </a:rPr>
+                        <a:t>3 lines of code</a:t>
+                      </a:r>
+                      <a:endParaRPr lang="en-GB" sz="1100">
+                        <a:effectLst/>
+                        <a:latin typeface="Calibri" panose="020F0502020204030204" pitchFamily="34" charset="0"/>
+                        <a:ea typeface="Calibri" panose="020F0502020204030204" pitchFamily="34" charset="0"/>
+                        <a:cs typeface="Times New Roman" panose="02020603050405020304" pitchFamily="18" charset="0"/>
+                      </a:endParaRPr>
+                    </a:p>
+                  </a:txBody>
+                  <a:tcPr marL="68580" marR="68580" marT="0" marB="0"/>
+                </a:tc>
+                <a:tc>
+                  <a:txBody>
+                    <a:bodyPr/>
+                    <a:lstStyle/>
+                    <a:p>
+                      <a:pPr>
+                        <a:lnSpc>
+                          <a:spcPct val="107000"/>
+                        </a:lnSpc>
+                        <a:spcAft>
+                          <a:spcPts val="0"/>
+                        </a:spcAft>
+                      </a:pPr>
+                      <a:r>
+                        <a:rPr lang="en-GB" sz="1000">
+                          <a:effectLst/>
+                        </a:rPr>
+                        <a:t>No errors</a:t>
+                      </a:r>
+                      <a:endParaRPr lang="en-GB" sz="1100">
+                        <a:effectLst/>
+                        <a:latin typeface="Calibri" panose="020F0502020204030204" pitchFamily="34" charset="0"/>
+                        <a:ea typeface="Calibri" panose="020F0502020204030204" pitchFamily="34" charset="0"/>
+                        <a:cs typeface="Times New Roman" panose="02020603050405020304" pitchFamily="18" charset="0"/>
+                      </a:endParaRPr>
+                    </a:p>
+                  </a:txBody>
+                  <a:tcPr marL="68580" marR="68580" marT="0" marB="0"/>
+                </a:tc>
+                <a:tc>
+                  <a:txBody>
+                    <a:bodyPr/>
+                    <a:lstStyle/>
+                    <a:p>
+                      <a:pPr>
+                        <a:lnSpc>
+                          <a:spcPct val="107000"/>
+                        </a:lnSpc>
+                        <a:spcAft>
+                          <a:spcPts val="0"/>
+                        </a:spcAft>
+                      </a:pPr>
+                      <a:r>
+                        <a:rPr lang="en-GB" sz="1000">
+                          <a:effectLst/>
+                        </a:rPr>
+                        <a:t>A search using the Spotify API. By querying random search parameters.  </a:t>
+                      </a:r>
+                      <a:endParaRPr lang="en-GB" sz="1100">
+                        <a:effectLst/>
+                        <a:latin typeface="Calibri" panose="020F0502020204030204" pitchFamily="34" charset="0"/>
+                        <a:ea typeface="Calibri" panose="020F0502020204030204" pitchFamily="34" charset="0"/>
+                        <a:cs typeface="Times New Roman" panose="02020603050405020304" pitchFamily="18" charset="0"/>
+                      </a:endParaRPr>
+                    </a:p>
+                  </a:txBody>
+                  <a:tcPr marL="68580" marR="68580" marT="0" marB="0"/>
+                </a:tc>
+                <a:tc>
+                  <a:txBody>
+                    <a:bodyPr/>
+                    <a:lstStyle/>
+                    <a:p>
+                      <a:pPr>
+                        <a:lnSpc>
+                          <a:spcPct val="107000"/>
+                        </a:lnSpc>
+                        <a:spcAft>
+                          <a:spcPts val="0"/>
+                        </a:spcAft>
+                      </a:pPr>
+                      <a:r>
+                        <a:rPr lang="en-GB" sz="1000" dirty="0">
+                          <a:effectLst/>
+                        </a:rPr>
+                        <a:t>Used  this library </a:t>
+                      </a:r>
+                      <a:r>
+                        <a:rPr lang="en-GB" sz="1000" u="sng" dirty="0">
+                          <a:effectLst/>
+                          <a:hlinkClick r:id="rId2"/>
+                        </a:rPr>
+                        <a:t>https://johnnycrazy.github.io/SpotifyAPI-NET/</a:t>
+                      </a:r>
+                      <a:r>
+                        <a:rPr lang="en-GB" sz="1000" dirty="0">
+                          <a:effectLst/>
+                        </a:rPr>
+                        <a:t> to write our code for the Spotify API</a:t>
+                      </a:r>
+                      <a:endParaRPr lang="en-GB" sz="1100" dirty="0">
+                        <a:effectLst/>
+                        <a:latin typeface="Calibri" panose="020F0502020204030204" pitchFamily="34" charset="0"/>
+                        <a:ea typeface="Calibri" panose="020F0502020204030204" pitchFamily="34" charset="0"/>
+                        <a:cs typeface="Times New Roman" panose="02020603050405020304" pitchFamily="18" charset="0"/>
+                      </a:endParaRPr>
+                    </a:p>
+                  </a:txBody>
+                  <a:tcPr marL="68580" marR="68580" marT="0" marB="0"/>
+                </a:tc>
+                <a:extLst>
+                  <a:ext uri="{0D108BD9-81ED-4DB2-BD59-A6C34878D82A}">
+                    <a16:rowId xmlns:a16="http://schemas.microsoft.com/office/drawing/2014/main" val="1204578942"/>
+                  </a:ext>
+                </a:extLst>
+              </a:tr>
+            </a:tbl>
+          </a:graphicData>
+        </a:graphic>
+      </p:graphicFrame>
+    </p:spTree>
+    <p:extLst>
+      <p:ext uri="{BB962C8B-B14F-4D97-AF65-F5344CB8AC3E}">
+        <p14:creationId xmlns:p14="http://schemas.microsoft.com/office/powerpoint/2010/main" val="1717578674"/>
+      </p:ext>
+    </p:extLst>
+  </p:cSld>
+  <p:clrMapOvr>
+    <a:masterClrMapping/>
+  </p:clrMapOvr>
+  <p:timing>
+    <p:tnLst>
+      <p:par>
+        <p:cTn id="1" dur="indefinite" restart="never" nodeType="tmRoot"/>
+      </p:par>
+    </p:tnLst>
+  </p:timing>
+</p:sld>
+</file>
+
+<file path=ppt/slides/slide11.xml><?xml version="1.0" encoding="utf-8"?>
+<p:sld xmlns:a="http://schemas.openxmlformats.org/drawingml/2006/main" xmlns:r="http://schemas.openxmlformats.org/officeDocument/2006/relationships" xmlns:p="http://schemas.openxmlformats.org/presentationml/2006/main">
+  <p:cSld>
+    <p:spTree>
+      <p:nvGrpSpPr>
+        <p:cNvPr id="1" name=""/>
+        <p:cNvGrpSpPr/>
+        <p:nvPr/>
+      </p:nvGrpSpPr>
+      <p:grpSpPr>
+        <a:xfrm>
+          <a:off x="0" y="0"/>
+          <a:ext cx="0" cy="0"/>
+          <a:chOff x="0" y="0"/>
+          <a:chExt cx="0" cy="0"/>
+        </a:xfrm>
+      </p:grpSpPr>
+      <p:sp>
+        <p:nvSpPr>
+          <p:cNvPr id="2" name="Title 1"/>
+          <p:cNvSpPr>
+            <a:spLocks noGrp="1"/>
+          </p:cNvSpPr>
+          <p:nvPr>
+            <p:ph type="title"/>
+          </p:nvPr>
+        </p:nvSpPr>
+        <p:spPr>
+          <a:xfrm>
+            <a:off x="907749" y="410649"/>
+            <a:ext cx="9720072" cy="1499616"/>
+          </a:xfrm>
+        </p:spPr>
+        <p:txBody>
+          <a:bodyPr>
+            <a:normAutofit fontScale="90000"/>
+          </a:bodyPr>
+          <a:lstStyle/>
+          <a:p>
+            <a:r>
+              <a:rPr lang="en-GB" dirty="0"/>
+              <a:t>Sprint Backlog </a:t>
+            </a:r>
+            <a:r>
+              <a:rPr lang="en-GB" dirty="0" smtClean="0"/>
+              <a:t/>
+            </a:r>
+            <a:br>
+              <a:rPr lang="en-GB" dirty="0" smtClean="0"/>
+            </a:br>
+            <a:r>
+              <a:rPr lang="en-GB" sz="1600" dirty="0"/>
+              <a:t>Sprint Backlog is a list a task identified by the scrum team </a:t>
+            </a:r>
+            <a:r>
+              <a:rPr lang="en-GB" dirty="0"/>
+              <a:t/>
+            </a:r>
+            <a:br>
+              <a:rPr lang="en-GB" dirty="0"/>
+            </a:br>
+            <a:endParaRPr lang="en-GB" dirty="0"/>
+          </a:p>
+        </p:txBody>
+      </p:sp>
+      <p:pic>
+        <p:nvPicPr>
+          <p:cNvPr id="4" name="Picture 3"/>
+          <p:cNvPicPr>
+            <a:picLocks noChangeAspect="1"/>
+          </p:cNvPicPr>
+          <p:nvPr/>
+        </p:nvPicPr>
+        <p:blipFill>
+          <a:blip r:embed="rId2"/>
+          <a:stretch>
+            <a:fillRect/>
+          </a:stretch>
+        </p:blipFill>
+        <p:spPr>
+          <a:xfrm>
+            <a:off x="1317457" y="1731432"/>
+            <a:ext cx="9310364" cy="3788833"/>
+          </a:xfrm>
+          <a:prstGeom prst="rect">
+            <a:avLst/>
+          </a:prstGeom>
+        </p:spPr>
+      </p:pic>
+    </p:spTree>
+    <p:extLst>
+      <p:ext uri="{BB962C8B-B14F-4D97-AF65-F5344CB8AC3E}">
+        <p14:creationId xmlns:p14="http://schemas.microsoft.com/office/powerpoint/2010/main" val="1273718308"/>
+      </p:ext>
+    </p:extLst>
+  </p:cSld>
+  <p:clrMapOvr>
+    <a:masterClrMapping/>
+  </p:clrMapOvr>
+  <p:timing>
+    <p:tnLst>
+      <p:par>
+        <p:cTn id="1" dur="indefinite" restart="never" nodeType="tmRoot"/>
+      </p:par>
+    </p:tnLst>
+  </p:timing>
+</p:sld>
+</file>
+
+<file path=ppt/slides/slide12.xml><?xml version="1.0" encoding="utf-8"?>
+<p:sld xmlns:a="http://schemas.openxmlformats.org/drawingml/2006/main" xmlns:r="http://schemas.openxmlformats.org/officeDocument/2006/relationships" xmlns:p="http://schemas.openxmlformats.org/presentationml/2006/main">
+  <p:cSld>
+    <p:spTree>
+      <p:nvGrpSpPr>
+        <p:cNvPr id="1" name=""/>
+        <p:cNvGrpSpPr/>
+        <p:nvPr/>
+      </p:nvGrpSpPr>
+      <p:grpSpPr>
+        <a:xfrm>
+          <a:off x="0" y="0"/>
+          <a:ext cx="0" cy="0"/>
+          <a:chOff x="0" y="0"/>
+          <a:chExt cx="0" cy="0"/>
+        </a:xfrm>
+      </p:grpSpPr>
+      <p:sp>
+        <p:nvSpPr>
+          <p:cNvPr id="2" name="Title 1"/>
+          <p:cNvSpPr>
+            <a:spLocks noGrp="1"/>
+          </p:cNvSpPr>
+          <p:nvPr>
+            <p:ph type="title"/>
+          </p:nvPr>
+        </p:nvSpPr>
+        <p:spPr/>
+        <p:txBody>
+          <a:bodyPr/>
+          <a:lstStyle/>
+          <a:p>
+            <a:r>
+              <a:rPr lang="en-GB" dirty="0" smtClean="0"/>
+              <a:t>Tools and Toolsets</a:t>
+            </a:r>
+            <a:endParaRPr lang="en-GB" dirty="0"/>
+          </a:p>
+        </p:txBody>
+      </p:sp>
+      <p:sp>
+        <p:nvSpPr>
+          <p:cNvPr id="3" name="Content Placeholder 2"/>
+          <p:cNvSpPr>
+            <a:spLocks noGrp="1"/>
+          </p:cNvSpPr>
+          <p:nvPr>
+            <p:ph idx="1"/>
+          </p:nvPr>
+        </p:nvSpPr>
+        <p:spPr/>
+        <p:txBody>
+          <a:bodyPr/>
+          <a:lstStyle/>
+          <a:p>
+            <a:pPr marL="0" indent="0">
+              <a:buNone/>
+            </a:pPr>
+            <a:r>
+              <a:rPr lang="en-GB" dirty="0" smtClean="0"/>
+              <a:t>As a group, we have used the github platform to upload pieces of work which contributes to the overall assignment. </a:t>
+            </a:r>
+          </a:p>
+          <a:p>
+            <a:pPr marL="0" indent="0">
+              <a:buNone/>
+            </a:pPr>
+            <a:r>
+              <a:rPr lang="en-GB" dirty="0" smtClean="0"/>
+              <a:t>We have also used Draw.io to create any diagrams required throughout. </a:t>
+            </a:r>
+          </a:p>
+          <a:p>
+            <a:pPr marL="0" indent="0">
+              <a:buNone/>
+            </a:pPr>
+            <a:r>
+              <a:rPr lang="en-GB" dirty="0" smtClean="0"/>
+              <a:t>Visual studio Windows forms Framework,  </a:t>
+            </a:r>
+          </a:p>
+          <a:p>
+            <a:pPr marL="0" indent="0">
+              <a:buNone/>
+            </a:pPr>
+            <a:r>
+              <a:rPr lang="en-GB" dirty="0" smtClean="0"/>
+              <a:t>Used Spotify-NET API Libraries (SpotifyAPI.Web, SpotifyAPI.Web.Auth, SpotifyAPI.Web.Models): website used </a:t>
+            </a:r>
+            <a:r>
+              <a:rPr lang="en-GB" dirty="0"/>
+              <a:t>https://johnnycrazy.github.io/SpotifyAPI-NET/</a:t>
+            </a:r>
+            <a:endParaRPr lang="en-GB" dirty="0" smtClean="0"/>
+          </a:p>
+          <a:p>
+            <a:pPr marL="0" indent="0">
+              <a:buNone/>
+            </a:pPr>
+            <a:r>
+              <a:rPr lang="en-GB" dirty="0" smtClean="0"/>
+              <a:t>Used News API</a:t>
+            </a:r>
+            <a:r>
+              <a:rPr lang="en-GB" dirty="0"/>
+              <a:t>: website used https://newsapi.org/</a:t>
+            </a:r>
+            <a:endParaRPr lang="en-GB" dirty="0" smtClean="0"/>
+          </a:p>
+          <a:p>
+            <a:pPr>
+              <a:buFont typeface="Arial" panose="020B0604020202020204" pitchFamily="34" charset="0"/>
+              <a:buChar char="•"/>
+            </a:pPr>
+            <a:endParaRPr lang="en-GB" dirty="0" smtClean="0"/>
+          </a:p>
+          <a:p>
+            <a:endParaRPr lang="en-GB" dirty="0"/>
+          </a:p>
+        </p:txBody>
+      </p:sp>
+    </p:spTree>
+    <p:extLst>
+      <p:ext uri="{BB962C8B-B14F-4D97-AF65-F5344CB8AC3E}">
+        <p14:creationId xmlns:p14="http://schemas.microsoft.com/office/powerpoint/2010/main" val="272777818"/>
+      </p:ext>
+    </p:extLst>
+  </p:cSld>
+  <p:clrMapOvr>
+    <a:masterClrMapping/>
+  </p:clrMapOvr>
+  <p:timing>
+    <p:tnLst>
+      <p:par>
+        <p:cTn id="1" dur="indefinite" restart="never" nodeType="tmRoot"/>
+      </p:par>
+    </p:tnLst>
+  </p:timing>
+</p:sld>
+</file>
+
+<file path=ppt/slides/slide13.xml><?xml version="1.0" encoding="utf-8"?>
 <p:sld xmlns:a="http://schemas.openxmlformats.org/drawingml/2006/main" xmlns:r="http://schemas.openxmlformats.org/officeDocument/2006/relationships" xmlns:p="http://schemas.openxmlformats.org/presentationml/2006/main">
   <p:cSld>
     <p:spTree>
@@ -20665,10 +21458,15 @@
         </p:nvSpPr>
         <p:spPr/>
         <p:txBody>
-          <a:bodyPr/>
+          <a:bodyPr>
+            <a:normAutofit/>
+          </a:bodyPr>
           <a:lstStyle/>
           <a:p>
-            <a:endParaRPr lang="en-GB"/>
+            <a:pPr marL="0" indent="0">
+              <a:buNone/>
+            </a:pPr>
+            <a:endParaRPr lang="en-GB" sz="3600" dirty="0" smtClean="0"/>
           </a:p>
         </p:txBody>
       </p:sp>
@@ -20685,7 +21483,7 @@
 </p:sld>
 </file>
 
-<file path=ppt/slides/slide11.xml><?xml version="1.0" encoding="utf-8"?>
+<file path=ppt/slides/slide14.xml><?xml version="1.0" encoding="utf-8"?>
 <p:sld xmlns:a="http://schemas.openxmlformats.org/drawingml/2006/main" xmlns:r="http://schemas.openxmlformats.org/officeDocument/2006/relationships" xmlns:p="http://schemas.openxmlformats.org/presentationml/2006/main">
   <p:cSld>
     <p:spTree>
@@ -20793,7 +21591,12 @@
             <p:ph idx="1"/>
           </p:nvPr>
         </p:nvSpPr>
-        <p:spPr/>
+        <p:spPr>
+          <a:xfrm>
+            <a:off x="1024128" y="2286000"/>
+            <a:ext cx="10123239" cy="4023360"/>
+          </a:xfrm>
+        </p:spPr>
         <p:txBody>
           <a:bodyPr>
             <a:normAutofit/>
@@ -20811,38 +21614,53 @@
               <a:t>Luke – Set up </a:t>
             </a:r>
             <a:r>
-              <a:rPr lang="en-GB" dirty="0" err="1"/>
+              <a:rPr lang="en-GB" dirty="0"/>
               <a:t>G</a:t>
             </a:r>
             <a:r>
-              <a:rPr lang="en-GB" dirty="0" err="1" smtClean="0"/>
-              <a:t>ithub</a:t>
+              <a:rPr lang="en-GB" dirty="0" smtClean="0"/>
+              <a:t>ithub </a:t>
+            </a:r>
+            <a:r>
+              <a:rPr lang="en-GB" dirty="0"/>
+              <a:t>platform, Pair programming </a:t>
             </a:r>
             <a:r>
               <a:rPr lang="en-GB" dirty="0" smtClean="0"/>
-              <a:t> platform, programmed </a:t>
+              <a:t>logs, programmed </a:t>
             </a:r>
             <a:r>
               <a:rPr lang="en-GB" dirty="0"/>
-              <a:t>artefact </a:t>
+              <a:t>artefact, Product backlog </a:t>
             </a:r>
             <a:endParaRPr lang="en-GB" dirty="0" smtClean="0"/>
           </a:p>
           <a:p>
             <a:r>
               <a:rPr lang="en-GB" dirty="0" smtClean="0"/>
-              <a:t>Darius – Pair programming logs, Programmed </a:t>
+              <a:t>Darius – Pair programming logs, Programmed artefact, </a:t>
             </a:r>
             <a:r>
               <a:rPr lang="en-GB" dirty="0"/>
-              <a:t>artefact </a:t>
+              <a:t>Class Diagram, Product </a:t>
             </a:r>
-            <a:endParaRPr lang="en-GB" dirty="0" smtClean="0"/>
+            <a:r>
+              <a:rPr lang="en-GB" dirty="0" smtClean="0"/>
+              <a:t>backlog</a:t>
+            </a:r>
           </a:p>
           <a:p>
             <a:r>
               <a:rPr lang="en-GB" dirty="0" smtClean="0"/>
-              <a:t>Hayden – Programmed artefact </a:t>
+              <a:t> Hayden – </a:t>
+            </a:r>
+            <a:r>
+              <a:rPr lang="en-GB" dirty="0"/>
+              <a:t>Pair programming </a:t>
+            </a:r>
+            <a:r>
+              <a:rPr lang="en-GB" dirty="0" smtClean="0"/>
+              <a:t>logs, Programmed artefact </a:t>
             </a:r>
           </a:p>
           <a:p>
@@ -20868,7 +21686,7 @@
           <a:p>
             <a:r>
               <a:rPr lang="en-GB" dirty="0" smtClean="0"/>
-              <a:t>Jackson – UI</a:t>
+              <a:t>Jackson – UI, Pair Programming logs, Product backlog</a:t>
             </a:r>
           </a:p>
         </p:txBody>
@@ -20883,6 +21701,13 @@
   <p:clrMapOvr>
     <a:masterClrMapping/>
   </p:clrMapOvr>
+  <p:timing>
+    <p:tnLst>
+      <p:par>
+        <p:cTn id="1" dur="indefinite" restart="never" nodeType="tmRoot"/>
+      </p:par>
+    </p:tnLst>
+  </p:timing>
 </p:sld>
 </file>
 
@@ -20997,6 +21822,13 @@
   <p:clrMapOvr>
     <a:masterClrMapping/>
   </p:clrMapOvr>
+  <p:timing>
+    <p:tnLst>
+      <p:par>
+        <p:cTn id="1" dur="indefinite" restart="never" nodeType="tmRoot"/>
+      </p:par>
+    </p:tnLst>
+  </p:timing>
 </p:sld>
 </file>
 
@@ -22349,6 +23181,13 @@
   <p:clrMapOvr>
     <a:masterClrMapping/>
   </p:clrMapOvr>
+  <p:timing>
+    <p:tnLst>
+      <p:par>
+        <p:cTn id="1" dur="indefinite" restart="never" nodeType="tmRoot"/>
+      </p:par>
+    </p:tnLst>
+  </p:timing>
 </p:sld>
 </file>
 
@@ -23237,6 +24076,13 @@
   <p:clrMapOvr>
     <a:masterClrMapping/>
   </p:clrMapOvr>
+  <p:timing>
+    <p:tnLst>
+      <p:par>
+        <p:cTn id="1" dur="indefinite" restart="never" nodeType="tmRoot"/>
+      </p:par>
+    </p:tnLst>
+  </p:timing>
 </p:sld>
 </file>
 
@@ -24289,6 +25135,13 @@
   <p:clrMapOvr>
     <a:masterClrMapping/>
   </p:clrMapOvr>
+  <p:timing>
+    <p:tnLst>
+      <p:par>
+        <p:cTn id="1" dur="indefinite" restart="never" nodeType="tmRoot"/>
+      </p:par>
+    </p:tnLst>
+  </p:timing>
 </p:sld>
 </file>
 
@@ -24993,78 +25846,482 @@
         </p:nvSpPr>
         <p:spPr>
           <a:xfrm>
-            <a:off x="907749" y="410649"/>
-            <a:ext cx="9720072" cy="1499616"/>
+            <a:off x="778932" y="551350"/>
+            <a:ext cx="11125201" cy="1480650"/>
           </a:xfrm>
         </p:spPr>
         <p:txBody>
-          <a:bodyPr>
-            <a:normAutofit fontScale="90000"/>
-          </a:bodyPr>
+          <a:bodyPr/>
           <a:lstStyle/>
           <a:p>
             <a:r>
-              <a:rPr lang="en-GB" dirty="0"/>
-              <a:t>Sprint Backlog </a:t>
+              <a:rPr lang="en-GB" dirty="0" smtClean="0"/>
+              <a:t>Pair Programming Log: Driver: Luke Observer: Darius</a:t>
             </a:r>
-            <a:r>
-              <a:rPr lang="en-GB" dirty="0" smtClean="0"/>
-              <a:t/>
-            </a:r>
-            <a:br>
-              <a:rPr lang="en-GB" dirty="0" smtClean="0"/>
-            </a:br>
-            <a:r>
-              <a:rPr lang="en-GB" sz="1600" dirty="0"/>
-              <a:t>Sprint Backlog is a list a task identified by the scrum team </a:t>
-            </a:r>
-            <a:r>
-              <a:rPr lang="en-GB" dirty="0"/>
-              <a:t/>
-            </a:r>
-            <a:br>
-              <a:rPr lang="en-GB" dirty="0"/>
-            </a:br>
             <a:endParaRPr lang="en-GB" dirty="0"/>
           </a:p>
         </p:txBody>
       </p:sp>
-      <p:pic>
-        <p:nvPicPr>
-          <p:cNvPr id="5" name="Content Placeholder 4"/>
-          <p:cNvPicPr>
-            <a:picLocks noGrp="1"/>
-          </p:cNvPicPr>
-          <p:nvPr>
-            <p:ph idx="1"/>
-          </p:nvPr>
-        </p:nvPicPr>
-        <p:blipFill>
-          <a:blip r:embed="rId2"/>
-          <a:stretch>
-            <a:fillRect/>
-          </a:stretch>
-        </p:blipFill>
-        <p:spPr>
+      <p:sp>
+        <p:nvSpPr>
+          <p:cNvPr id="5" name="Rectangle 1"/>
+          <p:cNvSpPr>
+            <a:spLocks noChangeArrowheads="1"/>
+          </p:cNvSpPr>
+          <p:nvPr/>
+        </p:nvSpPr>
+        <p:spPr bwMode="auto">
           <a:xfrm>
-            <a:off x="2145506" y="2482850"/>
-            <a:ext cx="7477125" cy="3629025"/>
+            <a:off x="917045" y="2217738"/>
+            <a:ext cx="14128073" cy="779012"/>
           </a:xfrm>
           <a:prstGeom prst="rect">
             <a:avLst/>
           </a:prstGeom>
+          <a:noFill/>
+          <a:ln>
+            <a:noFill/>
+          </a:ln>
+          <a:effectLst/>
+          <a:extLst>
+            <a:ext uri="{909E8E84-426E-40DD-AFC4-6F175D3DCCD1}">
+              <a14:hiddenFill xmlns:a14="http://schemas.microsoft.com/office/drawing/2010/main">
+                <a:solidFill>
+                  <a:schemeClr val="accent1"/>
+                </a:solidFill>
+              </a14:hiddenFill>
+            </a:ext>
+            <a:ext uri="{91240B29-F687-4F45-9708-019B960494DF}">
+              <a14:hiddenLine xmlns:a14="http://schemas.microsoft.com/office/drawing/2010/main" w="9525">
+                <a:solidFill>
+                  <a:schemeClr val="tx1"/>
+                </a:solidFill>
+                <a:miter lim="800000"/>
+                <a:headEnd/>
+                <a:tailEnd/>
+              </a14:hiddenLine>
+            </a:ext>
+            <a:ext uri="{AF507438-7753-43E0-B8FC-AC1667EBCBE1}">
+              <a14:hiddenEffects xmlns:a14="http://schemas.microsoft.com/office/drawing/2010/main">
+                <a:effectLst>
+                  <a:outerShdw dist="35921" dir="2700000" algn="ctr" rotWithShape="0">
+                    <a:schemeClr val="bg2"/>
+                  </a:outerShdw>
+                </a:effectLst>
+              </a14:hiddenEffects>
+            </a:ext>
+          </a:extLst>
         </p:spPr>
-      </p:pic>
+        <p:txBody>
+          <a:bodyPr vert="horz" wrap="square" lIns="91440" tIns="45720" rIns="91440" bIns="45720" numCol="1" anchor="ctr" anchorCtr="0" compatLnSpc="1">
+            <a:prstTxWarp prst="textNoShape">
+              <a:avLst/>
+            </a:prstTxWarp>
+            <a:spAutoFit/>
+          </a:bodyPr>
+          <a:lstStyle/>
+          <a:p>
+            <a:endParaRPr lang="en-GB"/>
+          </a:p>
+        </p:txBody>
+      </p:sp>
+      <p:graphicFrame>
+        <p:nvGraphicFramePr>
+          <p:cNvPr id="6" name="Table 5"/>
+          <p:cNvGraphicFramePr>
+            <a:graphicFrameLocks noGrp="1"/>
+          </p:cNvGraphicFramePr>
+          <p:nvPr>
+            <p:extLst>
+              <p:ext uri="{D42A27DB-BD31-4B8C-83A1-F6EECF244321}">
+                <p14:modId xmlns:p14="http://schemas.microsoft.com/office/powerpoint/2010/main" val="4067182846"/>
+              </p:ext>
+            </p:extLst>
+          </p:nvPr>
+        </p:nvGraphicFramePr>
+        <p:xfrm>
+          <a:off x="917045" y="2132093"/>
+          <a:ext cx="8514822" cy="3946974"/>
+        </p:xfrm>
+        <a:graphic>
+          <a:graphicData uri="http://schemas.openxmlformats.org/drawingml/2006/table">
+            <a:tbl>
+              <a:tblPr firstRow="1" firstCol="1" bandRow="1">
+                <a:tableStyleId>{5C22544A-7EE6-4342-B048-85BDC9FD1C3A}</a:tableStyleId>
+              </a:tblPr>
+              <a:tblGrid>
+                <a:gridCol w="1182808">
+                  <a:extLst>
+                    <a:ext uri="{9D8B030D-6E8A-4147-A177-3AD203B41FA5}">
+                      <a16:colId xmlns:a16="http://schemas.microsoft.com/office/drawing/2014/main" val="1884765567"/>
+                    </a:ext>
+                  </a:extLst>
+                </a:gridCol>
+                <a:gridCol w="1182808">
+                  <a:extLst>
+                    <a:ext uri="{9D8B030D-6E8A-4147-A177-3AD203B41FA5}">
+                      <a16:colId xmlns:a16="http://schemas.microsoft.com/office/drawing/2014/main" val="1537563384"/>
+                    </a:ext>
+                  </a:extLst>
+                </a:gridCol>
+                <a:gridCol w="1143613">
+                  <a:extLst>
+                    <a:ext uri="{9D8B030D-6E8A-4147-A177-3AD203B41FA5}">
+                      <a16:colId xmlns:a16="http://schemas.microsoft.com/office/drawing/2014/main" val="159401367"/>
+                    </a:ext>
+                  </a:extLst>
+                </a:gridCol>
+                <a:gridCol w="1891795">
+                  <a:extLst>
+                    <a:ext uri="{9D8B030D-6E8A-4147-A177-3AD203B41FA5}">
+                      <a16:colId xmlns:a16="http://schemas.microsoft.com/office/drawing/2014/main" val="823949198"/>
+                    </a:ext>
+                  </a:extLst>
+                </a:gridCol>
+                <a:gridCol w="3113798">
+                  <a:extLst>
+                    <a:ext uri="{9D8B030D-6E8A-4147-A177-3AD203B41FA5}">
+                      <a16:colId xmlns:a16="http://schemas.microsoft.com/office/drawing/2014/main" val="792283402"/>
+                    </a:ext>
+                  </a:extLst>
+                </a:gridCol>
+              </a:tblGrid>
+              <a:tr h="1518830">
+                <a:tc>
+                  <a:txBody>
+                    <a:bodyPr/>
+                    <a:lstStyle/>
+                    <a:p>
+                      <a:pPr>
+                        <a:lnSpc>
+                          <a:spcPct val="107000"/>
+                        </a:lnSpc>
+                        <a:spcAft>
+                          <a:spcPts val="0"/>
+                        </a:spcAft>
+                      </a:pPr>
+                      <a:r>
+                        <a:rPr lang="en-GB" sz="1100">
+                          <a:effectLst/>
+                        </a:rPr>
+                        <a:t>Time session started</a:t>
+                      </a:r>
+                      <a:endParaRPr lang="en-GB" sz="1100">
+                        <a:effectLst/>
+                        <a:latin typeface="Calibri" panose="020F0502020204030204" pitchFamily="34" charset="0"/>
+                        <a:ea typeface="Calibri" panose="020F0502020204030204" pitchFamily="34" charset="0"/>
+                        <a:cs typeface="Times New Roman" panose="02020603050405020304" pitchFamily="18" charset="0"/>
+                      </a:endParaRPr>
+                    </a:p>
+                  </a:txBody>
+                  <a:tcPr marL="68580" marR="68580" marT="0" marB="0"/>
+                </a:tc>
+                <a:tc>
+                  <a:txBody>
+                    <a:bodyPr/>
+                    <a:lstStyle/>
+                    <a:p>
+                      <a:pPr>
+                        <a:lnSpc>
+                          <a:spcPct val="107000"/>
+                        </a:lnSpc>
+                        <a:spcAft>
+                          <a:spcPts val="0"/>
+                        </a:spcAft>
+                      </a:pPr>
+                      <a:r>
+                        <a:rPr lang="en-GB" sz="1100">
+                          <a:effectLst/>
+                        </a:rPr>
+                        <a:t>Number of lines of code written</a:t>
+                      </a:r>
+                      <a:endParaRPr lang="en-GB" sz="1100">
+                        <a:effectLst/>
+                        <a:latin typeface="Calibri" panose="020F0502020204030204" pitchFamily="34" charset="0"/>
+                        <a:ea typeface="Calibri" panose="020F0502020204030204" pitchFamily="34" charset="0"/>
+                        <a:cs typeface="Times New Roman" panose="02020603050405020304" pitchFamily="18" charset="0"/>
+                      </a:endParaRPr>
+                    </a:p>
+                  </a:txBody>
+                  <a:tcPr marL="68580" marR="68580" marT="0" marB="0"/>
+                </a:tc>
+                <a:tc>
+                  <a:txBody>
+                    <a:bodyPr/>
+                    <a:lstStyle/>
+                    <a:p>
+                      <a:pPr>
+                        <a:lnSpc>
+                          <a:spcPct val="107000"/>
+                        </a:lnSpc>
+                        <a:spcAft>
+                          <a:spcPts val="0"/>
+                        </a:spcAft>
+                      </a:pPr>
+                      <a:r>
+                        <a:rPr lang="en-GB" sz="1100">
+                          <a:effectLst/>
+                        </a:rPr>
+                        <a:t>Errors spotted (and by whom)</a:t>
+                      </a:r>
+                      <a:endParaRPr lang="en-GB" sz="1100">
+                        <a:effectLst/>
+                        <a:latin typeface="Calibri" panose="020F0502020204030204" pitchFamily="34" charset="0"/>
+                        <a:ea typeface="Calibri" panose="020F0502020204030204" pitchFamily="34" charset="0"/>
+                        <a:cs typeface="Times New Roman" panose="02020603050405020304" pitchFamily="18" charset="0"/>
+                      </a:endParaRPr>
+                    </a:p>
+                  </a:txBody>
+                  <a:tcPr marL="68580" marR="68580" marT="0" marB="0"/>
+                </a:tc>
+                <a:tc>
+                  <a:txBody>
+                    <a:bodyPr/>
+                    <a:lstStyle/>
+                    <a:p>
+                      <a:pPr>
+                        <a:lnSpc>
+                          <a:spcPct val="107000"/>
+                        </a:lnSpc>
+                        <a:spcAft>
+                          <a:spcPts val="0"/>
+                        </a:spcAft>
+                      </a:pPr>
+                      <a:r>
+                        <a:rPr lang="en-GB" sz="1100">
+                          <a:effectLst/>
+                        </a:rPr>
+                        <a:t>Activity (what’s being coded), or tested, or compiled</a:t>
+                      </a:r>
+                      <a:endParaRPr lang="en-GB" sz="1100">
+                        <a:effectLst/>
+                        <a:latin typeface="Calibri" panose="020F0502020204030204" pitchFamily="34" charset="0"/>
+                        <a:ea typeface="Calibri" panose="020F0502020204030204" pitchFamily="34" charset="0"/>
+                        <a:cs typeface="Times New Roman" panose="02020603050405020304" pitchFamily="18" charset="0"/>
+                      </a:endParaRPr>
+                    </a:p>
+                  </a:txBody>
+                  <a:tcPr marL="68580" marR="68580" marT="0" marB="0"/>
+                </a:tc>
+                <a:tc>
+                  <a:txBody>
+                    <a:bodyPr/>
+                    <a:lstStyle/>
+                    <a:p>
+                      <a:pPr>
+                        <a:lnSpc>
+                          <a:spcPct val="107000"/>
+                        </a:lnSpc>
+                        <a:spcAft>
+                          <a:spcPts val="0"/>
+                        </a:spcAft>
+                      </a:pPr>
+                      <a:r>
+                        <a:rPr lang="en-GB" sz="1100">
+                          <a:effectLst/>
+                        </a:rPr>
+                        <a:t>Comments</a:t>
+                      </a:r>
+                      <a:endParaRPr lang="en-GB" sz="1100">
+                        <a:effectLst/>
+                        <a:latin typeface="Calibri" panose="020F0502020204030204" pitchFamily="34" charset="0"/>
+                        <a:ea typeface="Calibri" panose="020F0502020204030204" pitchFamily="34" charset="0"/>
+                        <a:cs typeface="Times New Roman" panose="02020603050405020304" pitchFamily="18" charset="0"/>
+                      </a:endParaRPr>
+                    </a:p>
+                  </a:txBody>
+                  <a:tcPr marL="68580" marR="68580" marT="0" marB="0"/>
+                </a:tc>
+                <a:extLst>
+                  <a:ext uri="{0D108BD9-81ED-4DB2-BD59-A6C34878D82A}">
+                    <a16:rowId xmlns:a16="http://schemas.microsoft.com/office/drawing/2014/main" val="3644757114"/>
+                  </a:ext>
+                </a:extLst>
+              </a:tr>
+              <a:tr h="2428144">
+                <a:tc>
+                  <a:txBody>
+                    <a:bodyPr/>
+                    <a:lstStyle/>
+                    <a:p>
+                      <a:pPr>
+                        <a:lnSpc>
+                          <a:spcPct val="107000"/>
+                        </a:lnSpc>
+                        <a:spcAft>
+                          <a:spcPts val="0"/>
+                        </a:spcAft>
+                      </a:pPr>
+                      <a:r>
+                        <a:rPr lang="en-GB" sz="1000">
+                          <a:effectLst/>
+                        </a:rPr>
+                        <a:t>31/10/2019</a:t>
+                      </a:r>
+                      <a:br>
+                        <a:rPr lang="en-GB" sz="1000">
+                          <a:effectLst/>
+                        </a:rPr>
+                      </a:br>
+                      <a:r>
+                        <a:rPr lang="en-GB" sz="1000">
+                          <a:effectLst/>
+                        </a:rPr>
+                        <a:t>1:30pm – 3:00pm</a:t>
+                      </a:r>
+                      <a:endParaRPr lang="en-GB" sz="1100">
+                        <a:effectLst/>
+                        <a:latin typeface="Calibri" panose="020F0502020204030204" pitchFamily="34" charset="0"/>
+                        <a:ea typeface="Calibri" panose="020F0502020204030204" pitchFamily="34" charset="0"/>
+                        <a:cs typeface="Times New Roman" panose="02020603050405020304" pitchFamily="18" charset="0"/>
+                      </a:endParaRPr>
+                    </a:p>
+                  </a:txBody>
+                  <a:tcPr marL="68580" marR="68580" marT="0" marB="0"/>
+                </a:tc>
+                <a:tc>
+                  <a:txBody>
+                    <a:bodyPr/>
+                    <a:lstStyle/>
+                    <a:p>
+                      <a:pPr>
+                        <a:lnSpc>
+                          <a:spcPct val="107000"/>
+                        </a:lnSpc>
+                        <a:spcAft>
+                          <a:spcPts val="0"/>
+                        </a:spcAft>
+                      </a:pPr>
+                      <a:r>
+                        <a:rPr lang="en-GB" sz="1000">
+                          <a:effectLst/>
+                        </a:rPr>
+                        <a:t>55 Lines of code (Newspanel class) </a:t>
+                      </a:r>
+                      <a:endParaRPr lang="en-GB" sz="1100">
+                        <a:effectLst/>
+                        <a:latin typeface="Calibri" panose="020F0502020204030204" pitchFamily="34" charset="0"/>
+                        <a:ea typeface="Calibri" panose="020F0502020204030204" pitchFamily="34" charset="0"/>
+                        <a:cs typeface="Times New Roman" panose="02020603050405020304" pitchFamily="18" charset="0"/>
+                      </a:endParaRPr>
+                    </a:p>
+                  </a:txBody>
+                  <a:tcPr marL="68580" marR="68580" marT="0" marB="0"/>
+                </a:tc>
+                <a:tc>
+                  <a:txBody>
+                    <a:bodyPr/>
+                    <a:lstStyle/>
+                    <a:p>
+                      <a:pPr>
+                        <a:lnSpc>
+                          <a:spcPct val="107000"/>
+                        </a:lnSpc>
+                        <a:spcAft>
+                          <a:spcPts val="0"/>
+                        </a:spcAft>
+                      </a:pPr>
+                      <a:r>
+                        <a:rPr lang="en-GB" sz="1000">
+                          <a:effectLst/>
+                        </a:rPr>
+                        <a:t>Some invalid arguments when adding news articles. Darius has spotted the errors </a:t>
+                      </a:r>
+                      <a:endParaRPr lang="en-GB" sz="1100">
+                        <a:effectLst/>
+                        <a:latin typeface="Calibri" panose="020F0502020204030204" pitchFamily="34" charset="0"/>
+                        <a:ea typeface="Calibri" panose="020F0502020204030204" pitchFamily="34" charset="0"/>
+                        <a:cs typeface="Times New Roman" panose="02020603050405020304" pitchFamily="18" charset="0"/>
+                      </a:endParaRPr>
+                    </a:p>
+                  </a:txBody>
+                  <a:tcPr marL="68580" marR="68580" marT="0" marB="0"/>
+                </a:tc>
+                <a:tc>
+                  <a:txBody>
+                    <a:bodyPr/>
+                    <a:lstStyle/>
+                    <a:p>
+                      <a:pPr>
+                        <a:lnSpc>
+                          <a:spcPct val="107000"/>
+                        </a:lnSpc>
+                        <a:spcAft>
+                          <a:spcPts val="0"/>
+                        </a:spcAft>
+                      </a:pPr>
+                      <a:r>
+                        <a:rPr lang="en-GB" sz="1000">
+                          <a:effectLst/>
+                        </a:rPr>
+                        <a:t>Coding news articles for the user interface  </a:t>
+                      </a:r>
+                      <a:endParaRPr lang="en-GB" sz="1100">
+                        <a:effectLst/>
+                        <a:latin typeface="Calibri" panose="020F0502020204030204" pitchFamily="34" charset="0"/>
+                        <a:ea typeface="Calibri" panose="020F0502020204030204" pitchFamily="34" charset="0"/>
+                        <a:cs typeface="Times New Roman" panose="02020603050405020304" pitchFamily="18" charset="0"/>
+                      </a:endParaRPr>
+                    </a:p>
+                  </a:txBody>
+                  <a:tcPr marL="68580" marR="68580" marT="0" marB="0"/>
+                </a:tc>
+                <a:tc>
+                  <a:txBody>
+                    <a:bodyPr/>
+                    <a:lstStyle/>
+                    <a:p>
+                      <a:pPr>
+                        <a:lnSpc>
+                          <a:spcPct val="107000"/>
+                        </a:lnSpc>
+                        <a:spcAft>
+                          <a:spcPts val="0"/>
+                        </a:spcAft>
+                      </a:pPr>
+                      <a:r>
+                        <a:rPr lang="en-GB" sz="1000" dirty="0">
+                          <a:effectLst/>
+                        </a:rPr>
+                        <a:t>N/A</a:t>
+                      </a:r>
+                      <a:endParaRPr lang="en-GB" sz="1100" dirty="0">
+                        <a:effectLst/>
+                        <a:latin typeface="Calibri" panose="020F0502020204030204" pitchFamily="34" charset="0"/>
+                        <a:ea typeface="Calibri" panose="020F0502020204030204" pitchFamily="34" charset="0"/>
+                        <a:cs typeface="Times New Roman" panose="02020603050405020304" pitchFamily="18" charset="0"/>
+                      </a:endParaRPr>
+                    </a:p>
+                  </a:txBody>
+                  <a:tcPr marL="68580" marR="68580" marT="0" marB="0"/>
+                </a:tc>
+                <a:extLst>
+                  <a:ext uri="{0D108BD9-81ED-4DB2-BD59-A6C34878D82A}">
+                    <a16:rowId xmlns:a16="http://schemas.microsoft.com/office/drawing/2014/main" val="3548271114"/>
+                  </a:ext>
+                </a:extLst>
+              </a:tr>
+            </a:tbl>
+          </a:graphicData>
+        </a:graphic>
+      </p:graphicFrame>
     </p:spTree>
     <p:extLst>
       <p:ext uri="{BB962C8B-B14F-4D97-AF65-F5344CB8AC3E}">
-        <p14:creationId xmlns:p14="http://schemas.microsoft.com/office/powerpoint/2010/main" val="1273718308"/>
+        <p14:creationId xmlns:p14="http://schemas.microsoft.com/office/powerpoint/2010/main" val="2303453692"/>
       </p:ext>
     </p:extLst>
   </p:cSld>
   <p:clrMapOvr>
     <a:masterClrMapping/>
   </p:clrMapOvr>
+  <p:timing>
+    <p:tnLst>
+      <p:par>
+        <p:cTn id="1" dur="indefinite" restart="never" nodeType="tmRoot"/>
+      </p:par>
+    </p:tnLst>
+  </p:timing>
 </p:sld>
 </file>
 
@@ -25095,14 +26352,19 @@
             <p:ph type="title"/>
           </p:nvPr>
         </p:nvSpPr>
-        <p:spPr/>
+        <p:spPr>
+          <a:xfrm>
+            <a:off x="778932" y="551350"/>
+            <a:ext cx="11125201" cy="1480650"/>
+          </a:xfrm>
+        </p:spPr>
         <p:txBody>
           <a:bodyPr/>
           <a:lstStyle/>
           <a:p>
             <a:r>
               <a:rPr lang="en-GB" dirty="0" smtClean="0"/>
-              <a:t>Tools and Toolsets</a:t>
+              <a:t>Pair Programming Log: Driver: Luke Observer: Hayden</a:t>
             </a:r>
             <a:endParaRPr lang="en-GB" dirty="0"/>
           </a:p>
@@ -25110,76 +26372,498 @@
       </p:sp>
       <p:sp>
         <p:nvSpPr>
-          <p:cNvPr id="3" name="Content Placeholder 2"/>
+          <p:cNvPr id="5" name="Rectangle 1"/>
           <p:cNvSpPr>
-            <a:spLocks noGrp="1"/>
+            <a:spLocks noChangeArrowheads="1"/>
           </p:cNvSpPr>
-          <p:nvPr>
-            <p:ph idx="1"/>
-          </p:nvPr>
+          <p:nvPr/>
         </p:nvSpPr>
-        <p:spPr/>
+        <p:spPr bwMode="auto">
+          <a:xfrm>
+            <a:off x="917045" y="2217738"/>
+            <a:ext cx="14128073" cy="779012"/>
+          </a:xfrm>
+          <a:prstGeom prst="rect">
+            <a:avLst/>
+          </a:prstGeom>
+          <a:noFill/>
+          <a:ln>
+            <a:noFill/>
+          </a:ln>
+          <a:effectLst/>
+          <a:extLst>
+            <a:ext uri="{909E8E84-426E-40DD-AFC4-6F175D3DCCD1}">
+              <a14:hiddenFill xmlns:a14="http://schemas.microsoft.com/office/drawing/2010/main">
+                <a:solidFill>
+                  <a:schemeClr val="accent1"/>
+                </a:solidFill>
+              </a14:hiddenFill>
+            </a:ext>
+            <a:ext uri="{91240B29-F687-4F45-9708-019B960494DF}">
+              <a14:hiddenLine xmlns:a14="http://schemas.microsoft.com/office/drawing/2010/main" w="9525">
+                <a:solidFill>
+                  <a:schemeClr val="tx1"/>
+                </a:solidFill>
+                <a:miter lim="800000"/>
+                <a:headEnd/>
+                <a:tailEnd/>
+              </a14:hiddenLine>
+            </a:ext>
+            <a:ext uri="{AF507438-7753-43E0-B8FC-AC1667EBCBE1}">
+              <a14:hiddenEffects xmlns:a14="http://schemas.microsoft.com/office/drawing/2010/main">
+                <a:effectLst>
+                  <a:outerShdw dist="35921" dir="2700000" algn="ctr" rotWithShape="0">
+                    <a:schemeClr val="bg2"/>
+                  </a:outerShdw>
+                </a:effectLst>
+              </a14:hiddenEffects>
+            </a:ext>
+          </a:extLst>
+        </p:spPr>
         <p:txBody>
-          <a:bodyPr/>
+          <a:bodyPr vert="horz" wrap="square" lIns="91440" tIns="45720" rIns="91440" bIns="45720" numCol="1" anchor="ctr" anchorCtr="0" compatLnSpc="1">
+            <a:prstTxWarp prst="textNoShape">
+              <a:avLst/>
+            </a:prstTxWarp>
+            <a:spAutoFit/>
+          </a:bodyPr>
           <a:lstStyle/>
           <a:p>
-            <a:pPr marL="0" indent="0">
-              <a:buNone/>
-            </a:pPr>
-            <a:r>
-              <a:rPr lang="en-GB" dirty="0" smtClean="0"/>
-              <a:t>As a group, we have used the </a:t>
-            </a:r>
-            <a:r>
-              <a:rPr lang="en-GB" dirty="0" err="1" smtClean="0"/>
-              <a:t>github</a:t>
-            </a:r>
-            <a:r>
-              <a:rPr lang="en-GB" dirty="0" smtClean="0"/>
-              <a:t> platform to upload pieces of work which contributes to the overall assignment. </a:t>
-            </a:r>
-          </a:p>
-          <a:p>
-            <a:pPr marL="0" indent="0">
-              <a:buNone/>
-            </a:pPr>
-            <a:r>
-              <a:rPr lang="en-GB" dirty="0" smtClean="0"/>
-              <a:t>We have also used Draw.io to create any diagrams required throughout. </a:t>
-            </a:r>
-          </a:p>
-          <a:p>
-            <a:pPr marL="0" indent="0">
-              <a:buNone/>
-            </a:pPr>
-            <a:r>
-              <a:rPr lang="en-GB" smtClean="0"/>
-              <a:t>Visual studio </a:t>
-            </a:r>
-            <a:endParaRPr lang="en-GB" dirty="0" smtClean="0"/>
-          </a:p>
-          <a:p>
-            <a:pPr>
-              <a:buFont typeface="Arial" panose="020B0604020202020204" pitchFamily="34" charset="0"/>
-              <a:buChar char="•"/>
-            </a:pPr>
-            <a:endParaRPr lang="en-GB" dirty="0" smtClean="0"/>
-          </a:p>
-          <a:p>
-            <a:endParaRPr lang="en-GB" dirty="0"/>
+            <a:endParaRPr lang="en-GB"/>
           </a:p>
         </p:txBody>
       </p:sp>
+      <p:graphicFrame>
+        <p:nvGraphicFramePr>
+          <p:cNvPr id="4" name="Table 3"/>
+          <p:cNvGraphicFramePr>
+            <a:graphicFrameLocks noGrp="1"/>
+          </p:cNvGraphicFramePr>
+          <p:nvPr>
+            <p:extLst>
+              <p:ext uri="{D42A27DB-BD31-4B8C-83A1-F6EECF244321}">
+                <p14:modId xmlns:p14="http://schemas.microsoft.com/office/powerpoint/2010/main" val="1835689356"/>
+              </p:ext>
+            </p:extLst>
+          </p:nvPr>
+        </p:nvGraphicFramePr>
+        <p:xfrm>
+          <a:off x="778932" y="2217738"/>
+          <a:ext cx="9719733" cy="3708400"/>
+        </p:xfrm>
+        <a:graphic>
+          <a:graphicData uri="http://schemas.openxmlformats.org/drawingml/2006/table">
+            <a:tbl>
+              <a:tblPr firstRow="1" firstCol="1" bandRow="1">
+                <a:tableStyleId>{5C22544A-7EE6-4342-B048-85BDC9FD1C3A}</a:tableStyleId>
+              </a:tblPr>
+              <a:tblGrid>
+                <a:gridCol w="1350184">
+                  <a:extLst>
+                    <a:ext uri="{9D8B030D-6E8A-4147-A177-3AD203B41FA5}">
+                      <a16:colId xmlns:a16="http://schemas.microsoft.com/office/drawing/2014/main" val="1048540984"/>
+                    </a:ext>
+                  </a:extLst>
+                </a:gridCol>
+                <a:gridCol w="1350184">
+                  <a:extLst>
+                    <a:ext uri="{9D8B030D-6E8A-4147-A177-3AD203B41FA5}">
+                      <a16:colId xmlns:a16="http://schemas.microsoft.com/office/drawing/2014/main" val="2445411088"/>
+                    </a:ext>
+                  </a:extLst>
+                </a:gridCol>
+                <a:gridCol w="1305442">
+                  <a:extLst>
+                    <a:ext uri="{9D8B030D-6E8A-4147-A177-3AD203B41FA5}">
+                      <a16:colId xmlns:a16="http://schemas.microsoft.com/office/drawing/2014/main" val="2690907219"/>
+                    </a:ext>
+                  </a:extLst>
+                </a:gridCol>
+                <a:gridCol w="2159499">
+                  <a:extLst>
+                    <a:ext uri="{9D8B030D-6E8A-4147-A177-3AD203B41FA5}">
+                      <a16:colId xmlns:a16="http://schemas.microsoft.com/office/drawing/2014/main" val="2581217375"/>
+                    </a:ext>
+                  </a:extLst>
+                </a:gridCol>
+                <a:gridCol w="3554424">
+                  <a:extLst>
+                    <a:ext uri="{9D8B030D-6E8A-4147-A177-3AD203B41FA5}">
+                      <a16:colId xmlns:a16="http://schemas.microsoft.com/office/drawing/2014/main" val="3951904435"/>
+                    </a:ext>
+                  </a:extLst>
+                </a:gridCol>
+              </a:tblGrid>
+              <a:tr h="1942536">
+                <a:tc>
+                  <a:txBody>
+                    <a:bodyPr/>
+                    <a:lstStyle/>
+                    <a:p>
+                      <a:pPr>
+                        <a:lnSpc>
+                          <a:spcPct val="107000"/>
+                        </a:lnSpc>
+                        <a:spcAft>
+                          <a:spcPts val="0"/>
+                        </a:spcAft>
+                      </a:pPr>
+                      <a:r>
+                        <a:rPr lang="en-GB" sz="1100">
+                          <a:effectLst/>
+                        </a:rPr>
+                        <a:t>Time session started</a:t>
+                      </a:r>
+                      <a:endParaRPr lang="en-GB" sz="1100">
+                        <a:effectLst/>
+                        <a:latin typeface="Calibri" panose="020F0502020204030204" pitchFamily="34" charset="0"/>
+                        <a:ea typeface="Calibri" panose="020F0502020204030204" pitchFamily="34" charset="0"/>
+                        <a:cs typeface="Times New Roman" panose="02020603050405020304" pitchFamily="18" charset="0"/>
+                      </a:endParaRPr>
+                    </a:p>
+                  </a:txBody>
+                  <a:tcPr marL="68580" marR="68580" marT="0" marB="0"/>
+                </a:tc>
+                <a:tc>
+                  <a:txBody>
+                    <a:bodyPr/>
+                    <a:lstStyle/>
+                    <a:p>
+                      <a:pPr>
+                        <a:lnSpc>
+                          <a:spcPct val="107000"/>
+                        </a:lnSpc>
+                        <a:spcAft>
+                          <a:spcPts val="0"/>
+                        </a:spcAft>
+                      </a:pPr>
+                      <a:r>
+                        <a:rPr lang="en-GB" sz="1100">
+                          <a:effectLst/>
+                        </a:rPr>
+                        <a:t>Number of lines of code written</a:t>
+                      </a:r>
+                      <a:endParaRPr lang="en-GB" sz="1100">
+                        <a:effectLst/>
+                        <a:latin typeface="Calibri" panose="020F0502020204030204" pitchFamily="34" charset="0"/>
+                        <a:ea typeface="Calibri" panose="020F0502020204030204" pitchFamily="34" charset="0"/>
+                        <a:cs typeface="Times New Roman" panose="02020603050405020304" pitchFamily="18" charset="0"/>
+                      </a:endParaRPr>
+                    </a:p>
+                  </a:txBody>
+                  <a:tcPr marL="68580" marR="68580" marT="0" marB="0"/>
+                </a:tc>
+                <a:tc>
+                  <a:txBody>
+                    <a:bodyPr/>
+                    <a:lstStyle/>
+                    <a:p>
+                      <a:pPr>
+                        <a:lnSpc>
+                          <a:spcPct val="107000"/>
+                        </a:lnSpc>
+                        <a:spcAft>
+                          <a:spcPts val="0"/>
+                        </a:spcAft>
+                      </a:pPr>
+                      <a:r>
+                        <a:rPr lang="en-GB" sz="1100">
+                          <a:effectLst/>
+                        </a:rPr>
+                        <a:t>Errors spotted (and by whom)</a:t>
+                      </a:r>
+                      <a:endParaRPr lang="en-GB" sz="1100">
+                        <a:effectLst/>
+                        <a:latin typeface="Calibri" panose="020F0502020204030204" pitchFamily="34" charset="0"/>
+                        <a:ea typeface="Calibri" panose="020F0502020204030204" pitchFamily="34" charset="0"/>
+                        <a:cs typeface="Times New Roman" panose="02020603050405020304" pitchFamily="18" charset="0"/>
+                      </a:endParaRPr>
+                    </a:p>
+                  </a:txBody>
+                  <a:tcPr marL="68580" marR="68580" marT="0" marB="0"/>
+                </a:tc>
+                <a:tc>
+                  <a:txBody>
+                    <a:bodyPr/>
+                    <a:lstStyle/>
+                    <a:p>
+                      <a:pPr>
+                        <a:lnSpc>
+                          <a:spcPct val="107000"/>
+                        </a:lnSpc>
+                        <a:spcAft>
+                          <a:spcPts val="0"/>
+                        </a:spcAft>
+                      </a:pPr>
+                      <a:r>
+                        <a:rPr lang="en-GB" sz="1100">
+                          <a:effectLst/>
+                        </a:rPr>
+                        <a:t>Activity (what’s being coded), or tested, or compiled</a:t>
+                      </a:r>
+                      <a:endParaRPr lang="en-GB" sz="1100">
+                        <a:effectLst/>
+                        <a:latin typeface="Calibri" panose="020F0502020204030204" pitchFamily="34" charset="0"/>
+                        <a:ea typeface="Calibri" panose="020F0502020204030204" pitchFamily="34" charset="0"/>
+                        <a:cs typeface="Times New Roman" panose="02020603050405020304" pitchFamily="18" charset="0"/>
+                      </a:endParaRPr>
+                    </a:p>
+                  </a:txBody>
+                  <a:tcPr marL="68580" marR="68580" marT="0" marB="0"/>
+                </a:tc>
+                <a:tc>
+                  <a:txBody>
+                    <a:bodyPr/>
+                    <a:lstStyle/>
+                    <a:p>
+                      <a:pPr>
+                        <a:lnSpc>
+                          <a:spcPct val="107000"/>
+                        </a:lnSpc>
+                        <a:spcAft>
+                          <a:spcPts val="0"/>
+                        </a:spcAft>
+                      </a:pPr>
+                      <a:r>
+                        <a:rPr lang="en-GB" sz="1100">
+                          <a:effectLst/>
+                        </a:rPr>
+                        <a:t>Comments</a:t>
+                      </a:r>
+                      <a:endParaRPr lang="en-GB" sz="1100">
+                        <a:effectLst/>
+                        <a:latin typeface="Calibri" panose="020F0502020204030204" pitchFamily="34" charset="0"/>
+                        <a:ea typeface="Calibri" panose="020F0502020204030204" pitchFamily="34" charset="0"/>
+                        <a:cs typeface="Times New Roman" panose="02020603050405020304" pitchFamily="18" charset="0"/>
+                      </a:endParaRPr>
+                    </a:p>
+                  </a:txBody>
+                  <a:tcPr marL="68580" marR="68580" marT="0" marB="0"/>
+                </a:tc>
+                <a:extLst>
+                  <a:ext uri="{0D108BD9-81ED-4DB2-BD59-A6C34878D82A}">
+                    <a16:rowId xmlns:a16="http://schemas.microsoft.com/office/drawing/2014/main" val="2810814912"/>
+                  </a:ext>
+                </a:extLst>
+              </a:tr>
+              <a:tr h="1765864">
+                <a:tc>
+                  <a:txBody>
+                    <a:bodyPr/>
+                    <a:lstStyle/>
+                    <a:p>
+                      <a:pPr>
+                        <a:lnSpc>
+                          <a:spcPct val="107000"/>
+                        </a:lnSpc>
+                        <a:spcAft>
+                          <a:spcPts val="0"/>
+                        </a:spcAft>
+                      </a:pPr>
+                      <a:r>
+                        <a:rPr lang="en-GB" sz="1000">
+                          <a:effectLst/>
+                        </a:rPr>
+                        <a:t>30/10/2019</a:t>
+                      </a:r>
+                      <a:endParaRPr lang="en-GB" sz="1100">
+                        <a:effectLst/>
+                      </a:endParaRPr>
+                    </a:p>
+                    <a:p>
+                      <a:pPr>
+                        <a:lnSpc>
+                          <a:spcPct val="107000"/>
+                        </a:lnSpc>
+                        <a:spcAft>
+                          <a:spcPts val="0"/>
+                        </a:spcAft>
+                      </a:pPr>
+                      <a:r>
+                        <a:rPr lang="en-GB" sz="1000">
+                          <a:effectLst/>
+                        </a:rPr>
+                        <a:t>2:15pm-4:15pm</a:t>
+                      </a:r>
+                      <a:endParaRPr lang="en-GB" sz="1100">
+                        <a:effectLst/>
+                        <a:latin typeface="Calibri" panose="020F0502020204030204" pitchFamily="34" charset="0"/>
+                        <a:ea typeface="Calibri" panose="020F0502020204030204" pitchFamily="34" charset="0"/>
+                        <a:cs typeface="Times New Roman" panose="02020603050405020304" pitchFamily="18" charset="0"/>
+                      </a:endParaRPr>
+                    </a:p>
+                  </a:txBody>
+                  <a:tcPr marL="68580" marR="68580" marT="0" marB="0"/>
+                </a:tc>
+                <a:tc>
+                  <a:txBody>
+                    <a:bodyPr/>
+                    <a:lstStyle/>
+                    <a:p>
+                      <a:pPr>
+                        <a:lnSpc>
+                          <a:spcPct val="107000"/>
+                        </a:lnSpc>
+                        <a:spcAft>
+                          <a:spcPts val="0"/>
+                        </a:spcAft>
+                      </a:pPr>
+                      <a:r>
+                        <a:rPr lang="en-GB" sz="1000">
+                          <a:effectLst/>
+                        </a:rPr>
+                        <a:t>30 lines of codes </a:t>
+                      </a:r>
+                      <a:endParaRPr lang="en-GB" sz="1100">
+                        <a:effectLst/>
+                        <a:latin typeface="Calibri" panose="020F0502020204030204" pitchFamily="34" charset="0"/>
+                        <a:ea typeface="Calibri" panose="020F0502020204030204" pitchFamily="34" charset="0"/>
+                        <a:cs typeface="Times New Roman" panose="02020603050405020304" pitchFamily="18" charset="0"/>
+                      </a:endParaRPr>
+                    </a:p>
+                  </a:txBody>
+                  <a:tcPr marL="68580" marR="68580" marT="0" marB="0"/>
+                </a:tc>
+                <a:tc>
+                  <a:txBody>
+                    <a:bodyPr/>
+                    <a:lstStyle/>
+                    <a:p>
+                      <a:pPr>
+                        <a:lnSpc>
+                          <a:spcPct val="107000"/>
+                        </a:lnSpc>
+                        <a:spcAft>
+                          <a:spcPts val="0"/>
+                        </a:spcAft>
+                      </a:pPr>
+                      <a:r>
+                        <a:rPr lang="en-GB" sz="1000">
+                          <a:effectLst/>
+                        </a:rPr>
+                        <a:t>HTTP errors. Luke has spotted the errors.</a:t>
+                      </a:r>
+                      <a:endParaRPr lang="en-GB" sz="1100">
+                        <a:effectLst/>
+                        <a:latin typeface="Calibri" panose="020F0502020204030204" pitchFamily="34" charset="0"/>
+                        <a:ea typeface="Calibri" panose="020F0502020204030204" pitchFamily="34" charset="0"/>
+                        <a:cs typeface="Times New Roman" panose="02020603050405020304" pitchFamily="18" charset="0"/>
+                      </a:endParaRPr>
+                    </a:p>
+                  </a:txBody>
+                  <a:tcPr marL="68580" marR="68580" marT="0" marB="0"/>
+                </a:tc>
+                <a:tc>
+                  <a:txBody>
+                    <a:bodyPr/>
+                    <a:lstStyle/>
+                    <a:p>
+                      <a:pPr>
+                        <a:lnSpc>
+                          <a:spcPct val="107000"/>
+                        </a:lnSpc>
+                        <a:spcAft>
+                          <a:spcPts val="0"/>
+                        </a:spcAft>
+                      </a:pPr>
+                      <a:r>
+                        <a:rPr lang="en-GB" sz="1000">
+                          <a:effectLst/>
+                        </a:rPr>
+                        <a:t>Coded the API to work with the application as well as experimenting with it. </a:t>
+                      </a:r>
+                      <a:endParaRPr lang="en-GB" sz="1100">
+                        <a:effectLst/>
+                        <a:latin typeface="Calibri" panose="020F0502020204030204" pitchFamily="34" charset="0"/>
+                        <a:ea typeface="Calibri" panose="020F0502020204030204" pitchFamily="34" charset="0"/>
+                        <a:cs typeface="Times New Roman" panose="02020603050405020304" pitchFamily="18" charset="0"/>
+                      </a:endParaRPr>
+                    </a:p>
+                  </a:txBody>
+                  <a:tcPr marL="68580" marR="68580" marT="0" marB="0"/>
+                </a:tc>
+                <a:tc>
+                  <a:txBody>
+                    <a:bodyPr/>
+                    <a:lstStyle/>
+                    <a:p>
+                      <a:pPr>
+                        <a:lnSpc>
+                          <a:spcPct val="107000"/>
+                        </a:lnSpc>
+                        <a:spcAft>
+                          <a:spcPts val="0"/>
+                        </a:spcAft>
+                      </a:pPr>
+                      <a:r>
+                        <a:rPr lang="en-GB" sz="1000" dirty="0">
+                          <a:effectLst/>
+                        </a:rPr>
+                        <a:t>Used  this library </a:t>
+                      </a:r>
+                      <a:r>
+                        <a:rPr lang="en-GB" sz="1000" u="sng" dirty="0">
+                          <a:effectLst/>
+                          <a:hlinkClick r:id="rId2"/>
+                        </a:rPr>
+                        <a:t>https://newsapi.org/</a:t>
+                      </a:r>
+                      <a:endParaRPr lang="en-GB" sz="1100" dirty="0">
+                        <a:effectLst/>
+                      </a:endParaRPr>
+                    </a:p>
+                    <a:p>
+                      <a:pPr>
+                        <a:lnSpc>
+                          <a:spcPct val="107000"/>
+                        </a:lnSpc>
+                        <a:spcAft>
+                          <a:spcPts val="0"/>
+                        </a:spcAft>
+                      </a:pPr>
+                      <a:r>
+                        <a:rPr lang="en-GB" sz="1000" dirty="0">
+                          <a:effectLst/>
+                        </a:rPr>
+                        <a:t>to write our code for the news API</a:t>
+                      </a:r>
+                      <a:endParaRPr lang="en-GB" sz="1100" dirty="0">
+                        <a:effectLst/>
+                        <a:latin typeface="Calibri" panose="020F0502020204030204" pitchFamily="34" charset="0"/>
+                        <a:ea typeface="Calibri" panose="020F0502020204030204" pitchFamily="34" charset="0"/>
+                        <a:cs typeface="Times New Roman" panose="02020603050405020304" pitchFamily="18" charset="0"/>
+                      </a:endParaRPr>
+                    </a:p>
+                  </a:txBody>
+                  <a:tcPr marL="68580" marR="68580" marT="0" marB="0"/>
+                </a:tc>
+                <a:extLst>
+                  <a:ext uri="{0D108BD9-81ED-4DB2-BD59-A6C34878D82A}">
+                    <a16:rowId xmlns:a16="http://schemas.microsoft.com/office/drawing/2014/main" val="2290276428"/>
+                  </a:ext>
+                </a:extLst>
+              </a:tr>
+            </a:tbl>
+          </a:graphicData>
+        </a:graphic>
+      </p:graphicFrame>
     </p:spTree>
     <p:extLst>
       <p:ext uri="{BB962C8B-B14F-4D97-AF65-F5344CB8AC3E}">
-        <p14:creationId xmlns:p14="http://schemas.microsoft.com/office/powerpoint/2010/main" val="272777818"/>
+        <p14:creationId xmlns:p14="http://schemas.microsoft.com/office/powerpoint/2010/main" val="1799454038"/>
       </p:ext>
     </p:extLst>
   </p:cSld>
   <p:clrMapOvr>
     <a:masterClrMapping/>
   </p:clrMapOvr>
+  <p:timing>
+    <p:tnLst>
+      <p:par>
+        <p:cTn id="1" dur="indefinite" restart="never" nodeType="tmRoot"/>
+      </p:par>
+    </p:tnLst>
+  </p:timing>
 </p:sld>
 </file>
 

--- a/Software Presentation.pptx
+++ b/Software Presentation.pptx
@@ -12,11 +12,14 @@
     <p:sldId id="258" r:id="rId6"/>
     <p:sldId id="265" r:id="rId7"/>
     <p:sldId id="267" r:id="rId8"/>
-    <p:sldId id="262" r:id="rId9"/>
-    <p:sldId id="268" r:id="rId10"/>
-    <p:sldId id="259" r:id="rId11"/>
-    <p:sldId id="260" r:id="rId12"/>
-    <p:sldId id="261" r:id="rId13"/>
+    <p:sldId id="269" r:id="rId9"/>
+    <p:sldId id="270" r:id="rId10"/>
+    <p:sldId id="271" r:id="rId11"/>
+    <p:sldId id="262" r:id="rId12"/>
+    <p:sldId id="272" r:id="rId13"/>
+    <p:sldId id="259" r:id="rId14"/>
+    <p:sldId id="260" r:id="rId15"/>
+    <p:sldId id="261" r:id="rId16"/>
   </p:sldIdLst>
   <p:sldSz cx="12192000" cy="6858000"/>
   <p:notesSz cx="6858000" cy="9144000"/>
@@ -123,59 +126,6 @@
 </p:presentation>
 </file>
 
-<file path=ppt/revisionInfo.xml><?xml version="1.0" encoding="utf-8"?>
-<p1510:revInfo xmlns:a="http://schemas.openxmlformats.org/drawingml/2006/main" xmlns:r="http://schemas.openxmlformats.org/officeDocument/2006/relationships" xmlns:p1510="http://schemas.microsoft.com/office/powerpoint/2015/10/main">
-  <p1510:revLst>
-    <p1510:client id="{C87CF59C-4742-4151-81B3-3D650A255065}" v="2" dt="2019-10-31T16:39:30.724"/>
-  </p1510:revLst>
-</p1510:revInfo>
-</file>
-
-<file path=ppt/changesInfos/changesInfo1.xml><?xml version="1.0" encoding="utf-8"?>
-<pc:chgInfo xmlns:a="http://schemas.openxmlformats.org/drawingml/2006/main" xmlns:r="http://schemas.openxmlformats.org/officeDocument/2006/relationships" xmlns:ac="http://schemas.microsoft.com/office/drawing/2013/main/command" xmlns:pc="http://schemas.microsoft.com/office/powerpoint/2013/main/command">
-  <pc:docChgLst>
-    <pc:chgData name="Darius Richardson (17641915)" userId="416d4bac-26eb-465c-8abe-7f248c75c9bc" providerId="ADAL" clId="{C87CF59C-4742-4151-81B3-3D650A255065}"/>
-    <pc:docChg chg="custSel addSld modSld">
-      <pc:chgData name="Darius Richardson (17641915)" userId="416d4bac-26eb-465c-8abe-7f248c75c9bc" providerId="ADAL" clId="{C87CF59C-4742-4151-81B3-3D650A255065}" dt="2019-10-31T16:41:17.411" v="25" actId="1076"/>
-      <pc:docMkLst>
-        <pc:docMk/>
-      </pc:docMkLst>
-      <pc:sldChg chg="addSp delSp modSp add">
-        <pc:chgData name="Darius Richardson (17641915)" userId="416d4bac-26eb-465c-8abe-7f248c75c9bc" providerId="ADAL" clId="{C87CF59C-4742-4151-81B3-3D650A255065}" dt="2019-10-31T16:41:17.411" v="25" actId="1076"/>
-        <pc:sldMkLst>
-          <pc:docMk/>
-          <pc:sldMk cId="1332726532" sldId="268"/>
-        </pc:sldMkLst>
-        <pc:spChg chg="mod">
-          <ac:chgData name="Darius Richardson (17641915)" userId="416d4bac-26eb-465c-8abe-7f248c75c9bc" providerId="ADAL" clId="{C87CF59C-4742-4151-81B3-3D650A255065}" dt="2019-10-31T16:38:58.702" v="13" actId="20577"/>
-          <ac:spMkLst>
-            <pc:docMk/>
-            <pc:sldMk cId="1332726532" sldId="268"/>
-            <ac:spMk id="2" creationId="{2959601F-B207-438D-9C72-46864FF4855C}"/>
-          </ac:spMkLst>
-        </pc:spChg>
-        <pc:spChg chg="del">
-          <ac:chgData name="Darius Richardson (17641915)" userId="416d4bac-26eb-465c-8abe-7f248c75c9bc" providerId="ADAL" clId="{C87CF59C-4742-4151-81B3-3D650A255065}" dt="2019-10-31T16:39:30.266" v="14" actId="478"/>
-          <ac:spMkLst>
-            <pc:docMk/>
-            <pc:sldMk cId="1332726532" sldId="268"/>
-            <ac:spMk id="3" creationId="{FC7D3088-946F-4211-975B-AFE754A1F9A5}"/>
-          </ac:spMkLst>
-        </pc:spChg>
-        <pc:picChg chg="add mod modCrop">
-          <ac:chgData name="Darius Richardson (17641915)" userId="416d4bac-26eb-465c-8abe-7f248c75c9bc" providerId="ADAL" clId="{C87CF59C-4742-4151-81B3-3D650A255065}" dt="2019-10-31T16:41:17.411" v="25" actId="1076"/>
-          <ac:picMkLst>
-            <pc:docMk/>
-            <pc:sldMk cId="1332726532" sldId="268"/>
-            <ac:picMk id="4" creationId="{CA93437F-9BA3-4AB8-96FC-25ED992F4B5B}"/>
-          </ac:picMkLst>
-        </pc:picChg>
-      </pc:sldChg>
-    </pc:docChg>
-  </pc:docChgLst>
-</pc:chgInfo>
-</file>
-
 <file path=ppt/slideLayouts/slideLayout1.xml><?xml version="1.0" encoding="utf-8"?>
 <p:sldLayout xmlns:a="http://schemas.openxmlformats.org/drawingml/2006/main" xmlns:r="http://schemas.openxmlformats.org/officeDocument/2006/relationships" xmlns:p="http://schemas.openxmlformats.org/presentationml/2006/main" showMasterSp="0" type="title" preserve="1">
   <p:cSld name="Title Slide">
@@ -8861,7 +8811,7 @@
           </a:lstStyle>
           <a:p>
             <a:r>
-              <a:rPr lang="en-US"/>
+              <a:rPr lang="en-US" smtClean="0"/>
               <a:t>Click to edit Master title style</a:t>
             </a:r>
             <a:endParaRPr lang="en-US" dirty="0"/>
@@ -8941,7 +8891,7 @@
           </a:lstStyle>
           <a:p>
             <a:r>
-              <a:rPr lang="en-US"/>
+              <a:rPr lang="en-US" smtClean="0"/>
               <a:t>Click to edit Master subtitle style</a:t>
             </a:r>
             <a:endParaRPr lang="en-US" dirty="0"/>
@@ -9095,7 +9045,7 @@
           <a:lstStyle/>
           <a:p>
             <a:r>
-              <a:rPr lang="en-US"/>
+              <a:rPr lang="en-US" smtClean="0"/>
               <a:t>Click to edit Master title style</a:t>
             </a:r>
             <a:endParaRPr lang="en-US" dirty="0"/>
@@ -9119,35 +9069,35 @@
           <a:p>
             <a:pPr lvl="0"/>
             <a:r>
-              <a:rPr lang="en-US"/>
+              <a:rPr lang="en-US" smtClean="0"/>
               <a:t>Edit Master text styles</a:t>
             </a:r>
           </a:p>
           <a:p>
             <a:pPr lvl="1"/>
             <a:r>
-              <a:rPr lang="en-US"/>
+              <a:rPr lang="en-US" smtClean="0"/>
               <a:t>Second level</a:t>
             </a:r>
           </a:p>
           <a:p>
             <a:pPr lvl="2"/>
             <a:r>
-              <a:rPr lang="en-US"/>
+              <a:rPr lang="en-US" smtClean="0"/>
               <a:t>Third level</a:t>
             </a:r>
           </a:p>
           <a:p>
             <a:pPr lvl="3"/>
             <a:r>
-              <a:rPr lang="en-US"/>
+              <a:rPr lang="en-US" smtClean="0"/>
               <a:t>Fourth level</a:t>
             </a:r>
           </a:p>
           <a:p>
             <a:pPr lvl="4"/>
             <a:r>
-              <a:rPr lang="en-US"/>
+              <a:rPr lang="en-US" smtClean="0"/>
               <a:t>Fifth level</a:t>
             </a:r>
             <a:endParaRPr lang="en-US" dirty="0"/>
@@ -9265,7 +9215,7 @@
           <a:lstStyle/>
           <a:p>
             <a:r>
-              <a:rPr lang="en-US"/>
+              <a:rPr lang="en-US" smtClean="0"/>
               <a:t>Click to edit Master title style</a:t>
             </a:r>
             <a:endParaRPr lang="en-US" dirty="0"/>
@@ -9294,35 +9244,35 @@
           <a:p>
             <a:pPr lvl="0"/>
             <a:r>
-              <a:rPr lang="en-US"/>
+              <a:rPr lang="en-US" smtClean="0"/>
               <a:t>Edit Master text styles</a:t>
             </a:r>
           </a:p>
           <a:p>
             <a:pPr lvl="1"/>
             <a:r>
-              <a:rPr lang="en-US"/>
+              <a:rPr lang="en-US" smtClean="0"/>
               <a:t>Second level</a:t>
             </a:r>
           </a:p>
           <a:p>
             <a:pPr lvl="2"/>
             <a:r>
-              <a:rPr lang="en-US"/>
+              <a:rPr lang="en-US" smtClean="0"/>
               <a:t>Third level</a:t>
             </a:r>
           </a:p>
           <a:p>
             <a:pPr lvl="3"/>
             <a:r>
-              <a:rPr lang="en-US"/>
+              <a:rPr lang="en-US" smtClean="0"/>
               <a:t>Fourth level</a:t>
             </a:r>
           </a:p>
           <a:p>
             <a:pPr lvl="4"/>
             <a:r>
-              <a:rPr lang="en-US"/>
+              <a:rPr lang="en-US" smtClean="0"/>
               <a:t>Fifth level</a:t>
             </a:r>
             <a:endParaRPr lang="en-US" dirty="0"/>
@@ -9470,7 +9420,7 @@
           <a:lstStyle/>
           <a:p>
             <a:r>
-              <a:rPr lang="en-US"/>
+              <a:rPr lang="en-US" smtClean="0"/>
               <a:t>Click to edit Master title style</a:t>
             </a:r>
             <a:endParaRPr lang="en-US" dirty="0"/>
@@ -9494,35 +9444,35 @@
           <a:p>
             <a:pPr lvl="0"/>
             <a:r>
-              <a:rPr lang="en-US"/>
+              <a:rPr lang="en-US" smtClean="0"/>
               <a:t>Edit Master text styles</a:t>
             </a:r>
           </a:p>
           <a:p>
             <a:pPr lvl="1"/>
             <a:r>
-              <a:rPr lang="en-US"/>
+              <a:rPr lang="en-US" smtClean="0"/>
               <a:t>Second level</a:t>
             </a:r>
           </a:p>
           <a:p>
             <a:pPr lvl="2"/>
             <a:r>
-              <a:rPr lang="en-US"/>
+              <a:rPr lang="en-US" smtClean="0"/>
               <a:t>Third level</a:t>
             </a:r>
           </a:p>
           <a:p>
             <a:pPr lvl="3"/>
             <a:r>
-              <a:rPr lang="en-US"/>
+              <a:rPr lang="en-US" smtClean="0"/>
               <a:t>Fourth level</a:t>
             </a:r>
           </a:p>
           <a:p>
             <a:pPr lvl="4"/>
             <a:r>
-              <a:rPr lang="en-US"/>
+              <a:rPr lang="en-US" smtClean="0"/>
               <a:t>Fifth level</a:t>
             </a:r>
             <a:endParaRPr lang="en-US" dirty="0"/>
@@ -18287,7 +18237,7 @@
           </a:lstStyle>
           <a:p>
             <a:r>
-              <a:rPr lang="en-US"/>
+              <a:rPr lang="en-US" smtClean="0"/>
               <a:t>Click to edit Master title style</a:t>
             </a:r>
             <a:endParaRPr lang="en-US" dirty="0"/>
@@ -18416,7 +18366,7 @@
           <a:p>
             <a:pPr lvl="0"/>
             <a:r>
-              <a:rPr lang="en-US"/>
+              <a:rPr lang="en-US" smtClean="0"/>
               <a:t>Edit Master text styles</a:t>
             </a:r>
           </a:p>
@@ -18570,7 +18520,7 @@
           <a:lstStyle/>
           <a:p>
             <a:r>
-              <a:rPr lang="en-US"/>
+              <a:rPr lang="en-US" smtClean="0"/>
               <a:t>Click to edit Master title style</a:t>
             </a:r>
             <a:endParaRPr lang="en-US" dirty="0"/>
@@ -18599,35 +18549,35 @@
           <a:p>
             <a:pPr lvl="0"/>
             <a:r>
-              <a:rPr lang="en-US"/>
+              <a:rPr lang="en-US" smtClean="0"/>
               <a:t>Edit Master text styles</a:t>
             </a:r>
           </a:p>
           <a:p>
             <a:pPr lvl="1"/>
             <a:r>
-              <a:rPr lang="en-US"/>
+              <a:rPr lang="en-US" smtClean="0"/>
               <a:t>Second level</a:t>
             </a:r>
           </a:p>
           <a:p>
             <a:pPr lvl="2"/>
             <a:r>
-              <a:rPr lang="en-US"/>
+              <a:rPr lang="en-US" smtClean="0"/>
               <a:t>Third level</a:t>
             </a:r>
           </a:p>
           <a:p>
             <a:pPr lvl="3"/>
             <a:r>
-              <a:rPr lang="en-US"/>
+              <a:rPr lang="en-US" smtClean="0"/>
               <a:t>Fourth level</a:t>
             </a:r>
           </a:p>
           <a:p>
             <a:pPr lvl="4"/>
             <a:r>
-              <a:rPr lang="en-US"/>
+              <a:rPr lang="en-US" smtClean="0"/>
               <a:t>Fifth level</a:t>
             </a:r>
             <a:endParaRPr lang="en-US" dirty="0"/>
@@ -18656,35 +18606,35 @@
           <a:p>
             <a:pPr lvl="0"/>
             <a:r>
-              <a:rPr lang="en-US"/>
+              <a:rPr lang="en-US" smtClean="0"/>
               <a:t>Edit Master text styles</a:t>
             </a:r>
           </a:p>
           <a:p>
             <a:pPr lvl="1"/>
             <a:r>
-              <a:rPr lang="en-US"/>
+              <a:rPr lang="en-US" smtClean="0"/>
               <a:t>Second level</a:t>
             </a:r>
           </a:p>
           <a:p>
             <a:pPr lvl="2"/>
             <a:r>
-              <a:rPr lang="en-US"/>
+              <a:rPr lang="en-US" smtClean="0"/>
               <a:t>Third level</a:t>
             </a:r>
           </a:p>
           <a:p>
             <a:pPr lvl="3"/>
             <a:r>
-              <a:rPr lang="en-US"/>
+              <a:rPr lang="en-US" smtClean="0"/>
               <a:t>Fourth level</a:t>
             </a:r>
           </a:p>
           <a:p>
             <a:pPr lvl="4"/>
             <a:r>
-              <a:rPr lang="en-US"/>
+              <a:rPr lang="en-US" smtClean="0"/>
               <a:t>Fifth level</a:t>
             </a:r>
             <a:endParaRPr lang="en-US" dirty="0"/>
@@ -18797,7 +18747,7 @@
           <a:lstStyle/>
           <a:p>
             <a:r>
-              <a:rPr lang="en-US"/>
+              <a:rPr lang="en-US" smtClean="0"/>
               <a:t>Click to edit Master title style</a:t>
             </a:r>
             <a:endParaRPr lang="en-US" dirty="0"/>
@@ -18876,7 +18826,7 @@
           <a:p>
             <a:pPr lvl="0"/>
             <a:r>
-              <a:rPr lang="en-US"/>
+              <a:rPr lang="en-US" smtClean="0"/>
               <a:t>Edit Master text styles</a:t>
             </a:r>
           </a:p>
@@ -18904,35 +18854,35 @@
           <a:p>
             <a:pPr lvl="0"/>
             <a:r>
-              <a:rPr lang="en-US"/>
+              <a:rPr lang="en-US" smtClean="0"/>
               <a:t>Edit Master text styles</a:t>
             </a:r>
           </a:p>
           <a:p>
             <a:pPr lvl="1"/>
             <a:r>
-              <a:rPr lang="en-US"/>
+              <a:rPr lang="en-US" smtClean="0"/>
               <a:t>Second level</a:t>
             </a:r>
           </a:p>
           <a:p>
             <a:pPr lvl="2"/>
             <a:r>
-              <a:rPr lang="en-US"/>
+              <a:rPr lang="en-US" smtClean="0"/>
               <a:t>Third level</a:t>
             </a:r>
           </a:p>
           <a:p>
             <a:pPr lvl="3"/>
             <a:r>
-              <a:rPr lang="en-US"/>
+              <a:rPr lang="en-US" smtClean="0"/>
               <a:t>Fourth level</a:t>
             </a:r>
           </a:p>
           <a:p>
             <a:pPr lvl="4"/>
             <a:r>
-              <a:rPr lang="en-US"/>
+              <a:rPr lang="en-US" smtClean="0"/>
               <a:t>Fifth level</a:t>
             </a:r>
             <a:endParaRPr lang="en-US" dirty="0"/>
@@ -19021,7 +18971,7 @@
               <a:buNone/>
             </a:pPr>
             <a:r>
-              <a:rPr lang="en-US"/>
+              <a:rPr lang="en-US" smtClean="0"/>
               <a:t>Edit Master text styles</a:t>
             </a:r>
           </a:p>
@@ -19049,35 +18999,35 @@
           <a:p>
             <a:pPr lvl="0"/>
             <a:r>
-              <a:rPr lang="en-US"/>
+              <a:rPr lang="en-US" smtClean="0"/>
               <a:t>Edit Master text styles</a:t>
             </a:r>
           </a:p>
           <a:p>
             <a:pPr lvl="1"/>
             <a:r>
-              <a:rPr lang="en-US"/>
+              <a:rPr lang="en-US" smtClean="0"/>
               <a:t>Second level</a:t>
             </a:r>
           </a:p>
           <a:p>
             <a:pPr lvl="2"/>
             <a:r>
-              <a:rPr lang="en-US"/>
+              <a:rPr lang="en-US" smtClean="0"/>
               <a:t>Third level</a:t>
             </a:r>
           </a:p>
           <a:p>
             <a:pPr lvl="3"/>
             <a:r>
-              <a:rPr lang="en-US"/>
+              <a:rPr lang="en-US" smtClean="0"/>
               <a:t>Fourth level</a:t>
             </a:r>
           </a:p>
           <a:p>
             <a:pPr lvl="4"/>
             <a:r>
-              <a:rPr lang="en-US"/>
+              <a:rPr lang="en-US" smtClean="0"/>
               <a:t>Fifth level</a:t>
             </a:r>
             <a:endParaRPr lang="en-US" dirty="0"/>
@@ -19190,7 +19140,7 @@
           <a:lstStyle/>
           <a:p>
             <a:r>
-              <a:rPr lang="en-US"/>
+              <a:rPr lang="en-US" smtClean="0"/>
               <a:t>Click to edit Master title style</a:t>
             </a:r>
             <a:endParaRPr lang="en-US" dirty="0"/>
@@ -19407,7 +19357,7 @@
           </a:lstStyle>
           <a:p>
             <a:r>
-              <a:rPr lang="en-US"/>
+              <a:rPr lang="en-US" smtClean="0"/>
               <a:t>Click to edit Master title style</a:t>
             </a:r>
             <a:endParaRPr lang="en-US" dirty="0"/>
@@ -19464,35 +19414,35 @@
           <a:p>
             <a:pPr lvl="0"/>
             <a:r>
-              <a:rPr lang="en-US"/>
+              <a:rPr lang="en-US" smtClean="0"/>
               <a:t>Edit Master text styles</a:t>
             </a:r>
           </a:p>
           <a:p>
             <a:pPr lvl="1"/>
             <a:r>
-              <a:rPr lang="en-US"/>
+              <a:rPr lang="en-US" smtClean="0"/>
               <a:t>Second level</a:t>
             </a:r>
           </a:p>
           <a:p>
             <a:pPr lvl="2"/>
             <a:r>
-              <a:rPr lang="en-US"/>
+              <a:rPr lang="en-US" smtClean="0"/>
               <a:t>Third level</a:t>
             </a:r>
           </a:p>
           <a:p>
             <a:pPr lvl="3"/>
             <a:r>
-              <a:rPr lang="en-US"/>
+              <a:rPr lang="en-US" smtClean="0"/>
               <a:t>Fourth level</a:t>
             </a:r>
           </a:p>
           <a:p>
             <a:pPr lvl="4"/>
             <a:r>
-              <a:rPr lang="en-US"/>
+              <a:rPr lang="en-US" smtClean="0"/>
               <a:t>Fifth level</a:t>
             </a:r>
             <a:endParaRPr lang="en-US" dirty="0"/>
@@ -19566,7 +19516,7 @@
           <a:p>
             <a:pPr lvl="0"/>
             <a:r>
-              <a:rPr lang="en-US"/>
+              <a:rPr lang="en-US" smtClean="0"/>
               <a:t>Edit Master text styles</a:t>
             </a:r>
           </a:p>
@@ -19689,7 +19639,7 @@
           </a:lstStyle>
           <a:p>
             <a:r>
-              <a:rPr lang="en-US"/>
+              <a:rPr lang="en-US" smtClean="0"/>
               <a:t>Click to edit Master title style</a:t>
             </a:r>
             <a:endParaRPr lang="en-US" dirty="0"/>
@@ -19760,7 +19710,7 @@
           </a:lstStyle>
           <a:p>
             <a:r>
-              <a:rPr lang="en-US"/>
+              <a:rPr lang="en-US" smtClean="0"/>
               <a:t>Click icon to add picture</a:t>
             </a:r>
             <a:endParaRPr lang="en-US" dirty="0"/>
@@ -19841,7 +19791,7 @@
           <a:p>
             <a:pPr lvl="0"/>
             <a:r>
-              <a:rPr lang="en-US"/>
+              <a:rPr lang="en-US" smtClean="0"/>
               <a:t>Edit Master text styles</a:t>
             </a:r>
           </a:p>
@@ -20003,7 +19953,7 @@
           <a:lstStyle/>
           <a:p>
             <a:r>
-              <a:rPr lang="en-US"/>
+              <a:rPr lang="en-US" smtClean="0"/>
               <a:t>Click to edit Master title style</a:t>
             </a:r>
             <a:endParaRPr lang="en-US" dirty="0"/>
@@ -20037,35 +19987,35 @@
           <a:p>
             <a:pPr lvl="0"/>
             <a:r>
-              <a:rPr lang="en-US"/>
+              <a:rPr lang="en-US" smtClean="0"/>
               <a:t>Edit Master text styles</a:t>
             </a:r>
           </a:p>
           <a:p>
             <a:pPr lvl="1"/>
             <a:r>
-              <a:rPr lang="en-US"/>
+              <a:rPr lang="en-US" smtClean="0"/>
               <a:t>Second level</a:t>
             </a:r>
           </a:p>
           <a:p>
             <a:pPr lvl="2"/>
             <a:r>
-              <a:rPr lang="en-US"/>
+              <a:rPr lang="en-US" smtClean="0"/>
               <a:t>Third level</a:t>
             </a:r>
           </a:p>
           <a:p>
             <a:pPr lvl="3"/>
             <a:r>
-              <a:rPr lang="en-US"/>
+              <a:rPr lang="en-US" smtClean="0"/>
               <a:t>Fourth level</a:t>
             </a:r>
           </a:p>
           <a:p>
             <a:pPr lvl="4"/>
             <a:r>
-              <a:rPr lang="en-US"/>
+              <a:rPr lang="en-US" smtClean="0"/>
               <a:t>Fifth level</a:t>
             </a:r>
             <a:endParaRPr lang="en-US" dirty="0"/>
@@ -20624,9 +20574,10 @@
           <a:lstStyle/>
           <a:p>
             <a:r>
-              <a:rPr lang="en-GB" dirty="0"/>
+              <a:rPr lang="en-GB" dirty="0" smtClean="0"/>
               <a:t>Software Presentation</a:t>
             </a:r>
+            <a:endParaRPr lang="en-GB" dirty="0"/>
           </a:p>
         </p:txBody>
       </p:sp>
@@ -20646,9 +20597,10 @@
           <a:lstStyle/>
           <a:p>
             <a:r>
-              <a:rPr lang="en-GB" dirty="0"/>
+              <a:rPr lang="en-GB" dirty="0" smtClean="0"/>
               <a:t>Group 7</a:t>
             </a:r>
+            <a:endParaRPr lang="en-GB" dirty="0"/>
           </a:p>
         </p:txBody>
       </p:sp>
@@ -20662,10 +20614,746 @@
   <p:clrMapOvr>
     <a:masterClrMapping/>
   </p:clrMapOvr>
+  <p:timing>
+    <p:tnLst>
+      <p:par>
+        <p:cTn id="1" dur="indefinite" restart="never" nodeType="tmRoot"/>
+      </p:par>
+    </p:tnLst>
+  </p:timing>
 </p:sld>
 </file>
 
 <file path=ppt/slides/slide10.xml><?xml version="1.0" encoding="utf-8"?>
+<p:sld xmlns:a="http://schemas.openxmlformats.org/drawingml/2006/main" xmlns:r="http://schemas.openxmlformats.org/officeDocument/2006/relationships" xmlns:p="http://schemas.openxmlformats.org/presentationml/2006/main">
+  <p:cSld>
+    <p:spTree>
+      <p:nvGrpSpPr>
+        <p:cNvPr id="1" name=""/>
+        <p:cNvGrpSpPr/>
+        <p:nvPr/>
+      </p:nvGrpSpPr>
+      <p:grpSpPr>
+        <a:xfrm>
+          <a:off x="0" y="0"/>
+          <a:ext cx="0" cy="0"/>
+          <a:chOff x="0" y="0"/>
+          <a:chExt cx="0" cy="0"/>
+        </a:xfrm>
+      </p:grpSpPr>
+      <p:sp>
+        <p:nvSpPr>
+          <p:cNvPr id="2" name="Title 1"/>
+          <p:cNvSpPr>
+            <a:spLocks noGrp="1"/>
+          </p:cNvSpPr>
+          <p:nvPr>
+            <p:ph type="title"/>
+          </p:nvPr>
+        </p:nvSpPr>
+        <p:spPr>
+          <a:xfrm>
+            <a:off x="778932" y="551350"/>
+            <a:ext cx="11125201" cy="1480650"/>
+          </a:xfrm>
+        </p:spPr>
+        <p:txBody>
+          <a:bodyPr/>
+          <a:lstStyle/>
+          <a:p>
+            <a:r>
+              <a:rPr lang="en-GB" dirty="0" smtClean="0"/>
+              <a:t>Pair Programming Log: Driver: HAYDEN Observer: </a:t>
+            </a:r>
+            <a:r>
+              <a:rPr lang="en-GB" dirty="0" err="1" smtClean="0"/>
+              <a:t>luke</a:t>
+            </a:r>
+            <a:endParaRPr lang="en-GB" dirty="0"/>
+          </a:p>
+        </p:txBody>
+      </p:sp>
+      <p:sp>
+        <p:nvSpPr>
+          <p:cNvPr id="5" name="Rectangle 1"/>
+          <p:cNvSpPr>
+            <a:spLocks noChangeArrowheads="1"/>
+          </p:cNvSpPr>
+          <p:nvPr/>
+        </p:nvSpPr>
+        <p:spPr bwMode="auto">
+          <a:xfrm>
+            <a:off x="917045" y="2217738"/>
+            <a:ext cx="14128073" cy="779012"/>
+          </a:xfrm>
+          <a:prstGeom prst="rect">
+            <a:avLst/>
+          </a:prstGeom>
+          <a:noFill/>
+          <a:ln>
+            <a:noFill/>
+          </a:ln>
+          <a:effectLst/>
+          <a:extLst>
+            <a:ext uri="{909E8E84-426E-40DD-AFC4-6F175D3DCCD1}">
+              <a14:hiddenFill xmlns:a14="http://schemas.microsoft.com/office/drawing/2010/main">
+                <a:solidFill>
+                  <a:schemeClr val="accent1"/>
+                </a:solidFill>
+              </a14:hiddenFill>
+            </a:ext>
+            <a:ext uri="{91240B29-F687-4F45-9708-019B960494DF}">
+              <a14:hiddenLine xmlns:a14="http://schemas.microsoft.com/office/drawing/2010/main" w="9525">
+                <a:solidFill>
+                  <a:schemeClr val="tx1"/>
+                </a:solidFill>
+                <a:miter lim="800000"/>
+                <a:headEnd/>
+                <a:tailEnd/>
+              </a14:hiddenLine>
+            </a:ext>
+            <a:ext uri="{AF507438-7753-43E0-B8FC-AC1667EBCBE1}">
+              <a14:hiddenEffects xmlns:a14="http://schemas.microsoft.com/office/drawing/2010/main">
+                <a:effectLst>
+                  <a:outerShdw dist="35921" dir="2700000" algn="ctr" rotWithShape="0">
+                    <a:schemeClr val="bg2"/>
+                  </a:outerShdw>
+                </a:effectLst>
+              </a14:hiddenEffects>
+            </a:ext>
+          </a:extLst>
+        </p:spPr>
+        <p:txBody>
+          <a:bodyPr vert="horz" wrap="square" lIns="91440" tIns="45720" rIns="91440" bIns="45720" numCol="1" anchor="ctr" anchorCtr="0" compatLnSpc="1">
+            <a:prstTxWarp prst="textNoShape">
+              <a:avLst/>
+            </a:prstTxWarp>
+            <a:spAutoFit/>
+          </a:bodyPr>
+          <a:lstStyle/>
+          <a:p>
+            <a:endParaRPr lang="en-GB"/>
+          </a:p>
+        </p:txBody>
+      </p:sp>
+      <p:graphicFrame>
+        <p:nvGraphicFramePr>
+          <p:cNvPr id="3" name="Table 2"/>
+          <p:cNvGraphicFramePr>
+            <a:graphicFrameLocks noGrp="1"/>
+          </p:cNvGraphicFramePr>
+          <p:nvPr>
+            <p:extLst>
+              <p:ext uri="{D42A27DB-BD31-4B8C-83A1-F6EECF244321}">
+                <p14:modId xmlns:p14="http://schemas.microsoft.com/office/powerpoint/2010/main" val="3387662404"/>
+              </p:ext>
+            </p:extLst>
+          </p:nvPr>
+        </p:nvGraphicFramePr>
+        <p:xfrm>
+          <a:off x="778932" y="2217738"/>
+          <a:ext cx="9922936" cy="3421062"/>
+        </p:xfrm>
+        <a:graphic>
+          <a:graphicData uri="http://schemas.openxmlformats.org/drawingml/2006/table">
+            <a:tbl>
+              <a:tblPr firstRow="1" firstCol="1" bandRow="1">
+                <a:tableStyleId>{5C22544A-7EE6-4342-B048-85BDC9FD1C3A}</a:tableStyleId>
+              </a:tblPr>
+              <a:tblGrid>
+                <a:gridCol w="1378411">
+                  <a:extLst>
+                    <a:ext uri="{9D8B030D-6E8A-4147-A177-3AD203B41FA5}">
+                      <a16:colId xmlns:a16="http://schemas.microsoft.com/office/drawing/2014/main" val="4223646850"/>
+                    </a:ext>
+                  </a:extLst>
+                </a:gridCol>
+                <a:gridCol w="1378411">
+                  <a:extLst>
+                    <a:ext uri="{9D8B030D-6E8A-4147-A177-3AD203B41FA5}">
+                      <a16:colId xmlns:a16="http://schemas.microsoft.com/office/drawing/2014/main" val="1331053190"/>
+                    </a:ext>
+                  </a:extLst>
+                </a:gridCol>
+                <a:gridCol w="1332735">
+                  <a:extLst>
+                    <a:ext uri="{9D8B030D-6E8A-4147-A177-3AD203B41FA5}">
+                      <a16:colId xmlns:a16="http://schemas.microsoft.com/office/drawing/2014/main" val="3131590779"/>
+                    </a:ext>
+                  </a:extLst>
+                </a:gridCol>
+                <a:gridCol w="2204646">
+                  <a:extLst>
+                    <a:ext uri="{9D8B030D-6E8A-4147-A177-3AD203B41FA5}">
+                      <a16:colId xmlns:a16="http://schemas.microsoft.com/office/drawing/2014/main" val="3260387674"/>
+                    </a:ext>
+                  </a:extLst>
+                </a:gridCol>
+                <a:gridCol w="3628733">
+                  <a:extLst>
+                    <a:ext uri="{9D8B030D-6E8A-4147-A177-3AD203B41FA5}">
+                      <a16:colId xmlns:a16="http://schemas.microsoft.com/office/drawing/2014/main" val="915574396"/>
+                    </a:ext>
+                  </a:extLst>
+                </a:gridCol>
+              </a:tblGrid>
+              <a:tr h="1792022">
+                <a:tc>
+                  <a:txBody>
+                    <a:bodyPr/>
+                    <a:lstStyle/>
+                    <a:p>
+                      <a:pPr>
+                        <a:lnSpc>
+                          <a:spcPct val="107000"/>
+                        </a:lnSpc>
+                        <a:spcAft>
+                          <a:spcPts val="0"/>
+                        </a:spcAft>
+                      </a:pPr>
+                      <a:r>
+                        <a:rPr lang="en-GB" sz="1100">
+                          <a:effectLst/>
+                        </a:rPr>
+                        <a:t>Time session started</a:t>
+                      </a:r>
+                      <a:endParaRPr lang="en-GB" sz="1100">
+                        <a:effectLst/>
+                        <a:latin typeface="Calibri" panose="020F0502020204030204" pitchFamily="34" charset="0"/>
+                        <a:ea typeface="Calibri" panose="020F0502020204030204" pitchFamily="34" charset="0"/>
+                        <a:cs typeface="Times New Roman" panose="02020603050405020304" pitchFamily="18" charset="0"/>
+                      </a:endParaRPr>
+                    </a:p>
+                  </a:txBody>
+                  <a:tcPr marL="68580" marR="68580" marT="0" marB="0"/>
+                </a:tc>
+                <a:tc>
+                  <a:txBody>
+                    <a:bodyPr/>
+                    <a:lstStyle/>
+                    <a:p>
+                      <a:pPr>
+                        <a:lnSpc>
+                          <a:spcPct val="107000"/>
+                        </a:lnSpc>
+                        <a:spcAft>
+                          <a:spcPts val="0"/>
+                        </a:spcAft>
+                      </a:pPr>
+                      <a:r>
+                        <a:rPr lang="en-GB" sz="1100">
+                          <a:effectLst/>
+                        </a:rPr>
+                        <a:t>Number of lines of code written</a:t>
+                      </a:r>
+                      <a:endParaRPr lang="en-GB" sz="1100">
+                        <a:effectLst/>
+                        <a:latin typeface="Calibri" panose="020F0502020204030204" pitchFamily="34" charset="0"/>
+                        <a:ea typeface="Calibri" panose="020F0502020204030204" pitchFamily="34" charset="0"/>
+                        <a:cs typeface="Times New Roman" panose="02020603050405020304" pitchFamily="18" charset="0"/>
+                      </a:endParaRPr>
+                    </a:p>
+                  </a:txBody>
+                  <a:tcPr marL="68580" marR="68580" marT="0" marB="0"/>
+                </a:tc>
+                <a:tc>
+                  <a:txBody>
+                    <a:bodyPr/>
+                    <a:lstStyle/>
+                    <a:p>
+                      <a:pPr>
+                        <a:lnSpc>
+                          <a:spcPct val="107000"/>
+                        </a:lnSpc>
+                        <a:spcAft>
+                          <a:spcPts val="0"/>
+                        </a:spcAft>
+                      </a:pPr>
+                      <a:r>
+                        <a:rPr lang="en-GB" sz="1100">
+                          <a:effectLst/>
+                        </a:rPr>
+                        <a:t>Errors spotted (and by whom)</a:t>
+                      </a:r>
+                      <a:endParaRPr lang="en-GB" sz="1100">
+                        <a:effectLst/>
+                        <a:latin typeface="Calibri" panose="020F0502020204030204" pitchFamily="34" charset="0"/>
+                        <a:ea typeface="Calibri" panose="020F0502020204030204" pitchFamily="34" charset="0"/>
+                        <a:cs typeface="Times New Roman" panose="02020603050405020304" pitchFamily="18" charset="0"/>
+                      </a:endParaRPr>
+                    </a:p>
+                  </a:txBody>
+                  <a:tcPr marL="68580" marR="68580" marT="0" marB="0"/>
+                </a:tc>
+                <a:tc>
+                  <a:txBody>
+                    <a:bodyPr/>
+                    <a:lstStyle/>
+                    <a:p>
+                      <a:pPr>
+                        <a:lnSpc>
+                          <a:spcPct val="107000"/>
+                        </a:lnSpc>
+                        <a:spcAft>
+                          <a:spcPts val="0"/>
+                        </a:spcAft>
+                      </a:pPr>
+                      <a:r>
+                        <a:rPr lang="en-GB" sz="1100">
+                          <a:effectLst/>
+                        </a:rPr>
+                        <a:t>Activity (what’s being coded), or tested, or compiled</a:t>
+                      </a:r>
+                      <a:endParaRPr lang="en-GB" sz="1100">
+                        <a:effectLst/>
+                        <a:latin typeface="Calibri" panose="020F0502020204030204" pitchFamily="34" charset="0"/>
+                        <a:ea typeface="Calibri" panose="020F0502020204030204" pitchFamily="34" charset="0"/>
+                        <a:cs typeface="Times New Roman" panose="02020603050405020304" pitchFamily="18" charset="0"/>
+                      </a:endParaRPr>
+                    </a:p>
+                  </a:txBody>
+                  <a:tcPr marL="68580" marR="68580" marT="0" marB="0"/>
+                </a:tc>
+                <a:tc>
+                  <a:txBody>
+                    <a:bodyPr/>
+                    <a:lstStyle/>
+                    <a:p>
+                      <a:pPr>
+                        <a:lnSpc>
+                          <a:spcPct val="107000"/>
+                        </a:lnSpc>
+                        <a:spcAft>
+                          <a:spcPts val="0"/>
+                        </a:spcAft>
+                      </a:pPr>
+                      <a:r>
+                        <a:rPr lang="en-GB" sz="1100">
+                          <a:effectLst/>
+                        </a:rPr>
+                        <a:t>Comments</a:t>
+                      </a:r>
+                      <a:endParaRPr lang="en-GB" sz="1100">
+                        <a:effectLst/>
+                        <a:latin typeface="Calibri" panose="020F0502020204030204" pitchFamily="34" charset="0"/>
+                        <a:ea typeface="Calibri" panose="020F0502020204030204" pitchFamily="34" charset="0"/>
+                        <a:cs typeface="Times New Roman" panose="02020603050405020304" pitchFamily="18" charset="0"/>
+                      </a:endParaRPr>
+                    </a:p>
+                  </a:txBody>
+                  <a:tcPr marL="68580" marR="68580" marT="0" marB="0"/>
+                </a:tc>
+                <a:extLst>
+                  <a:ext uri="{0D108BD9-81ED-4DB2-BD59-A6C34878D82A}">
+                    <a16:rowId xmlns:a16="http://schemas.microsoft.com/office/drawing/2014/main" val="3873337225"/>
+                  </a:ext>
+                </a:extLst>
+              </a:tr>
+              <a:tr h="1629040">
+                <a:tc>
+                  <a:txBody>
+                    <a:bodyPr/>
+                    <a:lstStyle/>
+                    <a:p>
+                      <a:pPr>
+                        <a:lnSpc>
+                          <a:spcPct val="107000"/>
+                        </a:lnSpc>
+                        <a:spcAft>
+                          <a:spcPts val="0"/>
+                        </a:spcAft>
+                      </a:pPr>
+                      <a:r>
+                        <a:rPr lang="en-GB" sz="1000">
+                          <a:effectLst/>
+                        </a:rPr>
+                        <a:t>30/10/2019</a:t>
+                      </a:r>
+                      <a:endParaRPr lang="en-GB" sz="1100">
+                        <a:effectLst/>
+                      </a:endParaRPr>
+                    </a:p>
+                    <a:p>
+                      <a:pPr>
+                        <a:lnSpc>
+                          <a:spcPct val="107000"/>
+                        </a:lnSpc>
+                        <a:spcAft>
+                          <a:spcPts val="0"/>
+                        </a:spcAft>
+                      </a:pPr>
+                      <a:r>
+                        <a:rPr lang="en-GB" sz="1000">
+                          <a:effectLst/>
+                        </a:rPr>
+                        <a:t>4:15pm – 5:15pm</a:t>
+                      </a:r>
+                      <a:endParaRPr lang="en-GB" sz="1100">
+                        <a:effectLst/>
+                        <a:latin typeface="Calibri" panose="020F0502020204030204" pitchFamily="34" charset="0"/>
+                        <a:ea typeface="Calibri" panose="020F0502020204030204" pitchFamily="34" charset="0"/>
+                        <a:cs typeface="Times New Roman" panose="02020603050405020304" pitchFamily="18" charset="0"/>
+                      </a:endParaRPr>
+                    </a:p>
+                  </a:txBody>
+                  <a:tcPr marL="68580" marR="68580" marT="0" marB="0"/>
+                </a:tc>
+                <a:tc>
+                  <a:txBody>
+                    <a:bodyPr/>
+                    <a:lstStyle/>
+                    <a:p>
+                      <a:pPr>
+                        <a:lnSpc>
+                          <a:spcPct val="107000"/>
+                        </a:lnSpc>
+                        <a:spcAft>
+                          <a:spcPts val="0"/>
+                        </a:spcAft>
+                      </a:pPr>
+                      <a:r>
+                        <a:rPr lang="en-GB" sz="1000">
+                          <a:effectLst/>
+                        </a:rPr>
+                        <a:t>3 lines of code</a:t>
+                      </a:r>
+                      <a:endParaRPr lang="en-GB" sz="1100">
+                        <a:effectLst/>
+                        <a:latin typeface="Calibri" panose="020F0502020204030204" pitchFamily="34" charset="0"/>
+                        <a:ea typeface="Calibri" panose="020F0502020204030204" pitchFamily="34" charset="0"/>
+                        <a:cs typeface="Times New Roman" panose="02020603050405020304" pitchFamily="18" charset="0"/>
+                      </a:endParaRPr>
+                    </a:p>
+                  </a:txBody>
+                  <a:tcPr marL="68580" marR="68580" marT="0" marB="0"/>
+                </a:tc>
+                <a:tc>
+                  <a:txBody>
+                    <a:bodyPr/>
+                    <a:lstStyle/>
+                    <a:p>
+                      <a:pPr>
+                        <a:lnSpc>
+                          <a:spcPct val="107000"/>
+                        </a:lnSpc>
+                        <a:spcAft>
+                          <a:spcPts val="0"/>
+                        </a:spcAft>
+                      </a:pPr>
+                      <a:r>
+                        <a:rPr lang="en-GB" sz="1000">
+                          <a:effectLst/>
+                        </a:rPr>
+                        <a:t>No errors</a:t>
+                      </a:r>
+                      <a:endParaRPr lang="en-GB" sz="1100">
+                        <a:effectLst/>
+                        <a:latin typeface="Calibri" panose="020F0502020204030204" pitchFamily="34" charset="0"/>
+                        <a:ea typeface="Calibri" panose="020F0502020204030204" pitchFamily="34" charset="0"/>
+                        <a:cs typeface="Times New Roman" panose="02020603050405020304" pitchFamily="18" charset="0"/>
+                      </a:endParaRPr>
+                    </a:p>
+                  </a:txBody>
+                  <a:tcPr marL="68580" marR="68580" marT="0" marB="0"/>
+                </a:tc>
+                <a:tc>
+                  <a:txBody>
+                    <a:bodyPr/>
+                    <a:lstStyle/>
+                    <a:p>
+                      <a:pPr>
+                        <a:lnSpc>
+                          <a:spcPct val="107000"/>
+                        </a:lnSpc>
+                        <a:spcAft>
+                          <a:spcPts val="0"/>
+                        </a:spcAft>
+                      </a:pPr>
+                      <a:r>
+                        <a:rPr lang="en-GB" sz="1000">
+                          <a:effectLst/>
+                        </a:rPr>
+                        <a:t>A search using the Spotify API. By querying random search parameters.  </a:t>
+                      </a:r>
+                      <a:endParaRPr lang="en-GB" sz="1100">
+                        <a:effectLst/>
+                        <a:latin typeface="Calibri" panose="020F0502020204030204" pitchFamily="34" charset="0"/>
+                        <a:ea typeface="Calibri" panose="020F0502020204030204" pitchFamily="34" charset="0"/>
+                        <a:cs typeface="Times New Roman" panose="02020603050405020304" pitchFamily="18" charset="0"/>
+                      </a:endParaRPr>
+                    </a:p>
+                  </a:txBody>
+                  <a:tcPr marL="68580" marR="68580" marT="0" marB="0"/>
+                </a:tc>
+                <a:tc>
+                  <a:txBody>
+                    <a:bodyPr/>
+                    <a:lstStyle/>
+                    <a:p>
+                      <a:pPr>
+                        <a:lnSpc>
+                          <a:spcPct val="107000"/>
+                        </a:lnSpc>
+                        <a:spcAft>
+                          <a:spcPts val="0"/>
+                        </a:spcAft>
+                      </a:pPr>
+                      <a:r>
+                        <a:rPr lang="en-GB" sz="1000" dirty="0">
+                          <a:effectLst/>
+                        </a:rPr>
+                        <a:t>Used  this library </a:t>
+                      </a:r>
+                      <a:r>
+                        <a:rPr lang="en-GB" sz="1000" u="sng" dirty="0">
+                          <a:effectLst/>
+                          <a:hlinkClick r:id="rId2"/>
+                        </a:rPr>
+                        <a:t>https://johnnycrazy.github.io/SpotifyAPI-NET/</a:t>
+                      </a:r>
+                      <a:r>
+                        <a:rPr lang="en-GB" sz="1000" dirty="0">
+                          <a:effectLst/>
+                        </a:rPr>
+                        <a:t> to write our code for the Spotify API</a:t>
+                      </a:r>
+                      <a:endParaRPr lang="en-GB" sz="1100" dirty="0">
+                        <a:effectLst/>
+                        <a:latin typeface="Calibri" panose="020F0502020204030204" pitchFamily="34" charset="0"/>
+                        <a:ea typeface="Calibri" panose="020F0502020204030204" pitchFamily="34" charset="0"/>
+                        <a:cs typeface="Times New Roman" panose="02020603050405020304" pitchFamily="18" charset="0"/>
+                      </a:endParaRPr>
+                    </a:p>
+                  </a:txBody>
+                  <a:tcPr marL="68580" marR="68580" marT="0" marB="0"/>
+                </a:tc>
+                <a:extLst>
+                  <a:ext uri="{0D108BD9-81ED-4DB2-BD59-A6C34878D82A}">
+                    <a16:rowId xmlns:a16="http://schemas.microsoft.com/office/drawing/2014/main" val="1204578942"/>
+                  </a:ext>
+                </a:extLst>
+              </a:tr>
+            </a:tbl>
+          </a:graphicData>
+        </a:graphic>
+      </p:graphicFrame>
+    </p:spTree>
+    <p:extLst>
+      <p:ext uri="{BB962C8B-B14F-4D97-AF65-F5344CB8AC3E}">
+        <p14:creationId xmlns:p14="http://schemas.microsoft.com/office/powerpoint/2010/main" val="1717578674"/>
+      </p:ext>
+    </p:extLst>
+  </p:cSld>
+  <p:clrMapOvr>
+    <a:masterClrMapping/>
+  </p:clrMapOvr>
+  <p:timing>
+    <p:tnLst>
+      <p:par>
+        <p:cTn id="1" dur="indefinite" restart="never" nodeType="tmRoot"/>
+      </p:par>
+    </p:tnLst>
+  </p:timing>
+</p:sld>
+</file>
+
+<file path=ppt/slides/slide11.xml><?xml version="1.0" encoding="utf-8"?>
+<p:sld xmlns:a="http://schemas.openxmlformats.org/drawingml/2006/main" xmlns:r="http://schemas.openxmlformats.org/officeDocument/2006/relationships" xmlns:p="http://schemas.openxmlformats.org/presentationml/2006/main">
+  <p:cSld>
+    <p:spTree>
+      <p:nvGrpSpPr>
+        <p:cNvPr id="1" name=""/>
+        <p:cNvGrpSpPr/>
+        <p:nvPr/>
+      </p:nvGrpSpPr>
+      <p:grpSpPr>
+        <a:xfrm>
+          <a:off x="0" y="0"/>
+          <a:ext cx="0" cy="0"/>
+          <a:chOff x="0" y="0"/>
+          <a:chExt cx="0" cy="0"/>
+        </a:xfrm>
+      </p:grpSpPr>
+      <p:sp>
+        <p:nvSpPr>
+          <p:cNvPr id="2" name="Title 1"/>
+          <p:cNvSpPr>
+            <a:spLocks noGrp="1"/>
+          </p:cNvSpPr>
+          <p:nvPr>
+            <p:ph type="title"/>
+          </p:nvPr>
+        </p:nvSpPr>
+        <p:spPr>
+          <a:xfrm>
+            <a:off x="907749" y="410649"/>
+            <a:ext cx="9720072" cy="1499616"/>
+          </a:xfrm>
+        </p:spPr>
+        <p:txBody>
+          <a:bodyPr>
+            <a:normAutofit fontScale="90000"/>
+          </a:bodyPr>
+          <a:lstStyle/>
+          <a:p>
+            <a:r>
+              <a:rPr lang="en-GB" dirty="0"/>
+              <a:t>Sprint Backlog </a:t>
+            </a:r>
+            <a:r>
+              <a:rPr lang="en-GB" dirty="0" smtClean="0"/>
+              <a:t/>
+            </a:r>
+            <a:br>
+              <a:rPr lang="en-GB" dirty="0" smtClean="0"/>
+            </a:br>
+            <a:r>
+              <a:rPr lang="en-GB" sz="1600" dirty="0"/>
+              <a:t>Sprint Backlog is a list a task identified by the scrum team </a:t>
+            </a:r>
+            <a:r>
+              <a:rPr lang="en-GB" dirty="0"/>
+              <a:t/>
+            </a:r>
+            <a:br>
+              <a:rPr lang="en-GB" dirty="0"/>
+            </a:br>
+            <a:endParaRPr lang="en-GB" dirty="0"/>
+          </a:p>
+        </p:txBody>
+      </p:sp>
+      <p:pic>
+        <p:nvPicPr>
+          <p:cNvPr id="4" name="Picture 3"/>
+          <p:cNvPicPr>
+            <a:picLocks noChangeAspect="1"/>
+          </p:cNvPicPr>
+          <p:nvPr/>
+        </p:nvPicPr>
+        <p:blipFill>
+          <a:blip r:embed="rId2"/>
+          <a:stretch>
+            <a:fillRect/>
+          </a:stretch>
+        </p:blipFill>
+        <p:spPr>
+          <a:xfrm>
+            <a:off x="1317457" y="1731432"/>
+            <a:ext cx="9310364" cy="3788833"/>
+          </a:xfrm>
+          <a:prstGeom prst="rect">
+            <a:avLst/>
+          </a:prstGeom>
+        </p:spPr>
+      </p:pic>
+    </p:spTree>
+    <p:extLst>
+      <p:ext uri="{BB962C8B-B14F-4D97-AF65-F5344CB8AC3E}">
+        <p14:creationId xmlns:p14="http://schemas.microsoft.com/office/powerpoint/2010/main" val="1273718308"/>
+      </p:ext>
+    </p:extLst>
+  </p:cSld>
+  <p:clrMapOvr>
+    <a:masterClrMapping/>
+  </p:clrMapOvr>
+  <p:timing>
+    <p:tnLst>
+      <p:par>
+        <p:cTn id="1" dur="indefinite" restart="never" nodeType="tmRoot"/>
+      </p:par>
+    </p:tnLst>
+  </p:timing>
+</p:sld>
+</file>
+
+<file path=ppt/slides/slide12.xml><?xml version="1.0" encoding="utf-8"?>
+<p:sld xmlns:a="http://schemas.openxmlformats.org/drawingml/2006/main" xmlns:r="http://schemas.openxmlformats.org/officeDocument/2006/relationships" xmlns:p="http://schemas.openxmlformats.org/presentationml/2006/main">
+  <p:cSld>
+    <p:spTree>
+      <p:nvGrpSpPr>
+        <p:cNvPr id="1" name=""/>
+        <p:cNvGrpSpPr/>
+        <p:nvPr/>
+      </p:nvGrpSpPr>
+      <p:grpSpPr>
+        <a:xfrm>
+          <a:off x="0" y="0"/>
+          <a:ext cx="0" cy="0"/>
+          <a:chOff x="0" y="0"/>
+          <a:chExt cx="0" cy="0"/>
+        </a:xfrm>
+      </p:grpSpPr>
+      <p:sp>
+        <p:nvSpPr>
+          <p:cNvPr id="2" name="Title 1">
+            <a:extLst>
+              <a:ext uri="{FF2B5EF4-FFF2-40B4-BE49-F238E27FC236}">
+                <a16:creationId xmlns:a16="http://schemas.microsoft.com/office/drawing/2014/main" id="{2959601F-B207-438D-9C72-46864FF4855C}"/>
+              </a:ext>
+            </a:extLst>
+          </p:cNvPr>
+          <p:cNvSpPr>
+            <a:spLocks noGrp="1"/>
+          </p:cNvSpPr>
+          <p:nvPr>
+            <p:ph type="title"/>
+          </p:nvPr>
+        </p:nvSpPr>
+        <p:spPr/>
+        <p:txBody>
+          <a:bodyPr/>
+          <a:lstStyle/>
+          <a:p>
+            <a:r>
+              <a:rPr lang="en-GB" dirty="0"/>
+              <a:t>Class Diagram</a:t>
+            </a:r>
+          </a:p>
+        </p:txBody>
+      </p:sp>
+      <p:pic>
+        <p:nvPicPr>
+          <p:cNvPr id="4" name="Picture 3">
+            <a:extLst>
+              <a:ext uri="{FF2B5EF4-FFF2-40B4-BE49-F238E27FC236}">
+                <a16:creationId xmlns:a16="http://schemas.microsoft.com/office/drawing/2014/main" id="{CA93437F-9BA3-4AB8-96FC-25ED992F4B5B}"/>
+              </a:ext>
+            </a:extLst>
+          </p:cNvPr>
+          <p:cNvPicPr>
+            <a:picLocks noChangeAspect="1"/>
+          </p:cNvPicPr>
+          <p:nvPr/>
+        </p:nvPicPr>
+        <p:blipFill rotWithShape="1">
+          <a:blip r:embed="rId2"/>
+          <a:srcRect l="8274" t="13293" b="-1060"/>
+          <a:stretch/>
+        </p:blipFill>
+        <p:spPr>
+          <a:xfrm>
+            <a:off x="833353" y="2005892"/>
+            <a:ext cx="10683717" cy="4665872"/>
+          </a:xfrm>
+          <a:prstGeom prst="rect">
+            <a:avLst/>
+          </a:prstGeom>
+        </p:spPr>
+      </p:pic>
+    </p:spTree>
+    <p:extLst>
+      <p:ext uri="{BB962C8B-B14F-4D97-AF65-F5344CB8AC3E}">
+        <p14:creationId xmlns:p14="http://schemas.microsoft.com/office/powerpoint/2010/main" val="2776112946"/>
+      </p:ext>
+    </p:extLst>
+  </p:cSld>
+  <p:clrMapOvr>
+    <a:masterClrMapping/>
+  </p:clrMapOvr>
+</p:sld>
+</file>
+
+<file path=ppt/slides/slide13.xml><?xml version="1.0" encoding="utf-8"?>
 <p:sld xmlns:a="http://schemas.openxmlformats.org/drawingml/2006/main" xmlns:r="http://schemas.openxmlformats.org/officeDocument/2006/relationships" xmlns:p="http://schemas.openxmlformats.org/presentationml/2006/main">
   <p:cSld>
     <p:spTree>
@@ -20698,9 +21386,10 @@
           <a:lstStyle/>
           <a:p>
             <a:r>
-              <a:rPr lang="en-GB" dirty="0"/>
+              <a:rPr lang="en-GB" dirty="0" smtClean="0"/>
               <a:t>Tools and Toolsets</a:t>
             </a:r>
+            <a:endParaRPr lang="en-GB" dirty="0"/>
           </a:p>
         </p:txBody>
       </p:sp>
@@ -20723,16 +21412,8 @@
               <a:buNone/>
             </a:pPr>
             <a:r>
-              <a:rPr lang="en-GB" dirty="0"/>
-              <a:t>As a group, we have used the </a:t>
-            </a:r>
-            <a:r>
-              <a:rPr lang="en-GB" dirty="0" err="1"/>
-              <a:t>github</a:t>
-            </a:r>
-            <a:r>
-              <a:rPr lang="en-GB" dirty="0"/>
-              <a:t> platform to upload pieces of work which contributes to the overall assignment. </a:t>
+              <a:rPr lang="en-GB" dirty="0" smtClean="0"/>
+              <a:t>As a group, we have used the github platform to upload pieces of work which contributes to the overall assignment. </a:t>
             </a:r>
           </a:p>
           <a:p>
@@ -20740,7 +21421,7 @@
               <a:buNone/>
             </a:pPr>
             <a:r>
-              <a:rPr lang="en-GB" dirty="0"/>
+              <a:rPr lang="en-GB" dirty="0" smtClean="0"/>
               <a:t>We have also used Draw.io to create any diagrams required throughout. </a:t>
             </a:r>
           </a:p>
@@ -20749,17 +21430,44 @@
               <a:buNone/>
             </a:pPr>
             <a:r>
-              <a:rPr lang="en-GB"/>
-              <a:t>Visual studio </a:t>
+              <a:rPr lang="en-GB" dirty="0" smtClean="0"/>
+              <a:t>Visual studio Windows forms Framework,  </a:t>
             </a:r>
-            <a:endParaRPr lang="en-GB" dirty="0"/>
+          </a:p>
+          <a:p>
+            <a:pPr marL="0" indent="0">
+              <a:buNone/>
+            </a:pPr>
+            <a:r>
+              <a:rPr lang="en-GB" dirty="0" smtClean="0"/>
+              <a:t>Used Spotify-NET API Libraries (SpotifyAPI.Web, SpotifyAPI.Web.Auth, SpotifyAPI.Web.Models): website used </a:t>
+            </a:r>
+            <a:r>
+              <a:rPr lang="en-GB" dirty="0"/>
+              <a:t>https://johnnycrazy.github.io/SpotifyAPI-NET/</a:t>
+            </a:r>
+            <a:endParaRPr lang="en-GB" dirty="0" smtClean="0"/>
+          </a:p>
+          <a:p>
+            <a:pPr marL="0" indent="0">
+              <a:buNone/>
+            </a:pPr>
+            <a:r>
+              <a:rPr lang="en-GB" dirty="0" smtClean="0"/>
+              <a:t>Used News API</a:t>
+            </a:r>
+            <a:r>
+              <a:rPr lang="en-GB" dirty="0"/>
+              <a:t>: website used https://newsapi.org/</a:t>
+            </a:r>
+            <a:endParaRPr lang="en-GB" dirty="0" smtClean="0"/>
           </a:p>
           <a:p>
             <a:pPr>
               <a:buFont typeface="Arial" panose="020B0604020202020204" pitchFamily="34" charset="0"/>
               <a:buChar char="•"/>
             </a:pPr>
-            <a:endParaRPr lang="en-GB" dirty="0"/>
+            <a:endParaRPr lang="en-GB" dirty="0" smtClean="0"/>
           </a:p>
           <a:p>
             <a:endParaRPr lang="en-GB" dirty="0"/>
@@ -20776,10 +21484,17 @@
   <p:clrMapOvr>
     <a:masterClrMapping/>
   </p:clrMapOvr>
+  <p:timing>
+    <p:tnLst>
+      <p:par>
+        <p:cTn id="1" dur="indefinite" restart="never" nodeType="tmRoot"/>
+      </p:par>
+    </p:tnLst>
+  </p:timing>
 </p:sld>
 </file>
 
-<file path=ppt/slides/slide11.xml><?xml version="1.0" encoding="utf-8"?>
+<file path=ppt/slides/slide14.xml><?xml version="1.0" encoding="utf-8"?>
 <p:sld xmlns:a="http://schemas.openxmlformats.org/drawingml/2006/main" xmlns:r="http://schemas.openxmlformats.org/officeDocument/2006/relationships" xmlns:p="http://schemas.openxmlformats.org/presentationml/2006/main">
   <p:cSld>
     <p:spTree>
@@ -20812,9 +21527,10 @@
           <a:lstStyle/>
           <a:p>
             <a:r>
-              <a:rPr lang="en-GB" dirty="0"/>
+              <a:rPr lang="en-GB" dirty="0" smtClean="0"/>
               <a:t>Evaluation</a:t>
             </a:r>
+            <a:endParaRPr lang="en-GB" dirty="0"/>
           </a:p>
         </p:txBody>
       </p:sp>
@@ -20830,10 +21546,15 @@
         </p:nvSpPr>
         <p:spPr/>
         <p:txBody>
-          <a:bodyPr/>
+          <a:bodyPr>
+            <a:normAutofit/>
+          </a:bodyPr>
           <a:lstStyle/>
           <a:p>
-            <a:endParaRPr lang="en-GB"/>
+            <a:pPr marL="0" indent="0">
+              <a:buNone/>
+            </a:pPr>
+            <a:endParaRPr lang="en-GB" sz="3600" dirty="0" smtClean="0"/>
           </a:p>
         </p:txBody>
       </p:sp>
@@ -20850,7 +21571,7 @@
 </p:sld>
 </file>
 
-<file path=ppt/slides/slide12.xml><?xml version="1.0" encoding="utf-8"?>
+<file path=ppt/slides/slide15.xml><?xml version="1.0" encoding="utf-8"?>
 <p:sld xmlns:a="http://schemas.openxmlformats.org/drawingml/2006/main" xmlns:r="http://schemas.openxmlformats.org/officeDocument/2006/relationships" xmlns:p="http://schemas.openxmlformats.org/presentationml/2006/main">
   <p:cSld>
     <p:spTree>
@@ -20888,9 +21609,10 @@
           <a:lstStyle/>
           <a:p>
             <a:r>
-              <a:rPr lang="en-GB" dirty="0"/>
+              <a:rPr lang="en-GB" dirty="0" smtClean="0"/>
               <a:t>Thank you</a:t>
             </a:r>
+            <a:endParaRPr lang="en-GB" dirty="0"/>
           </a:p>
         </p:txBody>
       </p:sp>
@@ -20940,9 +21662,10 @@
           <a:lstStyle/>
           <a:p>
             <a:r>
-              <a:rPr lang="en-GB" dirty="0"/>
+              <a:rPr lang="en-GB" dirty="0" smtClean="0"/>
               <a:t>Group Dynamics</a:t>
             </a:r>
+            <a:endParaRPr lang="en-GB" dirty="0"/>
           </a:p>
         </p:txBody>
       </p:sp>
@@ -20956,7 +21679,12 @@
             <p:ph idx="1"/>
           </p:nvPr>
         </p:nvSpPr>
-        <p:spPr/>
+        <p:spPr>
+          <a:xfrm>
+            <a:off x="1024128" y="2286000"/>
+            <a:ext cx="10123239" cy="4023360"/>
+          </a:xfrm>
+        </p:spPr>
         <p:txBody>
           <a:bodyPr>
             <a:normAutofit/>
@@ -20964,52 +21692,89 @@
           <a:lstStyle/>
           <a:p>
             <a:r>
-              <a:rPr lang="en-GB" dirty="0"/>
+              <a:rPr lang="en-GB" dirty="0" smtClean="0"/>
               <a:t>Each member of the group has suggested ideas and improvements throughout the ongoing weeks. </a:t>
             </a:r>
           </a:p>
           <a:p>
             <a:r>
-              <a:rPr lang="en-GB" dirty="0"/>
+              <a:rPr lang="en-GB" dirty="0" smtClean="0"/>
               <a:t>Luke – Set up </a:t>
             </a:r>
             <a:r>
-              <a:rPr lang="en-GB" dirty="0" err="1"/>
-              <a:t>Github</a:t>
+              <a:rPr lang="en-GB" dirty="0"/>
+              <a:t>G</a:t>
+            </a:r>
+            <a:r>
+              <a:rPr lang="en-GB" dirty="0" smtClean="0"/>
+              <a:t>ithub </a:t>
             </a:r>
             <a:r>
               <a:rPr lang="en-GB" dirty="0"/>
-              <a:t> platform, programmed artefact </a:t>
+              <a:t>platform, Pair programming </a:t>
+            </a:r>
+            <a:r>
+              <a:rPr lang="en-GB" dirty="0" smtClean="0"/>
+              <a:t>logs, programmed </a:t>
+            </a:r>
+            <a:r>
+              <a:rPr lang="en-GB" dirty="0"/>
+              <a:t>artefact, Product backlog </a:t>
+            </a:r>
+            <a:endParaRPr lang="en-GB" dirty="0" smtClean="0"/>
+          </a:p>
+          <a:p>
+            <a:r>
+              <a:rPr lang="en-GB" dirty="0" smtClean="0"/>
+              <a:t>Darius – Pair programming logs, Programmed artefact, </a:t>
+            </a:r>
+            <a:r>
+              <a:rPr lang="en-GB" dirty="0"/>
+              <a:t>Class Diagram, Product </a:t>
+            </a:r>
+            <a:r>
+              <a:rPr lang="en-GB" dirty="0" smtClean="0"/>
+              <a:t>backlog</a:t>
             </a:r>
           </a:p>
           <a:p>
             <a:r>
+              <a:rPr lang="en-GB" dirty="0" smtClean="0"/>
+              <a:t> Hayden – </a:t>
+            </a:r>
+            <a:r>
               <a:rPr lang="en-GB" dirty="0"/>
-              <a:t>Darius – Pair programming logs, Programmed artefact </a:t>
+              <a:t>Pair programming </a:t>
+            </a:r>
+            <a:r>
+              <a:rPr lang="en-GB" dirty="0" smtClean="0"/>
+              <a:t>logs, Programmed artefact </a:t>
             </a:r>
           </a:p>
           <a:p>
             <a:r>
+              <a:rPr lang="en-GB" dirty="0" smtClean="0"/>
+              <a:t>Savannah – </a:t>
+            </a:r>
+            <a:r>
               <a:rPr lang="en-GB" dirty="0"/>
-              <a:t>Hayden – Programmed artefact </a:t>
+              <a:t>Product backlog, sprint planning, user </a:t>
+            </a:r>
+            <a:r>
+              <a:rPr lang="en-GB" dirty="0" smtClean="0"/>
+              <a:t>stories, presentation</a:t>
             </a:r>
           </a:p>
           <a:p>
             <a:r>
-              <a:rPr lang="en-GB" dirty="0"/>
-              <a:t>Savannah – Product backlog, sprint planning, user stories, presentation</a:t>
-            </a:r>
-          </a:p>
-          <a:p>
-            <a:r>
-              <a:rPr lang="en-GB" dirty="0"/>
+              <a:rPr lang="en-GB" dirty="0" smtClean="0"/>
               <a:t>Caitlin – Product backlog, sprint planning, sprint backlog, user stories </a:t>
             </a:r>
           </a:p>
           <a:p>
             <a:r>
-              <a:rPr lang="en-GB" dirty="0"/>
-              <a:t>Jackson – UI</a:t>
+              <a:rPr lang="en-GB" dirty="0" smtClean="0"/>
+              <a:t>Jackson – UI, Pair Programming logs, Product backlog</a:t>
             </a:r>
           </a:p>
         </p:txBody>
@@ -21024,6 +21789,13 @@
   <p:clrMapOvr>
     <a:masterClrMapping/>
   </p:clrMapOvr>
+  <p:timing>
+    <p:tnLst>
+      <p:par>
+        <p:cTn id="1" dur="indefinite" restart="never" nodeType="tmRoot"/>
+      </p:par>
+    </p:tnLst>
+  </p:timing>
 </p:sld>
 </file>
 
@@ -21060,9 +21832,10 @@
           <a:lstStyle/>
           <a:p>
             <a:r>
-              <a:rPr lang="en-GB" dirty="0"/>
+              <a:rPr lang="en-GB" dirty="0" smtClean="0"/>
               <a:t>User Stories</a:t>
             </a:r>
+            <a:endParaRPr lang="en-GB" dirty="0"/>
           </a:p>
         </p:txBody>
       </p:sp>
@@ -21082,8 +21855,12 @@
           <a:lstStyle/>
           <a:p>
             <a:r>
+              <a:rPr lang="en-GB" b="1" dirty="0" smtClean="0"/>
+              <a:t>As </a:t>
+            </a:r>
+            <a:r>
               <a:rPr lang="en-GB" b="1" dirty="0"/>
-              <a:t>As a &lt; type of user &gt;, I want &lt; some goal &gt; so that &lt; some reason &gt;.</a:t>
+              <a:t>a &lt; type of user &gt;, I want &lt; some goal &gt; so that &lt; some reason &gt;.</a:t>
             </a:r>
             <a:endParaRPr lang="en-GB" dirty="0"/>
           </a:p>
@@ -21133,6 +21910,13 @@
   <p:clrMapOvr>
     <a:masterClrMapping/>
   </p:clrMapOvr>
+  <p:timing>
+    <p:tnLst>
+      <p:par>
+        <p:cTn id="1" dur="indefinite" restart="never" nodeType="tmRoot"/>
+      </p:par>
+    </p:tnLst>
+  </p:timing>
 </p:sld>
 </file>
 
@@ -21176,11 +21960,11 @@
           <a:lstStyle/>
           <a:p>
             <a:r>
-              <a:rPr lang="en-GB" dirty="0"/>
+              <a:rPr lang="en-GB" dirty="0" smtClean="0"/>
               <a:t>Product Backlog </a:t>
             </a:r>
             <a:br>
-              <a:rPr lang="en-GB" dirty="0"/>
+              <a:rPr lang="en-GB" dirty="0" smtClean="0"/>
             </a:br>
             <a:r>
               <a:rPr lang="en-GB" sz="1600" b="1" dirty="0"/>
@@ -21194,16 +21978,29 @@
               <a:rPr lang="en-GB" sz="1600" dirty="0"/>
             </a:br>
             <a:r>
+              <a:rPr lang="en-GB" sz="1600" dirty="0" smtClean="0"/>
+              <a:t>-Product </a:t>
+            </a:r>
+            <a:r>
               <a:rPr lang="en-GB" sz="1600" dirty="0"/>
-              <a:t>-Product backlog placed in correct sequence – Value/Cost/Knowledge/Risk</a:t>
+              <a:t>backlog placed in correct sequence – </a:t>
+            </a:r>
+            <a:r>
+              <a:rPr lang="en-GB" sz="1600" dirty="0" smtClean="0"/>
+              <a:t>Value/Cost/Knowledge/Risk</a:t>
+            </a:r>
+            <a:r>
+              <a:rPr lang="en-GB" dirty="0"/>
+              <a:t/>
             </a:r>
             <a:br>
               <a:rPr lang="en-GB" dirty="0"/>
             </a:br>
             <a:r>
-              <a:rPr lang="en-GB" dirty="0"/>
+              <a:rPr lang="en-GB" dirty="0" smtClean="0"/>
               <a:t>NOT FINISHED </a:t>
             </a:r>
+            <a:endParaRPr lang="en-GB" dirty="0"/>
           </a:p>
         </p:txBody>
       </p:sp>
@@ -21219,7 +22016,7 @@
         </p:nvGraphicFramePr>
         <p:xfrm>
           <a:off x="3649388" y="2226754"/>
-          <a:ext cx="4469362" cy="4098356"/>
+          <a:ext cx="4469362" cy="4141217"/>
         </p:xfrm>
         <a:graphic>
           <a:graphicData uri="http://schemas.openxmlformats.org/drawingml/2006/table">
@@ -22472,6 +23269,13 @@
   <p:clrMapOvr>
     <a:masterClrMapping/>
   </p:clrMapOvr>
+  <p:timing>
+    <p:tnLst>
+      <p:par>
+        <p:cTn id="1" dur="indefinite" restart="never" nodeType="tmRoot"/>
+      </p:par>
+    </p:tnLst>
+  </p:timing>
 </p:sld>
 </file>
 
@@ -22516,11 +23320,11 @@
           <a:p>
             <a:pPr lvl="0"/>
             <a:r>
-              <a:rPr lang="en-GB" dirty="0"/>
+              <a:rPr lang="en-GB" dirty="0" smtClean="0"/>
               <a:t>Sprint Planning </a:t>
             </a:r>
             <a:br>
-              <a:rPr lang="en-GB" dirty="0"/>
+              <a:rPr lang="en-GB" dirty="0" smtClean="0"/>
             </a:br>
             <a:r>
               <a:rPr lang="en-GB" sz="2200" dirty="0"/>
@@ -22532,6 +23336,10 @@
             <a:r>
               <a:rPr lang="en-GB" sz="2200" dirty="0"/>
               <a:t>During sprint planning the team have agreed on a sprint goal </a:t>
+            </a:r>
+            <a:r>
+              <a:rPr lang="en-GB" dirty="0"/>
+              <a:t/>
             </a:r>
             <a:br>
               <a:rPr lang="en-GB" dirty="0"/>
@@ -23356,6 +24164,13 @@
   <p:clrMapOvr>
     <a:masterClrMapping/>
   </p:clrMapOvr>
+  <p:timing>
+    <p:tnLst>
+      <p:par>
+        <p:cTn id="1" dur="indefinite" restart="never" nodeType="tmRoot"/>
+      </p:par>
+    </p:tnLst>
+  </p:timing>
 </p:sld>
 </file>
 
@@ -23397,9 +24212,10 @@
           <a:lstStyle/>
           <a:p>
             <a:r>
-              <a:rPr lang="en-GB" dirty="0"/>
+              <a:rPr lang="en-GB" dirty="0" smtClean="0"/>
               <a:t>Pair Programming Log: Driver: Darius Observer: Jackson</a:t>
             </a:r>
+            <a:endParaRPr lang="en-GB" dirty="0"/>
           </a:p>
         </p:txBody>
       </p:sp>
@@ -24407,6 +25223,13 @@
   <p:clrMapOvr>
     <a:masterClrMapping/>
   </p:clrMapOvr>
+  <p:timing>
+    <p:tnLst>
+      <p:par>
+        <p:cTn id="1" dur="indefinite" restart="never" nodeType="tmRoot"/>
+      </p:par>
+    </p:tnLst>
+  </p:timing>
 </p:sld>
 </file>
 
@@ -24448,9 +25271,10 @@
           <a:lstStyle/>
           <a:p>
             <a:r>
-              <a:rPr lang="en-GB" dirty="0"/>
+              <a:rPr lang="en-GB" dirty="0" smtClean="0"/>
               <a:t>Pair Programming Log: Driver: Jackson Observer: Darius</a:t>
             </a:r>
+            <a:endParaRPr lang="en-GB" dirty="0"/>
           </a:p>
         </p:txBody>
       </p:sp>
@@ -25110,70 +25934,482 @@
         </p:nvSpPr>
         <p:spPr>
           <a:xfrm>
-            <a:off x="907749" y="410649"/>
-            <a:ext cx="9720072" cy="1499616"/>
+            <a:off x="778932" y="551350"/>
+            <a:ext cx="11125201" cy="1480650"/>
           </a:xfrm>
         </p:spPr>
         <p:txBody>
-          <a:bodyPr>
-            <a:normAutofit fontScale="90000"/>
-          </a:bodyPr>
+          <a:bodyPr/>
           <a:lstStyle/>
           <a:p>
             <a:r>
-              <a:rPr lang="en-GB" dirty="0"/>
-              <a:t>Sprint Backlog </a:t>
+              <a:rPr lang="en-GB" dirty="0" smtClean="0"/>
+              <a:t>Pair Programming Log: Driver: Luke Observer: Darius</a:t>
             </a:r>
-            <a:br>
-              <a:rPr lang="en-GB" dirty="0"/>
-            </a:br>
-            <a:r>
-              <a:rPr lang="en-GB" sz="1600" dirty="0"/>
-              <a:t>Sprint Backlog is a list a task identified by the scrum team </a:t>
-            </a:r>
-            <a:br>
-              <a:rPr lang="en-GB" dirty="0"/>
-            </a:br>
             <a:endParaRPr lang="en-GB" dirty="0"/>
           </a:p>
         </p:txBody>
       </p:sp>
-      <p:pic>
-        <p:nvPicPr>
-          <p:cNvPr id="5" name="Content Placeholder 4"/>
-          <p:cNvPicPr>
-            <a:picLocks noGrp="1"/>
-          </p:cNvPicPr>
-          <p:nvPr>
-            <p:ph idx="1"/>
-          </p:nvPr>
-        </p:nvPicPr>
-        <p:blipFill>
-          <a:blip r:embed="rId2"/>
-          <a:stretch>
-            <a:fillRect/>
-          </a:stretch>
-        </p:blipFill>
-        <p:spPr>
+      <p:sp>
+        <p:nvSpPr>
+          <p:cNvPr id="5" name="Rectangle 1"/>
+          <p:cNvSpPr>
+            <a:spLocks noChangeArrowheads="1"/>
+          </p:cNvSpPr>
+          <p:nvPr/>
+        </p:nvSpPr>
+        <p:spPr bwMode="auto">
           <a:xfrm>
-            <a:off x="2145506" y="2482850"/>
-            <a:ext cx="7477125" cy="3629025"/>
+            <a:off x="917045" y="2217738"/>
+            <a:ext cx="14128073" cy="779012"/>
           </a:xfrm>
           <a:prstGeom prst="rect">
             <a:avLst/>
           </a:prstGeom>
+          <a:noFill/>
+          <a:ln>
+            <a:noFill/>
+          </a:ln>
+          <a:effectLst/>
+          <a:extLst>
+            <a:ext uri="{909E8E84-426E-40DD-AFC4-6F175D3DCCD1}">
+              <a14:hiddenFill xmlns:a14="http://schemas.microsoft.com/office/drawing/2010/main">
+                <a:solidFill>
+                  <a:schemeClr val="accent1"/>
+                </a:solidFill>
+              </a14:hiddenFill>
+            </a:ext>
+            <a:ext uri="{91240B29-F687-4F45-9708-019B960494DF}">
+              <a14:hiddenLine xmlns:a14="http://schemas.microsoft.com/office/drawing/2010/main" w="9525">
+                <a:solidFill>
+                  <a:schemeClr val="tx1"/>
+                </a:solidFill>
+                <a:miter lim="800000"/>
+                <a:headEnd/>
+                <a:tailEnd/>
+              </a14:hiddenLine>
+            </a:ext>
+            <a:ext uri="{AF507438-7753-43E0-B8FC-AC1667EBCBE1}">
+              <a14:hiddenEffects xmlns:a14="http://schemas.microsoft.com/office/drawing/2010/main">
+                <a:effectLst>
+                  <a:outerShdw dist="35921" dir="2700000" algn="ctr" rotWithShape="0">
+                    <a:schemeClr val="bg2"/>
+                  </a:outerShdw>
+                </a:effectLst>
+              </a14:hiddenEffects>
+            </a:ext>
+          </a:extLst>
         </p:spPr>
-      </p:pic>
+        <p:txBody>
+          <a:bodyPr vert="horz" wrap="square" lIns="91440" tIns="45720" rIns="91440" bIns="45720" numCol="1" anchor="ctr" anchorCtr="0" compatLnSpc="1">
+            <a:prstTxWarp prst="textNoShape">
+              <a:avLst/>
+            </a:prstTxWarp>
+            <a:spAutoFit/>
+          </a:bodyPr>
+          <a:lstStyle/>
+          <a:p>
+            <a:endParaRPr lang="en-GB"/>
+          </a:p>
+        </p:txBody>
+      </p:sp>
+      <p:graphicFrame>
+        <p:nvGraphicFramePr>
+          <p:cNvPr id="6" name="Table 5"/>
+          <p:cNvGraphicFramePr>
+            <a:graphicFrameLocks noGrp="1"/>
+          </p:cNvGraphicFramePr>
+          <p:nvPr>
+            <p:extLst>
+              <p:ext uri="{D42A27DB-BD31-4B8C-83A1-F6EECF244321}">
+                <p14:modId xmlns:p14="http://schemas.microsoft.com/office/powerpoint/2010/main" val="4067182846"/>
+              </p:ext>
+            </p:extLst>
+          </p:nvPr>
+        </p:nvGraphicFramePr>
+        <p:xfrm>
+          <a:off x="917045" y="2132093"/>
+          <a:ext cx="8514822" cy="3946974"/>
+        </p:xfrm>
+        <a:graphic>
+          <a:graphicData uri="http://schemas.openxmlformats.org/drawingml/2006/table">
+            <a:tbl>
+              <a:tblPr firstRow="1" firstCol="1" bandRow="1">
+                <a:tableStyleId>{5C22544A-7EE6-4342-B048-85BDC9FD1C3A}</a:tableStyleId>
+              </a:tblPr>
+              <a:tblGrid>
+                <a:gridCol w="1182808">
+                  <a:extLst>
+                    <a:ext uri="{9D8B030D-6E8A-4147-A177-3AD203B41FA5}">
+                      <a16:colId xmlns:a16="http://schemas.microsoft.com/office/drawing/2014/main" val="1884765567"/>
+                    </a:ext>
+                  </a:extLst>
+                </a:gridCol>
+                <a:gridCol w="1182808">
+                  <a:extLst>
+                    <a:ext uri="{9D8B030D-6E8A-4147-A177-3AD203B41FA5}">
+                      <a16:colId xmlns:a16="http://schemas.microsoft.com/office/drawing/2014/main" val="1537563384"/>
+                    </a:ext>
+                  </a:extLst>
+                </a:gridCol>
+                <a:gridCol w="1143613">
+                  <a:extLst>
+                    <a:ext uri="{9D8B030D-6E8A-4147-A177-3AD203B41FA5}">
+                      <a16:colId xmlns:a16="http://schemas.microsoft.com/office/drawing/2014/main" val="159401367"/>
+                    </a:ext>
+                  </a:extLst>
+                </a:gridCol>
+                <a:gridCol w="1891795">
+                  <a:extLst>
+                    <a:ext uri="{9D8B030D-6E8A-4147-A177-3AD203B41FA5}">
+                      <a16:colId xmlns:a16="http://schemas.microsoft.com/office/drawing/2014/main" val="823949198"/>
+                    </a:ext>
+                  </a:extLst>
+                </a:gridCol>
+                <a:gridCol w="3113798">
+                  <a:extLst>
+                    <a:ext uri="{9D8B030D-6E8A-4147-A177-3AD203B41FA5}">
+                      <a16:colId xmlns:a16="http://schemas.microsoft.com/office/drawing/2014/main" val="792283402"/>
+                    </a:ext>
+                  </a:extLst>
+                </a:gridCol>
+              </a:tblGrid>
+              <a:tr h="1518830">
+                <a:tc>
+                  <a:txBody>
+                    <a:bodyPr/>
+                    <a:lstStyle/>
+                    <a:p>
+                      <a:pPr>
+                        <a:lnSpc>
+                          <a:spcPct val="107000"/>
+                        </a:lnSpc>
+                        <a:spcAft>
+                          <a:spcPts val="0"/>
+                        </a:spcAft>
+                      </a:pPr>
+                      <a:r>
+                        <a:rPr lang="en-GB" sz="1100">
+                          <a:effectLst/>
+                        </a:rPr>
+                        <a:t>Time session started</a:t>
+                      </a:r>
+                      <a:endParaRPr lang="en-GB" sz="1100">
+                        <a:effectLst/>
+                        <a:latin typeface="Calibri" panose="020F0502020204030204" pitchFamily="34" charset="0"/>
+                        <a:ea typeface="Calibri" panose="020F0502020204030204" pitchFamily="34" charset="0"/>
+                        <a:cs typeface="Times New Roman" panose="02020603050405020304" pitchFamily="18" charset="0"/>
+                      </a:endParaRPr>
+                    </a:p>
+                  </a:txBody>
+                  <a:tcPr marL="68580" marR="68580" marT="0" marB="0"/>
+                </a:tc>
+                <a:tc>
+                  <a:txBody>
+                    <a:bodyPr/>
+                    <a:lstStyle/>
+                    <a:p>
+                      <a:pPr>
+                        <a:lnSpc>
+                          <a:spcPct val="107000"/>
+                        </a:lnSpc>
+                        <a:spcAft>
+                          <a:spcPts val="0"/>
+                        </a:spcAft>
+                      </a:pPr>
+                      <a:r>
+                        <a:rPr lang="en-GB" sz="1100">
+                          <a:effectLst/>
+                        </a:rPr>
+                        <a:t>Number of lines of code written</a:t>
+                      </a:r>
+                      <a:endParaRPr lang="en-GB" sz="1100">
+                        <a:effectLst/>
+                        <a:latin typeface="Calibri" panose="020F0502020204030204" pitchFamily="34" charset="0"/>
+                        <a:ea typeface="Calibri" panose="020F0502020204030204" pitchFamily="34" charset="0"/>
+                        <a:cs typeface="Times New Roman" panose="02020603050405020304" pitchFamily="18" charset="0"/>
+                      </a:endParaRPr>
+                    </a:p>
+                  </a:txBody>
+                  <a:tcPr marL="68580" marR="68580" marT="0" marB="0"/>
+                </a:tc>
+                <a:tc>
+                  <a:txBody>
+                    <a:bodyPr/>
+                    <a:lstStyle/>
+                    <a:p>
+                      <a:pPr>
+                        <a:lnSpc>
+                          <a:spcPct val="107000"/>
+                        </a:lnSpc>
+                        <a:spcAft>
+                          <a:spcPts val="0"/>
+                        </a:spcAft>
+                      </a:pPr>
+                      <a:r>
+                        <a:rPr lang="en-GB" sz="1100">
+                          <a:effectLst/>
+                        </a:rPr>
+                        <a:t>Errors spotted (and by whom)</a:t>
+                      </a:r>
+                      <a:endParaRPr lang="en-GB" sz="1100">
+                        <a:effectLst/>
+                        <a:latin typeface="Calibri" panose="020F0502020204030204" pitchFamily="34" charset="0"/>
+                        <a:ea typeface="Calibri" panose="020F0502020204030204" pitchFamily="34" charset="0"/>
+                        <a:cs typeface="Times New Roman" panose="02020603050405020304" pitchFamily="18" charset="0"/>
+                      </a:endParaRPr>
+                    </a:p>
+                  </a:txBody>
+                  <a:tcPr marL="68580" marR="68580" marT="0" marB="0"/>
+                </a:tc>
+                <a:tc>
+                  <a:txBody>
+                    <a:bodyPr/>
+                    <a:lstStyle/>
+                    <a:p>
+                      <a:pPr>
+                        <a:lnSpc>
+                          <a:spcPct val="107000"/>
+                        </a:lnSpc>
+                        <a:spcAft>
+                          <a:spcPts val="0"/>
+                        </a:spcAft>
+                      </a:pPr>
+                      <a:r>
+                        <a:rPr lang="en-GB" sz="1100">
+                          <a:effectLst/>
+                        </a:rPr>
+                        <a:t>Activity (what’s being coded), or tested, or compiled</a:t>
+                      </a:r>
+                      <a:endParaRPr lang="en-GB" sz="1100">
+                        <a:effectLst/>
+                        <a:latin typeface="Calibri" panose="020F0502020204030204" pitchFamily="34" charset="0"/>
+                        <a:ea typeface="Calibri" panose="020F0502020204030204" pitchFamily="34" charset="0"/>
+                        <a:cs typeface="Times New Roman" panose="02020603050405020304" pitchFamily="18" charset="0"/>
+                      </a:endParaRPr>
+                    </a:p>
+                  </a:txBody>
+                  <a:tcPr marL="68580" marR="68580" marT="0" marB="0"/>
+                </a:tc>
+                <a:tc>
+                  <a:txBody>
+                    <a:bodyPr/>
+                    <a:lstStyle/>
+                    <a:p>
+                      <a:pPr>
+                        <a:lnSpc>
+                          <a:spcPct val="107000"/>
+                        </a:lnSpc>
+                        <a:spcAft>
+                          <a:spcPts val="0"/>
+                        </a:spcAft>
+                      </a:pPr>
+                      <a:r>
+                        <a:rPr lang="en-GB" sz="1100">
+                          <a:effectLst/>
+                        </a:rPr>
+                        <a:t>Comments</a:t>
+                      </a:r>
+                      <a:endParaRPr lang="en-GB" sz="1100">
+                        <a:effectLst/>
+                        <a:latin typeface="Calibri" panose="020F0502020204030204" pitchFamily="34" charset="0"/>
+                        <a:ea typeface="Calibri" panose="020F0502020204030204" pitchFamily="34" charset="0"/>
+                        <a:cs typeface="Times New Roman" panose="02020603050405020304" pitchFamily="18" charset="0"/>
+                      </a:endParaRPr>
+                    </a:p>
+                  </a:txBody>
+                  <a:tcPr marL="68580" marR="68580" marT="0" marB="0"/>
+                </a:tc>
+                <a:extLst>
+                  <a:ext uri="{0D108BD9-81ED-4DB2-BD59-A6C34878D82A}">
+                    <a16:rowId xmlns:a16="http://schemas.microsoft.com/office/drawing/2014/main" val="3644757114"/>
+                  </a:ext>
+                </a:extLst>
+              </a:tr>
+              <a:tr h="2428144">
+                <a:tc>
+                  <a:txBody>
+                    <a:bodyPr/>
+                    <a:lstStyle/>
+                    <a:p>
+                      <a:pPr>
+                        <a:lnSpc>
+                          <a:spcPct val="107000"/>
+                        </a:lnSpc>
+                        <a:spcAft>
+                          <a:spcPts val="0"/>
+                        </a:spcAft>
+                      </a:pPr>
+                      <a:r>
+                        <a:rPr lang="en-GB" sz="1000">
+                          <a:effectLst/>
+                        </a:rPr>
+                        <a:t>31/10/2019</a:t>
+                      </a:r>
+                      <a:br>
+                        <a:rPr lang="en-GB" sz="1000">
+                          <a:effectLst/>
+                        </a:rPr>
+                      </a:br>
+                      <a:r>
+                        <a:rPr lang="en-GB" sz="1000">
+                          <a:effectLst/>
+                        </a:rPr>
+                        <a:t>1:30pm – 3:00pm</a:t>
+                      </a:r>
+                      <a:endParaRPr lang="en-GB" sz="1100">
+                        <a:effectLst/>
+                        <a:latin typeface="Calibri" panose="020F0502020204030204" pitchFamily="34" charset="0"/>
+                        <a:ea typeface="Calibri" panose="020F0502020204030204" pitchFamily="34" charset="0"/>
+                        <a:cs typeface="Times New Roman" panose="02020603050405020304" pitchFamily="18" charset="0"/>
+                      </a:endParaRPr>
+                    </a:p>
+                  </a:txBody>
+                  <a:tcPr marL="68580" marR="68580" marT="0" marB="0"/>
+                </a:tc>
+                <a:tc>
+                  <a:txBody>
+                    <a:bodyPr/>
+                    <a:lstStyle/>
+                    <a:p>
+                      <a:pPr>
+                        <a:lnSpc>
+                          <a:spcPct val="107000"/>
+                        </a:lnSpc>
+                        <a:spcAft>
+                          <a:spcPts val="0"/>
+                        </a:spcAft>
+                      </a:pPr>
+                      <a:r>
+                        <a:rPr lang="en-GB" sz="1000">
+                          <a:effectLst/>
+                        </a:rPr>
+                        <a:t>55 Lines of code (Newspanel class) </a:t>
+                      </a:r>
+                      <a:endParaRPr lang="en-GB" sz="1100">
+                        <a:effectLst/>
+                        <a:latin typeface="Calibri" panose="020F0502020204030204" pitchFamily="34" charset="0"/>
+                        <a:ea typeface="Calibri" panose="020F0502020204030204" pitchFamily="34" charset="0"/>
+                        <a:cs typeface="Times New Roman" panose="02020603050405020304" pitchFamily="18" charset="0"/>
+                      </a:endParaRPr>
+                    </a:p>
+                  </a:txBody>
+                  <a:tcPr marL="68580" marR="68580" marT="0" marB="0"/>
+                </a:tc>
+                <a:tc>
+                  <a:txBody>
+                    <a:bodyPr/>
+                    <a:lstStyle/>
+                    <a:p>
+                      <a:pPr>
+                        <a:lnSpc>
+                          <a:spcPct val="107000"/>
+                        </a:lnSpc>
+                        <a:spcAft>
+                          <a:spcPts val="0"/>
+                        </a:spcAft>
+                      </a:pPr>
+                      <a:r>
+                        <a:rPr lang="en-GB" sz="1000">
+                          <a:effectLst/>
+                        </a:rPr>
+                        <a:t>Some invalid arguments when adding news articles. Darius has spotted the errors </a:t>
+                      </a:r>
+                      <a:endParaRPr lang="en-GB" sz="1100">
+                        <a:effectLst/>
+                        <a:latin typeface="Calibri" panose="020F0502020204030204" pitchFamily="34" charset="0"/>
+                        <a:ea typeface="Calibri" panose="020F0502020204030204" pitchFamily="34" charset="0"/>
+                        <a:cs typeface="Times New Roman" panose="02020603050405020304" pitchFamily="18" charset="0"/>
+                      </a:endParaRPr>
+                    </a:p>
+                  </a:txBody>
+                  <a:tcPr marL="68580" marR="68580" marT="0" marB="0"/>
+                </a:tc>
+                <a:tc>
+                  <a:txBody>
+                    <a:bodyPr/>
+                    <a:lstStyle/>
+                    <a:p>
+                      <a:pPr>
+                        <a:lnSpc>
+                          <a:spcPct val="107000"/>
+                        </a:lnSpc>
+                        <a:spcAft>
+                          <a:spcPts val="0"/>
+                        </a:spcAft>
+                      </a:pPr>
+                      <a:r>
+                        <a:rPr lang="en-GB" sz="1000">
+                          <a:effectLst/>
+                        </a:rPr>
+                        <a:t>Coding news articles for the user interface  </a:t>
+                      </a:r>
+                      <a:endParaRPr lang="en-GB" sz="1100">
+                        <a:effectLst/>
+                        <a:latin typeface="Calibri" panose="020F0502020204030204" pitchFamily="34" charset="0"/>
+                        <a:ea typeface="Calibri" panose="020F0502020204030204" pitchFamily="34" charset="0"/>
+                        <a:cs typeface="Times New Roman" panose="02020603050405020304" pitchFamily="18" charset="0"/>
+                      </a:endParaRPr>
+                    </a:p>
+                  </a:txBody>
+                  <a:tcPr marL="68580" marR="68580" marT="0" marB="0"/>
+                </a:tc>
+                <a:tc>
+                  <a:txBody>
+                    <a:bodyPr/>
+                    <a:lstStyle/>
+                    <a:p>
+                      <a:pPr>
+                        <a:lnSpc>
+                          <a:spcPct val="107000"/>
+                        </a:lnSpc>
+                        <a:spcAft>
+                          <a:spcPts val="0"/>
+                        </a:spcAft>
+                      </a:pPr>
+                      <a:r>
+                        <a:rPr lang="en-GB" sz="1000" dirty="0">
+                          <a:effectLst/>
+                        </a:rPr>
+                        <a:t>N/A</a:t>
+                      </a:r>
+                      <a:endParaRPr lang="en-GB" sz="1100" dirty="0">
+                        <a:effectLst/>
+                        <a:latin typeface="Calibri" panose="020F0502020204030204" pitchFamily="34" charset="0"/>
+                        <a:ea typeface="Calibri" panose="020F0502020204030204" pitchFamily="34" charset="0"/>
+                        <a:cs typeface="Times New Roman" panose="02020603050405020304" pitchFamily="18" charset="0"/>
+                      </a:endParaRPr>
+                    </a:p>
+                  </a:txBody>
+                  <a:tcPr marL="68580" marR="68580" marT="0" marB="0"/>
+                </a:tc>
+                <a:extLst>
+                  <a:ext uri="{0D108BD9-81ED-4DB2-BD59-A6C34878D82A}">
+                    <a16:rowId xmlns:a16="http://schemas.microsoft.com/office/drawing/2014/main" val="3548271114"/>
+                  </a:ext>
+                </a:extLst>
+              </a:tr>
+            </a:tbl>
+          </a:graphicData>
+        </a:graphic>
+      </p:graphicFrame>
     </p:spTree>
     <p:extLst>
       <p:ext uri="{BB962C8B-B14F-4D97-AF65-F5344CB8AC3E}">
-        <p14:creationId xmlns:p14="http://schemas.microsoft.com/office/powerpoint/2010/main" val="1273718308"/>
+        <p14:creationId xmlns:p14="http://schemas.microsoft.com/office/powerpoint/2010/main" val="2303453692"/>
       </p:ext>
     </p:extLst>
   </p:cSld>
   <p:clrMapOvr>
     <a:masterClrMapping/>
   </p:clrMapOvr>
+  <p:timing>
+    <p:tnLst>
+      <p:par>
+        <p:cTn id="1" dur="indefinite" restart="never" nodeType="tmRoot"/>
+      </p:par>
+    </p:tnLst>
+  </p:timing>
 </p:sld>
 </file>
 
@@ -25196,13 +26432,7 @@
       </p:grpSpPr>
       <p:sp>
         <p:nvSpPr>
-          <p:cNvPr id="2" name="Title 1">
-            <a:extLst>
-              <a:ext uri="{FF2B5EF4-FFF2-40B4-BE49-F238E27FC236}">
-                <a16:creationId xmlns:a16="http://schemas.microsoft.com/office/drawing/2014/main" id="{2959601F-B207-438D-9C72-46864FF4855C}"/>
-              </a:ext>
-            </a:extLst>
-          </p:cNvPr>
+          <p:cNvPr id="2" name="Title 1"/>
           <p:cNvSpPr>
             <a:spLocks noGrp="1"/>
           </p:cNvSpPr>
@@ -25210,57 +26440,518 @@
             <p:ph type="title"/>
           </p:nvPr>
         </p:nvSpPr>
-        <p:spPr/>
+        <p:spPr>
+          <a:xfrm>
+            <a:off x="778932" y="551350"/>
+            <a:ext cx="11125201" cy="1480650"/>
+          </a:xfrm>
+        </p:spPr>
         <p:txBody>
           <a:bodyPr/>
           <a:lstStyle/>
           <a:p>
             <a:r>
-              <a:rPr lang="en-GB" dirty="0"/>
-              <a:t>Class Diagram</a:t>
+              <a:rPr lang="en-GB" dirty="0" smtClean="0"/>
+              <a:t>Pair Programming Log: Driver: Luke Observer: Hayden</a:t>
             </a:r>
+            <a:endParaRPr lang="en-GB" dirty="0"/>
           </a:p>
         </p:txBody>
       </p:sp>
-      <p:pic>
-        <p:nvPicPr>
-          <p:cNvPr id="4" name="Picture 3">
-            <a:extLst>
-              <a:ext uri="{FF2B5EF4-FFF2-40B4-BE49-F238E27FC236}">
-                <a16:creationId xmlns:a16="http://schemas.microsoft.com/office/drawing/2014/main" id="{CA93437F-9BA3-4AB8-96FC-25ED992F4B5B}"/>
-              </a:ext>
-            </a:extLst>
-          </p:cNvPr>
-          <p:cNvPicPr>
-            <a:picLocks noChangeAspect="1"/>
-          </p:cNvPicPr>
+      <p:sp>
+        <p:nvSpPr>
+          <p:cNvPr id="5" name="Rectangle 1"/>
+          <p:cNvSpPr>
+            <a:spLocks noChangeArrowheads="1"/>
+          </p:cNvSpPr>
           <p:nvPr/>
-        </p:nvPicPr>
-        <p:blipFill rotWithShape="1">
-          <a:blip r:embed="rId2"/>
-          <a:srcRect l="8274" t="13293" b="-1060"/>
-          <a:stretch/>
-        </p:blipFill>
-        <p:spPr>
+        </p:nvSpPr>
+        <p:spPr bwMode="auto">
           <a:xfrm>
-            <a:off x="833353" y="2005892"/>
-            <a:ext cx="10683717" cy="4665872"/>
+            <a:off x="917045" y="2217738"/>
+            <a:ext cx="14128073" cy="779012"/>
           </a:xfrm>
           <a:prstGeom prst="rect">
             <a:avLst/>
           </a:prstGeom>
+          <a:noFill/>
+          <a:ln>
+            <a:noFill/>
+          </a:ln>
+          <a:effectLst/>
+          <a:extLst>
+            <a:ext uri="{909E8E84-426E-40DD-AFC4-6F175D3DCCD1}">
+              <a14:hiddenFill xmlns:a14="http://schemas.microsoft.com/office/drawing/2010/main">
+                <a:solidFill>
+                  <a:schemeClr val="accent1"/>
+                </a:solidFill>
+              </a14:hiddenFill>
+            </a:ext>
+            <a:ext uri="{91240B29-F687-4F45-9708-019B960494DF}">
+              <a14:hiddenLine xmlns:a14="http://schemas.microsoft.com/office/drawing/2010/main" w="9525">
+                <a:solidFill>
+                  <a:schemeClr val="tx1"/>
+                </a:solidFill>
+                <a:miter lim="800000"/>
+                <a:headEnd/>
+                <a:tailEnd/>
+              </a14:hiddenLine>
+            </a:ext>
+            <a:ext uri="{AF507438-7753-43E0-B8FC-AC1667EBCBE1}">
+              <a14:hiddenEffects xmlns:a14="http://schemas.microsoft.com/office/drawing/2010/main">
+                <a:effectLst>
+                  <a:outerShdw dist="35921" dir="2700000" algn="ctr" rotWithShape="0">
+                    <a:schemeClr val="bg2"/>
+                  </a:outerShdw>
+                </a:effectLst>
+              </a14:hiddenEffects>
+            </a:ext>
+          </a:extLst>
         </p:spPr>
-      </p:pic>
+        <p:txBody>
+          <a:bodyPr vert="horz" wrap="square" lIns="91440" tIns="45720" rIns="91440" bIns="45720" numCol="1" anchor="ctr" anchorCtr="0" compatLnSpc="1">
+            <a:prstTxWarp prst="textNoShape">
+              <a:avLst/>
+            </a:prstTxWarp>
+            <a:spAutoFit/>
+          </a:bodyPr>
+          <a:lstStyle/>
+          <a:p>
+            <a:endParaRPr lang="en-GB"/>
+          </a:p>
+        </p:txBody>
+      </p:sp>
+      <p:graphicFrame>
+        <p:nvGraphicFramePr>
+          <p:cNvPr id="4" name="Table 3"/>
+          <p:cNvGraphicFramePr>
+            <a:graphicFrameLocks noGrp="1"/>
+          </p:cNvGraphicFramePr>
+          <p:nvPr>
+            <p:extLst>
+              <p:ext uri="{D42A27DB-BD31-4B8C-83A1-F6EECF244321}">
+                <p14:modId xmlns:p14="http://schemas.microsoft.com/office/powerpoint/2010/main" val="1835689356"/>
+              </p:ext>
+            </p:extLst>
+          </p:nvPr>
+        </p:nvGraphicFramePr>
+        <p:xfrm>
+          <a:off x="778932" y="2217738"/>
+          <a:ext cx="9719733" cy="3708400"/>
+        </p:xfrm>
+        <a:graphic>
+          <a:graphicData uri="http://schemas.openxmlformats.org/drawingml/2006/table">
+            <a:tbl>
+              <a:tblPr firstRow="1" firstCol="1" bandRow="1">
+                <a:tableStyleId>{5C22544A-7EE6-4342-B048-85BDC9FD1C3A}</a:tableStyleId>
+              </a:tblPr>
+              <a:tblGrid>
+                <a:gridCol w="1350184">
+                  <a:extLst>
+                    <a:ext uri="{9D8B030D-6E8A-4147-A177-3AD203B41FA5}">
+                      <a16:colId xmlns:a16="http://schemas.microsoft.com/office/drawing/2014/main" val="1048540984"/>
+                    </a:ext>
+                  </a:extLst>
+                </a:gridCol>
+                <a:gridCol w="1350184">
+                  <a:extLst>
+                    <a:ext uri="{9D8B030D-6E8A-4147-A177-3AD203B41FA5}">
+                      <a16:colId xmlns:a16="http://schemas.microsoft.com/office/drawing/2014/main" val="2445411088"/>
+                    </a:ext>
+                  </a:extLst>
+                </a:gridCol>
+                <a:gridCol w="1305442">
+                  <a:extLst>
+                    <a:ext uri="{9D8B030D-6E8A-4147-A177-3AD203B41FA5}">
+                      <a16:colId xmlns:a16="http://schemas.microsoft.com/office/drawing/2014/main" val="2690907219"/>
+                    </a:ext>
+                  </a:extLst>
+                </a:gridCol>
+                <a:gridCol w="2159499">
+                  <a:extLst>
+                    <a:ext uri="{9D8B030D-6E8A-4147-A177-3AD203B41FA5}">
+                      <a16:colId xmlns:a16="http://schemas.microsoft.com/office/drawing/2014/main" val="2581217375"/>
+                    </a:ext>
+                  </a:extLst>
+                </a:gridCol>
+                <a:gridCol w="3554424">
+                  <a:extLst>
+                    <a:ext uri="{9D8B030D-6E8A-4147-A177-3AD203B41FA5}">
+                      <a16:colId xmlns:a16="http://schemas.microsoft.com/office/drawing/2014/main" val="3951904435"/>
+                    </a:ext>
+                  </a:extLst>
+                </a:gridCol>
+              </a:tblGrid>
+              <a:tr h="1942536">
+                <a:tc>
+                  <a:txBody>
+                    <a:bodyPr/>
+                    <a:lstStyle/>
+                    <a:p>
+                      <a:pPr>
+                        <a:lnSpc>
+                          <a:spcPct val="107000"/>
+                        </a:lnSpc>
+                        <a:spcAft>
+                          <a:spcPts val="0"/>
+                        </a:spcAft>
+                      </a:pPr>
+                      <a:r>
+                        <a:rPr lang="en-GB" sz="1100">
+                          <a:effectLst/>
+                        </a:rPr>
+                        <a:t>Time session started</a:t>
+                      </a:r>
+                      <a:endParaRPr lang="en-GB" sz="1100">
+                        <a:effectLst/>
+                        <a:latin typeface="Calibri" panose="020F0502020204030204" pitchFamily="34" charset="0"/>
+                        <a:ea typeface="Calibri" panose="020F0502020204030204" pitchFamily="34" charset="0"/>
+                        <a:cs typeface="Times New Roman" panose="02020603050405020304" pitchFamily="18" charset="0"/>
+                      </a:endParaRPr>
+                    </a:p>
+                  </a:txBody>
+                  <a:tcPr marL="68580" marR="68580" marT="0" marB="0"/>
+                </a:tc>
+                <a:tc>
+                  <a:txBody>
+                    <a:bodyPr/>
+                    <a:lstStyle/>
+                    <a:p>
+                      <a:pPr>
+                        <a:lnSpc>
+                          <a:spcPct val="107000"/>
+                        </a:lnSpc>
+                        <a:spcAft>
+                          <a:spcPts val="0"/>
+                        </a:spcAft>
+                      </a:pPr>
+                      <a:r>
+                        <a:rPr lang="en-GB" sz="1100">
+                          <a:effectLst/>
+                        </a:rPr>
+                        <a:t>Number of lines of code written</a:t>
+                      </a:r>
+                      <a:endParaRPr lang="en-GB" sz="1100">
+                        <a:effectLst/>
+                        <a:latin typeface="Calibri" panose="020F0502020204030204" pitchFamily="34" charset="0"/>
+                        <a:ea typeface="Calibri" panose="020F0502020204030204" pitchFamily="34" charset="0"/>
+                        <a:cs typeface="Times New Roman" panose="02020603050405020304" pitchFamily="18" charset="0"/>
+                      </a:endParaRPr>
+                    </a:p>
+                  </a:txBody>
+                  <a:tcPr marL="68580" marR="68580" marT="0" marB="0"/>
+                </a:tc>
+                <a:tc>
+                  <a:txBody>
+                    <a:bodyPr/>
+                    <a:lstStyle/>
+                    <a:p>
+                      <a:pPr>
+                        <a:lnSpc>
+                          <a:spcPct val="107000"/>
+                        </a:lnSpc>
+                        <a:spcAft>
+                          <a:spcPts val="0"/>
+                        </a:spcAft>
+                      </a:pPr>
+                      <a:r>
+                        <a:rPr lang="en-GB" sz="1100">
+                          <a:effectLst/>
+                        </a:rPr>
+                        <a:t>Errors spotted (and by whom)</a:t>
+                      </a:r>
+                      <a:endParaRPr lang="en-GB" sz="1100">
+                        <a:effectLst/>
+                        <a:latin typeface="Calibri" panose="020F0502020204030204" pitchFamily="34" charset="0"/>
+                        <a:ea typeface="Calibri" panose="020F0502020204030204" pitchFamily="34" charset="0"/>
+                        <a:cs typeface="Times New Roman" panose="02020603050405020304" pitchFamily="18" charset="0"/>
+                      </a:endParaRPr>
+                    </a:p>
+                  </a:txBody>
+                  <a:tcPr marL="68580" marR="68580" marT="0" marB="0"/>
+                </a:tc>
+                <a:tc>
+                  <a:txBody>
+                    <a:bodyPr/>
+                    <a:lstStyle/>
+                    <a:p>
+                      <a:pPr>
+                        <a:lnSpc>
+                          <a:spcPct val="107000"/>
+                        </a:lnSpc>
+                        <a:spcAft>
+                          <a:spcPts val="0"/>
+                        </a:spcAft>
+                      </a:pPr>
+                      <a:r>
+                        <a:rPr lang="en-GB" sz="1100">
+                          <a:effectLst/>
+                        </a:rPr>
+                        <a:t>Activity (what’s being coded), or tested, or compiled</a:t>
+                      </a:r>
+                      <a:endParaRPr lang="en-GB" sz="1100">
+                        <a:effectLst/>
+                        <a:latin typeface="Calibri" panose="020F0502020204030204" pitchFamily="34" charset="0"/>
+                        <a:ea typeface="Calibri" panose="020F0502020204030204" pitchFamily="34" charset="0"/>
+                        <a:cs typeface="Times New Roman" panose="02020603050405020304" pitchFamily="18" charset="0"/>
+                      </a:endParaRPr>
+                    </a:p>
+                  </a:txBody>
+                  <a:tcPr marL="68580" marR="68580" marT="0" marB="0"/>
+                </a:tc>
+                <a:tc>
+                  <a:txBody>
+                    <a:bodyPr/>
+                    <a:lstStyle/>
+                    <a:p>
+                      <a:pPr>
+                        <a:lnSpc>
+                          <a:spcPct val="107000"/>
+                        </a:lnSpc>
+                        <a:spcAft>
+                          <a:spcPts val="0"/>
+                        </a:spcAft>
+                      </a:pPr>
+                      <a:r>
+                        <a:rPr lang="en-GB" sz="1100">
+                          <a:effectLst/>
+                        </a:rPr>
+                        <a:t>Comments</a:t>
+                      </a:r>
+                      <a:endParaRPr lang="en-GB" sz="1100">
+                        <a:effectLst/>
+                        <a:latin typeface="Calibri" panose="020F0502020204030204" pitchFamily="34" charset="0"/>
+                        <a:ea typeface="Calibri" panose="020F0502020204030204" pitchFamily="34" charset="0"/>
+                        <a:cs typeface="Times New Roman" panose="02020603050405020304" pitchFamily="18" charset="0"/>
+                      </a:endParaRPr>
+                    </a:p>
+                  </a:txBody>
+                  <a:tcPr marL="68580" marR="68580" marT="0" marB="0"/>
+                </a:tc>
+                <a:extLst>
+                  <a:ext uri="{0D108BD9-81ED-4DB2-BD59-A6C34878D82A}">
+                    <a16:rowId xmlns:a16="http://schemas.microsoft.com/office/drawing/2014/main" val="2810814912"/>
+                  </a:ext>
+                </a:extLst>
+              </a:tr>
+              <a:tr h="1765864">
+                <a:tc>
+                  <a:txBody>
+                    <a:bodyPr/>
+                    <a:lstStyle/>
+                    <a:p>
+                      <a:pPr>
+                        <a:lnSpc>
+                          <a:spcPct val="107000"/>
+                        </a:lnSpc>
+                        <a:spcAft>
+                          <a:spcPts val="0"/>
+                        </a:spcAft>
+                      </a:pPr>
+                      <a:r>
+                        <a:rPr lang="en-GB" sz="1000">
+                          <a:effectLst/>
+                        </a:rPr>
+                        <a:t>30/10/2019</a:t>
+                      </a:r>
+                      <a:endParaRPr lang="en-GB" sz="1100">
+                        <a:effectLst/>
+                      </a:endParaRPr>
+                    </a:p>
+                    <a:p>
+                      <a:pPr>
+                        <a:lnSpc>
+                          <a:spcPct val="107000"/>
+                        </a:lnSpc>
+                        <a:spcAft>
+                          <a:spcPts val="0"/>
+                        </a:spcAft>
+                      </a:pPr>
+                      <a:r>
+                        <a:rPr lang="en-GB" sz="1000">
+                          <a:effectLst/>
+                        </a:rPr>
+                        <a:t>2:15pm-4:15pm</a:t>
+                      </a:r>
+                      <a:endParaRPr lang="en-GB" sz="1100">
+                        <a:effectLst/>
+                        <a:latin typeface="Calibri" panose="020F0502020204030204" pitchFamily="34" charset="0"/>
+                        <a:ea typeface="Calibri" panose="020F0502020204030204" pitchFamily="34" charset="0"/>
+                        <a:cs typeface="Times New Roman" panose="02020603050405020304" pitchFamily="18" charset="0"/>
+                      </a:endParaRPr>
+                    </a:p>
+                  </a:txBody>
+                  <a:tcPr marL="68580" marR="68580" marT="0" marB="0"/>
+                </a:tc>
+                <a:tc>
+                  <a:txBody>
+                    <a:bodyPr/>
+                    <a:lstStyle/>
+                    <a:p>
+                      <a:pPr>
+                        <a:lnSpc>
+                          <a:spcPct val="107000"/>
+                        </a:lnSpc>
+                        <a:spcAft>
+                          <a:spcPts val="0"/>
+                        </a:spcAft>
+                      </a:pPr>
+                      <a:r>
+                        <a:rPr lang="en-GB" sz="1000">
+                          <a:effectLst/>
+                        </a:rPr>
+                        <a:t>30 lines of codes </a:t>
+                      </a:r>
+                      <a:endParaRPr lang="en-GB" sz="1100">
+                        <a:effectLst/>
+                        <a:latin typeface="Calibri" panose="020F0502020204030204" pitchFamily="34" charset="0"/>
+                        <a:ea typeface="Calibri" panose="020F0502020204030204" pitchFamily="34" charset="0"/>
+                        <a:cs typeface="Times New Roman" panose="02020603050405020304" pitchFamily="18" charset="0"/>
+                      </a:endParaRPr>
+                    </a:p>
+                  </a:txBody>
+                  <a:tcPr marL="68580" marR="68580" marT="0" marB="0"/>
+                </a:tc>
+                <a:tc>
+                  <a:txBody>
+                    <a:bodyPr/>
+                    <a:lstStyle/>
+                    <a:p>
+                      <a:pPr>
+                        <a:lnSpc>
+                          <a:spcPct val="107000"/>
+                        </a:lnSpc>
+                        <a:spcAft>
+                          <a:spcPts val="0"/>
+                        </a:spcAft>
+                      </a:pPr>
+                      <a:r>
+                        <a:rPr lang="en-GB" sz="1000">
+                          <a:effectLst/>
+                        </a:rPr>
+                        <a:t>HTTP errors. Luke has spotted the errors.</a:t>
+                      </a:r>
+                      <a:endParaRPr lang="en-GB" sz="1100">
+                        <a:effectLst/>
+                        <a:latin typeface="Calibri" panose="020F0502020204030204" pitchFamily="34" charset="0"/>
+                        <a:ea typeface="Calibri" panose="020F0502020204030204" pitchFamily="34" charset="0"/>
+                        <a:cs typeface="Times New Roman" panose="02020603050405020304" pitchFamily="18" charset="0"/>
+                      </a:endParaRPr>
+                    </a:p>
+                  </a:txBody>
+                  <a:tcPr marL="68580" marR="68580" marT="0" marB="0"/>
+                </a:tc>
+                <a:tc>
+                  <a:txBody>
+                    <a:bodyPr/>
+                    <a:lstStyle/>
+                    <a:p>
+                      <a:pPr>
+                        <a:lnSpc>
+                          <a:spcPct val="107000"/>
+                        </a:lnSpc>
+                        <a:spcAft>
+                          <a:spcPts val="0"/>
+                        </a:spcAft>
+                      </a:pPr>
+                      <a:r>
+                        <a:rPr lang="en-GB" sz="1000">
+                          <a:effectLst/>
+                        </a:rPr>
+                        <a:t>Coded the API to work with the application as well as experimenting with it. </a:t>
+                      </a:r>
+                      <a:endParaRPr lang="en-GB" sz="1100">
+                        <a:effectLst/>
+                        <a:latin typeface="Calibri" panose="020F0502020204030204" pitchFamily="34" charset="0"/>
+                        <a:ea typeface="Calibri" panose="020F0502020204030204" pitchFamily="34" charset="0"/>
+                        <a:cs typeface="Times New Roman" panose="02020603050405020304" pitchFamily="18" charset="0"/>
+                      </a:endParaRPr>
+                    </a:p>
+                  </a:txBody>
+                  <a:tcPr marL="68580" marR="68580" marT="0" marB="0"/>
+                </a:tc>
+                <a:tc>
+                  <a:txBody>
+                    <a:bodyPr/>
+                    <a:lstStyle/>
+                    <a:p>
+                      <a:pPr>
+                        <a:lnSpc>
+                          <a:spcPct val="107000"/>
+                        </a:lnSpc>
+                        <a:spcAft>
+                          <a:spcPts val="0"/>
+                        </a:spcAft>
+                      </a:pPr>
+                      <a:r>
+                        <a:rPr lang="en-GB" sz="1000" dirty="0">
+                          <a:effectLst/>
+                        </a:rPr>
+                        <a:t>Used  this library </a:t>
+                      </a:r>
+                      <a:r>
+                        <a:rPr lang="en-GB" sz="1000" u="sng" dirty="0">
+                          <a:effectLst/>
+                          <a:hlinkClick r:id="rId2"/>
+                        </a:rPr>
+                        <a:t>https://newsapi.org/</a:t>
+                      </a:r>
+                      <a:endParaRPr lang="en-GB" sz="1100" dirty="0">
+                        <a:effectLst/>
+                      </a:endParaRPr>
+                    </a:p>
+                    <a:p>
+                      <a:pPr>
+                        <a:lnSpc>
+                          <a:spcPct val="107000"/>
+                        </a:lnSpc>
+                        <a:spcAft>
+                          <a:spcPts val="0"/>
+                        </a:spcAft>
+                      </a:pPr>
+                      <a:r>
+                        <a:rPr lang="en-GB" sz="1000" dirty="0">
+                          <a:effectLst/>
+                        </a:rPr>
+                        <a:t>to write our code for the news API</a:t>
+                      </a:r>
+                      <a:endParaRPr lang="en-GB" sz="1100" dirty="0">
+                        <a:effectLst/>
+                        <a:latin typeface="Calibri" panose="020F0502020204030204" pitchFamily="34" charset="0"/>
+                        <a:ea typeface="Calibri" panose="020F0502020204030204" pitchFamily="34" charset="0"/>
+                        <a:cs typeface="Times New Roman" panose="02020603050405020304" pitchFamily="18" charset="0"/>
+                      </a:endParaRPr>
+                    </a:p>
+                  </a:txBody>
+                  <a:tcPr marL="68580" marR="68580" marT="0" marB="0"/>
+                </a:tc>
+                <a:extLst>
+                  <a:ext uri="{0D108BD9-81ED-4DB2-BD59-A6C34878D82A}">
+                    <a16:rowId xmlns:a16="http://schemas.microsoft.com/office/drawing/2014/main" val="2290276428"/>
+                  </a:ext>
+                </a:extLst>
+              </a:tr>
+            </a:tbl>
+          </a:graphicData>
+        </a:graphic>
+      </p:graphicFrame>
     </p:spTree>
     <p:extLst>
       <p:ext uri="{BB962C8B-B14F-4D97-AF65-F5344CB8AC3E}">
-        <p14:creationId xmlns:p14="http://schemas.microsoft.com/office/powerpoint/2010/main" val="1332726532"/>
+        <p14:creationId xmlns:p14="http://schemas.microsoft.com/office/powerpoint/2010/main" val="1799454038"/>
       </p:ext>
     </p:extLst>
   </p:cSld>
   <p:clrMapOvr>
     <a:masterClrMapping/>
   </p:clrMapOvr>
+  <p:timing>
+    <p:tnLst>
+      <p:par>
+        <p:cTn id="1" dur="indefinite" restart="never" nodeType="tmRoot"/>
+      </p:par>
+    </p:tnLst>
+  </p:timing>
 </p:sld>
 </file>
 

--- a/Software Presentation.pptx
+++ b/Software Presentation.pptx
@@ -8,18 +8,19 @@
     <p:sldId id="256" r:id="rId2"/>
     <p:sldId id="257" r:id="rId3"/>
     <p:sldId id="264" r:id="rId4"/>
-    <p:sldId id="263" r:id="rId5"/>
-    <p:sldId id="258" r:id="rId6"/>
-    <p:sldId id="265" r:id="rId7"/>
-    <p:sldId id="267" r:id="rId8"/>
-    <p:sldId id="269" r:id="rId9"/>
-    <p:sldId id="270" r:id="rId10"/>
-    <p:sldId id="271" r:id="rId11"/>
-    <p:sldId id="262" r:id="rId12"/>
-    <p:sldId id="272" r:id="rId13"/>
-    <p:sldId id="259" r:id="rId14"/>
-    <p:sldId id="260" r:id="rId15"/>
-    <p:sldId id="261" r:id="rId16"/>
+    <p:sldId id="273" r:id="rId5"/>
+    <p:sldId id="263" r:id="rId6"/>
+    <p:sldId id="262" r:id="rId7"/>
+    <p:sldId id="258" r:id="rId8"/>
+    <p:sldId id="265" r:id="rId9"/>
+    <p:sldId id="267" r:id="rId10"/>
+    <p:sldId id="269" r:id="rId11"/>
+    <p:sldId id="270" r:id="rId12"/>
+    <p:sldId id="271" r:id="rId13"/>
+    <p:sldId id="272" r:id="rId14"/>
+    <p:sldId id="259" r:id="rId15"/>
+    <p:sldId id="260" r:id="rId16"/>
+    <p:sldId id="261" r:id="rId17"/>
   </p:sldIdLst>
   <p:sldSz cx="12192000" cy="6858000"/>
   <p:notesSz cx="6858000" cy="9144000"/>
@@ -8919,7 +8920,7 @@
           <a:p>
             <a:fld id="{6AD6EE87-EBD5-4F12-A48A-63ACA297AC8F}" type="datetimeFigureOut">
               <a:rPr lang="en-US" dirty="0"/>
-              <a:t>10/31/2019</a:t>
+              <a:t>11/5/2019</a:t>
             </a:fld>
             <a:endParaRPr lang="en-US" dirty="0"/>
           </a:p>
@@ -9121,7 +9122,7 @@
           <a:p>
             <a:fld id="{4CD73815-2707-4475-8F1A-B873CB631BB4}" type="datetimeFigureOut">
               <a:rPr lang="en-US" dirty="0"/>
-              <a:t>10/31/2019</a:t>
+              <a:t>11/5/2019</a:t>
             </a:fld>
             <a:endParaRPr lang="en-US" dirty="0"/>
           </a:p>
@@ -9296,7 +9297,7 @@
           <a:p>
             <a:fld id="{2A4AFB99-0EAB-4182-AFF8-E214C82A68F6}" type="datetimeFigureOut">
               <a:rPr lang="en-US" dirty="0"/>
-              <a:t>10/31/2019</a:t>
+              <a:t>11/5/2019</a:t>
             </a:fld>
             <a:endParaRPr lang="en-US" dirty="0"/>
           </a:p>
@@ -9496,7 +9497,7 @@
           <a:p>
             <a:fld id="{A5D3794B-289A-4A80-97D7-111025398D45}" type="datetimeFigureOut">
               <a:rPr lang="en-US" dirty="0"/>
-              <a:t>10/31/2019</a:t>
+              <a:t>11/5/2019</a:t>
             </a:fld>
             <a:endParaRPr lang="en-US" dirty="0"/>
           </a:p>
@@ -18389,7 +18390,7 @@
           <a:p>
             <a:fld id="{5A61015F-7CC6-4D0A-9D87-873EA4C304CC}" type="datetimeFigureOut">
               <a:rPr lang="en-US" dirty="0"/>
-              <a:t>10/31/2019</a:t>
+              <a:t>11/5/2019</a:t>
             </a:fld>
             <a:endParaRPr lang="en-US" dirty="0"/>
           </a:p>
@@ -18658,7 +18659,7 @@
           <a:p>
             <a:fld id="{93C6A301-0538-44EC-B09D-202E1042A48B}" type="datetimeFigureOut">
               <a:rPr lang="en-US" dirty="0"/>
-              <a:t>10/31/2019</a:t>
+              <a:t>11/5/2019</a:t>
             </a:fld>
             <a:endParaRPr lang="en-US" dirty="0"/>
           </a:p>
@@ -19051,7 +19052,7 @@
           <a:p>
             <a:fld id="{D789574A-8875-45EF-8EA2-3CAA0F7ABC4C}" type="datetimeFigureOut">
               <a:rPr lang="en-US" dirty="0"/>
-              <a:t>10/31/2019</a:t>
+              <a:t>11/5/2019</a:t>
             </a:fld>
             <a:endParaRPr lang="en-US" dirty="0"/>
           </a:p>
@@ -19164,7 +19165,7 @@
           <a:p>
             <a:fld id="{67EF4D4C-5367-4C26-9E2B-D8088D7FCA81}" type="datetimeFigureOut">
               <a:rPr lang="en-US" dirty="0"/>
-              <a:t>10/31/2019</a:t>
+              <a:t>11/5/2019</a:t>
             </a:fld>
             <a:endParaRPr lang="en-US" dirty="0"/>
           </a:p>
@@ -19254,7 +19255,7 @@
           <a:p>
             <a:fld id="{56E91E96-98B0-4413-9547-46F3504108EF}" type="datetimeFigureOut">
               <a:rPr lang="en-US" dirty="0"/>
-              <a:t>10/31/2019</a:t>
+              <a:t>11/5/2019</a:t>
             </a:fld>
             <a:endParaRPr lang="en-US" dirty="0"/>
           </a:p>
@@ -19539,7 +19540,7 @@
           <a:p>
             <a:fld id="{05C68B11-C5A8-448C-8CE9-B1A273C79CFC}" type="datetimeFigureOut">
               <a:rPr lang="en-US" dirty="0"/>
-              <a:t>10/31/2019</a:t>
+              <a:t>11/5/2019</a:t>
             </a:fld>
             <a:endParaRPr lang="en-US" dirty="0"/>
           </a:p>
@@ -19814,7 +19815,7 @@
           <a:p>
             <a:fld id="{C7616CA0-919D-4A49-9C8A-62FDFB3A5183}" type="datetimeFigureOut">
               <a:rPr lang="en-US" dirty="0"/>
-              <a:t>10/31/2019</a:t>
+              <a:t>11/5/2019</a:t>
             </a:fld>
             <a:endParaRPr lang="en-US" dirty="0"/>
           </a:p>
@@ -20060,7 +20061,7 @@
             <a:fld id="{90298CD5-6C1E-4009-B41F-6DF62E31D3BE}" type="datetimeFigureOut">
               <a:rPr lang="en-US" dirty="0"/>
               <a:pPr/>
-              <a:t>10/31/2019</a:t>
+              <a:t>11/5/2019</a:t>
             </a:fld>
             <a:endParaRPr lang="en-US" dirty="0"/>
           </a:p>
@@ -20663,6 +20664,1068 @@
           <a:p>
             <a:r>
               <a:rPr lang="en-GB" dirty="0" smtClean="0"/>
+              <a:t>Pair Programming Log: Driver: Luke Observer: Darius</a:t>
+            </a:r>
+            <a:endParaRPr lang="en-GB" dirty="0"/>
+          </a:p>
+        </p:txBody>
+      </p:sp>
+      <p:sp>
+        <p:nvSpPr>
+          <p:cNvPr id="5" name="Rectangle 1"/>
+          <p:cNvSpPr>
+            <a:spLocks noChangeArrowheads="1"/>
+          </p:cNvSpPr>
+          <p:nvPr/>
+        </p:nvSpPr>
+        <p:spPr bwMode="auto">
+          <a:xfrm>
+            <a:off x="917045" y="2217738"/>
+            <a:ext cx="14128073" cy="779012"/>
+          </a:xfrm>
+          <a:prstGeom prst="rect">
+            <a:avLst/>
+          </a:prstGeom>
+          <a:noFill/>
+          <a:ln>
+            <a:noFill/>
+          </a:ln>
+          <a:effectLst/>
+          <a:extLst>
+            <a:ext uri="{909E8E84-426E-40DD-AFC4-6F175D3DCCD1}">
+              <a14:hiddenFill xmlns:a14="http://schemas.microsoft.com/office/drawing/2010/main">
+                <a:solidFill>
+                  <a:schemeClr val="accent1"/>
+                </a:solidFill>
+              </a14:hiddenFill>
+            </a:ext>
+            <a:ext uri="{91240B29-F687-4F45-9708-019B960494DF}">
+              <a14:hiddenLine xmlns:a14="http://schemas.microsoft.com/office/drawing/2010/main" w="9525">
+                <a:solidFill>
+                  <a:schemeClr val="tx1"/>
+                </a:solidFill>
+                <a:miter lim="800000"/>
+                <a:headEnd/>
+                <a:tailEnd/>
+              </a14:hiddenLine>
+            </a:ext>
+            <a:ext uri="{AF507438-7753-43E0-B8FC-AC1667EBCBE1}">
+              <a14:hiddenEffects xmlns:a14="http://schemas.microsoft.com/office/drawing/2010/main">
+                <a:effectLst>
+                  <a:outerShdw dist="35921" dir="2700000" algn="ctr" rotWithShape="0">
+                    <a:schemeClr val="bg2"/>
+                  </a:outerShdw>
+                </a:effectLst>
+              </a14:hiddenEffects>
+            </a:ext>
+          </a:extLst>
+        </p:spPr>
+        <p:txBody>
+          <a:bodyPr vert="horz" wrap="square" lIns="91440" tIns="45720" rIns="91440" bIns="45720" numCol="1" anchor="ctr" anchorCtr="0" compatLnSpc="1">
+            <a:prstTxWarp prst="textNoShape">
+              <a:avLst/>
+            </a:prstTxWarp>
+            <a:spAutoFit/>
+          </a:bodyPr>
+          <a:lstStyle/>
+          <a:p>
+            <a:endParaRPr lang="en-GB"/>
+          </a:p>
+        </p:txBody>
+      </p:sp>
+      <p:graphicFrame>
+        <p:nvGraphicFramePr>
+          <p:cNvPr id="6" name="Table 5"/>
+          <p:cNvGraphicFramePr>
+            <a:graphicFrameLocks noGrp="1"/>
+          </p:cNvGraphicFramePr>
+          <p:nvPr>
+            <p:extLst>
+              <p:ext uri="{D42A27DB-BD31-4B8C-83A1-F6EECF244321}">
+                <p14:modId xmlns:p14="http://schemas.microsoft.com/office/powerpoint/2010/main" val="3238130758"/>
+              </p:ext>
+            </p:extLst>
+          </p:nvPr>
+        </p:nvGraphicFramePr>
+        <p:xfrm>
+          <a:off x="2203979" y="2217738"/>
+          <a:ext cx="8514822" cy="3207606"/>
+        </p:xfrm>
+        <a:graphic>
+          <a:graphicData uri="http://schemas.openxmlformats.org/drawingml/2006/table">
+            <a:tbl>
+              <a:tblPr firstRow="1" firstCol="1" bandRow="1">
+                <a:tableStyleId>{5C22544A-7EE6-4342-B048-85BDC9FD1C3A}</a:tableStyleId>
+              </a:tblPr>
+              <a:tblGrid>
+                <a:gridCol w="1216555">
+                  <a:extLst>
+                    <a:ext uri="{9D8B030D-6E8A-4147-A177-3AD203B41FA5}">
+                      <a16:colId xmlns:a16="http://schemas.microsoft.com/office/drawing/2014/main" val="1884765567"/>
+                    </a:ext>
+                  </a:extLst>
+                </a:gridCol>
+                <a:gridCol w="1149061">
+                  <a:extLst>
+                    <a:ext uri="{9D8B030D-6E8A-4147-A177-3AD203B41FA5}">
+                      <a16:colId xmlns:a16="http://schemas.microsoft.com/office/drawing/2014/main" val="1537563384"/>
+                    </a:ext>
+                  </a:extLst>
+                </a:gridCol>
+                <a:gridCol w="1143613">
+                  <a:extLst>
+                    <a:ext uri="{9D8B030D-6E8A-4147-A177-3AD203B41FA5}">
+                      <a16:colId xmlns:a16="http://schemas.microsoft.com/office/drawing/2014/main" val="159401367"/>
+                    </a:ext>
+                  </a:extLst>
+                </a:gridCol>
+                <a:gridCol w="1891795">
+                  <a:extLst>
+                    <a:ext uri="{9D8B030D-6E8A-4147-A177-3AD203B41FA5}">
+                      <a16:colId xmlns:a16="http://schemas.microsoft.com/office/drawing/2014/main" val="823949198"/>
+                    </a:ext>
+                  </a:extLst>
+                </a:gridCol>
+                <a:gridCol w="3113798">
+                  <a:extLst>
+                    <a:ext uri="{9D8B030D-6E8A-4147-A177-3AD203B41FA5}">
+                      <a16:colId xmlns:a16="http://schemas.microsoft.com/office/drawing/2014/main" val="792283402"/>
+                    </a:ext>
+                  </a:extLst>
+                </a:gridCol>
+              </a:tblGrid>
+              <a:tr h="779462">
+                <a:tc>
+                  <a:txBody>
+                    <a:bodyPr/>
+                    <a:lstStyle/>
+                    <a:p>
+                      <a:pPr>
+                        <a:lnSpc>
+                          <a:spcPct val="107000"/>
+                        </a:lnSpc>
+                        <a:spcAft>
+                          <a:spcPts val="0"/>
+                        </a:spcAft>
+                      </a:pPr>
+                      <a:r>
+                        <a:rPr lang="en-GB" sz="1100">
+                          <a:effectLst/>
+                        </a:rPr>
+                        <a:t>Time session started</a:t>
+                      </a:r>
+                      <a:endParaRPr lang="en-GB" sz="1100">
+                        <a:effectLst/>
+                        <a:latin typeface="Calibri" panose="020F0502020204030204" pitchFamily="34" charset="0"/>
+                        <a:ea typeface="Calibri" panose="020F0502020204030204" pitchFamily="34" charset="0"/>
+                        <a:cs typeface="Times New Roman" panose="02020603050405020304" pitchFamily="18" charset="0"/>
+                      </a:endParaRPr>
+                    </a:p>
+                  </a:txBody>
+                  <a:tcPr marL="68580" marR="68580" marT="0" marB="0"/>
+                </a:tc>
+                <a:tc>
+                  <a:txBody>
+                    <a:bodyPr/>
+                    <a:lstStyle/>
+                    <a:p>
+                      <a:pPr>
+                        <a:lnSpc>
+                          <a:spcPct val="107000"/>
+                        </a:lnSpc>
+                        <a:spcAft>
+                          <a:spcPts val="0"/>
+                        </a:spcAft>
+                      </a:pPr>
+                      <a:r>
+                        <a:rPr lang="en-GB" sz="1100">
+                          <a:effectLst/>
+                        </a:rPr>
+                        <a:t>Number of lines of code written</a:t>
+                      </a:r>
+                      <a:endParaRPr lang="en-GB" sz="1100">
+                        <a:effectLst/>
+                        <a:latin typeface="Calibri" panose="020F0502020204030204" pitchFamily="34" charset="0"/>
+                        <a:ea typeface="Calibri" panose="020F0502020204030204" pitchFamily="34" charset="0"/>
+                        <a:cs typeface="Times New Roman" panose="02020603050405020304" pitchFamily="18" charset="0"/>
+                      </a:endParaRPr>
+                    </a:p>
+                  </a:txBody>
+                  <a:tcPr marL="68580" marR="68580" marT="0" marB="0"/>
+                </a:tc>
+                <a:tc>
+                  <a:txBody>
+                    <a:bodyPr/>
+                    <a:lstStyle/>
+                    <a:p>
+                      <a:pPr>
+                        <a:lnSpc>
+                          <a:spcPct val="107000"/>
+                        </a:lnSpc>
+                        <a:spcAft>
+                          <a:spcPts val="0"/>
+                        </a:spcAft>
+                      </a:pPr>
+                      <a:r>
+                        <a:rPr lang="en-GB" sz="1100">
+                          <a:effectLst/>
+                        </a:rPr>
+                        <a:t>Errors spotted (and by whom)</a:t>
+                      </a:r>
+                      <a:endParaRPr lang="en-GB" sz="1100">
+                        <a:effectLst/>
+                        <a:latin typeface="Calibri" panose="020F0502020204030204" pitchFamily="34" charset="0"/>
+                        <a:ea typeface="Calibri" panose="020F0502020204030204" pitchFamily="34" charset="0"/>
+                        <a:cs typeface="Times New Roman" panose="02020603050405020304" pitchFamily="18" charset="0"/>
+                      </a:endParaRPr>
+                    </a:p>
+                  </a:txBody>
+                  <a:tcPr marL="68580" marR="68580" marT="0" marB="0"/>
+                </a:tc>
+                <a:tc>
+                  <a:txBody>
+                    <a:bodyPr/>
+                    <a:lstStyle/>
+                    <a:p>
+                      <a:pPr>
+                        <a:lnSpc>
+                          <a:spcPct val="107000"/>
+                        </a:lnSpc>
+                        <a:spcAft>
+                          <a:spcPts val="0"/>
+                        </a:spcAft>
+                      </a:pPr>
+                      <a:r>
+                        <a:rPr lang="en-GB" sz="1100">
+                          <a:effectLst/>
+                        </a:rPr>
+                        <a:t>Activity (what’s being coded), or tested, or compiled</a:t>
+                      </a:r>
+                      <a:endParaRPr lang="en-GB" sz="1100">
+                        <a:effectLst/>
+                        <a:latin typeface="Calibri" panose="020F0502020204030204" pitchFamily="34" charset="0"/>
+                        <a:ea typeface="Calibri" panose="020F0502020204030204" pitchFamily="34" charset="0"/>
+                        <a:cs typeface="Times New Roman" panose="02020603050405020304" pitchFamily="18" charset="0"/>
+                      </a:endParaRPr>
+                    </a:p>
+                  </a:txBody>
+                  <a:tcPr marL="68580" marR="68580" marT="0" marB="0"/>
+                </a:tc>
+                <a:tc>
+                  <a:txBody>
+                    <a:bodyPr/>
+                    <a:lstStyle/>
+                    <a:p>
+                      <a:pPr>
+                        <a:lnSpc>
+                          <a:spcPct val="107000"/>
+                        </a:lnSpc>
+                        <a:spcAft>
+                          <a:spcPts val="0"/>
+                        </a:spcAft>
+                      </a:pPr>
+                      <a:r>
+                        <a:rPr lang="en-GB" sz="1100">
+                          <a:effectLst/>
+                        </a:rPr>
+                        <a:t>Comments</a:t>
+                      </a:r>
+                      <a:endParaRPr lang="en-GB" sz="1100">
+                        <a:effectLst/>
+                        <a:latin typeface="Calibri" panose="020F0502020204030204" pitchFamily="34" charset="0"/>
+                        <a:ea typeface="Calibri" panose="020F0502020204030204" pitchFamily="34" charset="0"/>
+                        <a:cs typeface="Times New Roman" panose="02020603050405020304" pitchFamily="18" charset="0"/>
+                      </a:endParaRPr>
+                    </a:p>
+                  </a:txBody>
+                  <a:tcPr marL="68580" marR="68580" marT="0" marB="0"/>
+                </a:tc>
+                <a:extLst>
+                  <a:ext uri="{0D108BD9-81ED-4DB2-BD59-A6C34878D82A}">
+                    <a16:rowId xmlns:a16="http://schemas.microsoft.com/office/drawing/2014/main" val="3644757114"/>
+                  </a:ext>
+                </a:extLst>
+              </a:tr>
+              <a:tr h="2428144">
+                <a:tc>
+                  <a:txBody>
+                    <a:bodyPr/>
+                    <a:lstStyle/>
+                    <a:p>
+                      <a:pPr>
+                        <a:lnSpc>
+                          <a:spcPct val="107000"/>
+                        </a:lnSpc>
+                        <a:spcAft>
+                          <a:spcPts val="0"/>
+                        </a:spcAft>
+                      </a:pPr>
+                      <a:r>
+                        <a:rPr lang="en-GB" sz="1000">
+                          <a:effectLst/>
+                        </a:rPr>
+                        <a:t>31/10/2019</a:t>
+                      </a:r>
+                      <a:br>
+                        <a:rPr lang="en-GB" sz="1000">
+                          <a:effectLst/>
+                        </a:rPr>
+                      </a:br>
+                      <a:r>
+                        <a:rPr lang="en-GB" sz="1000">
+                          <a:effectLst/>
+                        </a:rPr>
+                        <a:t>1:30pm – 3:00pm</a:t>
+                      </a:r>
+                      <a:endParaRPr lang="en-GB" sz="1100">
+                        <a:effectLst/>
+                        <a:latin typeface="Calibri" panose="020F0502020204030204" pitchFamily="34" charset="0"/>
+                        <a:ea typeface="Calibri" panose="020F0502020204030204" pitchFamily="34" charset="0"/>
+                        <a:cs typeface="Times New Roman" panose="02020603050405020304" pitchFamily="18" charset="0"/>
+                      </a:endParaRPr>
+                    </a:p>
+                  </a:txBody>
+                  <a:tcPr marL="68580" marR="68580" marT="0" marB="0"/>
+                </a:tc>
+                <a:tc>
+                  <a:txBody>
+                    <a:bodyPr/>
+                    <a:lstStyle/>
+                    <a:p>
+                      <a:pPr>
+                        <a:lnSpc>
+                          <a:spcPct val="107000"/>
+                        </a:lnSpc>
+                        <a:spcAft>
+                          <a:spcPts val="0"/>
+                        </a:spcAft>
+                      </a:pPr>
+                      <a:r>
+                        <a:rPr lang="en-GB" sz="1000" dirty="0">
+                          <a:effectLst/>
+                        </a:rPr>
+                        <a:t>55 Lines of code (</a:t>
+                      </a:r>
+                      <a:r>
+                        <a:rPr lang="en-GB" sz="1000" dirty="0" err="1">
+                          <a:effectLst/>
+                        </a:rPr>
+                        <a:t>Newspanel</a:t>
+                      </a:r>
+                      <a:r>
+                        <a:rPr lang="en-GB" sz="1000" dirty="0">
+                          <a:effectLst/>
+                        </a:rPr>
+                        <a:t> class) </a:t>
+                      </a:r>
+                      <a:endParaRPr lang="en-GB" sz="1100" dirty="0">
+                        <a:effectLst/>
+                        <a:latin typeface="Calibri" panose="020F0502020204030204" pitchFamily="34" charset="0"/>
+                        <a:ea typeface="Calibri" panose="020F0502020204030204" pitchFamily="34" charset="0"/>
+                        <a:cs typeface="Times New Roman" panose="02020603050405020304" pitchFamily="18" charset="0"/>
+                      </a:endParaRPr>
+                    </a:p>
+                  </a:txBody>
+                  <a:tcPr marL="68580" marR="68580" marT="0" marB="0"/>
+                </a:tc>
+                <a:tc>
+                  <a:txBody>
+                    <a:bodyPr/>
+                    <a:lstStyle/>
+                    <a:p>
+                      <a:pPr>
+                        <a:lnSpc>
+                          <a:spcPct val="107000"/>
+                        </a:lnSpc>
+                        <a:spcAft>
+                          <a:spcPts val="0"/>
+                        </a:spcAft>
+                      </a:pPr>
+                      <a:r>
+                        <a:rPr lang="en-GB" sz="1000">
+                          <a:effectLst/>
+                        </a:rPr>
+                        <a:t>Some invalid arguments when adding news articles. Darius has spotted the errors </a:t>
+                      </a:r>
+                      <a:endParaRPr lang="en-GB" sz="1100">
+                        <a:effectLst/>
+                        <a:latin typeface="Calibri" panose="020F0502020204030204" pitchFamily="34" charset="0"/>
+                        <a:ea typeface="Calibri" panose="020F0502020204030204" pitchFamily="34" charset="0"/>
+                        <a:cs typeface="Times New Roman" panose="02020603050405020304" pitchFamily="18" charset="0"/>
+                      </a:endParaRPr>
+                    </a:p>
+                  </a:txBody>
+                  <a:tcPr marL="68580" marR="68580" marT="0" marB="0"/>
+                </a:tc>
+                <a:tc>
+                  <a:txBody>
+                    <a:bodyPr/>
+                    <a:lstStyle/>
+                    <a:p>
+                      <a:pPr>
+                        <a:lnSpc>
+                          <a:spcPct val="107000"/>
+                        </a:lnSpc>
+                        <a:spcAft>
+                          <a:spcPts val="0"/>
+                        </a:spcAft>
+                      </a:pPr>
+                      <a:r>
+                        <a:rPr lang="en-GB" sz="1000">
+                          <a:effectLst/>
+                        </a:rPr>
+                        <a:t>Coding news articles for the user interface  </a:t>
+                      </a:r>
+                      <a:endParaRPr lang="en-GB" sz="1100">
+                        <a:effectLst/>
+                        <a:latin typeface="Calibri" panose="020F0502020204030204" pitchFamily="34" charset="0"/>
+                        <a:ea typeface="Calibri" panose="020F0502020204030204" pitchFamily="34" charset="0"/>
+                        <a:cs typeface="Times New Roman" panose="02020603050405020304" pitchFamily="18" charset="0"/>
+                      </a:endParaRPr>
+                    </a:p>
+                  </a:txBody>
+                  <a:tcPr marL="68580" marR="68580" marT="0" marB="0"/>
+                </a:tc>
+                <a:tc>
+                  <a:txBody>
+                    <a:bodyPr/>
+                    <a:lstStyle/>
+                    <a:p>
+                      <a:pPr>
+                        <a:lnSpc>
+                          <a:spcPct val="107000"/>
+                        </a:lnSpc>
+                        <a:spcAft>
+                          <a:spcPts val="0"/>
+                        </a:spcAft>
+                      </a:pPr>
+                      <a:r>
+                        <a:rPr lang="en-GB" sz="1000" dirty="0">
+                          <a:effectLst/>
+                        </a:rPr>
+                        <a:t>N/A</a:t>
+                      </a:r>
+                      <a:endParaRPr lang="en-GB" sz="1100" dirty="0">
+                        <a:effectLst/>
+                        <a:latin typeface="Calibri" panose="020F0502020204030204" pitchFamily="34" charset="0"/>
+                        <a:ea typeface="Calibri" panose="020F0502020204030204" pitchFamily="34" charset="0"/>
+                        <a:cs typeface="Times New Roman" panose="02020603050405020304" pitchFamily="18" charset="0"/>
+                      </a:endParaRPr>
+                    </a:p>
+                  </a:txBody>
+                  <a:tcPr marL="68580" marR="68580" marT="0" marB="0"/>
+                </a:tc>
+                <a:extLst>
+                  <a:ext uri="{0D108BD9-81ED-4DB2-BD59-A6C34878D82A}">
+                    <a16:rowId xmlns:a16="http://schemas.microsoft.com/office/drawing/2014/main" val="3548271114"/>
+                  </a:ext>
+                </a:extLst>
+              </a:tr>
+            </a:tbl>
+          </a:graphicData>
+        </a:graphic>
+      </p:graphicFrame>
+    </p:spTree>
+    <p:extLst>
+      <p:ext uri="{BB962C8B-B14F-4D97-AF65-F5344CB8AC3E}">
+        <p14:creationId xmlns:p14="http://schemas.microsoft.com/office/powerpoint/2010/main" val="2303453692"/>
+      </p:ext>
+    </p:extLst>
+  </p:cSld>
+  <p:clrMapOvr>
+    <a:masterClrMapping/>
+  </p:clrMapOvr>
+  <p:timing>
+    <p:tnLst>
+      <p:par>
+        <p:cTn id="1" dur="indefinite" restart="never" nodeType="tmRoot"/>
+      </p:par>
+    </p:tnLst>
+  </p:timing>
+</p:sld>
+</file>
+
+<file path=ppt/slides/slide11.xml><?xml version="1.0" encoding="utf-8"?>
+<p:sld xmlns:a="http://schemas.openxmlformats.org/drawingml/2006/main" xmlns:r="http://schemas.openxmlformats.org/officeDocument/2006/relationships" xmlns:p="http://schemas.openxmlformats.org/presentationml/2006/main">
+  <p:cSld>
+    <p:spTree>
+      <p:nvGrpSpPr>
+        <p:cNvPr id="1" name=""/>
+        <p:cNvGrpSpPr/>
+        <p:nvPr/>
+      </p:nvGrpSpPr>
+      <p:grpSpPr>
+        <a:xfrm>
+          <a:off x="0" y="0"/>
+          <a:ext cx="0" cy="0"/>
+          <a:chOff x="0" y="0"/>
+          <a:chExt cx="0" cy="0"/>
+        </a:xfrm>
+      </p:grpSpPr>
+      <p:sp>
+        <p:nvSpPr>
+          <p:cNvPr id="2" name="Title 1"/>
+          <p:cNvSpPr>
+            <a:spLocks noGrp="1"/>
+          </p:cNvSpPr>
+          <p:nvPr>
+            <p:ph type="title"/>
+          </p:nvPr>
+        </p:nvSpPr>
+        <p:spPr>
+          <a:xfrm>
+            <a:off x="778932" y="551350"/>
+            <a:ext cx="11125201" cy="1480650"/>
+          </a:xfrm>
+        </p:spPr>
+        <p:txBody>
+          <a:bodyPr/>
+          <a:lstStyle/>
+          <a:p>
+            <a:r>
+              <a:rPr lang="en-GB" dirty="0" smtClean="0"/>
+              <a:t>Pair Programming Log: Driver: Luke Observer: Hayden</a:t>
+            </a:r>
+            <a:endParaRPr lang="en-GB" dirty="0"/>
+          </a:p>
+        </p:txBody>
+      </p:sp>
+      <p:sp>
+        <p:nvSpPr>
+          <p:cNvPr id="5" name="Rectangle 1"/>
+          <p:cNvSpPr>
+            <a:spLocks noChangeArrowheads="1"/>
+          </p:cNvSpPr>
+          <p:nvPr/>
+        </p:nvSpPr>
+        <p:spPr bwMode="auto">
+          <a:xfrm>
+            <a:off x="917045" y="2217738"/>
+            <a:ext cx="14128073" cy="779012"/>
+          </a:xfrm>
+          <a:prstGeom prst="rect">
+            <a:avLst/>
+          </a:prstGeom>
+          <a:noFill/>
+          <a:ln>
+            <a:noFill/>
+          </a:ln>
+          <a:effectLst/>
+          <a:extLst>
+            <a:ext uri="{909E8E84-426E-40DD-AFC4-6F175D3DCCD1}">
+              <a14:hiddenFill xmlns:a14="http://schemas.microsoft.com/office/drawing/2010/main">
+                <a:solidFill>
+                  <a:schemeClr val="accent1"/>
+                </a:solidFill>
+              </a14:hiddenFill>
+            </a:ext>
+            <a:ext uri="{91240B29-F687-4F45-9708-019B960494DF}">
+              <a14:hiddenLine xmlns:a14="http://schemas.microsoft.com/office/drawing/2010/main" w="9525">
+                <a:solidFill>
+                  <a:schemeClr val="tx1"/>
+                </a:solidFill>
+                <a:miter lim="800000"/>
+                <a:headEnd/>
+                <a:tailEnd/>
+              </a14:hiddenLine>
+            </a:ext>
+            <a:ext uri="{AF507438-7753-43E0-B8FC-AC1667EBCBE1}">
+              <a14:hiddenEffects xmlns:a14="http://schemas.microsoft.com/office/drawing/2010/main">
+                <a:effectLst>
+                  <a:outerShdw dist="35921" dir="2700000" algn="ctr" rotWithShape="0">
+                    <a:schemeClr val="bg2"/>
+                  </a:outerShdw>
+                </a:effectLst>
+              </a14:hiddenEffects>
+            </a:ext>
+          </a:extLst>
+        </p:spPr>
+        <p:txBody>
+          <a:bodyPr vert="horz" wrap="square" lIns="91440" tIns="45720" rIns="91440" bIns="45720" numCol="1" anchor="ctr" anchorCtr="0" compatLnSpc="1">
+            <a:prstTxWarp prst="textNoShape">
+              <a:avLst/>
+            </a:prstTxWarp>
+            <a:spAutoFit/>
+          </a:bodyPr>
+          <a:lstStyle/>
+          <a:p>
+            <a:endParaRPr lang="en-GB"/>
+          </a:p>
+        </p:txBody>
+      </p:sp>
+      <p:graphicFrame>
+        <p:nvGraphicFramePr>
+          <p:cNvPr id="4" name="Table 3"/>
+          <p:cNvGraphicFramePr>
+            <a:graphicFrameLocks noGrp="1"/>
+          </p:cNvGraphicFramePr>
+          <p:nvPr>
+            <p:extLst>
+              <p:ext uri="{D42A27DB-BD31-4B8C-83A1-F6EECF244321}">
+                <p14:modId xmlns:p14="http://schemas.microsoft.com/office/powerpoint/2010/main" val="4052379058"/>
+              </p:ext>
+            </p:extLst>
+          </p:nvPr>
+        </p:nvGraphicFramePr>
+        <p:xfrm>
+          <a:off x="778932" y="2217738"/>
+          <a:ext cx="9719733" cy="2528393"/>
+        </p:xfrm>
+        <a:graphic>
+          <a:graphicData uri="http://schemas.openxmlformats.org/drawingml/2006/table">
+            <a:tbl>
+              <a:tblPr firstRow="1" firstCol="1" bandRow="1">
+                <a:tableStyleId>{5C22544A-7EE6-4342-B048-85BDC9FD1C3A}</a:tableStyleId>
+              </a:tblPr>
+              <a:tblGrid>
+                <a:gridCol w="1350184">
+                  <a:extLst>
+                    <a:ext uri="{9D8B030D-6E8A-4147-A177-3AD203B41FA5}">
+                      <a16:colId xmlns:a16="http://schemas.microsoft.com/office/drawing/2014/main" val="1048540984"/>
+                    </a:ext>
+                  </a:extLst>
+                </a:gridCol>
+                <a:gridCol w="1350184">
+                  <a:extLst>
+                    <a:ext uri="{9D8B030D-6E8A-4147-A177-3AD203B41FA5}">
+                      <a16:colId xmlns:a16="http://schemas.microsoft.com/office/drawing/2014/main" val="2445411088"/>
+                    </a:ext>
+                  </a:extLst>
+                </a:gridCol>
+                <a:gridCol w="1305442">
+                  <a:extLst>
+                    <a:ext uri="{9D8B030D-6E8A-4147-A177-3AD203B41FA5}">
+                      <a16:colId xmlns:a16="http://schemas.microsoft.com/office/drawing/2014/main" val="2690907219"/>
+                    </a:ext>
+                  </a:extLst>
+                </a:gridCol>
+                <a:gridCol w="2159499">
+                  <a:extLst>
+                    <a:ext uri="{9D8B030D-6E8A-4147-A177-3AD203B41FA5}">
+                      <a16:colId xmlns:a16="http://schemas.microsoft.com/office/drawing/2014/main" val="2581217375"/>
+                    </a:ext>
+                  </a:extLst>
+                </a:gridCol>
+                <a:gridCol w="3554424">
+                  <a:extLst>
+                    <a:ext uri="{9D8B030D-6E8A-4147-A177-3AD203B41FA5}">
+                      <a16:colId xmlns:a16="http://schemas.microsoft.com/office/drawing/2014/main" val="3951904435"/>
+                    </a:ext>
+                  </a:extLst>
+                </a:gridCol>
+              </a:tblGrid>
+              <a:tr h="762529">
+                <a:tc>
+                  <a:txBody>
+                    <a:bodyPr/>
+                    <a:lstStyle/>
+                    <a:p>
+                      <a:pPr>
+                        <a:lnSpc>
+                          <a:spcPct val="107000"/>
+                        </a:lnSpc>
+                        <a:spcAft>
+                          <a:spcPts val="0"/>
+                        </a:spcAft>
+                      </a:pPr>
+                      <a:r>
+                        <a:rPr lang="en-GB" sz="1100">
+                          <a:effectLst/>
+                        </a:rPr>
+                        <a:t>Time session started</a:t>
+                      </a:r>
+                      <a:endParaRPr lang="en-GB" sz="1100">
+                        <a:effectLst/>
+                        <a:latin typeface="Calibri" panose="020F0502020204030204" pitchFamily="34" charset="0"/>
+                        <a:ea typeface="Calibri" panose="020F0502020204030204" pitchFamily="34" charset="0"/>
+                        <a:cs typeface="Times New Roman" panose="02020603050405020304" pitchFamily="18" charset="0"/>
+                      </a:endParaRPr>
+                    </a:p>
+                  </a:txBody>
+                  <a:tcPr marL="68580" marR="68580" marT="0" marB="0"/>
+                </a:tc>
+                <a:tc>
+                  <a:txBody>
+                    <a:bodyPr/>
+                    <a:lstStyle/>
+                    <a:p>
+                      <a:pPr>
+                        <a:lnSpc>
+                          <a:spcPct val="107000"/>
+                        </a:lnSpc>
+                        <a:spcAft>
+                          <a:spcPts val="0"/>
+                        </a:spcAft>
+                      </a:pPr>
+                      <a:r>
+                        <a:rPr lang="en-GB" sz="1100">
+                          <a:effectLst/>
+                        </a:rPr>
+                        <a:t>Number of lines of code written</a:t>
+                      </a:r>
+                      <a:endParaRPr lang="en-GB" sz="1100">
+                        <a:effectLst/>
+                        <a:latin typeface="Calibri" panose="020F0502020204030204" pitchFamily="34" charset="0"/>
+                        <a:ea typeface="Calibri" panose="020F0502020204030204" pitchFamily="34" charset="0"/>
+                        <a:cs typeface="Times New Roman" panose="02020603050405020304" pitchFamily="18" charset="0"/>
+                      </a:endParaRPr>
+                    </a:p>
+                  </a:txBody>
+                  <a:tcPr marL="68580" marR="68580" marT="0" marB="0"/>
+                </a:tc>
+                <a:tc>
+                  <a:txBody>
+                    <a:bodyPr/>
+                    <a:lstStyle/>
+                    <a:p>
+                      <a:pPr>
+                        <a:lnSpc>
+                          <a:spcPct val="107000"/>
+                        </a:lnSpc>
+                        <a:spcAft>
+                          <a:spcPts val="0"/>
+                        </a:spcAft>
+                      </a:pPr>
+                      <a:r>
+                        <a:rPr lang="en-GB" sz="1100">
+                          <a:effectLst/>
+                        </a:rPr>
+                        <a:t>Errors spotted (and by whom)</a:t>
+                      </a:r>
+                      <a:endParaRPr lang="en-GB" sz="1100">
+                        <a:effectLst/>
+                        <a:latin typeface="Calibri" panose="020F0502020204030204" pitchFamily="34" charset="0"/>
+                        <a:ea typeface="Calibri" panose="020F0502020204030204" pitchFamily="34" charset="0"/>
+                        <a:cs typeface="Times New Roman" panose="02020603050405020304" pitchFamily="18" charset="0"/>
+                      </a:endParaRPr>
+                    </a:p>
+                  </a:txBody>
+                  <a:tcPr marL="68580" marR="68580" marT="0" marB="0"/>
+                </a:tc>
+                <a:tc>
+                  <a:txBody>
+                    <a:bodyPr/>
+                    <a:lstStyle/>
+                    <a:p>
+                      <a:pPr>
+                        <a:lnSpc>
+                          <a:spcPct val="107000"/>
+                        </a:lnSpc>
+                        <a:spcAft>
+                          <a:spcPts val="0"/>
+                        </a:spcAft>
+                      </a:pPr>
+                      <a:r>
+                        <a:rPr lang="en-GB" sz="1100">
+                          <a:effectLst/>
+                        </a:rPr>
+                        <a:t>Activity (what’s being coded), or tested, or compiled</a:t>
+                      </a:r>
+                      <a:endParaRPr lang="en-GB" sz="1100">
+                        <a:effectLst/>
+                        <a:latin typeface="Calibri" panose="020F0502020204030204" pitchFamily="34" charset="0"/>
+                        <a:ea typeface="Calibri" panose="020F0502020204030204" pitchFamily="34" charset="0"/>
+                        <a:cs typeface="Times New Roman" panose="02020603050405020304" pitchFamily="18" charset="0"/>
+                      </a:endParaRPr>
+                    </a:p>
+                  </a:txBody>
+                  <a:tcPr marL="68580" marR="68580" marT="0" marB="0"/>
+                </a:tc>
+                <a:tc>
+                  <a:txBody>
+                    <a:bodyPr/>
+                    <a:lstStyle/>
+                    <a:p>
+                      <a:pPr>
+                        <a:lnSpc>
+                          <a:spcPct val="107000"/>
+                        </a:lnSpc>
+                        <a:spcAft>
+                          <a:spcPts val="0"/>
+                        </a:spcAft>
+                      </a:pPr>
+                      <a:r>
+                        <a:rPr lang="en-GB" sz="1100">
+                          <a:effectLst/>
+                        </a:rPr>
+                        <a:t>Comments</a:t>
+                      </a:r>
+                      <a:endParaRPr lang="en-GB" sz="1100">
+                        <a:effectLst/>
+                        <a:latin typeface="Calibri" panose="020F0502020204030204" pitchFamily="34" charset="0"/>
+                        <a:ea typeface="Calibri" panose="020F0502020204030204" pitchFamily="34" charset="0"/>
+                        <a:cs typeface="Times New Roman" panose="02020603050405020304" pitchFamily="18" charset="0"/>
+                      </a:endParaRPr>
+                    </a:p>
+                  </a:txBody>
+                  <a:tcPr marL="68580" marR="68580" marT="0" marB="0"/>
+                </a:tc>
+                <a:extLst>
+                  <a:ext uri="{0D108BD9-81ED-4DB2-BD59-A6C34878D82A}">
+                    <a16:rowId xmlns:a16="http://schemas.microsoft.com/office/drawing/2014/main" val="2810814912"/>
+                  </a:ext>
+                </a:extLst>
+              </a:tr>
+              <a:tr h="1765864">
+                <a:tc>
+                  <a:txBody>
+                    <a:bodyPr/>
+                    <a:lstStyle/>
+                    <a:p>
+                      <a:pPr>
+                        <a:lnSpc>
+                          <a:spcPct val="107000"/>
+                        </a:lnSpc>
+                        <a:spcAft>
+                          <a:spcPts val="0"/>
+                        </a:spcAft>
+                      </a:pPr>
+                      <a:r>
+                        <a:rPr lang="en-GB" sz="1000">
+                          <a:effectLst/>
+                        </a:rPr>
+                        <a:t>30/10/2019</a:t>
+                      </a:r>
+                      <a:endParaRPr lang="en-GB" sz="1100">
+                        <a:effectLst/>
+                      </a:endParaRPr>
+                    </a:p>
+                    <a:p>
+                      <a:pPr>
+                        <a:lnSpc>
+                          <a:spcPct val="107000"/>
+                        </a:lnSpc>
+                        <a:spcAft>
+                          <a:spcPts val="0"/>
+                        </a:spcAft>
+                      </a:pPr>
+                      <a:r>
+                        <a:rPr lang="en-GB" sz="1000">
+                          <a:effectLst/>
+                        </a:rPr>
+                        <a:t>2:15pm-4:15pm</a:t>
+                      </a:r>
+                      <a:endParaRPr lang="en-GB" sz="1100">
+                        <a:effectLst/>
+                        <a:latin typeface="Calibri" panose="020F0502020204030204" pitchFamily="34" charset="0"/>
+                        <a:ea typeface="Calibri" panose="020F0502020204030204" pitchFamily="34" charset="0"/>
+                        <a:cs typeface="Times New Roman" panose="02020603050405020304" pitchFamily="18" charset="0"/>
+                      </a:endParaRPr>
+                    </a:p>
+                  </a:txBody>
+                  <a:tcPr marL="68580" marR="68580" marT="0" marB="0"/>
+                </a:tc>
+                <a:tc>
+                  <a:txBody>
+                    <a:bodyPr/>
+                    <a:lstStyle/>
+                    <a:p>
+                      <a:pPr>
+                        <a:lnSpc>
+                          <a:spcPct val="107000"/>
+                        </a:lnSpc>
+                        <a:spcAft>
+                          <a:spcPts val="0"/>
+                        </a:spcAft>
+                      </a:pPr>
+                      <a:r>
+                        <a:rPr lang="en-GB" sz="1000">
+                          <a:effectLst/>
+                        </a:rPr>
+                        <a:t>30 lines of codes </a:t>
+                      </a:r>
+                      <a:endParaRPr lang="en-GB" sz="1100">
+                        <a:effectLst/>
+                        <a:latin typeface="Calibri" panose="020F0502020204030204" pitchFamily="34" charset="0"/>
+                        <a:ea typeface="Calibri" panose="020F0502020204030204" pitchFamily="34" charset="0"/>
+                        <a:cs typeface="Times New Roman" panose="02020603050405020304" pitchFamily="18" charset="0"/>
+                      </a:endParaRPr>
+                    </a:p>
+                  </a:txBody>
+                  <a:tcPr marL="68580" marR="68580" marT="0" marB="0"/>
+                </a:tc>
+                <a:tc>
+                  <a:txBody>
+                    <a:bodyPr/>
+                    <a:lstStyle/>
+                    <a:p>
+                      <a:pPr>
+                        <a:lnSpc>
+                          <a:spcPct val="107000"/>
+                        </a:lnSpc>
+                        <a:spcAft>
+                          <a:spcPts val="0"/>
+                        </a:spcAft>
+                      </a:pPr>
+                      <a:r>
+                        <a:rPr lang="en-GB" sz="1000">
+                          <a:effectLst/>
+                        </a:rPr>
+                        <a:t>HTTP errors. Luke has spotted the errors.</a:t>
+                      </a:r>
+                      <a:endParaRPr lang="en-GB" sz="1100">
+                        <a:effectLst/>
+                        <a:latin typeface="Calibri" panose="020F0502020204030204" pitchFamily="34" charset="0"/>
+                        <a:ea typeface="Calibri" panose="020F0502020204030204" pitchFamily="34" charset="0"/>
+                        <a:cs typeface="Times New Roman" panose="02020603050405020304" pitchFamily="18" charset="0"/>
+                      </a:endParaRPr>
+                    </a:p>
+                  </a:txBody>
+                  <a:tcPr marL="68580" marR="68580" marT="0" marB="0"/>
+                </a:tc>
+                <a:tc>
+                  <a:txBody>
+                    <a:bodyPr/>
+                    <a:lstStyle/>
+                    <a:p>
+                      <a:pPr>
+                        <a:lnSpc>
+                          <a:spcPct val="107000"/>
+                        </a:lnSpc>
+                        <a:spcAft>
+                          <a:spcPts val="0"/>
+                        </a:spcAft>
+                      </a:pPr>
+                      <a:r>
+                        <a:rPr lang="en-GB" sz="1000">
+                          <a:effectLst/>
+                        </a:rPr>
+                        <a:t>Coded the API to work with the application as well as experimenting with it. </a:t>
+                      </a:r>
+                      <a:endParaRPr lang="en-GB" sz="1100">
+                        <a:effectLst/>
+                        <a:latin typeface="Calibri" panose="020F0502020204030204" pitchFamily="34" charset="0"/>
+                        <a:ea typeface="Calibri" panose="020F0502020204030204" pitchFamily="34" charset="0"/>
+                        <a:cs typeface="Times New Roman" panose="02020603050405020304" pitchFamily="18" charset="0"/>
+                      </a:endParaRPr>
+                    </a:p>
+                  </a:txBody>
+                  <a:tcPr marL="68580" marR="68580" marT="0" marB="0"/>
+                </a:tc>
+                <a:tc>
+                  <a:txBody>
+                    <a:bodyPr/>
+                    <a:lstStyle/>
+                    <a:p>
+                      <a:pPr>
+                        <a:lnSpc>
+                          <a:spcPct val="107000"/>
+                        </a:lnSpc>
+                        <a:spcAft>
+                          <a:spcPts val="0"/>
+                        </a:spcAft>
+                      </a:pPr>
+                      <a:r>
+                        <a:rPr lang="en-GB" sz="1000" dirty="0">
+                          <a:effectLst/>
+                        </a:rPr>
+                        <a:t>Used  this library </a:t>
+                      </a:r>
+                      <a:r>
+                        <a:rPr lang="en-GB" sz="1000" u="sng" dirty="0">
+                          <a:effectLst/>
+                          <a:hlinkClick r:id="rId2"/>
+                        </a:rPr>
+                        <a:t>https://newsapi.org/</a:t>
+                      </a:r>
+                      <a:endParaRPr lang="en-GB" sz="1100" dirty="0">
+                        <a:effectLst/>
+                      </a:endParaRPr>
+                    </a:p>
+                    <a:p>
+                      <a:pPr>
+                        <a:lnSpc>
+                          <a:spcPct val="107000"/>
+                        </a:lnSpc>
+                        <a:spcAft>
+                          <a:spcPts val="0"/>
+                        </a:spcAft>
+                      </a:pPr>
+                      <a:r>
+                        <a:rPr lang="en-GB" sz="1000" dirty="0">
+                          <a:effectLst/>
+                        </a:rPr>
+                        <a:t>to write our code for the news API</a:t>
+                      </a:r>
+                      <a:endParaRPr lang="en-GB" sz="1100" dirty="0">
+                        <a:effectLst/>
+                        <a:latin typeface="Calibri" panose="020F0502020204030204" pitchFamily="34" charset="0"/>
+                        <a:ea typeface="Calibri" panose="020F0502020204030204" pitchFamily="34" charset="0"/>
+                        <a:cs typeface="Times New Roman" panose="02020603050405020304" pitchFamily="18" charset="0"/>
+                      </a:endParaRPr>
+                    </a:p>
+                  </a:txBody>
+                  <a:tcPr marL="68580" marR="68580" marT="0" marB="0"/>
+                </a:tc>
+                <a:extLst>
+                  <a:ext uri="{0D108BD9-81ED-4DB2-BD59-A6C34878D82A}">
+                    <a16:rowId xmlns:a16="http://schemas.microsoft.com/office/drawing/2014/main" val="2290276428"/>
+                  </a:ext>
+                </a:extLst>
+              </a:tr>
+            </a:tbl>
+          </a:graphicData>
+        </a:graphic>
+      </p:graphicFrame>
+    </p:spTree>
+    <p:extLst>
+      <p:ext uri="{BB962C8B-B14F-4D97-AF65-F5344CB8AC3E}">
+        <p14:creationId xmlns:p14="http://schemas.microsoft.com/office/powerpoint/2010/main" val="1799454038"/>
+      </p:ext>
+    </p:extLst>
+  </p:cSld>
+  <p:clrMapOvr>
+    <a:masterClrMapping/>
+  </p:clrMapOvr>
+  <p:timing>
+    <p:tnLst>
+      <p:par>
+        <p:cTn id="1" dur="indefinite" restart="never" nodeType="tmRoot"/>
+      </p:par>
+    </p:tnLst>
+  </p:timing>
+</p:sld>
+</file>
+
+<file path=ppt/slides/slide12.xml><?xml version="1.0" encoding="utf-8"?>
+<p:sld xmlns:a="http://schemas.openxmlformats.org/drawingml/2006/main" xmlns:r="http://schemas.openxmlformats.org/officeDocument/2006/relationships" xmlns:p="http://schemas.openxmlformats.org/presentationml/2006/main">
+  <p:cSld>
+    <p:spTree>
+      <p:nvGrpSpPr>
+        <p:cNvPr id="1" name=""/>
+        <p:cNvGrpSpPr/>
+        <p:nvPr/>
+      </p:nvGrpSpPr>
+      <p:grpSpPr>
+        <a:xfrm>
+          <a:off x="0" y="0"/>
+          <a:ext cx="0" cy="0"/>
+          <a:chOff x="0" y="0"/>
+          <a:chExt cx="0" cy="0"/>
+        </a:xfrm>
+      </p:grpSpPr>
+      <p:sp>
+        <p:nvSpPr>
+          <p:cNvPr id="2" name="Title 1"/>
+          <p:cNvSpPr>
+            <a:spLocks noGrp="1"/>
+          </p:cNvSpPr>
+          <p:nvPr>
+            <p:ph type="title"/>
+          </p:nvPr>
+        </p:nvSpPr>
+        <p:spPr>
+          <a:xfrm>
+            <a:off x="778932" y="551350"/>
+            <a:ext cx="11125201" cy="1480650"/>
+          </a:xfrm>
+        </p:spPr>
+        <p:txBody>
+          <a:bodyPr/>
+          <a:lstStyle/>
+          <a:p>
+            <a:r>
+              <a:rPr lang="en-GB" dirty="0" smtClean="0"/>
               <a:t>Pair Programming Log: Driver: HAYDEN Observer: </a:t>
             </a:r>
             <a:r>
@@ -20745,14 +21808,14 @@
           <p:nvPr>
             <p:extLst>
               <p:ext uri="{D42A27DB-BD31-4B8C-83A1-F6EECF244321}">
-                <p14:modId xmlns:p14="http://schemas.microsoft.com/office/powerpoint/2010/main" val="3387662404"/>
+                <p14:modId xmlns:p14="http://schemas.microsoft.com/office/powerpoint/2010/main" val="2359567071"/>
               </p:ext>
             </p:extLst>
           </p:nvPr>
         </p:nvGraphicFramePr>
         <p:xfrm>
           <a:off x="778932" y="2217738"/>
-          <a:ext cx="9922936" cy="3421062"/>
+          <a:ext cx="9922936" cy="2273035"/>
         </p:xfrm>
         <a:graphic>
           <a:graphicData uri="http://schemas.openxmlformats.org/drawingml/2006/table">
@@ -20797,7 +21860,7 @@
                   </a:extLst>
                 </a:gridCol>
               </a:tblGrid>
-              <a:tr h="1792022">
+              <a:tr h="643995">
                 <a:tc>
                   <a:txBody>
                     <a:bodyPr/>
@@ -20964,14 +22027,11 @@
                         </a:spcAft>
                       </a:pPr>
                       <a:r>
-                        <a:rPr lang="en-GB" sz="1000">
+                        <a:rPr lang="en-GB" sz="1100">
                           <a:effectLst/>
                         </a:rPr>
                         <a:t>30/10/2019</a:t>
                       </a:r>
-                      <a:endParaRPr lang="en-GB" sz="1100">
-                        <a:effectLst/>
-                      </a:endParaRPr>
                     </a:p>
                     <a:p>
                       <a:pPr>
@@ -20983,7 +22043,7 @@
                         </a:spcAft>
                       </a:pPr>
                       <a:r>
-                        <a:rPr lang="en-GB" sz="1000">
+                        <a:rPr lang="en-GB" sz="1100">
                           <a:effectLst/>
                         </a:rPr>
                         <a:t>4:15pm – 5:15pm</a:t>
@@ -21012,7 +22072,7 @@
                         </a:spcAft>
                       </a:pPr>
                       <a:r>
-                        <a:rPr lang="en-GB" sz="1000">
+                        <a:rPr lang="en-GB" sz="1100">
                           <a:effectLst/>
                         </a:rPr>
                         <a:t>3 lines of code</a:t>
@@ -21041,7 +22101,7 @@
                         </a:spcAft>
                       </a:pPr>
                       <a:r>
-                        <a:rPr lang="en-GB" sz="1000">
+                        <a:rPr lang="en-GB" sz="1100">
                           <a:effectLst/>
                         </a:rPr>
                         <a:t>No errors</a:t>
@@ -21070,7 +22130,7 @@
                         </a:spcAft>
                       </a:pPr>
                       <a:r>
-                        <a:rPr lang="en-GB" sz="1000">
+                        <a:rPr lang="en-GB" sz="1100">
                           <a:effectLst/>
                         </a:rPr>
                         <a:t>A search using the Spotify API. By querying random search parameters.  </a:t>
@@ -21099,20 +22159,20 @@
                         </a:spcAft>
                       </a:pPr>
                       <a:r>
-                        <a:rPr lang="en-GB" sz="1000" dirty="0">
+                        <a:rPr lang="en-GB" sz="1100" dirty="0">
                           <a:effectLst/>
                         </a:rPr>
                         <a:t>Used  this library </a:t>
                       </a:r>
                       <a:r>
-                        <a:rPr lang="en-GB" sz="1000" u="sng" dirty="0">
+                        <a:rPr lang="en-GB" sz="1100" u="sng" dirty="0">
                           <a:effectLst/>
                           <a:hlinkClick r:id="rId2"/>
                         </a:rPr>
                         <a:t>https://johnnycrazy.github.io/SpotifyAPI-NET/</a:t>
                       </a:r>
                       <a:r>
-                        <a:rPr lang="en-GB" sz="1000" dirty="0">
+                        <a:rPr lang="en-GB" sz="1100" dirty="0">
                           <a:effectLst/>
                         </a:rPr>
                         <a:t> to write our code for the Spotify API</a:t>
@@ -21157,116 +22217,7 @@
 </p:sld>
 </file>
 
-<file path=ppt/slides/slide11.xml><?xml version="1.0" encoding="utf-8"?>
-<p:sld xmlns:a="http://schemas.openxmlformats.org/drawingml/2006/main" xmlns:r="http://schemas.openxmlformats.org/officeDocument/2006/relationships" xmlns:p="http://schemas.openxmlformats.org/presentationml/2006/main">
-  <p:cSld>
-    <p:spTree>
-      <p:nvGrpSpPr>
-        <p:cNvPr id="1" name=""/>
-        <p:cNvGrpSpPr/>
-        <p:nvPr/>
-      </p:nvGrpSpPr>
-      <p:grpSpPr>
-        <a:xfrm>
-          <a:off x="0" y="0"/>
-          <a:ext cx="0" cy="0"/>
-          <a:chOff x="0" y="0"/>
-          <a:chExt cx="0" cy="0"/>
-        </a:xfrm>
-      </p:grpSpPr>
-      <p:sp>
-        <p:nvSpPr>
-          <p:cNvPr id="2" name="Title 1"/>
-          <p:cNvSpPr>
-            <a:spLocks noGrp="1"/>
-          </p:cNvSpPr>
-          <p:nvPr>
-            <p:ph type="title"/>
-          </p:nvPr>
-        </p:nvSpPr>
-        <p:spPr>
-          <a:xfrm>
-            <a:off x="907749" y="410649"/>
-            <a:ext cx="9720072" cy="1499616"/>
-          </a:xfrm>
-        </p:spPr>
-        <p:txBody>
-          <a:bodyPr>
-            <a:normAutofit fontScale="90000"/>
-          </a:bodyPr>
-          <a:lstStyle/>
-          <a:p>
-            <a:r>
-              <a:rPr lang="en-GB" dirty="0"/>
-              <a:t>Sprint Backlog </a:t>
-            </a:r>
-            <a:r>
-              <a:rPr lang="en-GB" dirty="0" smtClean="0"/>
-              <a:t/>
-            </a:r>
-            <a:br>
-              <a:rPr lang="en-GB" dirty="0" smtClean="0"/>
-            </a:br>
-            <a:r>
-              <a:rPr lang="en-GB" sz="1600" dirty="0"/>
-              <a:t>Sprint Backlog is a list a task identified by the scrum team </a:t>
-            </a:r>
-            <a:r>
-              <a:rPr lang="en-GB" dirty="0"/>
-              <a:t/>
-            </a:r>
-            <a:br>
-              <a:rPr lang="en-GB" dirty="0"/>
-            </a:br>
-            <a:endParaRPr lang="en-GB" dirty="0"/>
-          </a:p>
-        </p:txBody>
-      </p:sp>
-      <p:pic>
-        <p:nvPicPr>
-          <p:cNvPr id="4" name="Picture 3"/>
-          <p:cNvPicPr>
-            <a:picLocks noChangeAspect="1"/>
-          </p:cNvPicPr>
-          <p:nvPr/>
-        </p:nvPicPr>
-        <p:blipFill>
-          <a:blip r:embed="rId2"/>
-          <a:stretch>
-            <a:fillRect/>
-          </a:stretch>
-        </p:blipFill>
-        <p:spPr>
-          <a:xfrm>
-            <a:off x="1317457" y="1731432"/>
-            <a:ext cx="9310364" cy="3788833"/>
-          </a:xfrm>
-          <a:prstGeom prst="rect">
-            <a:avLst/>
-          </a:prstGeom>
-        </p:spPr>
-      </p:pic>
-    </p:spTree>
-    <p:extLst>
-      <p:ext uri="{BB962C8B-B14F-4D97-AF65-F5344CB8AC3E}">
-        <p14:creationId xmlns:p14="http://schemas.microsoft.com/office/powerpoint/2010/main" val="1273718308"/>
-      </p:ext>
-    </p:extLst>
-  </p:cSld>
-  <p:clrMapOvr>
-    <a:masterClrMapping/>
-  </p:clrMapOvr>
-  <p:timing>
-    <p:tnLst>
-      <p:par>
-        <p:cTn id="1" dur="indefinite" restart="never" nodeType="tmRoot"/>
-      </p:par>
-    </p:tnLst>
-  </p:timing>
-</p:sld>
-</file>
-
-<file path=ppt/slides/slide12.xml><?xml version="1.0" encoding="utf-8"?>
+<file path=ppt/slides/slide13.xml><?xml version="1.0" encoding="utf-8"?>
 <p:sld xmlns:a="http://schemas.openxmlformats.org/drawingml/2006/main" xmlns:r="http://schemas.openxmlformats.org/officeDocument/2006/relationships" xmlns:p="http://schemas.openxmlformats.org/presentationml/2006/main">
   <p:cSld>
     <p:spTree>
@@ -21353,7 +22304,7 @@
 </p:sld>
 </file>
 
-<file path=ppt/slides/slide13.xml><?xml version="1.0" encoding="utf-8"?>
+<file path=ppt/slides/slide14.xml><?xml version="1.0" encoding="utf-8"?>
 <p:sld xmlns:a="http://schemas.openxmlformats.org/drawingml/2006/main" xmlns:r="http://schemas.openxmlformats.org/officeDocument/2006/relationships" xmlns:p="http://schemas.openxmlformats.org/presentationml/2006/main">
   <p:cSld>
     <p:spTree>
@@ -21403,9 +22354,16 @@
             <p:ph idx="1"/>
           </p:nvPr>
         </p:nvSpPr>
-        <p:spPr/>
+        <p:spPr>
+          <a:xfrm>
+            <a:off x="897776" y="2227811"/>
+            <a:ext cx="9846426" cy="3483033"/>
+          </a:xfrm>
+        </p:spPr>
         <p:txBody>
-          <a:bodyPr/>
+          <a:bodyPr>
+            <a:normAutofit/>
+          </a:bodyPr>
           <a:lstStyle/>
           <a:p>
             <a:pPr marL="0" indent="0">
@@ -21413,64 +22371,115 @@
             </a:pPr>
             <a:r>
               <a:rPr lang="en-GB" dirty="0" smtClean="0"/>
-              <a:t>As a group, we have used the github platform to upload pieces of work which contributes to the overall assignment. </a:t>
+              <a:t>As </a:t>
+            </a:r>
+            <a:r>
+              <a:rPr lang="en-GB" dirty="0"/>
+              <a:t>a group, we have used the </a:t>
+            </a:r>
+            <a:r>
+              <a:rPr lang="en-GB" b="1" dirty="0" smtClean="0"/>
+              <a:t>GitHub</a:t>
+            </a:r>
+            <a:r>
+              <a:rPr lang="en-GB" dirty="0" smtClean="0"/>
+              <a:t> </a:t>
+            </a:r>
+            <a:r>
+              <a:rPr lang="en-GB" dirty="0"/>
+              <a:t>platform to upload pieces of work which contributes to the overall assignment. </a:t>
+            </a:r>
+          </a:p>
+          <a:p>
+            <a:pPr>
+              <a:buFont typeface="Arial" panose="020B0604020202020204" pitchFamily="34" charset="0"/>
+              <a:buChar char="•"/>
+            </a:pPr>
+            <a:r>
+              <a:rPr lang="en-GB" dirty="0"/>
+              <a:t>We have also used</a:t>
+            </a:r>
+            <a:r>
+              <a:rPr lang="en-GB" b="1" dirty="0"/>
+              <a:t> Draw.io </a:t>
+            </a:r>
+            <a:r>
+              <a:rPr lang="en-GB" dirty="0"/>
+              <a:t>to create any diagrams required throughout. </a:t>
+            </a:r>
+          </a:p>
+          <a:p>
+            <a:pPr>
+              <a:buFont typeface="Arial" panose="020B0604020202020204" pitchFamily="34" charset="0"/>
+              <a:buChar char="•"/>
+            </a:pPr>
+            <a:r>
+              <a:rPr lang="en-GB" b="1" dirty="0"/>
+              <a:t>Visual studio Windows forms </a:t>
+            </a:r>
+            <a:r>
+              <a:rPr lang="en-GB" b="1" dirty="0" smtClean="0"/>
+              <a:t>Framework </a:t>
+            </a:r>
+            <a:endParaRPr lang="en-GB" b="1" dirty="0"/>
+          </a:p>
+          <a:p>
+            <a:pPr>
+              <a:buFont typeface="Arial" panose="020B0604020202020204" pitchFamily="34" charset="0"/>
+              <a:buChar char="•"/>
+            </a:pPr>
+            <a:r>
+              <a:rPr lang="en-GB" b="1" dirty="0"/>
+              <a:t>Used Spotify-NET API Libraries </a:t>
+            </a:r>
+            <a:r>
+              <a:rPr lang="en-GB" dirty="0"/>
+              <a:t>(</a:t>
+            </a:r>
+            <a:r>
+              <a:rPr lang="en-GB" dirty="0" err="1"/>
+              <a:t>SpotifyAPI.Web</a:t>
+            </a:r>
+            <a:r>
+              <a:rPr lang="en-GB" dirty="0"/>
+              <a:t>, </a:t>
+            </a:r>
+            <a:r>
+              <a:rPr lang="en-GB" dirty="0" err="1"/>
+              <a:t>SpotifyAPI.Web.Auth</a:t>
+            </a:r>
+            <a:r>
+              <a:rPr lang="en-GB" dirty="0"/>
+              <a:t>, </a:t>
+            </a:r>
+            <a:r>
+              <a:rPr lang="en-GB" dirty="0" err="1"/>
+              <a:t>SpotifyAPI.Web.Models</a:t>
+            </a:r>
+            <a:r>
+              <a:rPr lang="en-GB" dirty="0"/>
+              <a:t>): website used https://johnnycrazy.github.io/SpotifyAPI-NET/</a:t>
+            </a:r>
+          </a:p>
+          <a:p>
+            <a:pPr>
+              <a:buFont typeface="Arial" panose="020B0604020202020204" pitchFamily="34" charset="0"/>
+              <a:buChar char="•"/>
+            </a:pPr>
+            <a:r>
+              <a:rPr lang="en-GB" b="1" dirty="0"/>
+              <a:t>Used News API: </a:t>
+            </a:r>
+            <a:r>
+              <a:rPr lang="en-GB" dirty="0"/>
+              <a:t>website used https://newsapi.org/</a:t>
             </a:r>
           </a:p>
           <a:p>
             <a:pPr marL="0" indent="0">
               <a:buNone/>
             </a:pPr>
-            <a:r>
-              <a:rPr lang="en-GB" dirty="0" smtClean="0"/>
-              <a:t>We have also used Draw.io to create any diagrams required throughout. </a:t>
-            </a:r>
-          </a:p>
-          <a:p>
-            <a:pPr marL="0" indent="0">
-              <a:buNone/>
-            </a:pPr>
-            <a:r>
-              <a:rPr lang="en-GB" dirty="0" smtClean="0"/>
-              <a:t>Visual studio Windows forms Framework,  </a:t>
-            </a:r>
-          </a:p>
-          <a:p>
-            <a:pPr marL="0" indent="0">
-              <a:buNone/>
-            </a:pPr>
-            <a:r>
-              <a:rPr lang="en-GB" dirty="0" smtClean="0"/>
-              <a:t>Used Spotify-NET API Libraries (SpotifyAPI.Web, SpotifyAPI.Web.Auth, SpotifyAPI.Web.Models): website used </a:t>
-            </a:r>
-            <a:r>
-              <a:rPr lang="en-GB" dirty="0"/>
-              <a:t>https://johnnycrazy.github.io/SpotifyAPI-NET/</a:t>
-            </a:r>
             <a:endParaRPr lang="en-GB" dirty="0" smtClean="0"/>
-          </a:p>
-          <a:p>
-            <a:pPr marL="0" indent="0">
-              <a:buNone/>
-            </a:pPr>
-            <a:r>
-              <a:rPr lang="en-GB" dirty="0" smtClean="0"/>
-              <a:t>Used News API</a:t>
-            </a:r>
-            <a:r>
-              <a:rPr lang="en-GB" dirty="0"/>
-              <a:t>: website used https://newsapi.org/</a:t>
-            </a:r>
-            <a:endParaRPr lang="en-GB" dirty="0" smtClean="0"/>
-          </a:p>
-          <a:p>
-            <a:pPr>
-              <a:buFont typeface="Arial" panose="020B0604020202020204" pitchFamily="34" charset="0"/>
-              <a:buChar char="•"/>
-            </a:pPr>
-            <a:endParaRPr lang="en-GB" dirty="0" smtClean="0"/>
-          </a:p>
-          <a:p>
-            <a:endParaRPr lang="en-GB" dirty="0"/>
           </a:p>
         </p:txBody>
       </p:sp>
@@ -21494,7 +22503,7 @@
 </p:sld>
 </file>
 
-<file path=ppt/slides/slide14.xml><?xml version="1.0" encoding="utf-8"?>
+<file path=ppt/slides/slide15.xml><?xml version="1.0" encoding="utf-8"?>
 <p:sld xmlns:a="http://schemas.openxmlformats.org/drawingml/2006/main" xmlns:r="http://schemas.openxmlformats.org/officeDocument/2006/relationships" xmlns:p="http://schemas.openxmlformats.org/presentationml/2006/main">
   <p:cSld>
     <p:spTree>
@@ -21554,7 +22563,53 @@
             <a:pPr marL="0" indent="0">
               <a:buNone/>
             </a:pPr>
-            <a:endParaRPr lang="en-GB" sz="3600" dirty="0" smtClean="0"/>
+            <a:r>
+              <a:rPr lang="en-GB" sz="2000" dirty="0" smtClean="0"/>
+              <a:t>The tasks where delegated by Hayden, which where then completed by each member within a time frame. The group assisted each other with their tasks if help was required. </a:t>
+            </a:r>
+          </a:p>
+          <a:p>
+            <a:pPr marL="0" indent="0">
+              <a:buNone/>
+            </a:pPr>
+            <a:r>
+              <a:rPr lang="en-GB" sz="2000" dirty="0" smtClean="0"/>
+              <a:t>Our expectations for this project is to ensure it is completed on time and each member has sufficiently contributed. </a:t>
+            </a:r>
+          </a:p>
+          <a:p>
+            <a:pPr marL="0" indent="0">
+              <a:buNone/>
+            </a:pPr>
+            <a:r>
+              <a:rPr lang="en-GB" sz="2000" dirty="0" smtClean="0"/>
+              <a:t>Advantages – Sets out a overview of what </a:t>
+            </a:r>
+            <a:r>
+              <a:rPr lang="en-GB" sz="2000" dirty="0" smtClean="0"/>
+              <a:t>needs to be done with a set time frame.</a:t>
+            </a:r>
+            <a:endParaRPr lang="en-GB" sz="2000" dirty="0" smtClean="0"/>
+          </a:p>
+          <a:p>
+            <a:pPr marL="0" indent="0">
+              <a:buNone/>
+            </a:pPr>
+            <a:r>
+              <a:rPr lang="en-GB" sz="2000" dirty="0" smtClean="0"/>
+              <a:t>Disadvantages – Unknown elements needed for the program. Not knowing the total time needed to </a:t>
+            </a:r>
+            <a:r>
+              <a:rPr lang="en-GB" sz="2000" smtClean="0"/>
+              <a:t>complete each task. </a:t>
+            </a:r>
+            <a:endParaRPr lang="en-GB" sz="2000" dirty="0" smtClean="0"/>
+          </a:p>
+          <a:p>
+            <a:pPr marL="0" indent="0">
+              <a:buNone/>
+            </a:pPr>
+            <a:endParaRPr lang="en-GB" sz="2000" dirty="0" smtClean="0"/>
           </a:p>
         </p:txBody>
       </p:sp>
@@ -21571,7 +22626,7 @@
 </p:sld>
 </file>
 
-<file path=ppt/slides/slide15.xml><?xml version="1.0" encoding="utf-8"?>
+<file path=ppt/slides/slide16.xml><?xml version="1.0" encoding="utf-8"?>
 <p:sld xmlns:a="http://schemas.openxmlformats.org/drawingml/2006/main" xmlns:r="http://schemas.openxmlformats.org/officeDocument/2006/relationships" xmlns:p="http://schemas.openxmlformats.org/presentationml/2006/main">
   <p:cSld>
     <p:spTree>
@@ -21681,8 +22736,8 @@
         </p:nvSpPr>
         <p:spPr>
           <a:xfrm>
-            <a:off x="1024128" y="2286000"/>
-            <a:ext cx="10123239" cy="4023360"/>
+            <a:off x="716557" y="1978429"/>
+            <a:ext cx="10123239" cy="4364182"/>
           </a:xfrm>
         </p:spPr>
         <p:txBody>
@@ -21697,6 +22752,10 @@
             </a:r>
           </a:p>
           <a:p>
+            <a:pPr>
+              <a:buFont typeface="Arial" panose="020B0604020202020204" pitchFamily="34" charset="0"/>
+              <a:buChar char="•"/>
+            </a:pPr>
             <a:r>
               <a:rPr lang="en-GB" dirty="0" smtClean="0"/>
               <a:t>Luke – Set up </a:t>
@@ -21724,6 +22783,10 @@
             <a:endParaRPr lang="en-GB" dirty="0" smtClean="0"/>
           </a:p>
           <a:p>
+            <a:pPr>
+              <a:buFont typeface="Arial" panose="020B0604020202020204" pitchFamily="34" charset="0"/>
+              <a:buChar char="•"/>
+            </a:pPr>
             <a:r>
               <a:rPr lang="en-GB" dirty="0" smtClean="0"/>
               <a:t>Darius – Pair programming logs, Programmed artefact, </a:t>
@@ -21738,9 +22801,17 @@
             </a:r>
           </a:p>
           <a:p>
+            <a:pPr>
+              <a:buFont typeface="Arial" panose="020B0604020202020204" pitchFamily="34" charset="0"/>
+              <a:buChar char="•"/>
+            </a:pPr>
             <a:r>
               <a:rPr lang="en-GB" dirty="0" smtClean="0"/>
-              <a:t> Hayden – </a:t>
+              <a:t>Hayden </a:t>
+            </a:r>
+            <a:r>
+              <a:rPr lang="en-GB" dirty="0" smtClean="0"/>
+              <a:t>– </a:t>
             </a:r>
             <a:r>
               <a:rPr lang="en-GB" dirty="0"/>
@@ -21752,26 +22823,41 @@
             </a:r>
           </a:p>
           <a:p>
+            <a:pPr>
+              <a:buFont typeface="Arial" panose="020B0604020202020204" pitchFamily="34" charset="0"/>
+              <a:buChar char="•"/>
+            </a:pPr>
             <a:r>
               <a:rPr lang="en-GB" dirty="0" smtClean="0"/>
               <a:t>Savannah – </a:t>
             </a:r>
             <a:r>
               <a:rPr lang="en-GB" dirty="0"/>
-              <a:t>Product backlog, sprint planning, user </a:t>
-            </a:r>
-            <a:r>
-              <a:rPr lang="en-GB" dirty="0" smtClean="0"/>
-              <a:t>stories, presentation</a:t>
+              <a:t>Product backlog, sprint planning, sprint backlog, user stories </a:t>
             </a:r>
           </a:p>
           <a:p>
+            <a:r>
+              <a:rPr lang="en-GB" dirty="0" smtClean="0"/>
+              <a:t>presentation</a:t>
+            </a:r>
+            <a:endParaRPr lang="en-GB" dirty="0" smtClean="0"/>
+          </a:p>
+          <a:p>
+            <a:pPr>
+              <a:buFont typeface="Arial" panose="020B0604020202020204" pitchFamily="34" charset="0"/>
+              <a:buChar char="•"/>
+            </a:pPr>
             <a:r>
               <a:rPr lang="en-GB" dirty="0" smtClean="0"/>
               <a:t>Caitlin – Product backlog, sprint planning, sprint backlog, user stories </a:t>
             </a:r>
           </a:p>
           <a:p>
+            <a:pPr>
+              <a:buFont typeface="Arial" panose="020B0604020202020204" pitchFamily="34" charset="0"/>
+              <a:buChar char="•"/>
+            </a:pPr>
             <a:r>
               <a:rPr lang="en-GB" dirty="0" smtClean="0"/>
               <a:t>Jackson – UI, Pair Programming logs, Product backlog</a:t>
@@ -21849,11 +22935,57 @@
             <p:ph idx="1"/>
           </p:nvPr>
         </p:nvSpPr>
-        <p:spPr/>
+        <p:spPr>
+          <a:xfrm>
+            <a:off x="556954" y="2084832"/>
+            <a:ext cx="10054244" cy="4216215"/>
+          </a:xfrm>
+        </p:spPr>
         <p:txBody>
-          <a:bodyPr/>
+          <a:bodyPr>
+            <a:normAutofit fontScale="92500" lnSpcReduction="10000"/>
+          </a:bodyPr>
           <a:lstStyle/>
           <a:p>
+            <a:r>
+              <a:rPr lang="en-US" dirty="0" smtClean="0"/>
+              <a:t>“A </a:t>
+            </a:r>
+            <a:r>
+              <a:rPr lang="en-US" b="1" dirty="0"/>
+              <a:t>user story</a:t>
+            </a:r>
+            <a:r>
+              <a:rPr lang="en-US" dirty="0"/>
+              <a:t> is a </a:t>
+            </a:r>
+            <a:r>
+              <a:rPr lang="en-US" dirty="0" smtClean="0"/>
+              <a:t>very high-level definition </a:t>
+            </a:r>
+            <a:r>
+              <a:rPr lang="en-US" dirty="0"/>
+              <a:t>of a requirement, containing just enough information so that the developers can </a:t>
+            </a:r>
+            <a:r>
+              <a:rPr lang="en-US" dirty="0" smtClean="0"/>
+              <a:t>produce </a:t>
+            </a:r>
+            <a:r>
+              <a:rPr lang="en-US" dirty="0"/>
+              <a:t>a reasonable estimate of the effort to implement </a:t>
+            </a:r>
+            <a:r>
+              <a:rPr lang="en-US" dirty="0" smtClean="0"/>
+              <a:t>it.”</a:t>
+            </a:r>
+            <a:endParaRPr lang="en-GB" b="1" dirty="0" smtClean="0"/>
+          </a:p>
+          <a:p>
+            <a:endParaRPr lang="en-GB" b="1" dirty="0"/>
+          </a:p>
+          <a:p>
+            <a:pPr algn="ctr"/>
             <a:r>
               <a:rPr lang="en-GB" b="1" dirty="0" smtClean="0"/>
               <a:t>As </a:t>
@@ -21947,1335 +23079,81 @@
             <p:ph type="title"/>
           </p:nvPr>
         </p:nvSpPr>
-        <p:spPr>
-          <a:xfrm>
-            <a:off x="899436" y="435588"/>
-            <a:ext cx="9720072" cy="1499616"/>
-          </a:xfrm>
-        </p:spPr>
+        <p:spPr/>
         <p:txBody>
-          <a:bodyPr>
-            <a:normAutofit fontScale="90000"/>
-          </a:bodyPr>
+          <a:bodyPr/>
           <a:lstStyle/>
           <a:p>
             <a:r>
               <a:rPr lang="en-GB" dirty="0" smtClean="0"/>
-              <a:t>Product Backlog </a:t>
-            </a:r>
-            <a:br>
-              <a:rPr lang="en-GB" dirty="0" smtClean="0"/>
-            </a:br>
-            <a:r>
-              <a:rPr lang="en-GB" sz="1600" b="1" dirty="0"/>
-              <a:t>-</a:t>
+              <a:t>Completing 1</a:t>
             </a:r>
             <a:r>
-              <a:rPr lang="en-GB" sz="1600" dirty="0"/>
-              <a:t>Feature required for Spotify </a:t>
-            </a:r>
-            <a:br>
-              <a:rPr lang="en-GB" sz="1600" dirty="0"/>
-            </a:br>
-            <a:r>
-              <a:rPr lang="en-GB" sz="1600" dirty="0" smtClean="0"/>
-              <a:t>-Product </a:t>
+              <a:rPr lang="en-GB" baseline="30000" dirty="0" smtClean="0"/>
+              <a:t>st</a:t>
             </a:r>
             <a:r>
-              <a:rPr lang="en-GB" sz="1600" dirty="0"/>
-              <a:t>backlog placed in correct sequence – </a:t>
-            </a:r>
-            <a:r>
-              <a:rPr lang="en-GB" sz="1600" dirty="0" smtClean="0"/>
-              <a:t>Value/Cost/Knowledge/Risk</a:t>
-            </a:r>
-            <a:r>
-              <a:rPr lang="en-GB" dirty="0"/>
-              <a:t/>
-            </a:r>
-            <a:br>
-              <a:rPr lang="en-GB" dirty="0"/>
-            </a:br>
-            <a:r>
               <a:rPr lang="en-GB" dirty="0" smtClean="0"/>
-              <a:t>NOT FINISHED </a:t>
+              <a:t> Sprint</a:t>
             </a:r>
             <a:endParaRPr lang="en-GB" dirty="0"/>
           </a:p>
         </p:txBody>
       </p:sp>
-      <p:graphicFrame>
-        <p:nvGraphicFramePr>
-          <p:cNvPr id="5" name="Content Placeholder 4"/>
-          <p:cNvGraphicFramePr>
-            <a:graphicFrameLocks noGrp="1"/>
-          </p:cNvGraphicFramePr>
+      <p:sp>
+        <p:nvSpPr>
+          <p:cNvPr id="3" name="Content Placeholder 2"/>
+          <p:cNvSpPr>
+            <a:spLocks noGrp="1"/>
+          </p:cNvSpPr>
           <p:nvPr>
             <p:ph idx="1"/>
           </p:nvPr>
-        </p:nvGraphicFramePr>
-        <p:xfrm>
-          <a:off x="3649388" y="2226754"/>
-          <a:ext cx="4469362" cy="4141217"/>
-        </p:xfrm>
-        <a:graphic>
-          <a:graphicData uri="http://schemas.openxmlformats.org/drawingml/2006/table">
-            <a:tbl>
-              <a:tblPr firstRow="1" firstCol="1" bandRow="1">
-                <a:tableStyleId>{5C22544A-7EE6-4342-B048-85BDC9FD1C3A}</a:tableStyleId>
-              </a:tblPr>
-              <a:tblGrid>
-                <a:gridCol w="893773">
-                  <a:extLst>
-                    <a:ext uri="{9D8B030D-6E8A-4147-A177-3AD203B41FA5}">
-                      <a16:colId xmlns:a16="http://schemas.microsoft.com/office/drawing/2014/main" val="2461879978"/>
-                    </a:ext>
-                  </a:extLst>
-                </a:gridCol>
-                <a:gridCol w="1212022">
-                  <a:extLst>
-                    <a:ext uri="{9D8B030D-6E8A-4147-A177-3AD203B41FA5}">
-                      <a16:colId xmlns:a16="http://schemas.microsoft.com/office/drawing/2014/main" val="1059767346"/>
-                    </a:ext>
-                  </a:extLst>
-                </a:gridCol>
-                <a:gridCol w="575525">
-                  <a:extLst>
-                    <a:ext uri="{9D8B030D-6E8A-4147-A177-3AD203B41FA5}">
-                      <a16:colId xmlns:a16="http://schemas.microsoft.com/office/drawing/2014/main" val="1418945718"/>
-                    </a:ext>
-                  </a:extLst>
-                </a:gridCol>
-                <a:gridCol w="893773">
-                  <a:extLst>
-                    <a:ext uri="{9D8B030D-6E8A-4147-A177-3AD203B41FA5}">
-                      <a16:colId xmlns:a16="http://schemas.microsoft.com/office/drawing/2014/main" val="2437744196"/>
-                    </a:ext>
-                  </a:extLst>
-                </a:gridCol>
-                <a:gridCol w="894269">
-                  <a:extLst>
-                    <a:ext uri="{9D8B030D-6E8A-4147-A177-3AD203B41FA5}">
-                      <a16:colId xmlns:a16="http://schemas.microsoft.com/office/drawing/2014/main" val="3514644214"/>
-                    </a:ext>
-                  </a:extLst>
-                </a:gridCol>
-              </a:tblGrid>
-              <a:tr h="280079">
-                <a:tc>
-                  <a:txBody>
-                    <a:bodyPr/>
-                    <a:lstStyle/>
-                    <a:p>
-                      <a:pPr>
-                        <a:lnSpc>
-                          <a:spcPct val="107000"/>
-                        </a:lnSpc>
-                        <a:spcAft>
-                          <a:spcPts val="0"/>
-                        </a:spcAft>
-                      </a:pPr>
-                      <a:r>
-                        <a:rPr lang="en-GB" sz="900">
-                          <a:effectLst/>
-                        </a:rPr>
-                        <a:t>ID</a:t>
-                      </a:r>
-                      <a:endParaRPr lang="en-GB" sz="900">
-                        <a:effectLst/>
-                        <a:latin typeface="Calibri" panose="020F0502020204030204" pitchFamily="34" charset="0"/>
-                        <a:ea typeface="Calibri" panose="020F0502020204030204" pitchFamily="34" charset="0"/>
-                        <a:cs typeface="Times New Roman" panose="02020603050405020304" pitchFamily="18" charset="0"/>
-                      </a:endParaRPr>
-                    </a:p>
-                  </a:txBody>
-                  <a:tcPr marL="53537" marR="53537" marT="0" marB="0"/>
-                </a:tc>
-                <a:tc>
-                  <a:txBody>
-                    <a:bodyPr/>
-                    <a:lstStyle/>
-                    <a:p>
-                      <a:pPr>
-                        <a:lnSpc>
-                          <a:spcPct val="107000"/>
-                        </a:lnSpc>
-                        <a:spcAft>
-                          <a:spcPts val="0"/>
-                        </a:spcAft>
-                      </a:pPr>
-                      <a:r>
-                        <a:rPr lang="en-GB" sz="900">
-                          <a:effectLst/>
-                        </a:rPr>
-                        <a:t>Product Backlog Item</a:t>
-                      </a:r>
-                      <a:endParaRPr lang="en-GB" sz="900">
-                        <a:effectLst/>
-                        <a:latin typeface="Calibri" panose="020F0502020204030204" pitchFamily="34" charset="0"/>
-                        <a:ea typeface="Calibri" panose="020F0502020204030204" pitchFamily="34" charset="0"/>
-                        <a:cs typeface="Times New Roman" panose="02020603050405020304" pitchFamily="18" charset="0"/>
-                      </a:endParaRPr>
-                    </a:p>
-                  </a:txBody>
-                  <a:tcPr marL="53537" marR="53537" marT="0" marB="0"/>
-                </a:tc>
-                <a:tc>
-                  <a:txBody>
-                    <a:bodyPr/>
-                    <a:lstStyle/>
-                    <a:p>
-                      <a:pPr>
-                        <a:lnSpc>
-                          <a:spcPct val="107000"/>
-                        </a:lnSpc>
-                        <a:spcAft>
-                          <a:spcPts val="0"/>
-                        </a:spcAft>
-                      </a:pPr>
-                      <a:r>
-                        <a:rPr lang="en-GB" sz="900">
-                          <a:effectLst/>
-                        </a:rPr>
-                        <a:t>Sprint Points</a:t>
-                      </a:r>
-                      <a:endParaRPr lang="en-GB" sz="900">
-                        <a:effectLst/>
-                        <a:latin typeface="Calibri" panose="020F0502020204030204" pitchFamily="34" charset="0"/>
-                        <a:ea typeface="Calibri" panose="020F0502020204030204" pitchFamily="34" charset="0"/>
-                        <a:cs typeface="Times New Roman" panose="02020603050405020304" pitchFamily="18" charset="0"/>
-                      </a:endParaRPr>
-                    </a:p>
-                  </a:txBody>
-                  <a:tcPr marL="53537" marR="53537" marT="0" marB="0"/>
-                </a:tc>
-                <a:tc>
-                  <a:txBody>
-                    <a:bodyPr/>
-                    <a:lstStyle/>
-                    <a:p>
-                      <a:pPr>
-                        <a:lnSpc>
-                          <a:spcPct val="107000"/>
-                        </a:lnSpc>
-                        <a:spcAft>
-                          <a:spcPts val="0"/>
-                        </a:spcAft>
-                      </a:pPr>
-                      <a:r>
-                        <a:rPr lang="en-GB" sz="900">
-                          <a:effectLst/>
-                        </a:rPr>
-                        <a:t>Business Value</a:t>
-                      </a:r>
-                      <a:endParaRPr lang="en-GB" sz="900">
-                        <a:effectLst/>
-                        <a:latin typeface="Calibri" panose="020F0502020204030204" pitchFamily="34" charset="0"/>
-                        <a:ea typeface="Calibri" panose="020F0502020204030204" pitchFamily="34" charset="0"/>
-                        <a:cs typeface="Times New Roman" panose="02020603050405020304" pitchFamily="18" charset="0"/>
-                      </a:endParaRPr>
-                    </a:p>
-                  </a:txBody>
-                  <a:tcPr marL="53537" marR="53537" marT="0" marB="0"/>
-                </a:tc>
-                <a:tc>
-                  <a:txBody>
-                    <a:bodyPr/>
-                    <a:lstStyle/>
-                    <a:p>
-                      <a:pPr>
-                        <a:lnSpc>
-                          <a:spcPct val="107000"/>
-                        </a:lnSpc>
-                        <a:spcAft>
-                          <a:spcPts val="0"/>
-                        </a:spcAft>
-                      </a:pPr>
-                      <a:r>
-                        <a:rPr lang="en-GB" sz="900">
-                          <a:effectLst/>
-                        </a:rPr>
-                        <a:t>Priority</a:t>
-                      </a:r>
-                      <a:endParaRPr lang="en-GB" sz="900">
-                        <a:effectLst/>
-                        <a:latin typeface="Calibri" panose="020F0502020204030204" pitchFamily="34" charset="0"/>
-                        <a:ea typeface="Calibri" panose="020F0502020204030204" pitchFamily="34" charset="0"/>
-                        <a:cs typeface="Times New Roman" panose="02020603050405020304" pitchFamily="18" charset="0"/>
-                      </a:endParaRPr>
-                    </a:p>
-                  </a:txBody>
-                  <a:tcPr marL="53537" marR="53537" marT="0" marB="0"/>
-                </a:tc>
-                <a:extLst>
-                  <a:ext uri="{0D108BD9-81ED-4DB2-BD59-A6C34878D82A}">
-                    <a16:rowId xmlns:a16="http://schemas.microsoft.com/office/drawing/2014/main" val="3974479799"/>
-                  </a:ext>
-                </a:extLst>
-              </a:tr>
-              <a:tr h="636498">
-                <a:tc>
-                  <a:txBody>
-                    <a:bodyPr/>
-                    <a:lstStyle/>
-                    <a:p>
-                      <a:pPr>
-                        <a:lnSpc>
-                          <a:spcPct val="107000"/>
-                        </a:lnSpc>
-                        <a:spcAft>
-                          <a:spcPts val="0"/>
-                        </a:spcAft>
-                      </a:pPr>
-                      <a:r>
-                        <a:rPr lang="en-GB" sz="900">
-                          <a:effectLst/>
-                        </a:rPr>
-                        <a:t>1</a:t>
-                      </a:r>
-                      <a:endParaRPr lang="en-GB" sz="900">
-                        <a:effectLst/>
-                        <a:latin typeface="Calibri" panose="020F0502020204030204" pitchFamily="34" charset="0"/>
-                        <a:ea typeface="Calibri" panose="020F0502020204030204" pitchFamily="34" charset="0"/>
-                        <a:cs typeface="Times New Roman" panose="02020603050405020304" pitchFamily="18" charset="0"/>
-                      </a:endParaRPr>
-                    </a:p>
-                  </a:txBody>
-                  <a:tcPr marL="53537" marR="53537" marT="0" marB="0"/>
-                </a:tc>
-                <a:tc>
-                  <a:txBody>
-                    <a:bodyPr/>
-                    <a:lstStyle/>
-                    <a:p>
-                      <a:pPr>
-                        <a:lnSpc>
-                          <a:spcPct val="107000"/>
-                        </a:lnSpc>
-                        <a:spcAft>
-                          <a:spcPts val="0"/>
-                        </a:spcAft>
-                      </a:pPr>
-                      <a:r>
-                        <a:rPr lang="en-GB" sz="800">
-                          <a:effectLst/>
-                        </a:rPr>
-                        <a:t>As a user I want to authorise my account without any errors so that I can access Spotify’s news related playlists.</a:t>
-                      </a:r>
-                      <a:endParaRPr lang="en-GB" sz="900">
-                        <a:effectLst/>
-                        <a:latin typeface="Calibri" panose="020F0502020204030204" pitchFamily="34" charset="0"/>
-                        <a:ea typeface="Calibri" panose="020F0502020204030204" pitchFamily="34" charset="0"/>
-                        <a:cs typeface="Times New Roman" panose="02020603050405020304" pitchFamily="18" charset="0"/>
-                      </a:endParaRPr>
-                    </a:p>
-                  </a:txBody>
-                  <a:tcPr marL="53537" marR="53537" marT="0" marB="0"/>
-                </a:tc>
-                <a:tc>
-                  <a:txBody>
-                    <a:bodyPr/>
-                    <a:lstStyle/>
-                    <a:p>
-                      <a:pPr>
-                        <a:lnSpc>
-                          <a:spcPct val="107000"/>
-                        </a:lnSpc>
-                        <a:spcAft>
-                          <a:spcPts val="0"/>
-                        </a:spcAft>
-                      </a:pPr>
-                      <a:r>
-                        <a:rPr lang="en-GB" sz="900">
-                          <a:effectLst/>
-                        </a:rPr>
-                        <a:t> </a:t>
-                      </a:r>
-                      <a:endParaRPr lang="en-GB" sz="900">
-                        <a:effectLst/>
-                        <a:latin typeface="Calibri" panose="020F0502020204030204" pitchFamily="34" charset="0"/>
-                        <a:ea typeface="Calibri" panose="020F0502020204030204" pitchFamily="34" charset="0"/>
-                        <a:cs typeface="Times New Roman" panose="02020603050405020304" pitchFamily="18" charset="0"/>
-                      </a:endParaRPr>
-                    </a:p>
-                  </a:txBody>
-                  <a:tcPr marL="53537" marR="53537" marT="0" marB="0"/>
-                </a:tc>
-                <a:tc>
-                  <a:txBody>
-                    <a:bodyPr/>
-                    <a:lstStyle/>
-                    <a:p>
-                      <a:pPr>
-                        <a:lnSpc>
-                          <a:spcPct val="107000"/>
-                        </a:lnSpc>
-                        <a:spcAft>
-                          <a:spcPts val="0"/>
-                        </a:spcAft>
-                      </a:pPr>
-                      <a:r>
-                        <a:rPr lang="en-GB" sz="900">
-                          <a:effectLst/>
-                        </a:rPr>
-                        <a:t> </a:t>
-                      </a:r>
-                      <a:endParaRPr lang="en-GB" sz="900">
-                        <a:effectLst/>
-                        <a:latin typeface="Calibri" panose="020F0502020204030204" pitchFamily="34" charset="0"/>
-                        <a:ea typeface="Calibri" panose="020F0502020204030204" pitchFamily="34" charset="0"/>
-                        <a:cs typeface="Times New Roman" panose="02020603050405020304" pitchFamily="18" charset="0"/>
-                      </a:endParaRPr>
-                    </a:p>
-                  </a:txBody>
-                  <a:tcPr marL="53537" marR="53537" marT="0" marB="0"/>
-                </a:tc>
-                <a:tc>
-                  <a:txBody>
-                    <a:bodyPr/>
-                    <a:lstStyle/>
-                    <a:p>
-                      <a:pPr>
-                        <a:lnSpc>
-                          <a:spcPct val="107000"/>
-                        </a:lnSpc>
-                        <a:spcAft>
-                          <a:spcPts val="0"/>
-                        </a:spcAft>
-                      </a:pPr>
-                      <a:r>
-                        <a:rPr lang="en-GB" sz="900">
-                          <a:effectLst/>
-                        </a:rPr>
-                        <a:t>1</a:t>
-                      </a:r>
-                      <a:endParaRPr lang="en-GB" sz="900">
-                        <a:effectLst/>
-                        <a:latin typeface="Calibri" panose="020F0502020204030204" pitchFamily="34" charset="0"/>
-                        <a:ea typeface="Calibri" panose="020F0502020204030204" pitchFamily="34" charset="0"/>
-                        <a:cs typeface="Times New Roman" panose="02020603050405020304" pitchFamily="18" charset="0"/>
-                      </a:endParaRPr>
-                    </a:p>
-                  </a:txBody>
-                  <a:tcPr marL="53537" marR="53537" marT="0" marB="0"/>
-                </a:tc>
-                <a:extLst>
-                  <a:ext uri="{0D108BD9-81ED-4DB2-BD59-A6C34878D82A}">
-                    <a16:rowId xmlns:a16="http://schemas.microsoft.com/office/drawing/2014/main" val="2414680188"/>
-                  </a:ext>
-                </a:extLst>
-              </a:tr>
-              <a:tr h="636498">
-                <a:tc>
-                  <a:txBody>
-                    <a:bodyPr/>
-                    <a:lstStyle/>
-                    <a:p>
-                      <a:pPr>
-                        <a:lnSpc>
-                          <a:spcPct val="107000"/>
-                        </a:lnSpc>
-                        <a:spcAft>
-                          <a:spcPts val="0"/>
-                        </a:spcAft>
-                      </a:pPr>
-                      <a:r>
-                        <a:rPr lang="en-GB" sz="900">
-                          <a:effectLst/>
-                        </a:rPr>
-                        <a:t>2</a:t>
-                      </a:r>
-                      <a:endParaRPr lang="en-GB" sz="900">
-                        <a:effectLst/>
-                        <a:latin typeface="Calibri" panose="020F0502020204030204" pitchFamily="34" charset="0"/>
-                        <a:ea typeface="Calibri" panose="020F0502020204030204" pitchFamily="34" charset="0"/>
-                        <a:cs typeface="Times New Roman" panose="02020603050405020304" pitchFamily="18" charset="0"/>
-                      </a:endParaRPr>
-                    </a:p>
-                  </a:txBody>
-                  <a:tcPr marL="53537" marR="53537" marT="0" marB="0"/>
-                </a:tc>
-                <a:tc>
-                  <a:txBody>
-                    <a:bodyPr/>
-                    <a:lstStyle/>
-                    <a:p>
-                      <a:pPr>
-                        <a:lnSpc>
-                          <a:spcPct val="107000"/>
-                        </a:lnSpc>
-                        <a:spcAft>
-                          <a:spcPts val="0"/>
-                        </a:spcAft>
-                      </a:pPr>
-                      <a:r>
-                        <a:rPr lang="en-GB" sz="800">
-                          <a:effectLst/>
-                        </a:rPr>
-                        <a:t>Create a playlist that’s relating the new headlines of the day </a:t>
-                      </a:r>
-                      <a:endParaRPr lang="en-GB" sz="900">
-                        <a:effectLst/>
-                      </a:endParaRPr>
-                    </a:p>
-                    <a:p>
-                      <a:pPr>
-                        <a:lnSpc>
-                          <a:spcPct val="107000"/>
-                        </a:lnSpc>
-                        <a:spcAft>
-                          <a:spcPts val="0"/>
-                        </a:spcAft>
-                      </a:pPr>
-                      <a:r>
-                        <a:rPr lang="en-GB" sz="800">
-                          <a:effectLst/>
-                        </a:rPr>
-                        <a:t> </a:t>
-                      </a:r>
-                      <a:endParaRPr lang="en-GB" sz="900">
-                        <a:effectLst/>
-                      </a:endParaRPr>
-                    </a:p>
-                    <a:p>
-                      <a:pPr algn="just">
-                        <a:lnSpc>
-                          <a:spcPct val="107000"/>
-                        </a:lnSpc>
-                        <a:spcAft>
-                          <a:spcPts val="0"/>
-                        </a:spcAft>
-                      </a:pPr>
-                      <a:r>
-                        <a:rPr lang="en-GB" sz="800">
-                          <a:effectLst/>
-                        </a:rPr>
-                        <a:t> </a:t>
-                      </a:r>
-                      <a:endParaRPr lang="en-GB" sz="900">
-                        <a:effectLst/>
-                        <a:latin typeface="Calibri" panose="020F0502020204030204" pitchFamily="34" charset="0"/>
-                        <a:ea typeface="Calibri" panose="020F0502020204030204" pitchFamily="34" charset="0"/>
-                        <a:cs typeface="Times New Roman" panose="02020603050405020304" pitchFamily="18" charset="0"/>
-                      </a:endParaRPr>
-                    </a:p>
-                  </a:txBody>
-                  <a:tcPr marL="53537" marR="53537" marT="0" marB="0"/>
-                </a:tc>
-                <a:tc>
-                  <a:txBody>
-                    <a:bodyPr/>
-                    <a:lstStyle/>
-                    <a:p>
-                      <a:pPr>
-                        <a:lnSpc>
-                          <a:spcPct val="107000"/>
-                        </a:lnSpc>
-                        <a:spcAft>
-                          <a:spcPts val="0"/>
-                        </a:spcAft>
-                      </a:pPr>
-                      <a:r>
-                        <a:rPr lang="en-GB" sz="900">
-                          <a:effectLst/>
-                        </a:rPr>
-                        <a:t> </a:t>
-                      </a:r>
-                      <a:endParaRPr lang="en-GB" sz="900">
-                        <a:effectLst/>
-                        <a:latin typeface="Calibri" panose="020F0502020204030204" pitchFamily="34" charset="0"/>
-                        <a:ea typeface="Calibri" panose="020F0502020204030204" pitchFamily="34" charset="0"/>
-                        <a:cs typeface="Times New Roman" panose="02020603050405020304" pitchFamily="18" charset="0"/>
-                      </a:endParaRPr>
-                    </a:p>
-                  </a:txBody>
-                  <a:tcPr marL="53537" marR="53537" marT="0" marB="0"/>
-                </a:tc>
-                <a:tc>
-                  <a:txBody>
-                    <a:bodyPr/>
-                    <a:lstStyle/>
-                    <a:p>
-                      <a:pPr>
-                        <a:lnSpc>
-                          <a:spcPct val="107000"/>
-                        </a:lnSpc>
-                        <a:spcAft>
-                          <a:spcPts val="0"/>
-                        </a:spcAft>
-                      </a:pPr>
-                      <a:r>
-                        <a:rPr lang="en-GB" sz="900">
-                          <a:effectLst/>
-                        </a:rPr>
-                        <a:t> </a:t>
-                      </a:r>
-                      <a:endParaRPr lang="en-GB" sz="900">
-                        <a:effectLst/>
-                        <a:latin typeface="Calibri" panose="020F0502020204030204" pitchFamily="34" charset="0"/>
-                        <a:ea typeface="Calibri" panose="020F0502020204030204" pitchFamily="34" charset="0"/>
-                        <a:cs typeface="Times New Roman" panose="02020603050405020304" pitchFamily="18" charset="0"/>
-                      </a:endParaRPr>
-                    </a:p>
-                  </a:txBody>
-                  <a:tcPr marL="53537" marR="53537" marT="0" marB="0"/>
-                </a:tc>
-                <a:tc>
-                  <a:txBody>
-                    <a:bodyPr/>
-                    <a:lstStyle/>
-                    <a:p>
-                      <a:pPr>
-                        <a:lnSpc>
-                          <a:spcPct val="107000"/>
-                        </a:lnSpc>
-                        <a:spcAft>
-                          <a:spcPts val="0"/>
-                        </a:spcAft>
-                      </a:pPr>
-                      <a:r>
-                        <a:rPr lang="en-GB" sz="900">
-                          <a:effectLst/>
-                        </a:rPr>
-                        <a:t>2</a:t>
-                      </a:r>
-                      <a:endParaRPr lang="en-GB" sz="900">
-                        <a:effectLst/>
-                        <a:latin typeface="Calibri" panose="020F0502020204030204" pitchFamily="34" charset="0"/>
-                        <a:ea typeface="Calibri" panose="020F0502020204030204" pitchFamily="34" charset="0"/>
-                        <a:cs typeface="Times New Roman" panose="02020603050405020304" pitchFamily="18" charset="0"/>
-                      </a:endParaRPr>
-                    </a:p>
-                  </a:txBody>
-                  <a:tcPr marL="53537" marR="53537" marT="0" marB="0"/>
-                </a:tc>
-                <a:extLst>
-                  <a:ext uri="{0D108BD9-81ED-4DB2-BD59-A6C34878D82A}">
-                    <a16:rowId xmlns:a16="http://schemas.microsoft.com/office/drawing/2014/main" val="1878458424"/>
-                  </a:ext>
-                </a:extLst>
-              </a:tr>
-              <a:tr h="891097">
-                <a:tc>
-                  <a:txBody>
-                    <a:bodyPr/>
-                    <a:lstStyle/>
-                    <a:p>
-                      <a:pPr>
-                        <a:lnSpc>
-                          <a:spcPct val="107000"/>
-                        </a:lnSpc>
-                        <a:spcAft>
-                          <a:spcPts val="0"/>
-                        </a:spcAft>
-                      </a:pPr>
-                      <a:r>
-                        <a:rPr lang="en-GB" sz="900">
-                          <a:effectLst/>
-                        </a:rPr>
-                        <a:t>3</a:t>
-                      </a:r>
-                      <a:endParaRPr lang="en-GB" sz="900">
-                        <a:effectLst/>
-                        <a:latin typeface="Calibri" panose="020F0502020204030204" pitchFamily="34" charset="0"/>
-                        <a:ea typeface="Calibri" panose="020F0502020204030204" pitchFamily="34" charset="0"/>
-                        <a:cs typeface="Times New Roman" panose="02020603050405020304" pitchFamily="18" charset="0"/>
-                      </a:endParaRPr>
-                    </a:p>
-                  </a:txBody>
-                  <a:tcPr marL="53537" marR="53537" marT="0" marB="0"/>
-                </a:tc>
-                <a:tc>
-                  <a:txBody>
-                    <a:bodyPr/>
-                    <a:lstStyle/>
-                    <a:p>
-                      <a:pPr algn="just">
-                        <a:lnSpc>
-                          <a:spcPct val="107000"/>
-                        </a:lnSpc>
-                        <a:spcAft>
-                          <a:spcPts val="0"/>
-                        </a:spcAft>
-                      </a:pPr>
-                      <a:r>
-                        <a:rPr lang="en-GB" sz="800">
-                          <a:effectLst/>
-                        </a:rPr>
-                        <a:t>As a user I would like a user friendly, easy and efficient GUI so that my experience is pleasant and enjoyable. </a:t>
-                      </a:r>
-                      <a:endParaRPr lang="en-GB" sz="900">
-                        <a:effectLst/>
-                      </a:endParaRPr>
-                    </a:p>
-                    <a:p>
-                      <a:pPr>
-                        <a:lnSpc>
-                          <a:spcPct val="107000"/>
-                        </a:lnSpc>
-                        <a:spcAft>
-                          <a:spcPts val="0"/>
-                        </a:spcAft>
-                      </a:pPr>
-                      <a:r>
-                        <a:rPr lang="en-GB" sz="800">
-                          <a:effectLst/>
-                        </a:rPr>
-                        <a:t> </a:t>
-                      </a:r>
-                      <a:endParaRPr lang="en-GB" sz="900">
-                        <a:effectLst/>
-                      </a:endParaRPr>
-                    </a:p>
-                    <a:p>
-                      <a:pPr>
-                        <a:lnSpc>
-                          <a:spcPct val="107000"/>
-                        </a:lnSpc>
-                        <a:spcAft>
-                          <a:spcPts val="0"/>
-                        </a:spcAft>
-                      </a:pPr>
-                      <a:r>
-                        <a:rPr lang="en-GB" sz="800">
-                          <a:effectLst/>
-                        </a:rPr>
-                        <a:t> </a:t>
-                      </a:r>
-                      <a:endParaRPr lang="en-GB" sz="900">
-                        <a:effectLst/>
-                        <a:latin typeface="Calibri" panose="020F0502020204030204" pitchFamily="34" charset="0"/>
-                        <a:ea typeface="Calibri" panose="020F0502020204030204" pitchFamily="34" charset="0"/>
-                        <a:cs typeface="Times New Roman" panose="02020603050405020304" pitchFamily="18" charset="0"/>
-                      </a:endParaRPr>
-                    </a:p>
-                  </a:txBody>
-                  <a:tcPr marL="53537" marR="53537" marT="0" marB="0"/>
-                </a:tc>
-                <a:tc>
-                  <a:txBody>
-                    <a:bodyPr/>
-                    <a:lstStyle/>
-                    <a:p>
-                      <a:pPr>
-                        <a:lnSpc>
-                          <a:spcPct val="107000"/>
-                        </a:lnSpc>
-                        <a:spcAft>
-                          <a:spcPts val="0"/>
-                        </a:spcAft>
-                      </a:pPr>
-                      <a:r>
-                        <a:rPr lang="en-GB" sz="900">
-                          <a:effectLst/>
-                        </a:rPr>
-                        <a:t> </a:t>
-                      </a:r>
-                      <a:endParaRPr lang="en-GB" sz="900">
-                        <a:effectLst/>
-                        <a:latin typeface="Calibri" panose="020F0502020204030204" pitchFamily="34" charset="0"/>
-                        <a:ea typeface="Calibri" panose="020F0502020204030204" pitchFamily="34" charset="0"/>
-                        <a:cs typeface="Times New Roman" panose="02020603050405020304" pitchFamily="18" charset="0"/>
-                      </a:endParaRPr>
-                    </a:p>
-                  </a:txBody>
-                  <a:tcPr marL="53537" marR="53537" marT="0" marB="0"/>
-                </a:tc>
-                <a:tc>
-                  <a:txBody>
-                    <a:bodyPr/>
-                    <a:lstStyle/>
-                    <a:p>
-                      <a:pPr>
-                        <a:lnSpc>
-                          <a:spcPct val="107000"/>
-                        </a:lnSpc>
-                        <a:spcAft>
-                          <a:spcPts val="0"/>
-                        </a:spcAft>
-                      </a:pPr>
-                      <a:r>
-                        <a:rPr lang="en-GB" sz="900" dirty="0">
-                          <a:effectLst/>
-                        </a:rPr>
-                        <a:t> </a:t>
-                      </a:r>
-                      <a:endParaRPr lang="en-GB" sz="900" dirty="0">
-                        <a:effectLst/>
-                        <a:latin typeface="Calibri" panose="020F0502020204030204" pitchFamily="34" charset="0"/>
-                        <a:ea typeface="Calibri" panose="020F0502020204030204" pitchFamily="34" charset="0"/>
-                        <a:cs typeface="Times New Roman" panose="02020603050405020304" pitchFamily="18" charset="0"/>
-                      </a:endParaRPr>
-                    </a:p>
-                  </a:txBody>
-                  <a:tcPr marL="53537" marR="53537" marT="0" marB="0"/>
-                </a:tc>
-                <a:tc>
-                  <a:txBody>
-                    <a:bodyPr/>
-                    <a:lstStyle/>
-                    <a:p>
-                      <a:pPr>
-                        <a:lnSpc>
-                          <a:spcPct val="107000"/>
-                        </a:lnSpc>
-                        <a:spcAft>
-                          <a:spcPts val="0"/>
-                        </a:spcAft>
-                      </a:pPr>
-                      <a:r>
-                        <a:rPr lang="en-GB" sz="900">
-                          <a:effectLst/>
-                        </a:rPr>
-                        <a:t>3</a:t>
-                      </a:r>
-                      <a:endParaRPr lang="en-GB" sz="900">
-                        <a:effectLst/>
-                        <a:latin typeface="Calibri" panose="020F0502020204030204" pitchFamily="34" charset="0"/>
-                        <a:ea typeface="Calibri" panose="020F0502020204030204" pitchFamily="34" charset="0"/>
-                        <a:cs typeface="Times New Roman" panose="02020603050405020304" pitchFamily="18" charset="0"/>
-                      </a:endParaRPr>
-                    </a:p>
-                  </a:txBody>
-                  <a:tcPr marL="53537" marR="53537" marT="0" marB="0"/>
-                </a:tc>
-                <a:extLst>
-                  <a:ext uri="{0D108BD9-81ED-4DB2-BD59-A6C34878D82A}">
-                    <a16:rowId xmlns:a16="http://schemas.microsoft.com/office/drawing/2014/main" val="4124026374"/>
-                  </a:ext>
-                </a:extLst>
-              </a:tr>
-              <a:tr h="394639">
-                <a:tc>
-                  <a:txBody>
-                    <a:bodyPr/>
-                    <a:lstStyle/>
-                    <a:p>
-                      <a:pPr>
-                        <a:lnSpc>
-                          <a:spcPct val="107000"/>
-                        </a:lnSpc>
-                        <a:spcAft>
-                          <a:spcPts val="0"/>
-                        </a:spcAft>
-                      </a:pPr>
-                      <a:r>
-                        <a:rPr lang="en-GB" sz="900">
-                          <a:effectLst/>
-                        </a:rPr>
-                        <a:t>4</a:t>
-                      </a:r>
-                      <a:endParaRPr lang="en-GB" sz="900">
-                        <a:effectLst/>
-                        <a:latin typeface="Calibri" panose="020F0502020204030204" pitchFamily="34" charset="0"/>
-                        <a:ea typeface="Calibri" panose="020F0502020204030204" pitchFamily="34" charset="0"/>
-                        <a:cs typeface="Times New Roman" panose="02020603050405020304" pitchFamily="18" charset="0"/>
-                      </a:endParaRPr>
-                    </a:p>
-                  </a:txBody>
-                  <a:tcPr marL="53537" marR="53537" marT="0" marB="0"/>
-                </a:tc>
-                <a:tc>
-                  <a:txBody>
-                    <a:bodyPr/>
-                    <a:lstStyle/>
-                    <a:p>
-                      <a:pPr algn="just">
-                        <a:lnSpc>
-                          <a:spcPct val="107000"/>
-                        </a:lnSpc>
-                        <a:spcAft>
-                          <a:spcPts val="0"/>
-                        </a:spcAft>
-                      </a:pPr>
-                      <a:r>
-                        <a:rPr lang="en-GB" sz="800">
-                          <a:effectLst/>
-                        </a:rPr>
-                        <a:t>Saving the playlist to the users account</a:t>
-                      </a:r>
-                      <a:endParaRPr lang="en-GB" sz="900">
-                        <a:effectLst/>
-                      </a:endParaRPr>
-                    </a:p>
-                    <a:p>
-                      <a:pPr algn="just">
-                        <a:lnSpc>
-                          <a:spcPct val="107000"/>
-                        </a:lnSpc>
-                        <a:spcAft>
-                          <a:spcPts val="0"/>
-                        </a:spcAft>
-                      </a:pPr>
-                      <a:r>
-                        <a:rPr lang="en-GB" sz="900">
-                          <a:effectLst/>
-                        </a:rPr>
-                        <a:t> </a:t>
-                      </a:r>
-                      <a:endParaRPr lang="en-GB" sz="900">
-                        <a:effectLst/>
-                        <a:latin typeface="Calibri" panose="020F0502020204030204" pitchFamily="34" charset="0"/>
-                        <a:ea typeface="Calibri" panose="020F0502020204030204" pitchFamily="34" charset="0"/>
-                        <a:cs typeface="Times New Roman" panose="02020603050405020304" pitchFamily="18" charset="0"/>
-                      </a:endParaRPr>
-                    </a:p>
-                  </a:txBody>
-                  <a:tcPr marL="53537" marR="53537" marT="0" marB="0"/>
-                </a:tc>
-                <a:tc>
-                  <a:txBody>
-                    <a:bodyPr/>
-                    <a:lstStyle/>
-                    <a:p>
-                      <a:pPr>
-                        <a:lnSpc>
-                          <a:spcPct val="107000"/>
-                        </a:lnSpc>
-                        <a:spcAft>
-                          <a:spcPts val="0"/>
-                        </a:spcAft>
-                      </a:pPr>
-                      <a:r>
-                        <a:rPr lang="en-GB" sz="900">
-                          <a:effectLst/>
-                        </a:rPr>
-                        <a:t> </a:t>
-                      </a:r>
-                      <a:endParaRPr lang="en-GB" sz="900">
-                        <a:effectLst/>
-                        <a:latin typeface="Calibri" panose="020F0502020204030204" pitchFamily="34" charset="0"/>
-                        <a:ea typeface="Calibri" panose="020F0502020204030204" pitchFamily="34" charset="0"/>
-                        <a:cs typeface="Times New Roman" panose="02020603050405020304" pitchFamily="18" charset="0"/>
-                      </a:endParaRPr>
-                    </a:p>
-                  </a:txBody>
-                  <a:tcPr marL="53537" marR="53537" marT="0" marB="0"/>
-                </a:tc>
-                <a:tc>
-                  <a:txBody>
-                    <a:bodyPr/>
-                    <a:lstStyle/>
-                    <a:p>
-                      <a:pPr>
-                        <a:lnSpc>
-                          <a:spcPct val="107000"/>
-                        </a:lnSpc>
-                        <a:spcAft>
-                          <a:spcPts val="0"/>
-                        </a:spcAft>
-                      </a:pPr>
-                      <a:r>
-                        <a:rPr lang="en-GB" sz="900">
-                          <a:effectLst/>
-                        </a:rPr>
-                        <a:t> </a:t>
-                      </a:r>
-                      <a:endParaRPr lang="en-GB" sz="900">
-                        <a:effectLst/>
-                        <a:latin typeface="Calibri" panose="020F0502020204030204" pitchFamily="34" charset="0"/>
-                        <a:ea typeface="Calibri" panose="020F0502020204030204" pitchFamily="34" charset="0"/>
-                        <a:cs typeface="Times New Roman" panose="02020603050405020304" pitchFamily="18" charset="0"/>
-                      </a:endParaRPr>
-                    </a:p>
-                  </a:txBody>
-                  <a:tcPr marL="53537" marR="53537" marT="0" marB="0"/>
-                </a:tc>
-                <a:tc>
-                  <a:txBody>
-                    <a:bodyPr/>
-                    <a:lstStyle/>
-                    <a:p>
-                      <a:pPr>
-                        <a:lnSpc>
-                          <a:spcPct val="107000"/>
-                        </a:lnSpc>
-                        <a:spcAft>
-                          <a:spcPts val="0"/>
-                        </a:spcAft>
-                      </a:pPr>
-                      <a:r>
-                        <a:rPr lang="en-GB" sz="900">
-                          <a:effectLst/>
-                        </a:rPr>
-                        <a:t>4</a:t>
-                      </a:r>
-                      <a:endParaRPr lang="en-GB" sz="900">
-                        <a:effectLst/>
-                        <a:latin typeface="Calibri" panose="020F0502020204030204" pitchFamily="34" charset="0"/>
-                        <a:ea typeface="Calibri" panose="020F0502020204030204" pitchFamily="34" charset="0"/>
-                        <a:cs typeface="Times New Roman" panose="02020603050405020304" pitchFamily="18" charset="0"/>
-                      </a:endParaRPr>
-                    </a:p>
-                  </a:txBody>
-                  <a:tcPr marL="53537" marR="53537" marT="0" marB="0"/>
-                </a:tc>
-                <a:extLst>
-                  <a:ext uri="{0D108BD9-81ED-4DB2-BD59-A6C34878D82A}">
-                    <a16:rowId xmlns:a16="http://schemas.microsoft.com/office/drawing/2014/main" val="1984354453"/>
-                  </a:ext>
-                </a:extLst>
-              </a:tr>
-              <a:tr h="547418">
-                <a:tc>
-                  <a:txBody>
-                    <a:bodyPr/>
-                    <a:lstStyle/>
-                    <a:p>
-                      <a:pPr>
-                        <a:lnSpc>
-                          <a:spcPct val="107000"/>
-                        </a:lnSpc>
-                        <a:spcAft>
-                          <a:spcPts val="0"/>
-                        </a:spcAft>
-                      </a:pPr>
-                      <a:r>
-                        <a:rPr lang="en-GB" sz="900">
-                          <a:effectLst/>
-                        </a:rPr>
-                        <a:t>5</a:t>
-                      </a:r>
-                      <a:endParaRPr lang="en-GB" sz="900">
-                        <a:effectLst/>
-                        <a:latin typeface="Calibri" panose="020F0502020204030204" pitchFamily="34" charset="0"/>
-                        <a:ea typeface="Calibri" panose="020F0502020204030204" pitchFamily="34" charset="0"/>
-                        <a:cs typeface="Times New Roman" panose="02020603050405020304" pitchFamily="18" charset="0"/>
-                      </a:endParaRPr>
-                    </a:p>
-                  </a:txBody>
-                  <a:tcPr marL="53537" marR="53537" marT="0" marB="0"/>
-                </a:tc>
-                <a:tc>
-                  <a:txBody>
-                    <a:bodyPr/>
-                    <a:lstStyle/>
-                    <a:p>
-                      <a:pPr algn="just">
-                        <a:lnSpc>
-                          <a:spcPct val="107000"/>
-                        </a:lnSpc>
-                        <a:spcAft>
-                          <a:spcPts val="0"/>
-                        </a:spcAft>
-                      </a:pPr>
-                      <a:r>
-                        <a:rPr lang="en-GB" sz="900">
-                          <a:effectLst/>
-                        </a:rPr>
-                        <a:t>As a user I want to read the article related to the song on the playlist</a:t>
-                      </a:r>
-                    </a:p>
-                    <a:p>
-                      <a:pPr>
-                        <a:lnSpc>
-                          <a:spcPct val="107000"/>
-                        </a:lnSpc>
-                        <a:spcAft>
-                          <a:spcPts val="0"/>
-                        </a:spcAft>
-                      </a:pPr>
-                      <a:r>
-                        <a:rPr lang="en-GB" sz="800">
-                          <a:effectLst/>
-                        </a:rPr>
-                        <a:t> </a:t>
-                      </a:r>
-                      <a:endParaRPr lang="en-GB" sz="900">
-                        <a:effectLst/>
-                        <a:latin typeface="Calibri" panose="020F0502020204030204" pitchFamily="34" charset="0"/>
-                        <a:ea typeface="Calibri" panose="020F0502020204030204" pitchFamily="34" charset="0"/>
-                        <a:cs typeface="Times New Roman" panose="02020603050405020304" pitchFamily="18" charset="0"/>
-                      </a:endParaRPr>
-                    </a:p>
-                  </a:txBody>
-                  <a:tcPr marL="53537" marR="53537" marT="0" marB="0"/>
-                </a:tc>
-                <a:tc>
-                  <a:txBody>
-                    <a:bodyPr/>
-                    <a:lstStyle/>
-                    <a:p>
-                      <a:pPr>
-                        <a:lnSpc>
-                          <a:spcPct val="107000"/>
-                        </a:lnSpc>
-                        <a:spcAft>
-                          <a:spcPts val="0"/>
-                        </a:spcAft>
-                      </a:pPr>
-                      <a:r>
-                        <a:rPr lang="en-GB" sz="900">
-                          <a:effectLst/>
-                        </a:rPr>
-                        <a:t> </a:t>
-                      </a:r>
-                      <a:endParaRPr lang="en-GB" sz="900">
-                        <a:effectLst/>
-                        <a:latin typeface="Calibri" panose="020F0502020204030204" pitchFamily="34" charset="0"/>
-                        <a:ea typeface="Calibri" panose="020F0502020204030204" pitchFamily="34" charset="0"/>
-                        <a:cs typeface="Times New Roman" panose="02020603050405020304" pitchFamily="18" charset="0"/>
-                      </a:endParaRPr>
-                    </a:p>
-                  </a:txBody>
-                  <a:tcPr marL="53537" marR="53537" marT="0" marB="0"/>
-                </a:tc>
-                <a:tc>
-                  <a:txBody>
-                    <a:bodyPr/>
-                    <a:lstStyle/>
-                    <a:p>
-                      <a:pPr>
-                        <a:lnSpc>
-                          <a:spcPct val="107000"/>
-                        </a:lnSpc>
-                        <a:spcAft>
-                          <a:spcPts val="0"/>
-                        </a:spcAft>
-                      </a:pPr>
-                      <a:r>
-                        <a:rPr lang="en-GB" sz="900">
-                          <a:effectLst/>
-                        </a:rPr>
-                        <a:t> </a:t>
-                      </a:r>
-                      <a:endParaRPr lang="en-GB" sz="900">
-                        <a:effectLst/>
-                        <a:latin typeface="Calibri" panose="020F0502020204030204" pitchFamily="34" charset="0"/>
-                        <a:ea typeface="Calibri" panose="020F0502020204030204" pitchFamily="34" charset="0"/>
-                        <a:cs typeface="Times New Roman" panose="02020603050405020304" pitchFamily="18" charset="0"/>
-                      </a:endParaRPr>
-                    </a:p>
-                  </a:txBody>
-                  <a:tcPr marL="53537" marR="53537" marT="0" marB="0"/>
-                </a:tc>
-                <a:tc>
-                  <a:txBody>
-                    <a:bodyPr/>
-                    <a:lstStyle/>
-                    <a:p>
-                      <a:pPr>
-                        <a:lnSpc>
-                          <a:spcPct val="107000"/>
-                        </a:lnSpc>
-                        <a:spcAft>
-                          <a:spcPts val="0"/>
-                        </a:spcAft>
-                      </a:pPr>
-                      <a:r>
-                        <a:rPr lang="en-GB" sz="900">
-                          <a:effectLst/>
-                        </a:rPr>
-                        <a:t>5</a:t>
-                      </a:r>
-                      <a:endParaRPr lang="en-GB" sz="900">
-                        <a:effectLst/>
-                        <a:latin typeface="Calibri" panose="020F0502020204030204" pitchFamily="34" charset="0"/>
-                        <a:ea typeface="Calibri" panose="020F0502020204030204" pitchFamily="34" charset="0"/>
-                        <a:cs typeface="Times New Roman" panose="02020603050405020304" pitchFamily="18" charset="0"/>
-                      </a:endParaRPr>
-                    </a:p>
-                  </a:txBody>
-                  <a:tcPr marL="53537" marR="53537" marT="0" marB="0"/>
-                </a:tc>
-                <a:extLst>
-                  <a:ext uri="{0D108BD9-81ED-4DB2-BD59-A6C34878D82A}">
-                    <a16:rowId xmlns:a16="http://schemas.microsoft.com/office/drawing/2014/main" val="2155195183"/>
-                  </a:ext>
-                </a:extLst>
-              </a:tr>
-              <a:tr h="636498">
-                <a:tc>
-                  <a:txBody>
-                    <a:bodyPr/>
-                    <a:lstStyle/>
-                    <a:p>
-                      <a:pPr>
-                        <a:lnSpc>
-                          <a:spcPct val="107000"/>
-                        </a:lnSpc>
-                        <a:spcAft>
-                          <a:spcPts val="0"/>
-                        </a:spcAft>
-                      </a:pPr>
-                      <a:r>
-                        <a:rPr lang="en-GB" sz="900">
-                          <a:effectLst/>
-                        </a:rPr>
-                        <a:t>6</a:t>
-                      </a:r>
-                      <a:endParaRPr lang="en-GB" sz="900">
-                        <a:effectLst/>
-                        <a:latin typeface="Calibri" panose="020F0502020204030204" pitchFamily="34" charset="0"/>
-                        <a:ea typeface="Calibri" panose="020F0502020204030204" pitchFamily="34" charset="0"/>
-                        <a:cs typeface="Times New Roman" panose="02020603050405020304" pitchFamily="18" charset="0"/>
-                      </a:endParaRPr>
-                    </a:p>
-                  </a:txBody>
-                  <a:tcPr marL="53537" marR="53537" marT="0" marB="0"/>
-                </a:tc>
-                <a:tc>
-                  <a:txBody>
-                    <a:bodyPr/>
-                    <a:lstStyle/>
-                    <a:p>
-                      <a:pPr>
-                        <a:lnSpc>
-                          <a:spcPct val="107000"/>
-                        </a:lnSpc>
-                        <a:spcAft>
-                          <a:spcPts val="0"/>
-                        </a:spcAft>
-                      </a:pPr>
-                      <a:r>
-                        <a:rPr lang="en-GB" sz="800">
-                          <a:effectLst/>
-                        </a:rPr>
-                        <a:t>As a user I would like to be able to download my news related playlist to listen offline</a:t>
-                      </a:r>
-                      <a:endParaRPr lang="en-GB" sz="900">
-                        <a:effectLst/>
-                      </a:endParaRPr>
-                    </a:p>
-                    <a:p>
-                      <a:pPr>
-                        <a:lnSpc>
-                          <a:spcPct val="107000"/>
-                        </a:lnSpc>
-                        <a:spcAft>
-                          <a:spcPts val="0"/>
-                        </a:spcAft>
-                      </a:pPr>
-                      <a:r>
-                        <a:rPr lang="en-GB" sz="800">
-                          <a:effectLst/>
-                        </a:rPr>
-                        <a:t> </a:t>
-                      </a:r>
-                      <a:endParaRPr lang="en-GB" sz="900">
-                        <a:effectLst/>
-                        <a:latin typeface="Calibri" panose="020F0502020204030204" pitchFamily="34" charset="0"/>
-                        <a:ea typeface="Calibri" panose="020F0502020204030204" pitchFamily="34" charset="0"/>
-                        <a:cs typeface="Times New Roman" panose="02020603050405020304" pitchFamily="18" charset="0"/>
-                      </a:endParaRPr>
-                    </a:p>
-                  </a:txBody>
-                  <a:tcPr marL="53537" marR="53537" marT="0" marB="0"/>
-                </a:tc>
-                <a:tc>
-                  <a:txBody>
-                    <a:bodyPr/>
-                    <a:lstStyle/>
-                    <a:p>
-                      <a:pPr>
-                        <a:lnSpc>
-                          <a:spcPct val="107000"/>
-                        </a:lnSpc>
-                        <a:spcAft>
-                          <a:spcPts val="0"/>
-                        </a:spcAft>
-                      </a:pPr>
-                      <a:r>
-                        <a:rPr lang="en-GB" sz="900">
-                          <a:effectLst/>
-                        </a:rPr>
-                        <a:t> </a:t>
-                      </a:r>
-                      <a:endParaRPr lang="en-GB" sz="900">
-                        <a:effectLst/>
-                        <a:latin typeface="Calibri" panose="020F0502020204030204" pitchFamily="34" charset="0"/>
-                        <a:ea typeface="Calibri" panose="020F0502020204030204" pitchFamily="34" charset="0"/>
-                        <a:cs typeface="Times New Roman" panose="02020603050405020304" pitchFamily="18" charset="0"/>
-                      </a:endParaRPr>
-                    </a:p>
-                  </a:txBody>
-                  <a:tcPr marL="53537" marR="53537" marT="0" marB="0"/>
-                </a:tc>
-                <a:tc>
-                  <a:txBody>
-                    <a:bodyPr/>
-                    <a:lstStyle/>
-                    <a:p>
-                      <a:pPr>
-                        <a:lnSpc>
-                          <a:spcPct val="107000"/>
-                        </a:lnSpc>
-                        <a:spcAft>
-                          <a:spcPts val="0"/>
-                        </a:spcAft>
-                      </a:pPr>
-                      <a:r>
-                        <a:rPr lang="en-GB" sz="900">
-                          <a:effectLst/>
-                        </a:rPr>
-                        <a:t> </a:t>
-                      </a:r>
-                      <a:endParaRPr lang="en-GB" sz="900">
-                        <a:effectLst/>
-                        <a:latin typeface="Calibri" panose="020F0502020204030204" pitchFamily="34" charset="0"/>
-                        <a:ea typeface="Calibri" panose="020F0502020204030204" pitchFamily="34" charset="0"/>
-                        <a:cs typeface="Times New Roman" panose="02020603050405020304" pitchFamily="18" charset="0"/>
-                      </a:endParaRPr>
-                    </a:p>
-                  </a:txBody>
-                  <a:tcPr marL="53537" marR="53537" marT="0" marB="0"/>
-                </a:tc>
-                <a:tc>
-                  <a:txBody>
-                    <a:bodyPr/>
-                    <a:lstStyle/>
-                    <a:p>
-                      <a:pPr>
-                        <a:lnSpc>
-                          <a:spcPct val="107000"/>
-                        </a:lnSpc>
-                        <a:spcAft>
-                          <a:spcPts val="0"/>
-                        </a:spcAft>
-                      </a:pPr>
-                      <a:r>
-                        <a:rPr lang="en-GB" sz="900" dirty="0">
-                          <a:effectLst/>
-                        </a:rPr>
-                        <a:t>6</a:t>
-                      </a:r>
-                      <a:endParaRPr lang="en-GB" sz="900" dirty="0">
-                        <a:effectLst/>
-                        <a:latin typeface="Calibri" panose="020F0502020204030204" pitchFamily="34" charset="0"/>
-                        <a:ea typeface="Calibri" panose="020F0502020204030204" pitchFamily="34" charset="0"/>
-                        <a:cs typeface="Times New Roman" panose="02020603050405020304" pitchFamily="18" charset="0"/>
-                      </a:endParaRPr>
-                    </a:p>
-                  </a:txBody>
-                  <a:tcPr marL="53537" marR="53537" marT="0" marB="0"/>
-                </a:tc>
-                <a:extLst>
-                  <a:ext uri="{0D108BD9-81ED-4DB2-BD59-A6C34878D82A}">
-                    <a16:rowId xmlns:a16="http://schemas.microsoft.com/office/drawing/2014/main" val="3468224109"/>
-                  </a:ext>
-                </a:extLst>
-              </a:tr>
-            </a:tbl>
-          </a:graphicData>
-        </a:graphic>
-      </p:graphicFrame>
+        </p:nvSpPr>
+        <p:spPr/>
+        <p:txBody>
+          <a:bodyPr/>
+          <a:lstStyle/>
+          <a:p>
+            <a:pPr marL="0" indent="0">
+              <a:buNone/>
+            </a:pPr>
+            <a:r>
+              <a:rPr lang="en-GB" dirty="0" smtClean="0"/>
+              <a:t>We started the users stories, but due to difference of opinions this was then delegated into pairs. </a:t>
+            </a:r>
+          </a:p>
+          <a:p>
+            <a:pPr marL="0" indent="0">
+              <a:buNone/>
+            </a:pPr>
+            <a:r>
+              <a:rPr lang="en-GB" dirty="0" smtClean="0"/>
+              <a:t>We then designated different roles to each member of the group to complete within a certain time frame. This included: programming and research into API’s. </a:t>
+            </a:r>
+          </a:p>
+          <a:p>
+            <a:pPr marL="0" indent="0">
+              <a:buNone/>
+            </a:pPr>
+            <a:r>
+              <a:rPr lang="en-GB" dirty="0" smtClean="0"/>
+              <a:t>We arranged the items for the product backlog by story points and priority. </a:t>
+            </a:r>
+            <a:endParaRPr lang="en-GB" dirty="0"/>
+          </a:p>
+        </p:txBody>
+      </p:sp>
     </p:spTree>
     <p:extLst>
       <p:ext uri="{BB962C8B-B14F-4D97-AF65-F5344CB8AC3E}">
-        <p14:creationId xmlns:p14="http://schemas.microsoft.com/office/powerpoint/2010/main" val="2427580210"/>
+        <p14:creationId xmlns:p14="http://schemas.microsoft.com/office/powerpoint/2010/main" val="1759053619"/>
       </p:ext>
     </p:extLst>
   </p:cSld>
   <p:clrMapOvr>
     <a:masterClrMapping/>
   </p:clrMapOvr>
-  <p:timing>
-    <p:tnLst>
-      <p:par>
-        <p:cTn id="1" dur="indefinite" restart="never" nodeType="tmRoot"/>
-      </p:par>
-    </p:tnLst>
-  </p:timing>
 </p:sld>
 </file>
 
@@ -23308,8 +23186,1581 @@
         </p:nvSpPr>
         <p:spPr>
           <a:xfrm>
-            <a:off x="907749" y="410649"/>
-            <a:ext cx="9720072" cy="1499616"/>
+            <a:off x="807996" y="846841"/>
+            <a:ext cx="9720072" cy="872232"/>
+          </a:xfrm>
+        </p:spPr>
+        <p:txBody>
+          <a:bodyPr>
+            <a:normAutofit/>
+          </a:bodyPr>
+          <a:lstStyle/>
+          <a:p>
+            <a:r>
+              <a:rPr lang="en-GB" dirty="0" smtClean="0"/>
+              <a:t>Product Backlog </a:t>
+            </a:r>
+            <a:endParaRPr lang="en-GB" dirty="0"/>
+          </a:p>
+        </p:txBody>
+      </p:sp>
+      <p:graphicFrame>
+        <p:nvGraphicFramePr>
+          <p:cNvPr id="5" name="Content Placeholder 4"/>
+          <p:cNvGraphicFramePr>
+            <a:graphicFrameLocks noGrp="1"/>
+          </p:cNvGraphicFramePr>
+          <p:nvPr>
+            <p:ph idx="1"/>
+            <p:extLst>
+              <p:ext uri="{D42A27DB-BD31-4B8C-83A1-F6EECF244321}">
+                <p14:modId xmlns:p14="http://schemas.microsoft.com/office/powerpoint/2010/main" val="9259608"/>
+              </p:ext>
+            </p:extLst>
+          </p:nvPr>
+        </p:nvGraphicFramePr>
+        <p:xfrm>
+          <a:off x="5710845" y="846841"/>
+          <a:ext cx="5700798" cy="5561015"/>
+        </p:xfrm>
+        <a:graphic>
+          <a:graphicData uri="http://schemas.openxmlformats.org/drawingml/2006/table">
+            <a:tbl>
+              <a:tblPr firstRow="1" firstCol="1" bandRow="1">
+                <a:tableStyleId>{5C22544A-7EE6-4342-B048-85BDC9FD1C3A}</a:tableStyleId>
+              </a:tblPr>
+              <a:tblGrid>
+                <a:gridCol w="1140033">
+                  <a:extLst>
+                    <a:ext uri="{9D8B030D-6E8A-4147-A177-3AD203B41FA5}">
+                      <a16:colId xmlns:a16="http://schemas.microsoft.com/office/drawing/2014/main" val="2461879978"/>
+                    </a:ext>
+                  </a:extLst>
+                </a:gridCol>
+                <a:gridCol w="1140033">
+                  <a:extLst>
+                    <a:ext uri="{9D8B030D-6E8A-4147-A177-3AD203B41FA5}">
+                      <a16:colId xmlns:a16="http://schemas.microsoft.com/office/drawing/2014/main" val="1645011914"/>
+                    </a:ext>
+                  </a:extLst>
+                </a:gridCol>
+                <a:gridCol w="1545969">
+                  <a:extLst>
+                    <a:ext uri="{9D8B030D-6E8A-4147-A177-3AD203B41FA5}">
+                      <a16:colId xmlns:a16="http://schemas.microsoft.com/office/drawing/2014/main" val="1059767346"/>
+                    </a:ext>
+                  </a:extLst>
+                </a:gridCol>
+                <a:gridCol w="734098">
+                  <a:extLst>
+                    <a:ext uri="{9D8B030D-6E8A-4147-A177-3AD203B41FA5}">
+                      <a16:colId xmlns:a16="http://schemas.microsoft.com/office/drawing/2014/main" val="1418945718"/>
+                    </a:ext>
+                  </a:extLst>
+                </a:gridCol>
+                <a:gridCol w="1140665">
+                  <a:extLst>
+                    <a:ext uri="{9D8B030D-6E8A-4147-A177-3AD203B41FA5}">
+                      <a16:colId xmlns:a16="http://schemas.microsoft.com/office/drawing/2014/main" val="3514644214"/>
+                    </a:ext>
+                  </a:extLst>
+                </a:gridCol>
+              </a:tblGrid>
+              <a:tr h="280079">
+                <a:tc>
+                  <a:txBody>
+                    <a:bodyPr/>
+                    <a:lstStyle/>
+                    <a:p>
+                      <a:pPr>
+                        <a:lnSpc>
+                          <a:spcPct val="107000"/>
+                        </a:lnSpc>
+                        <a:spcAft>
+                          <a:spcPts val="0"/>
+                        </a:spcAft>
+                      </a:pPr>
+                      <a:r>
+                        <a:rPr lang="en-GB" sz="1100" dirty="0">
+                          <a:effectLst/>
+                        </a:rPr>
+                        <a:t>ID</a:t>
+                      </a:r>
+                      <a:endParaRPr lang="en-GB" sz="1100" dirty="0">
+                        <a:effectLst/>
+                        <a:latin typeface="Calibri" panose="020F0502020204030204" pitchFamily="34" charset="0"/>
+                        <a:ea typeface="Calibri" panose="020F0502020204030204" pitchFamily="34" charset="0"/>
+                        <a:cs typeface="Times New Roman" panose="02020603050405020304" pitchFamily="18" charset="0"/>
+                      </a:endParaRPr>
+                    </a:p>
+                  </a:txBody>
+                  <a:tcPr marL="53537" marR="53537" marT="0" marB="0"/>
+                </a:tc>
+                <a:tc>
+                  <a:txBody>
+                    <a:bodyPr/>
+                    <a:lstStyle/>
+                    <a:p>
+                      <a:pPr>
+                        <a:lnSpc>
+                          <a:spcPct val="107000"/>
+                        </a:lnSpc>
+                        <a:spcAft>
+                          <a:spcPts val="0"/>
+                        </a:spcAft>
+                      </a:pPr>
+                      <a:r>
+                        <a:rPr lang="en-GB" sz="1100" dirty="0" smtClean="0">
+                          <a:effectLst/>
+                          <a:latin typeface="Calibri" panose="020F0502020204030204" pitchFamily="34" charset="0"/>
+                          <a:ea typeface="Calibri" panose="020F0502020204030204" pitchFamily="34" charset="0"/>
+                          <a:cs typeface="Times New Roman" panose="02020603050405020304" pitchFamily="18" charset="0"/>
+                        </a:rPr>
+                        <a:t>Product Backlog Item</a:t>
+                      </a:r>
+                      <a:endParaRPr lang="en-GB" sz="1100" dirty="0">
+                        <a:effectLst/>
+                        <a:latin typeface="Calibri" panose="020F0502020204030204" pitchFamily="34" charset="0"/>
+                        <a:ea typeface="Calibri" panose="020F0502020204030204" pitchFamily="34" charset="0"/>
+                        <a:cs typeface="Times New Roman" panose="02020603050405020304" pitchFamily="18" charset="0"/>
+                      </a:endParaRPr>
+                    </a:p>
+                  </a:txBody>
+                  <a:tcPr marL="53537" marR="53537" marT="0" marB="0"/>
+                </a:tc>
+                <a:tc>
+                  <a:txBody>
+                    <a:bodyPr/>
+                    <a:lstStyle/>
+                    <a:p>
+                      <a:pPr>
+                        <a:lnSpc>
+                          <a:spcPct val="107000"/>
+                        </a:lnSpc>
+                        <a:spcAft>
+                          <a:spcPts val="0"/>
+                        </a:spcAft>
+                      </a:pPr>
+                      <a:r>
+                        <a:rPr lang="en-GB" sz="1100" dirty="0" smtClean="0">
+                          <a:effectLst/>
+                        </a:rPr>
+                        <a:t>User Story</a:t>
+                      </a:r>
+                      <a:endParaRPr lang="en-GB" sz="1100" dirty="0">
+                        <a:effectLst/>
+                        <a:latin typeface="Calibri" panose="020F0502020204030204" pitchFamily="34" charset="0"/>
+                        <a:ea typeface="Calibri" panose="020F0502020204030204" pitchFamily="34" charset="0"/>
+                        <a:cs typeface="Times New Roman" panose="02020603050405020304" pitchFamily="18" charset="0"/>
+                      </a:endParaRPr>
+                    </a:p>
+                  </a:txBody>
+                  <a:tcPr marL="53537" marR="53537" marT="0" marB="0"/>
+                </a:tc>
+                <a:tc>
+                  <a:txBody>
+                    <a:bodyPr/>
+                    <a:lstStyle/>
+                    <a:p>
+                      <a:pPr>
+                        <a:lnSpc>
+                          <a:spcPct val="107000"/>
+                        </a:lnSpc>
+                        <a:spcAft>
+                          <a:spcPts val="0"/>
+                        </a:spcAft>
+                      </a:pPr>
+                      <a:r>
+                        <a:rPr lang="en-GB" sz="1100">
+                          <a:effectLst/>
+                        </a:rPr>
+                        <a:t>Sprint Points</a:t>
+                      </a:r>
+                      <a:endParaRPr lang="en-GB" sz="1100">
+                        <a:effectLst/>
+                        <a:latin typeface="Calibri" panose="020F0502020204030204" pitchFamily="34" charset="0"/>
+                        <a:ea typeface="Calibri" panose="020F0502020204030204" pitchFamily="34" charset="0"/>
+                        <a:cs typeface="Times New Roman" panose="02020603050405020304" pitchFamily="18" charset="0"/>
+                      </a:endParaRPr>
+                    </a:p>
+                  </a:txBody>
+                  <a:tcPr marL="53537" marR="53537" marT="0" marB="0"/>
+                </a:tc>
+                <a:tc>
+                  <a:txBody>
+                    <a:bodyPr/>
+                    <a:lstStyle/>
+                    <a:p>
+                      <a:pPr>
+                        <a:lnSpc>
+                          <a:spcPct val="107000"/>
+                        </a:lnSpc>
+                        <a:spcAft>
+                          <a:spcPts val="0"/>
+                        </a:spcAft>
+                      </a:pPr>
+                      <a:r>
+                        <a:rPr lang="en-GB" sz="1100" dirty="0">
+                          <a:effectLst/>
+                        </a:rPr>
+                        <a:t>Priority</a:t>
+                      </a:r>
+                      <a:endParaRPr lang="en-GB" sz="1100" dirty="0">
+                        <a:effectLst/>
+                        <a:latin typeface="Calibri" panose="020F0502020204030204" pitchFamily="34" charset="0"/>
+                        <a:ea typeface="Calibri" panose="020F0502020204030204" pitchFamily="34" charset="0"/>
+                        <a:cs typeface="Times New Roman" panose="02020603050405020304" pitchFamily="18" charset="0"/>
+                      </a:endParaRPr>
+                    </a:p>
+                  </a:txBody>
+                  <a:tcPr marL="53537" marR="53537" marT="0" marB="0"/>
+                </a:tc>
+                <a:extLst>
+                  <a:ext uri="{0D108BD9-81ED-4DB2-BD59-A6C34878D82A}">
+                    <a16:rowId xmlns:a16="http://schemas.microsoft.com/office/drawing/2014/main" val="3974479799"/>
+                  </a:ext>
+                </a:extLst>
+              </a:tr>
+              <a:tr h="636498">
+                <a:tc>
+                  <a:txBody>
+                    <a:bodyPr/>
+                    <a:lstStyle/>
+                    <a:p>
+                      <a:pPr>
+                        <a:lnSpc>
+                          <a:spcPct val="107000"/>
+                        </a:lnSpc>
+                        <a:spcAft>
+                          <a:spcPts val="0"/>
+                        </a:spcAft>
+                      </a:pPr>
+                      <a:r>
+                        <a:rPr lang="en-GB" sz="1100" dirty="0">
+                          <a:effectLst/>
+                        </a:rPr>
+                        <a:t>1</a:t>
+                      </a:r>
+                      <a:endParaRPr lang="en-GB" sz="1100" dirty="0">
+                        <a:effectLst/>
+                        <a:latin typeface="Calibri" panose="020F0502020204030204" pitchFamily="34" charset="0"/>
+                        <a:ea typeface="Calibri" panose="020F0502020204030204" pitchFamily="34" charset="0"/>
+                        <a:cs typeface="Times New Roman" panose="02020603050405020304" pitchFamily="18" charset="0"/>
+                      </a:endParaRPr>
+                    </a:p>
+                  </a:txBody>
+                  <a:tcPr marL="53537" marR="53537" marT="0" marB="0"/>
+                </a:tc>
+                <a:tc>
+                  <a:txBody>
+                    <a:bodyPr/>
+                    <a:lstStyle/>
+                    <a:p>
+                      <a:pPr>
+                        <a:lnSpc>
+                          <a:spcPct val="107000"/>
+                        </a:lnSpc>
+                        <a:spcAft>
+                          <a:spcPts val="0"/>
+                        </a:spcAft>
+                      </a:pPr>
+                      <a:r>
+                        <a:rPr lang="en-GB" sz="1100" dirty="0" smtClean="0">
+                          <a:effectLst/>
+                          <a:latin typeface="+mn-lt"/>
+                          <a:ea typeface="Calibri" panose="020F0502020204030204" pitchFamily="34" charset="0"/>
+                          <a:cs typeface="Times New Roman" panose="02020603050405020304" pitchFamily="18" charset="0"/>
+                        </a:rPr>
+                        <a:t>Log in page / Database creation / email</a:t>
+                      </a:r>
+                      <a:r>
+                        <a:rPr lang="en-GB" sz="1100" baseline="0" dirty="0" smtClean="0">
+                          <a:effectLst/>
+                          <a:latin typeface="+mn-lt"/>
+                          <a:ea typeface="Calibri" panose="020F0502020204030204" pitchFamily="34" charset="0"/>
+                          <a:cs typeface="Times New Roman" panose="02020603050405020304" pitchFamily="18" charset="0"/>
+                        </a:rPr>
+                        <a:t> authorisation.</a:t>
+                      </a:r>
+                      <a:endParaRPr lang="en-GB" sz="1100" dirty="0">
+                        <a:effectLst/>
+                        <a:latin typeface="+mn-lt"/>
+                        <a:ea typeface="Calibri" panose="020F0502020204030204" pitchFamily="34" charset="0"/>
+                        <a:cs typeface="Times New Roman" panose="02020603050405020304" pitchFamily="18" charset="0"/>
+                      </a:endParaRPr>
+                    </a:p>
+                  </a:txBody>
+                  <a:tcPr marL="53537" marR="53537" marT="0" marB="0"/>
+                </a:tc>
+                <a:tc>
+                  <a:txBody>
+                    <a:bodyPr/>
+                    <a:lstStyle/>
+                    <a:p>
+                      <a:pPr>
+                        <a:lnSpc>
+                          <a:spcPct val="107000"/>
+                        </a:lnSpc>
+                        <a:spcAft>
+                          <a:spcPts val="0"/>
+                        </a:spcAft>
+                      </a:pPr>
+                      <a:r>
+                        <a:rPr lang="en-GB" sz="1100" dirty="0">
+                          <a:effectLst/>
+                        </a:rPr>
+                        <a:t>As a user I want to authorise my account without any errors so that I can access Spotify’s news related playlists.</a:t>
+                      </a:r>
+                      <a:endParaRPr lang="en-GB" sz="1100" dirty="0">
+                        <a:effectLst/>
+                        <a:latin typeface="Calibri" panose="020F0502020204030204" pitchFamily="34" charset="0"/>
+                        <a:ea typeface="Calibri" panose="020F0502020204030204" pitchFamily="34" charset="0"/>
+                        <a:cs typeface="Times New Roman" panose="02020603050405020304" pitchFamily="18" charset="0"/>
+                      </a:endParaRPr>
+                    </a:p>
+                  </a:txBody>
+                  <a:tcPr marL="53537" marR="53537" marT="0" marB="0"/>
+                </a:tc>
+                <a:tc>
+                  <a:txBody>
+                    <a:bodyPr/>
+                    <a:lstStyle/>
+                    <a:p>
+                      <a:pPr>
+                        <a:lnSpc>
+                          <a:spcPct val="107000"/>
+                        </a:lnSpc>
+                        <a:spcAft>
+                          <a:spcPts val="0"/>
+                        </a:spcAft>
+                      </a:pPr>
+                      <a:r>
+                        <a:rPr lang="en-GB" sz="1100" dirty="0">
+                          <a:effectLst/>
+                        </a:rPr>
+                        <a:t> </a:t>
+                      </a:r>
+                      <a:r>
+                        <a:rPr lang="en-GB" sz="1100" dirty="0" smtClean="0">
+                          <a:effectLst/>
+                        </a:rPr>
+                        <a:t>8</a:t>
+                      </a:r>
+                      <a:endParaRPr lang="en-GB" sz="1100" dirty="0">
+                        <a:effectLst/>
+                        <a:latin typeface="Calibri" panose="020F0502020204030204" pitchFamily="34" charset="0"/>
+                        <a:ea typeface="Calibri" panose="020F0502020204030204" pitchFamily="34" charset="0"/>
+                        <a:cs typeface="Times New Roman" panose="02020603050405020304" pitchFamily="18" charset="0"/>
+                      </a:endParaRPr>
+                    </a:p>
+                  </a:txBody>
+                  <a:tcPr marL="53537" marR="53537" marT="0" marB="0"/>
+                </a:tc>
+                <a:tc>
+                  <a:txBody>
+                    <a:bodyPr/>
+                    <a:lstStyle/>
+                    <a:p>
+                      <a:pPr>
+                        <a:lnSpc>
+                          <a:spcPct val="107000"/>
+                        </a:lnSpc>
+                        <a:spcAft>
+                          <a:spcPts val="0"/>
+                        </a:spcAft>
+                      </a:pPr>
+                      <a:r>
+                        <a:rPr lang="en-GB" sz="1100">
+                          <a:effectLst/>
+                        </a:rPr>
+                        <a:t>1</a:t>
+                      </a:r>
+                      <a:endParaRPr lang="en-GB" sz="1100">
+                        <a:effectLst/>
+                        <a:latin typeface="Calibri" panose="020F0502020204030204" pitchFamily="34" charset="0"/>
+                        <a:ea typeface="Calibri" panose="020F0502020204030204" pitchFamily="34" charset="0"/>
+                        <a:cs typeface="Times New Roman" panose="02020603050405020304" pitchFamily="18" charset="0"/>
+                      </a:endParaRPr>
+                    </a:p>
+                  </a:txBody>
+                  <a:tcPr marL="53537" marR="53537" marT="0" marB="0"/>
+                </a:tc>
+                <a:extLst>
+                  <a:ext uri="{0D108BD9-81ED-4DB2-BD59-A6C34878D82A}">
+                    <a16:rowId xmlns:a16="http://schemas.microsoft.com/office/drawing/2014/main" val="2414680188"/>
+                  </a:ext>
+                </a:extLst>
+              </a:tr>
+              <a:tr h="636498">
+                <a:tc>
+                  <a:txBody>
+                    <a:bodyPr/>
+                    <a:lstStyle/>
+                    <a:p>
+                      <a:pPr>
+                        <a:lnSpc>
+                          <a:spcPct val="107000"/>
+                        </a:lnSpc>
+                        <a:spcAft>
+                          <a:spcPts val="0"/>
+                        </a:spcAft>
+                      </a:pPr>
+                      <a:r>
+                        <a:rPr lang="en-GB" sz="1100" dirty="0">
+                          <a:effectLst/>
+                        </a:rPr>
+                        <a:t>2</a:t>
+                      </a:r>
+                      <a:endParaRPr lang="en-GB" sz="1100" dirty="0">
+                        <a:effectLst/>
+                        <a:latin typeface="Calibri" panose="020F0502020204030204" pitchFamily="34" charset="0"/>
+                        <a:ea typeface="Calibri" panose="020F0502020204030204" pitchFamily="34" charset="0"/>
+                        <a:cs typeface="Times New Roman" panose="02020603050405020304" pitchFamily="18" charset="0"/>
+                      </a:endParaRPr>
+                    </a:p>
+                  </a:txBody>
+                  <a:tcPr marL="53537" marR="53537" marT="0" marB="0"/>
+                </a:tc>
+                <a:tc>
+                  <a:txBody>
+                    <a:bodyPr/>
+                    <a:lstStyle/>
+                    <a:p>
+                      <a:pPr>
+                        <a:lnSpc>
+                          <a:spcPct val="107000"/>
+                        </a:lnSpc>
+                        <a:spcAft>
+                          <a:spcPts val="0"/>
+                        </a:spcAft>
+                      </a:pPr>
+                      <a:r>
+                        <a:rPr lang="en-GB" sz="1100" dirty="0" smtClean="0">
+                          <a:effectLst/>
+                          <a:latin typeface="+mn-lt"/>
+                          <a:ea typeface="Calibri" panose="020F0502020204030204" pitchFamily="34" charset="0"/>
+                          <a:cs typeface="Times New Roman" panose="02020603050405020304" pitchFamily="18" charset="0"/>
+                        </a:rPr>
+                        <a:t>New playlist</a:t>
+                      </a:r>
+                      <a:endParaRPr lang="en-GB" sz="1100" dirty="0">
+                        <a:effectLst/>
+                        <a:latin typeface="+mn-lt"/>
+                        <a:ea typeface="Calibri" panose="020F0502020204030204" pitchFamily="34" charset="0"/>
+                        <a:cs typeface="Times New Roman" panose="02020603050405020304" pitchFamily="18" charset="0"/>
+                      </a:endParaRPr>
+                    </a:p>
+                  </a:txBody>
+                  <a:tcPr marL="53537" marR="53537" marT="0" marB="0"/>
+                </a:tc>
+                <a:tc>
+                  <a:txBody>
+                    <a:bodyPr/>
+                    <a:lstStyle/>
+                    <a:p>
+                      <a:pPr>
+                        <a:lnSpc>
+                          <a:spcPct val="107000"/>
+                        </a:lnSpc>
+                        <a:spcAft>
+                          <a:spcPts val="0"/>
+                        </a:spcAft>
+                      </a:pPr>
+                      <a:r>
+                        <a:rPr lang="en-GB" sz="1100" dirty="0">
+                          <a:effectLst/>
+                        </a:rPr>
+                        <a:t>Create a playlist that’s relating the new headlines of the day </a:t>
+                      </a:r>
+                    </a:p>
+                    <a:p>
+                      <a:pPr>
+                        <a:lnSpc>
+                          <a:spcPct val="107000"/>
+                        </a:lnSpc>
+                        <a:spcAft>
+                          <a:spcPts val="0"/>
+                        </a:spcAft>
+                      </a:pPr>
+                      <a:r>
+                        <a:rPr lang="en-GB" sz="1100" dirty="0">
+                          <a:effectLst/>
+                        </a:rPr>
+                        <a:t> </a:t>
+                      </a:r>
+                    </a:p>
+                    <a:p>
+                      <a:pPr algn="just">
+                        <a:lnSpc>
+                          <a:spcPct val="107000"/>
+                        </a:lnSpc>
+                        <a:spcAft>
+                          <a:spcPts val="0"/>
+                        </a:spcAft>
+                      </a:pPr>
+                      <a:r>
+                        <a:rPr lang="en-GB" sz="1100" dirty="0">
+                          <a:effectLst/>
+                        </a:rPr>
+                        <a:t> </a:t>
+                      </a:r>
+                      <a:endParaRPr lang="en-GB" sz="1100" dirty="0">
+                        <a:effectLst/>
+                        <a:latin typeface="Calibri" panose="020F0502020204030204" pitchFamily="34" charset="0"/>
+                        <a:ea typeface="Calibri" panose="020F0502020204030204" pitchFamily="34" charset="0"/>
+                        <a:cs typeface="Times New Roman" panose="02020603050405020304" pitchFamily="18" charset="0"/>
+                      </a:endParaRPr>
+                    </a:p>
+                  </a:txBody>
+                  <a:tcPr marL="53537" marR="53537" marT="0" marB="0"/>
+                </a:tc>
+                <a:tc>
+                  <a:txBody>
+                    <a:bodyPr/>
+                    <a:lstStyle/>
+                    <a:p>
+                      <a:pPr>
+                        <a:lnSpc>
+                          <a:spcPct val="107000"/>
+                        </a:lnSpc>
+                        <a:spcAft>
+                          <a:spcPts val="0"/>
+                        </a:spcAft>
+                      </a:pPr>
+                      <a:r>
+                        <a:rPr lang="en-GB" sz="1100" dirty="0">
+                          <a:effectLst/>
+                        </a:rPr>
+                        <a:t> </a:t>
+                      </a:r>
+                      <a:r>
+                        <a:rPr lang="en-GB" sz="1100" dirty="0" smtClean="0">
+                          <a:effectLst/>
+                        </a:rPr>
+                        <a:t>5</a:t>
+                      </a:r>
+                      <a:endParaRPr lang="en-GB" sz="1100" dirty="0">
+                        <a:effectLst/>
+                        <a:latin typeface="Calibri" panose="020F0502020204030204" pitchFamily="34" charset="0"/>
+                        <a:ea typeface="Calibri" panose="020F0502020204030204" pitchFamily="34" charset="0"/>
+                        <a:cs typeface="Times New Roman" panose="02020603050405020304" pitchFamily="18" charset="0"/>
+                      </a:endParaRPr>
+                    </a:p>
+                  </a:txBody>
+                  <a:tcPr marL="53537" marR="53537" marT="0" marB="0"/>
+                </a:tc>
+                <a:tc>
+                  <a:txBody>
+                    <a:bodyPr/>
+                    <a:lstStyle/>
+                    <a:p>
+                      <a:pPr>
+                        <a:lnSpc>
+                          <a:spcPct val="107000"/>
+                        </a:lnSpc>
+                        <a:spcAft>
+                          <a:spcPts val="0"/>
+                        </a:spcAft>
+                      </a:pPr>
+                      <a:r>
+                        <a:rPr lang="en-GB" sz="1100">
+                          <a:effectLst/>
+                        </a:rPr>
+                        <a:t>2</a:t>
+                      </a:r>
+                      <a:endParaRPr lang="en-GB" sz="1100">
+                        <a:effectLst/>
+                        <a:latin typeface="Calibri" panose="020F0502020204030204" pitchFamily="34" charset="0"/>
+                        <a:ea typeface="Calibri" panose="020F0502020204030204" pitchFamily="34" charset="0"/>
+                        <a:cs typeface="Times New Roman" panose="02020603050405020304" pitchFamily="18" charset="0"/>
+                      </a:endParaRPr>
+                    </a:p>
+                  </a:txBody>
+                  <a:tcPr marL="53537" marR="53537" marT="0" marB="0"/>
+                </a:tc>
+                <a:extLst>
+                  <a:ext uri="{0D108BD9-81ED-4DB2-BD59-A6C34878D82A}">
+                    <a16:rowId xmlns:a16="http://schemas.microsoft.com/office/drawing/2014/main" val="1878458424"/>
+                  </a:ext>
+                </a:extLst>
+              </a:tr>
+              <a:tr h="891097">
+                <a:tc>
+                  <a:txBody>
+                    <a:bodyPr/>
+                    <a:lstStyle/>
+                    <a:p>
+                      <a:pPr>
+                        <a:lnSpc>
+                          <a:spcPct val="107000"/>
+                        </a:lnSpc>
+                        <a:spcAft>
+                          <a:spcPts val="0"/>
+                        </a:spcAft>
+                      </a:pPr>
+                      <a:r>
+                        <a:rPr lang="en-GB" sz="1100">
+                          <a:effectLst/>
+                        </a:rPr>
+                        <a:t>3</a:t>
+                      </a:r>
+                      <a:endParaRPr lang="en-GB" sz="1100">
+                        <a:effectLst/>
+                        <a:latin typeface="Calibri" panose="020F0502020204030204" pitchFamily="34" charset="0"/>
+                        <a:ea typeface="Calibri" panose="020F0502020204030204" pitchFamily="34" charset="0"/>
+                        <a:cs typeface="Times New Roman" panose="02020603050405020304" pitchFamily="18" charset="0"/>
+                      </a:endParaRPr>
+                    </a:p>
+                  </a:txBody>
+                  <a:tcPr marL="53537" marR="53537" marT="0" marB="0"/>
+                </a:tc>
+                <a:tc>
+                  <a:txBody>
+                    <a:bodyPr/>
+                    <a:lstStyle/>
+                    <a:p>
+                      <a:pPr>
+                        <a:lnSpc>
+                          <a:spcPct val="107000"/>
+                        </a:lnSpc>
+                        <a:spcAft>
+                          <a:spcPts val="0"/>
+                        </a:spcAft>
+                      </a:pPr>
+                      <a:r>
+                        <a:rPr lang="en-GB" sz="1100" dirty="0" smtClean="0">
+                          <a:effectLst/>
+                          <a:latin typeface="+mn-lt"/>
+                          <a:ea typeface="Calibri" panose="020F0502020204030204" pitchFamily="34" charset="0"/>
+                          <a:cs typeface="Times New Roman" panose="02020603050405020304" pitchFamily="18" charset="0"/>
+                        </a:rPr>
+                        <a:t>Easy to use interface</a:t>
+                      </a:r>
+                      <a:endParaRPr lang="en-GB" sz="1100" dirty="0">
+                        <a:effectLst/>
+                        <a:latin typeface="+mn-lt"/>
+                        <a:ea typeface="Calibri" panose="020F0502020204030204" pitchFamily="34" charset="0"/>
+                        <a:cs typeface="Times New Roman" panose="02020603050405020304" pitchFamily="18" charset="0"/>
+                      </a:endParaRPr>
+                    </a:p>
+                  </a:txBody>
+                  <a:tcPr marL="53537" marR="53537" marT="0" marB="0"/>
+                </a:tc>
+                <a:tc>
+                  <a:txBody>
+                    <a:bodyPr/>
+                    <a:lstStyle/>
+                    <a:p>
+                      <a:pPr algn="just">
+                        <a:lnSpc>
+                          <a:spcPct val="107000"/>
+                        </a:lnSpc>
+                        <a:spcAft>
+                          <a:spcPts val="0"/>
+                        </a:spcAft>
+                      </a:pPr>
+                      <a:r>
+                        <a:rPr lang="en-GB" sz="1100" dirty="0">
+                          <a:effectLst/>
+                        </a:rPr>
+                        <a:t>As a user I would like a user friendly, easy and efficient GUI so that my experience is pleasant and enjoyable. </a:t>
+                      </a:r>
+                    </a:p>
+                    <a:p>
+                      <a:pPr>
+                        <a:lnSpc>
+                          <a:spcPct val="107000"/>
+                        </a:lnSpc>
+                        <a:spcAft>
+                          <a:spcPts val="0"/>
+                        </a:spcAft>
+                      </a:pPr>
+                      <a:r>
+                        <a:rPr lang="en-GB" sz="1100" dirty="0">
+                          <a:effectLst/>
+                        </a:rPr>
+                        <a:t> </a:t>
+                      </a:r>
+                    </a:p>
+                    <a:p>
+                      <a:pPr>
+                        <a:lnSpc>
+                          <a:spcPct val="107000"/>
+                        </a:lnSpc>
+                        <a:spcAft>
+                          <a:spcPts val="0"/>
+                        </a:spcAft>
+                      </a:pPr>
+                      <a:r>
+                        <a:rPr lang="en-GB" sz="1100" dirty="0">
+                          <a:effectLst/>
+                        </a:rPr>
+                        <a:t> </a:t>
+                      </a:r>
+                      <a:endParaRPr lang="en-GB" sz="1100" dirty="0">
+                        <a:effectLst/>
+                        <a:latin typeface="Calibri" panose="020F0502020204030204" pitchFamily="34" charset="0"/>
+                        <a:ea typeface="Calibri" panose="020F0502020204030204" pitchFamily="34" charset="0"/>
+                        <a:cs typeface="Times New Roman" panose="02020603050405020304" pitchFamily="18" charset="0"/>
+                      </a:endParaRPr>
+                    </a:p>
+                  </a:txBody>
+                  <a:tcPr marL="53537" marR="53537" marT="0" marB="0"/>
+                </a:tc>
+                <a:tc>
+                  <a:txBody>
+                    <a:bodyPr/>
+                    <a:lstStyle/>
+                    <a:p>
+                      <a:pPr>
+                        <a:lnSpc>
+                          <a:spcPct val="107000"/>
+                        </a:lnSpc>
+                        <a:spcAft>
+                          <a:spcPts val="0"/>
+                        </a:spcAft>
+                      </a:pPr>
+                      <a:r>
+                        <a:rPr lang="en-GB" sz="1100" dirty="0">
+                          <a:effectLst/>
+                        </a:rPr>
+                        <a:t> </a:t>
+                      </a:r>
+                      <a:r>
+                        <a:rPr lang="en-GB" sz="1100" dirty="0" smtClean="0">
+                          <a:effectLst/>
+                        </a:rPr>
+                        <a:t>3</a:t>
+                      </a:r>
+                      <a:endParaRPr lang="en-GB" sz="1100" dirty="0">
+                        <a:effectLst/>
+                        <a:latin typeface="Calibri" panose="020F0502020204030204" pitchFamily="34" charset="0"/>
+                        <a:ea typeface="Calibri" panose="020F0502020204030204" pitchFamily="34" charset="0"/>
+                        <a:cs typeface="Times New Roman" panose="02020603050405020304" pitchFamily="18" charset="0"/>
+                      </a:endParaRPr>
+                    </a:p>
+                  </a:txBody>
+                  <a:tcPr marL="53537" marR="53537" marT="0" marB="0"/>
+                </a:tc>
+                <a:tc>
+                  <a:txBody>
+                    <a:bodyPr/>
+                    <a:lstStyle/>
+                    <a:p>
+                      <a:pPr>
+                        <a:lnSpc>
+                          <a:spcPct val="107000"/>
+                        </a:lnSpc>
+                        <a:spcAft>
+                          <a:spcPts val="0"/>
+                        </a:spcAft>
+                      </a:pPr>
+                      <a:r>
+                        <a:rPr lang="en-GB" sz="1100" dirty="0">
+                          <a:effectLst/>
+                        </a:rPr>
+                        <a:t>3</a:t>
+                      </a:r>
+                      <a:endParaRPr lang="en-GB" sz="1100" dirty="0">
+                        <a:effectLst/>
+                        <a:latin typeface="Calibri" panose="020F0502020204030204" pitchFamily="34" charset="0"/>
+                        <a:ea typeface="Calibri" panose="020F0502020204030204" pitchFamily="34" charset="0"/>
+                        <a:cs typeface="Times New Roman" panose="02020603050405020304" pitchFamily="18" charset="0"/>
+                      </a:endParaRPr>
+                    </a:p>
+                  </a:txBody>
+                  <a:tcPr marL="53537" marR="53537" marT="0" marB="0"/>
+                </a:tc>
+                <a:extLst>
+                  <a:ext uri="{0D108BD9-81ED-4DB2-BD59-A6C34878D82A}">
+                    <a16:rowId xmlns:a16="http://schemas.microsoft.com/office/drawing/2014/main" val="4124026374"/>
+                  </a:ext>
+                </a:extLst>
+              </a:tr>
+              <a:tr h="394639">
+                <a:tc>
+                  <a:txBody>
+                    <a:bodyPr/>
+                    <a:lstStyle/>
+                    <a:p>
+                      <a:pPr>
+                        <a:lnSpc>
+                          <a:spcPct val="107000"/>
+                        </a:lnSpc>
+                        <a:spcAft>
+                          <a:spcPts val="0"/>
+                        </a:spcAft>
+                      </a:pPr>
+                      <a:r>
+                        <a:rPr lang="en-GB" sz="1100">
+                          <a:effectLst/>
+                        </a:rPr>
+                        <a:t>4</a:t>
+                      </a:r>
+                      <a:endParaRPr lang="en-GB" sz="1100">
+                        <a:effectLst/>
+                        <a:latin typeface="Calibri" panose="020F0502020204030204" pitchFamily="34" charset="0"/>
+                        <a:ea typeface="Calibri" panose="020F0502020204030204" pitchFamily="34" charset="0"/>
+                        <a:cs typeface="Times New Roman" panose="02020603050405020304" pitchFamily="18" charset="0"/>
+                      </a:endParaRPr>
+                    </a:p>
+                  </a:txBody>
+                  <a:tcPr marL="53537" marR="53537" marT="0" marB="0"/>
+                </a:tc>
+                <a:tc>
+                  <a:txBody>
+                    <a:bodyPr/>
+                    <a:lstStyle/>
+                    <a:p>
+                      <a:pPr>
+                        <a:lnSpc>
+                          <a:spcPct val="107000"/>
+                        </a:lnSpc>
+                        <a:spcAft>
+                          <a:spcPts val="0"/>
+                        </a:spcAft>
+                      </a:pPr>
+                      <a:r>
+                        <a:rPr lang="en-GB" sz="1100" dirty="0" smtClean="0">
+                          <a:effectLst/>
+                          <a:latin typeface="+mn-lt"/>
+                          <a:ea typeface="Calibri" panose="020F0502020204030204" pitchFamily="34" charset="0"/>
+                          <a:cs typeface="Times New Roman" panose="02020603050405020304" pitchFamily="18" charset="0"/>
+                        </a:rPr>
+                        <a:t>Account</a:t>
+                      </a:r>
+                      <a:r>
+                        <a:rPr lang="en-GB" sz="1100" baseline="0" dirty="0" smtClean="0">
+                          <a:effectLst/>
+                          <a:latin typeface="+mn-lt"/>
+                          <a:ea typeface="Calibri" panose="020F0502020204030204" pitchFamily="34" charset="0"/>
+                          <a:cs typeface="Times New Roman" panose="02020603050405020304" pitchFamily="18" charset="0"/>
+                        </a:rPr>
+                        <a:t> Page / “my play list” option.</a:t>
+                      </a:r>
+                      <a:endParaRPr lang="en-GB" sz="1100" dirty="0">
+                        <a:effectLst/>
+                        <a:latin typeface="+mn-lt"/>
+                        <a:ea typeface="Calibri" panose="020F0502020204030204" pitchFamily="34" charset="0"/>
+                        <a:cs typeface="Times New Roman" panose="02020603050405020304" pitchFamily="18" charset="0"/>
+                      </a:endParaRPr>
+                    </a:p>
+                  </a:txBody>
+                  <a:tcPr marL="53537" marR="53537" marT="0" marB="0"/>
+                </a:tc>
+                <a:tc>
+                  <a:txBody>
+                    <a:bodyPr/>
+                    <a:lstStyle/>
+                    <a:p>
+                      <a:pPr algn="just">
+                        <a:lnSpc>
+                          <a:spcPct val="107000"/>
+                        </a:lnSpc>
+                        <a:spcAft>
+                          <a:spcPts val="0"/>
+                        </a:spcAft>
+                      </a:pPr>
+                      <a:r>
+                        <a:rPr lang="en-GB" sz="1100">
+                          <a:effectLst/>
+                        </a:rPr>
+                        <a:t>Saving the playlist to the users account</a:t>
+                      </a:r>
+                    </a:p>
+                    <a:p>
+                      <a:pPr algn="just">
+                        <a:lnSpc>
+                          <a:spcPct val="107000"/>
+                        </a:lnSpc>
+                        <a:spcAft>
+                          <a:spcPts val="0"/>
+                        </a:spcAft>
+                      </a:pPr>
+                      <a:r>
+                        <a:rPr lang="en-GB" sz="1100">
+                          <a:effectLst/>
+                        </a:rPr>
+                        <a:t> </a:t>
+                      </a:r>
+                      <a:endParaRPr lang="en-GB" sz="1100">
+                        <a:effectLst/>
+                        <a:latin typeface="Calibri" panose="020F0502020204030204" pitchFamily="34" charset="0"/>
+                        <a:ea typeface="Calibri" panose="020F0502020204030204" pitchFamily="34" charset="0"/>
+                        <a:cs typeface="Times New Roman" panose="02020603050405020304" pitchFamily="18" charset="0"/>
+                      </a:endParaRPr>
+                    </a:p>
+                  </a:txBody>
+                  <a:tcPr marL="53537" marR="53537" marT="0" marB="0"/>
+                </a:tc>
+                <a:tc>
+                  <a:txBody>
+                    <a:bodyPr/>
+                    <a:lstStyle/>
+                    <a:p>
+                      <a:pPr>
+                        <a:lnSpc>
+                          <a:spcPct val="107000"/>
+                        </a:lnSpc>
+                        <a:spcAft>
+                          <a:spcPts val="0"/>
+                        </a:spcAft>
+                      </a:pPr>
+                      <a:r>
+                        <a:rPr lang="en-GB" sz="1100" dirty="0">
+                          <a:effectLst/>
+                        </a:rPr>
+                        <a:t> </a:t>
+                      </a:r>
+                      <a:r>
+                        <a:rPr lang="en-GB" sz="1100" dirty="0" smtClean="0">
+                          <a:effectLst/>
+                        </a:rPr>
+                        <a:t>2</a:t>
+                      </a:r>
+                      <a:endParaRPr lang="en-GB" sz="1100" dirty="0">
+                        <a:effectLst/>
+                        <a:latin typeface="Calibri" panose="020F0502020204030204" pitchFamily="34" charset="0"/>
+                        <a:ea typeface="Calibri" panose="020F0502020204030204" pitchFamily="34" charset="0"/>
+                        <a:cs typeface="Times New Roman" panose="02020603050405020304" pitchFamily="18" charset="0"/>
+                      </a:endParaRPr>
+                    </a:p>
+                  </a:txBody>
+                  <a:tcPr marL="53537" marR="53537" marT="0" marB="0"/>
+                </a:tc>
+                <a:tc>
+                  <a:txBody>
+                    <a:bodyPr/>
+                    <a:lstStyle/>
+                    <a:p>
+                      <a:pPr>
+                        <a:lnSpc>
+                          <a:spcPct val="107000"/>
+                        </a:lnSpc>
+                        <a:spcAft>
+                          <a:spcPts val="0"/>
+                        </a:spcAft>
+                      </a:pPr>
+                      <a:r>
+                        <a:rPr lang="en-GB" sz="1100">
+                          <a:effectLst/>
+                        </a:rPr>
+                        <a:t>4</a:t>
+                      </a:r>
+                      <a:endParaRPr lang="en-GB" sz="1100">
+                        <a:effectLst/>
+                        <a:latin typeface="Calibri" panose="020F0502020204030204" pitchFamily="34" charset="0"/>
+                        <a:ea typeface="Calibri" panose="020F0502020204030204" pitchFamily="34" charset="0"/>
+                        <a:cs typeface="Times New Roman" panose="02020603050405020304" pitchFamily="18" charset="0"/>
+                      </a:endParaRPr>
+                    </a:p>
+                  </a:txBody>
+                  <a:tcPr marL="53537" marR="53537" marT="0" marB="0"/>
+                </a:tc>
+                <a:extLst>
+                  <a:ext uri="{0D108BD9-81ED-4DB2-BD59-A6C34878D82A}">
+                    <a16:rowId xmlns:a16="http://schemas.microsoft.com/office/drawing/2014/main" val="1984354453"/>
+                  </a:ext>
+                </a:extLst>
+              </a:tr>
+              <a:tr h="547418">
+                <a:tc>
+                  <a:txBody>
+                    <a:bodyPr/>
+                    <a:lstStyle/>
+                    <a:p>
+                      <a:pPr>
+                        <a:lnSpc>
+                          <a:spcPct val="107000"/>
+                        </a:lnSpc>
+                        <a:spcAft>
+                          <a:spcPts val="0"/>
+                        </a:spcAft>
+                      </a:pPr>
+                      <a:r>
+                        <a:rPr lang="en-GB" sz="1100">
+                          <a:effectLst/>
+                        </a:rPr>
+                        <a:t>5</a:t>
+                      </a:r>
+                      <a:endParaRPr lang="en-GB" sz="1100">
+                        <a:effectLst/>
+                        <a:latin typeface="Calibri" panose="020F0502020204030204" pitchFamily="34" charset="0"/>
+                        <a:ea typeface="Calibri" panose="020F0502020204030204" pitchFamily="34" charset="0"/>
+                        <a:cs typeface="Times New Roman" panose="02020603050405020304" pitchFamily="18" charset="0"/>
+                      </a:endParaRPr>
+                    </a:p>
+                  </a:txBody>
+                  <a:tcPr marL="53537" marR="53537" marT="0" marB="0"/>
+                </a:tc>
+                <a:tc>
+                  <a:txBody>
+                    <a:bodyPr/>
+                    <a:lstStyle/>
+                    <a:p>
+                      <a:pPr>
+                        <a:lnSpc>
+                          <a:spcPct val="107000"/>
+                        </a:lnSpc>
+                        <a:spcAft>
+                          <a:spcPts val="0"/>
+                        </a:spcAft>
+                      </a:pPr>
+                      <a:r>
+                        <a:rPr lang="en-GB" sz="1100" dirty="0" smtClean="0">
+                          <a:effectLst/>
+                          <a:latin typeface="+mn-lt"/>
+                          <a:ea typeface="Calibri" panose="020F0502020204030204" pitchFamily="34" charset="0"/>
+                          <a:cs typeface="Times New Roman" panose="02020603050405020304" pitchFamily="18" charset="0"/>
+                        </a:rPr>
+                        <a:t>Home Page</a:t>
+                      </a:r>
+                      <a:endParaRPr lang="en-GB" sz="1100" dirty="0">
+                        <a:effectLst/>
+                        <a:latin typeface="+mn-lt"/>
+                        <a:ea typeface="Calibri" panose="020F0502020204030204" pitchFamily="34" charset="0"/>
+                        <a:cs typeface="Times New Roman" panose="02020603050405020304" pitchFamily="18" charset="0"/>
+                      </a:endParaRPr>
+                    </a:p>
+                  </a:txBody>
+                  <a:tcPr marL="53537" marR="53537" marT="0" marB="0"/>
+                </a:tc>
+                <a:tc>
+                  <a:txBody>
+                    <a:bodyPr/>
+                    <a:lstStyle/>
+                    <a:p>
+                      <a:pPr algn="just">
+                        <a:lnSpc>
+                          <a:spcPct val="107000"/>
+                        </a:lnSpc>
+                        <a:spcAft>
+                          <a:spcPts val="0"/>
+                        </a:spcAft>
+                      </a:pPr>
+                      <a:r>
+                        <a:rPr lang="en-GB" sz="1100">
+                          <a:effectLst/>
+                        </a:rPr>
+                        <a:t>As a user I want to read the article related to the song on the playlist</a:t>
+                      </a:r>
+                    </a:p>
+                    <a:p>
+                      <a:pPr>
+                        <a:lnSpc>
+                          <a:spcPct val="107000"/>
+                        </a:lnSpc>
+                        <a:spcAft>
+                          <a:spcPts val="0"/>
+                        </a:spcAft>
+                      </a:pPr>
+                      <a:r>
+                        <a:rPr lang="en-GB" sz="1100">
+                          <a:effectLst/>
+                        </a:rPr>
+                        <a:t> </a:t>
+                      </a:r>
+                      <a:endParaRPr lang="en-GB" sz="1100">
+                        <a:effectLst/>
+                        <a:latin typeface="Calibri" panose="020F0502020204030204" pitchFamily="34" charset="0"/>
+                        <a:ea typeface="Calibri" panose="020F0502020204030204" pitchFamily="34" charset="0"/>
+                        <a:cs typeface="Times New Roman" panose="02020603050405020304" pitchFamily="18" charset="0"/>
+                      </a:endParaRPr>
+                    </a:p>
+                  </a:txBody>
+                  <a:tcPr marL="53537" marR="53537" marT="0" marB="0"/>
+                </a:tc>
+                <a:tc>
+                  <a:txBody>
+                    <a:bodyPr/>
+                    <a:lstStyle/>
+                    <a:p>
+                      <a:pPr>
+                        <a:lnSpc>
+                          <a:spcPct val="107000"/>
+                        </a:lnSpc>
+                        <a:spcAft>
+                          <a:spcPts val="0"/>
+                        </a:spcAft>
+                      </a:pPr>
+                      <a:r>
+                        <a:rPr lang="en-GB" sz="1100" dirty="0">
+                          <a:effectLst/>
+                        </a:rPr>
+                        <a:t> </a:t>
+                      </a:r>
+                      <a:r>
+                        <a:rPr lang="en-GB" sz="1100" dirty="0" smtClean="0">
+                          <a:effectLst/>
+                        </a:rPr>
+                        <a:t>1</a:t>
+                      </a:r>
+                      <a:endParaRPr lang="en-GB" sz="1100" dirty="0">
+                        <a:effectLst/>
+                        <a:latin typeface="Calibri" panose="020F0502020204030204" pitchFamily="34" charset="0"/>
+                        <a:ea typeface="Calibri" panose="020F0502020204030204" pitchFamily="34" charset="0"/>
+                        <a:cs typeface="Times New Roman" panose="02020603050405020304" pitchFamily="18" charset="0"/>
+                      </a:endParaRPr>
+                    </a:p>
+                  </a:txBody>
+                  <a:tcPr marL="53537" marR="53537" marT="0" marB="0"/>
+                </a:tc>
+                <a:tc>
+                  <a:txBody>
+                    <a:bodyPr/>
+                    <a:lstStyle/>
+                    <a:p>
+                      <a:pPr>
+                        <a:lnSpc>
+                          <a:spcPct val="107000"/>
+                        </a:lnSpc>
+                        <a:spcAft>
+                          <a:spcPts val="0"/>
+                        </a:spcAft>
+                      </a:pPr>
+                      <a:r>
+                        <a:rPr lang="en-GB" sz="1100">
+                          <a:effectLst/>
+                        </a:rPr>
+                        <a:t>5</a:t>
+                      </a:r>
+                      <a:endParaRPr lang="en-GB" sz="1100">
+                        <a:effectLst/>
+                        <a:latin typeface="Calibri" panose="020F0502020204030204" pitchFamily="34" charset="0"/>
+                        <a:ea typeface="Calibri" panose="020F0502020204030204" pitchFamily="34" charset="0"/>
+                        <a:cs typeface="Times New Roman" panose="02020603050405020304" pitchFamily="18" charset="0"/>
+                      </a:endParaRPr>
+                    </a:p>
+                  </a:txBody>
+                  <a:tcPr marL="53537" marR="53537" marT="0" marB="0"/>
+                </a:tc>
+                <a:extLst>
+                  <a:ext uri="{0D108BD9-81ED-4DB2-BD59-A6C34878D82A}">
+                    <a16:rowId xmlns:a16="http://schemas.microsoft.com/office/drawing/2014/main" val="2155195183"/>
+                  </a:ext>
+                </a:extLst>
+              </a:tr>
+              <a:tr h="636498">
+                <a:tc>
+                  <a:txBody>
+                    <a:bodyPr/>
+                    <a:lstStyle/>
+                    <a:p>
+                      <a:pPr>
+                        <a:lnSpc>
+                          <a:spcPct val="107000"/>
+                        </a:lnSpc>
+                        <a:spcAft>
+                          <a:spcPts val="0"/>
+                        </a:spcAft>
+                      </a:pPr>
+                      <a:r>
+                        <a:rPr lang="en-GB" sz="1100">
+                          <a:effectLst/>
+                        </a:rPr>
+                        <a:t>6</a:t>
+                      </a:r>
+                      <a:endParaRPr lang="en-GB" sz="1100">
+                        <a:effectLst/>
+                        <a:latin typeface="Calibri" panose="020F0502020204030204" pitchFamily="34" charset="0"/>
+                        <a:ea typeface="Calibri" panose="020F0502020204030204" pitchFamily="34" charset="0"/>
+                        <a:cs typeface="Times New Roman" panose="02020603050405020304" pitchFamily="18" charset="0"/>
+                      </a:endParaRPr>
+                    </a:p>
+                  </a:txBody>
+                  <a:tcPr marL="53537" marR="53537" marT="0" marB="0"/>
+                </a:tc>
+                <a:tc>
+                  <a:txBody>
+                    <a:bodyPr/>
+                    <a:lstStyle/>
+                    <a:p>
+                      <a:pPr>
+                        <a:lnSpc>
+                          <a:spcPct val="107000"/>
+                        </a:lnSpc>
+                        <a:spcAft>
+                          <a:spcPts val="0"/>
+                        </a:spcAft>
+                      </a:pPr>
+                      <a:endParaRPr lang="en-GB" sz="1100" dirty="0">
+                        <a:effectLst/>
+                        <a:latin typeface="+mn-lt"/>
+                        <a:ea typeface="Calibri" panose="020F0502020204030204" pitchFamily="34" charset="0"/>
+                        <a:cs typeface="Times New Roman" panose="02020603050405020304" pitchFamily="18" charset="0"/>
+                      </a:endParaRPr>
+                    </a:p>
+                  </a:txBody>
+                  <a:tcPr marL="53537" marR="53537" marT="0" marB="0"/>
+                </a:tc>
+                <a:tc>
+                  <a:txBody>
+                    <a:bodyPr/>
+                    <a:lstStyle/>
+                    <a:p>
+                      <a:pPr>
+                        <a:lnSpc>
+                          <a:spcPct val="107000"/>
+                        </a:lnSpc>
+                        <a:spcAft>
+                          <a:spcPts val="0"/>
+                        </a:spcAft>
+                      </a:pPr>
+                      <a:r>
+                        <a:rPr lang="en-GB" sz="1100" dirty="0">
+                          <a:effectLst/>
+                        </a:rPr>
+                        <a:t>As a user I would like to be able to download my news related playlist to listen offline</a:t>
+                      </a:r>
+                    </a:p>
+                    <a:p>
+                      <a:pPr>
+                        <a:lnSpc>
+                          <a:spcPct val="107000"/>
+                        </a:lnSpc>
+                        <a:spcAft>
+                          <a:spcPts val="0"/>
+                        </a:spcAft>
+                      </a:pPr>
+                      <a:r>
+                        <a:rPr lang="en-GB" sz="1100" dirty="0">
+                          <a:effectLst/>
+                        </a:rPr>
+                        <a:t> </a:t>
+                      </a:r>
+                      <a:endParaRPr lang="en-GB" sz="1100" dirty="0">
+                        <a:effectLst/>
+                        <a:latin typeface="Calibri" panose="020F0502020204030204" pitchFamily="34" charset="0"/>
+                        <a:ea typeface="Calibri" panose="020F0502020204030204" pitchFamily="34" charset="0"/>
+                        <a:cs typeface="Times New Roman" panose="02020603050405020304" pitchFamily="18" charset="0"/>
+                      </a:endParaRPr>
+                    </a:p>
+                  </a:txBody>
+                  <a:tcPr marL="53537" marR="53537" marT="0" marB="0"/>
+                </a:tc>
+                <a:tc>
+                  <a:txBody>
+                    <a:bodyPr/>
+                    <a:lstStyle/>
+                    <a:p>
+                      <a:pPr>
+                        <a:lnSpc>
+                          <a:spcPct val="107000"/>
+                        </a:lnSpc>
+                        <a:spcAft>
+                          <a:spcPts val="0"/>
+                        </a:spcAft>
+                      </a:pPr>
+                      <a:r>
+                        <a:rPr lang="en-GB" sz="1100" dirty="0">
+                          <a:effectLst/>
+                        </a:rPr>
+                        <a:t> </a:t>
+                      </a:r>
+                      <a:r>
+                        <a:rPr lang="en-GB" sz="1100" dirty="0" smtClean="0">
+                          <a:effectLst/>
+                        </a:rPr>
+                        <a:t>1</a:t>
+                      </a:r>
+                      <a:endParaRPr lang="en-GB" sz="1100" dirty="0">
+                        <a:effectLst/>
+                        <a:latin typeface="Calibri" panose="020F0502020204030204" pitchFamily="34" charset="0"/>
+                        <a:ea typeface="Calibri" panose="020F0502020204030204" pitchFamily="34" charset="0"/>
+                        <a:cs typeface="Times New Roman" panose="02020603050405020304" pitchFamily="18" charset="0"/>
+                      </a:endParaRPr>
+                    </a:p>
+                  </a:txBody>
+                  <a:tcPr marL="53537" marR="53537" marT="0" marB="0"/>
+                </a:tc>
+                <a:tc>
+                  <a:txBody>
+                    <a:bodyPr/>
+                    <a:lstStyle/>
+                    <a:p>
+                      <a:pPr>
+                        <a:lnSpc>
+                          <a:spcPct val="107000"/>
+                        </a:lnSpc>
+                        <a:spcAft>
+                          <a:spcPts val="0"/>
+                        </a:spcAft>
+                      </a:pPr>
+                      <a:r>
+                        <a:rPr lang="en-GB" sz="1100" dirty="0">
+                          <a:effectLst/>
+                        </a:rPr>
+                        <a:t>6</a:t>
+                      </a:r>
+                      <a:endParaRPr lang="en-GB" sz="1100" dirty="0">
+                        <a:effectLst/>
+                        <a:latin typeface="Calibri" panose="020F0502020204030204" pitchFamily="34" charset="0"/>
+                        <a:ea typeface="Calibri" panose="020F0502020204030204" pitchFamily="34" charset="0"/>
+                        <a:cs typeface="Times New Roman" panose="02020603050405020304" pitchFamily="18" charset="0"/>
+                      </a:endParaRPr>
+                    </a:p>
+                  </a:txBody>
+                  <a:tcPr marL="53537" marR="53537" marT="0" marB="0"/>
+                </a:tc>
+                <a:extLst>
+                  <a:ext uri="{0D108BD9-81ED-4DB2-BD59-A6C34878D82A}">
+                    <a16:rowId xmlns:a16="http://schemas.microsoft.com/office/drawing/2014/main" val="3468224109"/>
+                  </a:ext>
+                </a:extLst>
+              </a:tr>
+            </a:tbl>
+          </a:graphicData>
+        </a:graphic>
+      </p:graphicFrame>
+      <p:sp>
+        <p:nvSpPr>
+          <p:cNvPr id="3" name="TextBox 2"/>
+          <p:cNvSpPr txBox="1"/>
+          <p:nvPr/>
+        </p:nvSpPr>
+        <p:spPr>
+          <a:xfrm>
+            <a:off x="1031234" y="1625987"/>
+            <a:ext cx="3574473" cy="4662815"/>
+          </a:xfrm>
+          <a:prstGeom prst="rect">
+            <a:avLst/>
+          </a:prstGeom>
+          <a:noFill/>
+        </p:spPr>
+        <p:txBody>
+          <a:bodyPr wrap="square" rtlCol="0">
+            <a:spAutoFit/>
+          </a:bodyPr>
+          <a:lstStyle/>
+          <a:p>
+            <a:pPr>
+              <a:lnSpc>
+                <a:spcPct val="150000"/>
+              </a:lnSpc>
+            </a:pPr>
+            <a:r>
+              <a:rPr lang="en-GB" dirty="0" smtClean="0"/>
+              <a:t>The product backlog uses the user story syntax to produce the backlog items. The product backlog also helps to prioritise the tasks, ensuring that the most important tasks are completed first. </a:t>
+            </a:r>
+          </a:p>
+          <a:p>
+            <a:r>
+              <a:rPr lang="en-GB" dirty="0" smtClean="0"/>
+              <a:t>Sprint points – Fibonacci scale</a:t>
+            </a:r>
+            <a:endParaRPr lang="en-GB" dirty="0"/>
+          </a:p>
+          <a:p>
+            <a:pPr marL="285750" indent="-285750">
+              <a:lnSpc>
+                <a:spcPct val="150000"/>
+              </a:lnSpc>
+              <a:buFont typeface="Arial" panose="020B0604020202020204" pitchFamily="34" charset="0"/>
+              <a:buChar char="•"/>
+            </a:pPr>
+            <a:r>
+              <a:rPr lang="en-GB" dirty="0" smtClean="0"/>
+              <a:t>Feature </a:t>
+            </a:r>
+            <a:r>
+              <a:rPr lang="en-GB" dirty="0"/>
+              <a:t>required for Spotify </a:t>
+            </a:r>
+            <a:endParaRPr lang="en-GB" dirty="0" smtClean="0"/>
+          </a:p>
+          <a:p>
+            <a:pPr marL="285750" indent="-285750">
+              <a:lnSpc>
+                <a:spcPct val="150000"/>
+              </a:lnSpc>
+              <a:buFont typeface="Arial" panose="020B0604020202020204" pitchFamily="34" charset="0"/>
+              <a:buChar char="•"/>
+            </a:pPr>
+            <a:r>
+              <a:rPr lang="en-GB" dirty="0" smtClean="0"/>
+              <a:t>Product </a:t>
+            </a:r>
+            <a:r>
+              <a:rPr lang="en-GB" dirty="0"/>
+              <a:t>backlog placed in correct sequence – Value/Cost/Knowledge/Risk</a:t>
+            </a:r>
+          </a:p>
+        </p:txBody>
+      </p:sp>
+    </p:spTree>
+    <p:extLst>
+      <p:ext uri="{BB962C8B-B14F-4D97-AF65-F5344CB8AC3E}">
+        <p14:creationId xmlns:p14="http://schemas.microsoft.com/office/powerpoint/2010/main" val="2427580210"/>
+      </p:ext>
+    </p:extLst>
+  </p:cSld>
+  <p:clrMapOvr>
+    <a:masterClrMapping/>
+  </p:clrMapOvr>
+  <p:timing>
+    <p:tnLst>
+      <p:par>
+        <p:cTn id="1" dur="indefinite" restart="never" nodeType="tmRoot"/>
+      </p:par>
+    </p:tnLst>
+  </p:timing>
+</p:sld>
+</file>
+
+<file path=ppt/slides/slide6.xml><?xml version="1.0" encoding="utf-8"?>
+<p:sld xmlns:a="http://schemas.openxmlformats.org/drawingml/2006/main" xmlns:r="http://schemas.openxmlformats.org/officeDocument/2006/relationships" xmlns:p="http://schemas.openxmlformats.org/presentationml/2006/main">
+  <p:cSld>
+    <p:spTree>
+      <p:nvGrpSpPr>
+        <p:cNvPr id="1" name=""/>
+        <p:cNvGrpSpPr/>
+        <p:nvPr/>
+      </p:nvGrpSpPr>
+      <p:grpSpPr>
+        <a:xfrm>
+          <a:off x="0" y="0"/>
+          <a:ext cx="0" cy="0"/>
+          <a:chOff x="0" y="0"/>
+          <a:chExt cx="0" cy="0"/>
+        </a:xfrm>
+      </p:grpSpPr>
+      <p:sp>
+        <p:nvSpPr>
+          <p:cNvPr id="2" name="Title 1"/>
+          <p:cNvSpPr>
+            <a:spLocks noGrp="1"/>
+          </p:cNvSpPr>
+          <p:nvPr>
+            <p:ph type="title"/>
+          </p:nvPr>
+        </p:nvSpPr>
+        <p:spPr>
+          <a:xfrm>
+            <a:off x="907748" y="901716"/>
+            <a:ext cx="9720072" cy="723884"/>
+          </a:xfrm>
+        </p:spPr>
+        <p:txBody>
+          <a:bodyPr>
+            <a:normAutofit/>
+          </a:bodyPr>
+          <a:lstStyle/>
+          <a:p>
+            <a:r>
+              <a:rPr lang="en-GB" dirty="0"/>
+              <a:t>Sprint Backlog </a:t>
+            </a:r>
+          </a:p>
+        </p:txBody>
+      </p:sp>
+      <p:pic>
+        <p:nvPicPr>
+          <p:cNvPr id="4" name="Picture 3"/>
+          <p:cNvPicPr>
+            <a:picLocks noChangeAspect="1"/>
+          </p:cNvPicPr>
+          <p:nvPr/>
+        </p:nvPicPr>
+        <p:blipFill>
+          <a:blip r:embed="rId2"/>
+          <a:stretch>
+            <a:fillRect/>
+          </a:stretch>
+        </p:blipFill>
+        <p:spPr>
+          <a:xfrm>
+            <a:off x="1435990" y="2645832"/>
+            <a:ext cx="9310364" cy="3788833"/>
+          </a:xfrm>
+          <a:prstGeom prst="rect">
+            <a:avLst/>
+          </a:prstGeom>
+        </p:spPr>
+      </p:pic>
+      <p:sp>
+        <p:nvSpPr>
+          <p:cNvPr id="3" name="TextBox 2"/>
+          <p:cNvSpPr txBox="1"/>
+          <p:nvPr/>
+        </p:nvSpPr>
+        <p:spPr>
+          <a:xfrm>
+            <a:off x="1761067" y="1739435"/>
+            <a:ext cx="8866753" cy="923330"/>
+          </a:xfrm>
+          <a:prstGeom prst="rect">
+            <a:avLst/>
+          </a:prstGeom>
+          <a:noFill/>
+        </p:spPr>
+        <p:txBody>
+          <a:bodyPr wrap="square" rtlCol="0">
+            <a:spAutoFit/>
+          </a:bodyPr>
+          <a:lstStyle/>
+          <a:p>
+            <a:r>
+              <a:rPr lang="en-GB" dirty="0"/>
+              <a:t>The sprint backlog is simply the list of tasks that relate to the user stories which need to be completed through the Scrum sprint. </a:t>
+            </a:r>
+          </a:p>
+          <a:p>
+            <a:endParaRPr lang="en-GB" dirty="0"/>
+          </a:p>
+        </p:txBody>
+      </p:sp>
+    </p:spTree>
+    <p:extLst>
+      <p:ext uri="{BB962C8B-B14F-4D97-AF65-F5344CB8AC3E}">
+        <p14:creationId xmlns:p14="http://schemas.microsoft.com/office/powerpoint/2010/main" val="1273718308"/>
+      </p:ext>
+    </p:extLst>
+  </p:cSld>
+  <p:clrMapOvr>
+    <a:masterClrMapping/>
+  </p:clrMapOvr>
+  <p:timing>
+    <p:tnLst>
+      <p:par>
+        <p:cTn id="1" dur="indefinite" restart="never" nodeType="tmRoot"/>
+      </p:par>
+    </p:tnLst>
+  </p:timing>
+</p:sld>
+</file>
+
+<file path=ppt/slides/slide7.xml><?xml version="1.0" encoding="utf-8"?>
+<p:sld xmlns:a="http://schemas.openxmlformats.org/drawingml/2006/main" xmlns:r="http://schemas.openxmlformats.org/officeDocument/2006/relationships" xmlns:p="http://schemas.openxmlformats.org/presentationml/2006/main">
+  <p:cSld>
+    <p:spTree>
+      <p:nvGrpSpPr>
+        <p:cNvPr id="1" name=""/>
+        <p:cNvGrpSpPr/>
+        <p:nvPr/>
+      </p:nvGrpSpPr>
+      <p:grpSpPr>
+        <a:xfrm>
+          <a:off x="0" y="0"/>
+          <a:ext cx="0" cy="0"/>
+          <a:chOff x="0" y="0"/>
+          <a:chExt cx="0" cy="0"/>
+        </a:xfrm>
+      </p:grpSpPr>
+      <p:sp>
+        <p:nvSpPr>
+          <p:cNvPr id="2" name="Title 1"/>
+          <p:cNvSpPr>
+            <a:spLocks noGrp="1"/>
+          </p:cNvSpPr>
+          <p:nvPr>
+            <p:ph type="title"/>
+          </p:nvPr>
+        </p:nvSpPr>
+        <p:spPr>
+          <a:xfrm>
+            <a:off x="891123" y="1291798"/>
+            <a:ext cx="9720072" cy="379060"/>
           </a:xfrm>
         </p:spPr>
         <p:txBody>
@@ -23322,20 +24773,6 @@
             <a:r>
               <a:rPr lang="en-GB" dirty="0" smtClean="0"/>
               <a:t>Sprint Planning </a:t>
-            </a:r>
-            <a:br>
-              <a:rPr lang="en-GB" dirty="0" smtClean="0"/>
-            </a:br>
-            <a:r>
-              <a:rPr lang="en-GB" sz="2200" dirty="0"/>
-              <a:t>Sprint Planning is the subset of the product backlog </a:t>
-            </a:r>
-            <a:br>
-              <a:rPr lang="en-GB" sz="2200" dirty="0"/>
-            </a:br>
-            <a:r>
-              <a:rPr lang="en-GB" sz="2200" dirty="0"/>
-              <a:t>During sprint planning the team have agreed on a sprint goal </a:t>
             </a:r>
             <a:r>
               <a:rPr lang="en-GB" dirty="0"/>
@@ -23358,14 +24795,14 @@
             <p:ph idx="1"/>
             <p:extLst>
               <p:ext uri="{D42A27DB-BD31-4B8C-83A1-F6EECF244321}">
-                <p14:modId xmlns:p14="http://schemas.microsoft.com/office/powerpoint/2010/main" val="8830859"/>
+                <p14:modId xmlns:p14="http://schemas.microsoft.com/office/powerpoint/2010/main" val="514987300"/>
               </p:ext>
             </p:extLst>
           </p:nvPr>
         </p:nvGraphicFramePr>
         <p:xfrm>
-          <a:off x="2477015" y="2069868"/>
-          <a:ext cx="5636207" cy="4022725"/>
+          <a:off x="4410732" y="1544507"/>
+          <a:ext cx="7473142" cy="4238962"/>
         </p:xfrm>
         <a:graphic>
           <a:graphicData uri="http://schemas.openxmlformats.org/drawingml/2006/table">
@@ -23374,21 +24811,21 @@
                 <a:tableStyleId>{5C22544A-7EE6-4342-B048-85BDC9FD1C3A}</a:tableStyleId>
               </a:tblPr>
               <a:tblGrid>
-                <a:gridCol w="859235">
+                <a:gridCol w="1139274">
                   <a:extLst>
                     <a:ext uri="{9D8B030D-6E8A-4147-A177-3AD203B41FA5}">
                       <a16:colId xmlns:a16="http://schemas.microsoft.com/office/drawing/2014/main" val="495754055"/>
                     </a:ext>
                   </a:extLst>
                 </a:gridCol>
-                <a:gridCol w="2832141">
+                <a:gridCol w="3755184">
                   <a:extLst>
                     <a:ext uri="{9D8B030D-6E8A-4147-A177-3AD203B41FA5}">
                       <a16:colId xmlns:a16="http://schemas.microsoft.com/office/drawing/2014/main" val="1782140272"/>
                     </a:ext>
                   </a:extLst>
                 </a:gridCol>
-                <a:gridCol w="1944831">
+                <a:gridCol w="2578684">
                   <a:extLst>
                     <a:ext uri="{9D8B030D-6E8A-4147-A177-3AD203B41FA5}">
                       <a16:colId xmlns:a16="http://schemas.microsoft.com/office/drawing/2014/main" val="3274615722"/>
@@ -23396,7 +24833,7 @@
                   </a:extLst>
                 </a:gridCol>
               </a:tblGrid>
-              <a:tr h="354686">
+              <a:tr h="368563">
                 <a:tc>
                   <a:txBody>
                     <a:bodyPr/>
@@ -23411,12 +24848,12 @@
                         </a:spcAft>
                       </a:pPr>
                       <a:r>
-                        <a:rPr lang="en-GB" sz="700">
+                        <a:rPr lang="en-GB" sz="1100">
                           <a:effectLst/>
                         </a:rPr>
                         <a:t>Product Backlog ID</a:t>
                       </a:r>
-                      <a:endParaRPr lang="en-GB" sz="700">
+                      <a:endParaRPr lang="en-GB" sz="1100">
                         <a:effectLst/>
                         <a:latin typeface="Calibri" panose="020F0502020204030204" pitchFamily="34" charset="0"/>
                         <a:ea typeface="Calibri" panose="020F0502020204030204" pitchFamily="34" charset="0"/>
@@ -23440,12 +24877,12 @@
                         </a:spcAft>
                       </a:pPr>
                       <a:r>
-                        <a:rPr lang="en-GB" sz="700">
+                        <a:rPr lang="en-GB" sz="1100">
                           <a:effectLst/>
                         </a:rPr>
                         <a:t>Product – To do </a:t>
                       </a:r>
-                      <a:endParaRPr lang="en-GB" sz="700">
+                      <a:endParaRPr lang="en-GB" sz="1100">
                         <a:effectLst/>
                         <a:latin typeface="Calibri" panose="020F0502020204030204" pitchFamily="34" charset="0"/>
                         <a:ea typeface="Calibri" panose="020F0502020204030204" pitchFamily="34" charset="0"/>
@@ -23469,12 +24906,12 @@
                         </a:spcAft>
                       </a:pPr>
                       <a:r>
-                        <a:rPr lang="en-GB" sz="700">
+                        <a:rPr lang="en-GB" sz="1100">
                           <a:effectLst/>
                         </a:rPr>
                         <a:t>Outcome – What to Achieve</a:t>
                       </a:r>
-                      <a:endParaRPr lang="en-GB" sz="700">
+                      <a:endParaRPr lang="en-GB" sz="1100">
                         <a:effectLst/>
                         <a:latin typeface="Calibri" panose="020F0502020204030204" pitchFamily="34" charset="0"/>
                         <a:ea typeface="Calibri" panose="020F0502020204030204" pitchFamily="34" charset="0"/>
@@ -23490,13 +24927,13 @@
                   </a:ext>
                 </a:extLst>
               </a:tr>
-              <a:tr h="828443">
+              <a:tr h="860855">
                 <a:tc>
                   <a:txBody>
                     <a:bodyPr/>
                     <a:lstStyle/>
                     <a:p>
-                      <a:pPr>
+                      <a:pPr algn="ctr">
                         <a:lnSpc>
                           <a:spcPct val="107000"/>
                         </a:lnSpc>
@@ -23505,12 +24942,12 @@
                         </a:spcAft>
                       </a:pPr>
                       <a:r>
-                        <a:rPr lang="en-GB" sz="700">
+                        <a:rPr lang="en-GB" sz="1100">
                           <a:effectLst/>
                         </a:rPr>
                         <a:t>1</a:t>
                       </a:r>
-                      <a:endParaRPr lang="en-GB" sz="700">
+                      <a:endParaRPr lang="en-GB" sz="1100">
                         <a:effectLst/>
                         <a:latin typeface="Calibri" panose="020F0502020204030204" pitchFamily="34" charset="0"/>
                         <a:ea typeface="Calibri" panose="020F0502020204030204" pitchFamily="34" charset="0"/>
@@ -23534,12 +24971,12 @@
                         </a:spcAft>
                       </a:pPr>
                       <a:r>
-                        <a:rPr lang="en-GB" sz="700">
+                        <a:rPr lang="en-GB" sz="1100">
                           <a:effectLst/>
                         </a:rPr>
                         <a:t>As a user I want to authorise my account without any errors so that I can access Spotify’s news related playlists.</a:t>
                       </a:r>
-                      <a:endParaRPr lang="en-GB" sz="700">
+                      <a:endParaRPr lang="en-GB" sz="1100">
                         <a:effectLst/>
                         <a:latin typeface="Calibri" panose="020F0502020204030204" pitchFamily="34" charset="0"/>
                         <a:ea typeface="Calibri" panose="020F0502020204030204" pitchFamily="34" charset="0"/>
@@ -23563,7 +25000,7 @@
                         </a:spcAft>
                       </a:pPr>
                       <a:r>
-                        <a:rPr lang="en-GB" sz="700">
+                        <a:rPr lang="en-GB" sz="1100">
                           <a:effectLst/>
                         </a:rPr>
                         <a:t>For the user to be-able to log in to their account with having any errors </a:t>
@@ -23579,7 +25016,7 @@
                         </a:spcAft>
                       </a:pPr>
                       <a:r>
-                        <a:rPr lang="en-GB" sz="700">
+                        <a:rPr lang="en-GB" sz="1100">
                           <a:effectLst/>
                         </a:rPr>
                         <a:t> </a:t>
@@ -23595,12 +25032,12 @@
                         </a:spcAft>
                       </a:pPr>
                       <a:r>
-                        <a:rPr lang="en-GB" sz="700">
+                        <a:rPr lang="en-GB" sz="1100">
                           <a:effectLst/>
                         </a:rPr>
                         <a:t>For the user to be able to sign up </a:t>
                       </a:r>
-                      <a:endParaRPr lang="en-GB" sz="700">
+                      <a:endParaRPr lang="en-GB" sz="1100">
                         <a:effectLst/>
                         <a:latin typeface="Calibri" panose="020F0502020204030204" pitchFamily="34" charset="0"/>
                         <a:ea typeface="Calibri" panose="020F0502020204030204" pitchFamily="34" charset="0"/>
@@ -23616,13 +25053,13 @@
                   </a:ext>
                 </a:extLst>
               </a:tr>
-              <a:tr h="473336">
+              <a:tr h="491855">
                 <a:tc>
                   <a:txBody>
                     <a:bodyPr/>
                     <a:lstStyle/>
                     <a:p>
-                      <a:pPr>
+                      <a:pPr algn="ctr">
                         <a:lnSpc>
                           <a:spcPct val="107000"/>
                         </a:lnSpc>
@@ -23631,12 +25068,12 @@
                         </a:spcAft>
                       </a:pPr>
                       <a:r>
-                        <a:rPr lang="en-GB" sz="700">
+                        <a:rPr lang="en-GB" sz="1100">
                           <a:effectLst/>
                         </a:rPr>
                         <a:t>2</a:t>
                       </a:r>
-                      <a:endParaRPr lang="en-GB" sz="700">
+                      <a:endParaRPr lang="en-GB" sz="1100">
                         <a:effectLst/>
                         <a:latin typeface="Calibri" panose="020F0502020204030204" pitchFamily="34" charset="0"/>
                         <a:ea typeface="Calibri" panose="020F0502020204030204" pitchFamily="34" charset="0"/>
@@ -23660,12 +25097,12 @@
                         </a:spcAft>
                       </a:pPr>
                       <a:r>
-                        <a:rPr lang="en-GB" sz="700">
+                        <a:rPr lang="en-GB" sz="1100">
                           <a:effectLst/>
                         </a:rPr>
                         <a:t>Create a playlist that’s relating the new headlines of the day </a:t>
                       </a:r>
-                      <a:endParaRPr lang="en-GB" sz="700">
+                      <a:endParaRPr lang="en-GB" sz="1100">
                         <a:effectLst/>
                         <a:latin typeface="Calibri" panose="020F0502020204030204" pitchFamily="34" charset="0"/>
                         <a:ea typeface="Calibri" panose="020F0502020204030204" pitchFamily="34" charset="0"/>
@@ -23689,12 +25126,12 @@
                         </a:spcAft>
                       </a:pPr>
                       <a:r>
-                        <a:rPr lang="en-GB" sz="700">
+                        <a:rPr lang="en-GB" sz="1100">
                           <a:effectLst/>
                         </a:rPr>
                         <a:t>Program Spotify to create daily playlist relating the news headlines </a:t>
                       </a:r>
-                      <a:endParaRPr lang="en-GB" sz="700">
+                      <a:endParaRPr lang="en-GB" sz="1100">
                         <a:effectLst/>
                         <a:latin typeface="Calibri" panose="020F0502020204030204" pitchFamily="34" charset="0"/>
                         <a:ea typeface="Calibri" panose="020F0502020204030204" pitchFamily="34" charset="0"/>
@@ -23710,13 +25147,13 @@
                   </a:ext>
                 </a:extLst>
               </a:tr>
-              <a:tr h="473336">
+              <a:tr h="550706">
                 <a:tc>
                   <a:txBody>
                     <a:bodyPr/>
                     <a:lstStyle/>
                     <a:p>
-                      <a:pPr>
+                      <a:pPr algn="ctr">
                         <a:lnSpc>
                           <a:spcPct val="107000"/>
                         </a:lnSpc>
@@ -23725,12 +25162,12 @@
                         </a:spcAft>
                       </a:pPr>
                       <a:r>
-                        <a:rPr lang="en-GB" sz="700">
+                        <a:rPr lang="en-GB" sz="1100">
                           <a:effectLst/>
                         </a:rPr>
                         <a:t>3</a:t>
                       </a:r>
-                      <a:endParaRPr lang="en-GB" sz="700">
+                      <a:endParaRPr lang="en-GB" sz="1100">
                         <a:effectLst/>
                         <a:latin typeface="Calibri" panose="020F0502020204030204" pitchFamily="34" charset="0"/>
                         <a:ea typeface="Calibri" panose="020F0502020204030204" pitchFamily="34" charset="0"/>
@@ -23754,7 +25191,7 @@
                         </a:spcAft>
                       </a:pPr>
                       <a:r>
-                        <a:rPr lang="en-GB" sz="700">
+                        <a:rPr lang="en-GB" sz="1100">
                           <a:effectLst/>
                         </a:rPr>
                         <a:t>As a user I would like a user friendly, easy and efficient GUI so that my experience is pleasant and enjoyable. </a:t>
@@ -23770,12 +25207,12 @@
                         </a:spcAft>
                       </a:pPr>
                       <a:r>
-                        <a:rPr lang="en-GB" sz="700">
+                        <a:rPr lang="en-GB" sz="1100">
                           <a:effectLst/>
                         </a:rPr>
                         <a:t> </a:t>
                       </a:r>
-                      <a:endParaRPr lang="en-GB" sz="700">
+                      <a:endParaRPr lang="en-GB" sz="1100">
                         <a:effectLst/>
                         <a:latin typeface="Calibri" panose="020F0502020204030204" pitchFamily="34" charset="0"/>
                         <a:ea typeface="Calibri" panose="020F0502020204030204" pitchFamily="34" charset="0"/>
@@ -23799,12 +25236,12 @@
                         </a:spcAft>
                       </a:pPr>
                       <a:r>
-                        <a:rPr lang="en-GB" sz="700">
+                        <a:rPr lang="en-GB" sz="1100">
                           <a:effectLst/>
                         </a:rPr>
                         <a:t>To create a UI that the clients can use which is efficient and is user friendly.</a:t>
                       </a:r>
-                      <a:endParaRPr lang="en-GB" sz="700">
+                      <a:endParaRPr lang="en-GB" sz="1100">
                         <a:effectLst/>
                         <a:latin typeface="Calibri" panose="020F0502020204030204" pitchFamily="34" charset="0"/>
                         <a:ea typeface="Calibri" panose="020F0502020204030204" pitchFamily="34" charset="0"/>
@@ -23820,13 +25257,13 @@
                   </a:ext>
                 </a:extLst>
               </a:tr>
-              <a:tr h="473336">
+              <a:tr h="491855">
                 <a:tc>
                   <a:txBody>
                     <a:bodyPr/>
                     <a:lstStyle/>
                     <a:p>
-                      <a:pPr>
+                      <a:pPr algn="ctr">
                         <a:lnSpc>
                           <a:spcPct val="107000"/>
                         </a:lnSpc>
@@ -23835,12 +25272,12 @@
                         </a:spcAft>
                       </a:pPr>
                       <a:r>
-                        <a:rPr lang="en-GB" sz="700">
+                        <a:rPr lang="en-GB" sz="1100">
                           <a:effectLst/>
                         </a:rPr>
                         <a:t>4</a:t>
                       </a:r>
-                      <a:endParaRPr lang="en-GB" sz="700">
+                      <a:endParaRPr lang="en-GB" sz="1100">
                         <a:effectLst/>
                         <a:latin typeface="Calibri" panose="020F0502020204030204" pitchFamily="34" charset="0"/>
                         <a:ea typeface="Calibri" panose="020F0502020204030204" pitchFamily="34" charset="0"/>
@@ -23864,7 +25301,7 @@
                         </a:spcAft>
                       </a:pPr>
                       <a:r>
-                        <a:rPr lang="en-GB" sz="700" dirty="0">
+                        <a:rPr lang="en-GB" sz="1100" dirty="0">
                           <a:effectLst/>
                         </a:rPr>
                         <a:t>Saving the playlist to the users account</a:t>
@@ -23880,12 +25317,12 @@
                         </a:spcAft>
                       </a:pPr>
                       <a:r>
-                        <a:rPr lang="en-GB" sz="700" dirty="0">
+                        <a:rPr lang="en-GB" sz="1100" dirty="0">
                           <a:effectLst/>
                         </a:rPr>
                         <a:t> </a:t>
                       </a:r>
-                      <a:endParaRPr lang="en-GB" sz="700" dirty="0">
+                      <a:endParaRPr lang="en-GB" sz="1100" dirty="0">
                         <a:effectLst/>
                         <a:latin typeface="Calibri" panose="020F0502020204030204" pitchFamily="34" charset="0"/>
                         <a:ea typeface="Calibri" panose="020F0502020204030204" pitchFamily="34" charset="0"/>
@@ -23909,12 +25346,12 @@
                         </a:spcAft>
                       </a:pPr>
                       <a:r>
-                        <a:rPr lang="en-GB" sz="700" dirty="0">
+                        <a:rPr lang="en-GB" sz="1100" dirty="0">
                           <a:effectLst/>
                         </a:rPr>
                         <a:t>For the clients to be able to save the playlist to their individual user account. </a:t>
                       </a:r>
-                      <a:endParaRPr lang="en-GB" sz="700" dirty="0">
+                      <a:endParaRPr lang="en-GB" sz="1100" dirty="0">
                         <a:effectLst/>
                         <a:latin typeface="Calibri" panose="020F0502020204030204" pitchFamily="34" charset="0"/>
                         <a:ea typeface="Calibri" panose="020F0502020204030204" pitchFamily="34" charset="0"/>
@@ -23930,13 +25367,13 @@
                   </a:ext>
                 </a:extLst>
               </a:tr>
-              <a:tr h="709794">
+              <a:tr h="737564">
                 <a:tc>
                   <a:txBody>
                     <a:bodyPr/>
                     <a:lstStyle/>
                     <a:p>
-                      <a:pPr>
+                      <a:pPr algn="ctr">
                         <a:lnSpc>
                           <a:spcPct val="107000"/>
                         </a:lnSpc>
@@ -23945,12 +25382,12 @@
                         </a:spcAft>
                       </a:pPr>
                       <a:r>
-                        <a:rPr lang="en-GB" sz="700">
+                        <a:rPr lang="en-GB" sz="1100">
                           <a:effectLst/>
                         </a:rPr>
                         <a:t>5</a:t>
                       </a:r>
-                      <a:endParaRPr lang="en-GB" sz="700">
+                      <a:endParaRPr lang="en-GB" sz="1100">
                         <a:effectLst/>
                         <a:latin typeface="Calibri" panose="020F0502020204030204" pitchFamily="34" charset="0"/>
                         <a:ea typeface="Calibri" panose="020F0502020204030204" pitchFamily="34" charset="0"/>
@@ -23974,7 +25411,7 @@
                         </a:spcAft>
                       </a:pPr>
                       <a:r>
-                        <a:rPr lang="en-GB" sz="700">
+                        <a:rPr lang="en-GB" sz="1100">
                           <a:effectLst/>
                         </a:rPr>
                         <a:t>As a user I want to read the article related to the song on the playlist</a:t>
@@ -23990,12 +25427,12 @@
                         </a:spcAft>
                       </a:pPr>
                       <a:r>
-                        <a:rPr lang="en-GB" sz="700">
+                        <a:rPr lang="en-GB" sz="1100">
                           <a:effectLst/>
                         </a:rPr>
                         <a:t> </a:t>
                       </a:r>
-                      <a:endParaRPr lang="en-GB" sz="700">
+                      <a:endParaRPr lang="en-GB" sz="1100">
                         <a:effectLst/>
                         <a:latin typeface="Calibri" panose="020F0502020204030204" pitchFamily="34" charset="0"/>
                         <a:ea typeface="Calibri" panose="020F0502020204030204" pitchFamily="34" charset="0"/>
@@ -24019,12 +25456,12 @@
                         </a:spcAft>
                       </a:pPr>
                       <a:r>
-                        <a:rPr lang="en-GB" sz="700">
+                        <a:rPr lang="en-GB" sz="1100">
                           <a:effectLst/>
                         </a:rPr>
                         <a:t>Program Spotify to be able to give you the link to be able to  read an article relating the headlines </a:t>
                       </a:r>
-                      <a:endParaRPr lang="en-GB" sz="700">
+                      <a:endParaRPr lang="en-GB" sz="1100">
                         <a:effectLst/>
                         <a:latin typeface="Calibri" panose="020F0502020204030204" pitchFamily="34" charset="0"/>
                         <a:ea typeface="Calibri" panose="020F0502020204030204" pitchFamily="34" charset="0"/>
@@ -24040,13 +25477,13 @@
                   </a:ext>
                 </a:extLst>
               </a:tr>
-              <a:tr h="709794">
+              <a:tr h="737564">
                 <a:tc>
                   <a:txBody>
                     <a:bodyPr/>
                     <a:lstStyle/>
                     <a:p>
-                      <a:pPr>
+                      <a:pPr algn="ctr">
                         <a:lnSpc>
                           <a:spcPct val="107000"/>
                         </a:lnSpc>
@@ -24055,12 +25492,12 @@
                         </a:spcAft>
                       </a:pPr>
                       <a:r>
-                        <a:rPr lang="en-GB" sz="700">
+                        <a:rPr lang="en-GB" sz="1100" dirty="0">
                           <a:effectLst/>
                         </a:rPr>
                         <a:t>6</a:t>
                       </a:r>
-                      <a:endParaRPr lang="en-GB" sz="700">
+                      <a:endParaRPr lang="en-GB" sz="1100" dirty="0">
                         <a:effectLst/>
                         <a:latin typeface="Calibri" panose="020F0502020204030204" pitchFamily="34" charset="0"/>
                         <a:ea typeface="Calibri" panose="020F0502020204030204" pitchFamily="34" charset="0"/>
@@ -24084,7 +25521,7 @@
                         </a:spcAft>
                       </a:pPr>
                       <a:r>
-                        <a:rPr lang="en-GB" sz="700">
+                        <a:rPr lang="en-GB" sz="1100" dirty="0">
                           <a:effectLst/>
                         </a:rPr>
                         <a:t>As a user I would like to be able to download my news related playlist to listen offline</a:t>
@@ -24100,12 +25537,12 @@
                         </a:spcAft>
                       </a:pPr>
                       <a:r>
-                        <a:rPr lang="en-GB" sz="700">
+                        <a:rPr lang="en-GB" sz="1100" dirty="0">
                           <a:effectLst/>
                         </a:rPr>
                         <a:t> </a:t>
                       </a:r>
-                      <a:endParaRPr lang="en-GB" sz="700">
+                      <a:endParaRPr lang="en-GB" sz="1100" dirty="0">
                         <a:effectLst/>
                         <a:latin typeface="Calibri" panose="020F0502020204030204" pitchFamily="34" charset="0"/>
                         <a:ea typeface="Calibri" panose="020F0502020204030204" pitchFamily="34" charset="0"/>
@@ -24129,12 +25566,12 @@
                         </a:spcAft>
                       </a:pPr>
                       <a:r>
-                        <a:rPr lang="en-GB" sz="700" dirty="0">
+                        <a:rPr lang="en-GB" sz="1100" dirty="0">
                           <a:effectLst/>
                         </a:rPr>
                         <a:t>To program Spotify making sure  the clients/ customers able to download the playlist </a:t>
                       </a:r>
-                      <a:endParaRPr lang="en-GB" sz="700" dirty="0">
+                      <a:endParaRPr lang="en-GB" sz="1100" dirty="0">
                         <a:effectLst/>
                         <a:latin typeface="Calibri" panose="020F0502020204030204" pitchFamily="34" charset="0"/>
                         <a:ea typeface="Calibri" panose="020F0502020204030204" pitchFamily="34" charset="0"/>
@@ -24154,6 +25591,72 @@
           </a:graphicData>
         </a:graphic>
       </p:graphicFrame>
+      <p:sp>
+        <p:nvSpPr>
+          <p:cNvPr id="3" name="TextBox 2"/>
+          <p:cNvSpPr txBox="1"/>
+          <p:nvPr/>
+        </p:nvSpPr>
+        <p:spPr>
+          <a:xfrm>
+            <a:off x="666679" y="2019003"/>
+            <a:ext cx="3431495" cy="3416320"/>
+          </a:xfrm>
+          <a:prstGeom prst="rect">
+            <a:avLst/>
+          </a:prstGeom>
+          <a:noFill/>
+        </p:spPr>
+        <p:txBody>
+          <a:bodyPr wrap="square" rtlCol="0">
+            <a:spAutoFit/>
+          </a:bodyPr>
+          <a:lstStyle/>
+          <a:p>
+            <a:pPr>
+              <a:lnSpc>
+                <a:spcPct val="150000"/>
+              </a:lnSpc>
+            </a:pPr>
+            <a:r>
+              <a:rPr lang="en-GB" dirty="0"/>
+              <a:t>Sprint Planning is the subset of the product </a:t>
+            </a:r>
+            <a:r>
+              <a:rPr lang="en-GB" dirty="0" smtClean="0"/>
+              <a:t>backlog. During </a:t>
+            </a:r>
+            <a:r>
+              <a:rPr lang="en-GB" dirty="0"/>
+              <a:t>sprint planning the team have agreed on a sprint </a:t>
+            </a:r>
+            <a:r>
+              <a:rPr lang="en-GB" dirty="0" smtClean="0"/>
+              <a:t>goal.</a:t>
+            </a:r>
+          </a:p>
+          <a:p>
+            <a:pPr>
+              <a:lnSpc>
+                <a:spcPct val="150000"/>
+              </a:lnSpc>
+            </a:pPr>
+            <a:endParaRPr lang="en-GB" dirty="0"/>
+          </a:p>
+          <a:p>
+            <a:pPr>
+              <a:lnSpc>
+                <a:spcPct val="150000"/>
+              </a:lnSpc>
+            </a:pPr>
+            <a:r>
+              <a:rPr lang="en-GB" dirty="0" smtClean="0"/>
+              <a:t>Sprint planning is about what objectives we have and want the outcome will be. </a:t>
+            </a:r>
+            <a:endParaRPr lang="en-GB" dirty="0"/>
+          </a:p>
+        </p:txBody>
+      </p:sp>
     </p:spTree>
     <p:extLst>
       <p:ext uri="{BB962C8B-B14F-4D97-AF65-F5344CB8AC3E}">
@@ -24174,7 +25677,7 @@
 </p:sld>
 </file>
 
-<file path=ppt/slides/slide6.xml><?xml version="1.0" encoding="utf-8"?>
+<file path=ppt/slides/slide8.xml><?xml version="1.0" encoding="utf-8"?>
 <p:sld xmlns:a="http://schemas.openxmlformats.org/drawingml/2006/main" xmlns:r="http://schemas.openxmlformats.org/officeDocument/2006/relationships" xmlns:p="http://schemas.openxmlformats.org/presentationml/2006/main">
   <p:cSld>
     <p:spTree>
@@ -24228,13 +25731,13 @@
           <p:nvPr>
             <p:extLst>
               <p:ext uri="{D42A27DB-BD31-4B8C-83A1-F6EECF244321}">
-                <p14:modId xmlns:p14="http://schemas.microsoft.com/office/powerpoint/2010/main" val="1497153871"/>
+                <p14:modId xmlns:p14="http://schemas.microsoft.com/office/powerpoint/2010/main" val="3531415873"/>
               </p:ext>
             </p:extLst>
           </p:nvPr>
         </p:nvGraphicFramePr>
         <p:xfrm>
-          <a:off x="185575" y="2032001"/>
+          <a:off x="778932" y="2032000"/>
           <a:ext cx="10888826" cy="3846005"/>
         </p:xfrm>
         <a:graphic>
@@ -24333,14 +25836,14 @@
                         </a:spcAft>
                       </a:pPr>
                       <a:r>
-                        <a:rPr lang="en-GB" sz="1100" b="0">
+                        <a:rPr lang="en-GB" sz="1100" b="0" dirty="0">
                           <a:effectLst/>
                           <a:latin typeface="Calibri" panose="020F0502020204030204" pitchFamily="34" charset="0"/>
                           <a:cs typeface="Calibri" panose="020F0502020204030204" pitchFamily="34" charset="0"/>
                         </a:rPr>
                         <a:t>Number of lines of code written</a:t>
                       </a:r>
-                      <a:endParaRPr lang="en-GB" sz="1100" b="0">
+                      <a:endParaRPr lang="en-GB" sz="1100" b="0" dirty="0">
                         <a:effectLst/>
                         <a:latin typeface="Calibri" panose="020F0502020204030204" pitchFamily="34" charset="0"/>
                         <a:ea typeface="Calibri" panose="020F0502020204030204" pitchFamily="34" charset="0"/>
@@ -25233,7 +26736,7 @@
 </p:sld>
 </file>
 
-<file path=ppt/slides/slide7.xml><?xml version="1.0" encoding="utf-8"?>
+<file path=ppt/slides/slide9.xml><?xml version="1.0" encoding="utf-8"?>
 <p:sld xmlns:a="http://schemas.openxmlformats.org/drawingml/2006/main" xmlns:r="http://schemas.openxmlformats.org/officeDocument/2006/relationships" xmlns:p="http://schemas.openxmlformats.org/presentationml/2006/main">
   <p:cSld>
     <p:spTree>
@@ -25287,13 +26790,13 @@
           <p:nvPr>
             <p:extLst>
               <p:ext uri="{D42A27DB-BD31-4B8C-83A1-F6EECF244321}">
-                <p14:modId xmlns:p14="http://schemas.microsoft.com/office/powerpoint/2010/main" val="2169524319"/>
+                <p14:modId xmlns:p14="http://schemas.microsoft.com/office/powerpoint/2010/main" val="2794179501"/>
               </p:ext>
             </p:extLst>
           </p:nvPr>
         </p:nvGraphicFramePr>
         <p:xfrm>
-          <a:off x="778932" y="2353331"/>
+          <a:off x="1879599" y="2099331"/>
           <a:ext cx="8175677" cy="3051187"/>
         </p:xfrm>
         <a:graphic>
@@ -25354,14 +26857,14 @@
                         </a:spcAft>
                       </a:pPr>
                       <a:r>
-                        <a:rPr lang="en-GB" sz="1100" b="0">
+                        <a:rPr lang="en-GB" sz="1100" b="0" dirty="0">
                           <a:effectLst/>
                           <a:latin typeface="Calibri" panose="020F0502020204030204" pitchFamily="34" charset="0"/>
                           <a:cs typeface="Calibri" panose="020F0502020204030204" pitchFamily="34" charset="0"/>
                         </a:rPr>
                         <a:t>Time session started</a:t>
                       </a:r>
-                      <a:endParaRPr lang="en-GB" sz="1100" b="0">
+                      <a:endParaRPr lang="en-GB" sz="1100" b="0" dirty="0">
                         <a:effectLst/>
                         <a:latin typeface="Calibri" panose="020F0502020204030204" pitchFamily="34" charset="0"/>
                         <a:ea typeface="Calibri" panose="020F0502020204030204" pitchFamily="34" charset="0"/>
@@ -25905,1056 +27408,6 @@
 </p:sld>
 </file>
 
-<file path=ppt/slides/slide8.xml><?xml version="1.0" encoding="utf-8"?>
-<p:sld xmlns:a="http://schemas.openxmlformats.org/drawingml/2006/main" xmlns:r="http://schemas.openxmlformats.org/officeDocument/2006/relationships" xmlns:p="http://schemas.openxmlformats.org/presentationml/2006/main">
-  <p:cSld>
-    <p:spTree>
-      <p:nvGrpSpPr>
-        <p:cNvPr id="1" name=""/>
-        <p:cNvGrpSpPr/>
-        <p:nvPr/>
-      </p:nvGrpSpPr>
-      <p:grpSpPr>
-        <a:xfrm>
-          <a:off x="0" y="0"/>
-          <a:ext cx="0" cy="0"/>
-          <a:chOff x="0" y="0"/>
-          <a:chExt cx="0" cy="0"/>
-        </a:xfrm>
-      </p:grpSpPr>
-      <p:sp>
-        <p:nvSpPr>
-          <p:cNvPr id="2" name="Title 1"/>
-          <p:cNvSpPr>
-            <a:spLocks noGrp="1"/>
-          </p:cNvSpPr>
-          <p:nvPr>
-            <p:ph type="title"/>
-          </p:nvPr>
-        </p:nvSpPr>
-        <p:spPr>
-          <a:xfrm>
-            <a:off x="778932" y="551350"/>
-            <a:ext cx="11125201" cy="1480650"/>
-          </a:xfrm>
-        </p:spPr>
-        <p:txBody>
-          <a:bodyPr/>
-          <a:lstStyle/>
-          <a:p>
-            <a:r>
-              <a:rPr lang="en-GB" dirty="0" smtClean="0"/>
-              <a:t>Pair Programming Log: Driver: Luke Observer: Darius</a:t>
-            </a:r>
-            <a:endParaRPr lang="en-GB" dirty="0"/>
-          </a:p>
-        </p:txBody>
-      </p:sp>
-      <p:sp>
-        <p:nvSpPr>
-          <p:cNvPr id="5" name="Rectangle 1"/>
-          <p:cNvSpPr>
-            <a:spLocks noChangeArrowheads="1"/>
-          </p:cNvSpPr>
-          <p:nvPr/>
-        </p:nvSpPr>
-        <p:spPr bwMode="auto">
-          <a:xfrm>
-            <a:off x="917045" y="2217738"/>
-            <a:ext cx="14128073" cy="779012"/>
-          </a:xfrm>
-          <a:prstGeom prst="rect">
-            <a:avLst/>
-          </a:prstGeom>
-          <a:noFill/>
-          <a:ln>
-            <a:noFill/>
-          </a:ln>
-          <a:effectLst/>
-          <a:extLst>
-            <a:ext uri="{909E8E84-426E-40DD-AFC4-6F175D3DCCD1}">
-              <a14:hiddenFill xmlns:a14="http://schemas.microsoft.com/office/drawing/2010/main">
-                <a:solidFill>
-                  <a:schemeClr val="accent1"/>
-                </a:solidFill>
-              </a14:hiddenFill>
-            </a:ext>
-            <a:ext uri="{91240B29-F687-4F45-9708-019B960494DF}">
-              <a14:hiddenLine xmlns:a14="http://schemas.microsoft.com/office/drawing/2010/main" w="9525">
-                <a:solidFill>
-                  <a:schemeClr val="tx1"/>
-                </a:solidFill>
-                <a:miter lim="800000"/>
-                <a:headEnd/>
-                <a:tailEnd/>
-              </a14:hiddenLine>
-            </a:ext>
-            <a:ext uri="{AF507438-7753-43E0-B8FC-AC1667EBCBE1}">
-              <a14:hiddenEffects xmlns:a14="http://schemas.microsoft.com/office/drawing/2010/main">
-                <a:effectLst>
-                  <a:outerShdw dist="35921" dir="2700000" algn="ctr" rotWithShape="0">
-                    <a:schemeClr val="bg2"/>
-                  </a:outerShdw>
-                </a:effectLst>
-              </a14:hiddenEffects>
-            </a:ext>
-          </a:extLst>
-        </p:spPr>
-        <p:txBody>
-          <a:bodyPr vert="horz" wrap="square" lIns="91440" tIns="45720" rIns="91440" bIns="45720" numCol="1" anchor="ctr" anchorCtr="0" compatLnSpc="1">
-            <a:prstTxWarp prst="textNoShape">
-              <a:avLst/>
-            </a:prstTxWarp>
-            <a:spAutoFit/>
-          </a:bodyPr>
-          <a:lstStyle/>
-          <a:p>
-            <a:endParaRPr lang="en-GB"/>
-          </a:p>
-        </p:txBody>
-      </p:sp>
-      <p:graphicFrame>
-        <p:nvGraphicFramePr>
-          <p:cNvPr id="6" name="Table 5"/>
-          <p:cNvGraphicFramePr>
-            <a:graphicFrameLocks noGrp="1"/>
-          </p:cNvGraphicFramePr>
-          <p:nvPr>
-            <p:extLst>
-              <p:ext uri="{D42A27DB-BD31-4B8C-83A1-F6EECF244321}">
-                <p14:modId xmlns:p14="http://schemas.microsoft.com/office/powerpoint/2010/main" val="4067182846"/>
-              </p:ext>
-            </p:extLst>
-          </p:nvPr>
-        </p:nvGraphicFramePr>
-        <p:xfrm>
-          <a:off x="917045" y="2132093"/>
-          <a:ext cx="8514822" cy="3946974"/>
-        </p:xfrm>
-        <a:graphic>
-          <a:graphicData uri="http://schemas.openxmlformats.org/drawingml/2006/table">
-            <a:tbl>
-              <a:tblPr firstRow="1" firstCol="1" bandRow="1">
-                <a:tableStyleId>{5C22544A-7EE6-4342-B048-85BDC9FD1C3A}</a:tableStyleId>
-              </a:tblPr>
-              <a:tblGrid>
-                <a:gridCol w="1182808">
-                  <a:extLst>
-                    <a:ext uri="{9D8B030D-6E8A-4147-A177-3AD203B41FA5}">
-                      <a16:colId xmlns:a16="http://schemas.microsoft.com/office/drawing/2014/main" val="1884765567"/>
-                    </a:ext>
-                  </a:extLst>
-                </a:gridCol>
-                <a:gridCol w="1182808">
-                  <a:extLst>
-                    <a:ext uri="{9D8B030D-6E8A-4147-A177-3AD203B41FA5}">
-                      <a16:colId xmlns:a16="http://schemas.microsoft.com/office/drawing/2014/main" val="1537563384"/>
-                    </a:ext>
-                  </a:extLst>
-                </a:gridCol>
-                <a:gridCol w="1143613">
-                  <a:extLst>
-                    <a:ext uri="{9D8B030D-6E8A-4147-A177-3AD203B41FA5}">
-                      <a16:colId xmlns:a16="http://schemas.microsoft.com/office/drawing/2014/main" val="159401367"/>
-                    </a:ext>
-                  </a:extLst>
-                </a:gridCol>
-                <a:gridCol w="1891795">
-                  <a:extLst>
-                    <a:ext uri="{9D8B030D-6E8A-4147-A177-3AD203B41FA5}">
-                      <a16:colId xmlns:a16="http://schemas.microsoft.com/office/drawing/2014/main" val="823949198"/>
-                    </a:ext>
-                  </a:extLst>
-                </a:gridCol>
-                <a:gridCol w="3113798">
-                  <a:extLst>
-                    <a:ext uri="{9D8B030D-6E8A-4147-A177-3AD203B41FA5}">
-                      <a16:colId xmlns:a16="http://schemas.microsoft.com/office/drawing/2014/main" val="792283402"/>
-                    </a:ext>
-                  </a:extLst>
-                </a:gridCol>
-              </a:tblGrid>
-              <a:tr h="1518830">
-                <a:tc>
-                  <a:txBody>
-                    <a:bodyPr/>
-                    <a:lstStyle/>
-                    <a:p>
-                      <a:pPr>
-                        <a:lnSpc>
-                          <a:spcPct val="107000"/>
-                        </a:lnSpc>
-                        <a:spcAft>
-                          <a:spcPts val="0"/>
-                        </a:spcAft>
-                      </a:pPr>
-                      <a:r>
-                        <a:rPr lang="en-GB" sz="1100">
-                          <a:effectLst/>
-                        </a:rPr>
-                        <a:t>Time session started</a:t>
-                      </a:r>
-                      <a:endParaRPr lang="en-GB" sz="1100">
-                        <a:effectLst/>
-                        <a:latin typeface="Calibri" panose="020F0502020204030204" pitchFamily="34" charset="0"/>
-                        <a:ea typeface="Calibri" panose="020F0502020204030204" pitchFamily="34" charset="0"/>
-                        <a:cs typeface="Times New Roman" panose="02020603050405020304" pitchFamily="18" charset="0"/>
-                      </a:endParaRPr>
-                    </a:p>
-                  </a:txBody>
-                  <a:tcPr marL="68580" marR="68580" marT="0" marB="0"/>
-                </a:tc>
-                <a:tc>
-                  <a:txBody>
-                    <a:bodyPr/>
-                    <a:lstStyle/>
-                    <a:p>
-                      <a:pPr>
-                        <a:lnSpc>
-                          <a:spcPct val="107000"/>
-                        </a:lnSpc>
-                        <a:spcAft>
-                          <a:spcPts val="0"/>
-                        </a:spcAft>
-                      </a:pPr>
-                      <a:r>
-                        <a:rPr lang="en-GB" sz="1100">
-                          <a:effectLst/>
-                        </a:rPr>
-                        <a:t>Number of lines of code written</a:t>
-                      </a:r>
-                      <a:endParaRPr lang="en-GB" sz="1100">
-                        <a:effectLst/>
-                        <a:latin typeface="Calibri" panose="020F0502020204030204" pitchFamily="34" charset="0"/>
-                        <a:ea typeface="Calibri" panose="020F0502020204030204" pitchFamily="34" charset="0"/>
-                        <a:cs typeface="Times New Roman" panose="02020603050405020304" pitchFamily="18" charset="0"/>
-                      </a:endParaRPr>
-                    </a:p>
-                  </a:txBody>
-                  <a:tcPr marL="68580" marR="68580" marT="0" marB="0"/>
-                </a:tc>
-                <a:tc>
-                  <a:txBody>
-                    <a:bodyPr/>
-                    <a:lstStyle/>
-                    <a:p>
-                      <a:pPr>
-                        <a:lnSpc>
-                          <a:spcPct val="107000"/>
-                        </a:lnSpc>
-                        <a:spcAft>
-                          <a:spcPts val="0"/>
-                        </a:spcAft>
-                      </a:pPr>
-                      <a:r>
-                        <a:rPr lang="en-GB" sz="1100">
-                          <a:effectLst/>
-                        </a:rPr>
-                        <a:t>Errors spotted (and by whom)</a:t>
-                      </a:r>
-                      <a:endParaRPr lang="en-GB" sz="1100">
-                        <a:effectLst/>
-                        <a:latin typeface="Calibri" panose="020F0502020204030204" pitchFamily="34" charset="0"/>
-                        <a:ea typeface="Calibri" panose="020F0502020204030204" pitchFamily="34" charset="0"/>
-                        <a:cs typeface="Times New Roman" panose="02020603050405020304" pitchFamily="18" charset="0"/>
-                      </a:endParaRPr>
-                    </a:p>
-                  </a:txBody>
-                  <a:tcPr marL="68580" marR="68580" marT="0" marB="0"/>
-                </a:tc>
-                <a:tc>
-                  <a:txBody>
-                    <a:bodyPr/>
-                    <a:lstStyle/>
-                    <a:p>
-                      <a:pPr>
-                        <a:lnSpc>
-                          <a:spcPct val="107000"/>
-                        </a:lnSpc>
-                        <a:spcAft>
-                          <a:spcPts val="0"/>
-                        </a:spcAft>
-                      </a:pPr>
-                      <a:r>
-                        <a:rPr lang="en-GB" sz="1100">
-                          <a:effectLst/>
-                        </a:rPr>
-                        <a:t>Activity (what’s being coded), or tested, or compiled</a:t>
-                      </a:r>
-                      <a:endParaRPr lang="en-GB" sz="1100">
-                        <a:effectLst/>
-                        <a:latin typeface="Calibri" panose="020F0502020204030204" pitchFamily="34" charset="0"/>
-                        <a:ea typeface="Calibri" panose="020F0502020204030204" pitchFamily="34" charset="0"/>
-                        <a:cs typeface="Times New Roman" panose="02020603050405020304" pitchFamily="18" charset="0"/>
-                      </a:endParaRPr>
-                    </a:p>
-                  </a:txBody>
-                  <a:tcPr marL="68580" marR="68580" marT="0" marB="0"/>
-                </a:tc>
-                <a:tc>
-                  <a:txBody>
-                    <a:bodyPr/>
-                    <a:lstStyle/>
-                    <a:p>
-                      <a:pPr>
-                        <a:lnSpc>
-                          <a:spcPct val="107000"/>
-                        </a:lnSpc>
-                        <a:spcAft>
-                          <a:spcPts val="0"/>
-                        </a:spcAft>
-                      </a:pPr>
-                      <a:r>
-                        <a:rPr lang="en-GB" sz="1100">
-                          <a:effectLst/>
-                        </a:rPr>
-                        <a:t>Comments</a:t>
-                      </a:r>
-                      <a:endParaRPr lang="en-GB" sz="1100">
-                        <a:effectLst/>
-                        <a:latin typeface="Calibri" panose="020F0502020204030204" pitchFamily="34" charset="0"/>
-                        <a:ea typeface="Calibri" panose="020F0502020204030204" pitchFamily="34" charset="0"/>
-                        <a:cs typeface="Times New Roman" panose="02020603050405020304" pitchFamily="18" charset="0"/>
-                      </a:endParaRPr>
-                    </a:p>
-                  </a:txBody>
-                  <a:tcPr marL="68580" marR="68580" marT="0" marB="0"/>
-                </a:tc>
-                <a:extLst>
-                  <a:ext uri="{0D108BD9-81ED-4DB2-BD59-A6C34878D82A}">
-                    <a16:rowId xmlns:a16="http://schemas.microsoft.com/office/drawing/2014/main" val="3644757114"/>
-                  </a:ext>
-                </a:extLst>
-              </a:tr>
-              <a:tr h="2428144">
-                <a:tc>
-                  <a:txBody>
-                    <a:bodyPr/>
-                    <a:lstStyle/>
-                    <a:p>
-                      <a:pPr>
-                        <a:lnSpc>
-                          <a:spcPct val="107000"/>
-                        </a:lnSpc>
-                        <a:spcAft>
-                          <a:spcPts val="0"/>
-                        </a:spcAft>
-                      </a:pPr>
-                      <a:r>
-                        <a:rPr lang="en-GB" sz="1000">
-                          <a:effectLst/>
-                        </a:rPr>
-                        <a:t>31/10/2019</a:t>
-                      </a:r>
-                      <a:br>
-                        <a:rPr lang="en-GB" sz="1000">
-                          <a:effectLst/>
-                        </a:rPr>
-                      </a:br>
-                      <a:r>
-                        <a:rPr lang="en-GB" sz="1000">
-                          <a:effectLst/>
-                        </a:rPr>
-                        <a:t>1:30pm – 3:00pm</a:t>
-                      </a:r>
-                      <a:endParaRPr lang="en-GB" sz="1100">
-                        <a:effectLst/>
-                        <a:latin typeface="Calibri" panose="020F0502020204030204" pitchFamily="34" charset="0"/>
-                        <a:ea typeface="Calibri" panose="020F0502020204030204" pitchFamily="34" charset="0"/>
-                        <a:cs typeface="Times New Roman" panose="02020603050405020304" pitchFamily="18" charset="0"/>
-                      </a:endParaRPr>
-                    </a:p>
-                  </a:txBody>
-                  <a:tcPr marL="68580" marR="68580" marT="0" marB="0"/>
-                </a:tc>
-                <a:tc>
-                  <a:txBody>
-                    <a:bodyPr/>
-                    <a:lstStyle/>
-                    <a:p>
-                      <a:pPr>
-                        <a:lnSpc>
-                          <a:spcPct val="107000"/>
-                        </a:lnSpc>
-                        <a:spcAft>
-                          <a:spcPts val="0"/>
-                        </a:spcAft>
-                      </a:pPr>
-                      <a:r>
-                        <a:rPr lang="en-GB" sz="1000">
-                          <a:effectLst/>
-                        </a:rPr>
-                        <a:t>55 Lines of code (Newspanel class) </a:t>
-                      </a:r>
-                      <a:endParaRPr lang="en-GB" sz="1100">
-                        <a:effectLst/>
-                        <a:latin typeface="Calibri" panose="020F0502020204030204" pitchFamily="34" charset="0"/>
-                        <a:ea typeface="Calibri" panose="020F0502020204030204" pitchFamily="34" charset="0"/>
-                        <a:cs typeface="Times New Roman" panose="02020603050405020304" pitchFamily="18" charset="0"/>
-                      </a:endParaRPr>
-                    </a:p>
-                  </a:txBody>
-                  <a:tcPr marL="68580" marR="68580" marT="0" marB="0"/>
-                </a:tc>
-                <a:tc>
-                  <a:txBody>
-                    <a:bodyPr/>
-                    <a:lstStyle/>
-                    <a:p>
-                      <a:pPr>
-                        <a:lnSpc>
-                          <a:spcPct val="107000"/>
-                        </a:lnSpc>
-                        <a:spcAft>
-                          <a:spcPts val="0"/>
-                        </a:spcAft>
-                      </a:pPr>
-                      <a:r>
-                        <a:rPr lang="en-GB" sz="1000">
-                          <a:effectLst/>
-                        </a:rPr>
-                        <a:t>Some invalid arguments when adding news articles. Darius has spotted the errors </a:t>
-                      </a:r>
-                      <a:endParaRPr lang="en-GB" sz="1100">
-                        <a:effectLst/>
-                        <a:latin typeface="Calibri" panose="020F0502020204030204" pitchFamily="34" charset="0"/>
-                        <a:ea typeface="Calibri" panose="020F0502020204030204" pitchFamily="34" charset="0"/>
-                        <a:cs typeface="Times New Roman" panose="02020603050405020304" pitchFamily="18" charset="0"/>
-                      </a:endParaRPr>
-                    </a:p>
-                  </a:txBody>
-                  <a:tcPr marL="68580" marR="68580" marT="0" marB="0"/>
-                </a:tc>
-                <a:tc>
-                  <a:txBody>
-                    <a:bodyPr/>
-                    <a:lstStyle/>
-                    <a:p>
-                      <a:pPr>
-                        <a:lnSpc>
-                          <a:spcPct val="107000"/>
-                        </a:lnSpc>
-                        <a:spcAft>
-                          <a:spcPts val="0"/>
-                        </a:spcAft>
-                      </a:pPr>
-                      <a:r>
-                        <a:rPr lang="en-GB" sz="1000">
-                          <a:effectLst/>
-                        </a:rPr>
-                        <a:t>Coding news articles for the user interface  </a:t>
-                      </a:r>
-                      <a:endParaRPr lang="en-GB" sz="1100">
-                        <a:effectLst/>
-                        <a:latin typeface="Calibri" panose="020F0502020204030204" pitchFamily="34" charset="0"/>
-                        <a:ea typeface="Calibri" panose="020F0502020204030204" pitchFamily="34" charset="0"/>
-                        <a:cs typeface="Times New Roman" panose="02020603050405020304" pitchFamily="18" charset="0"/>
-                      </a:endParaRPr>
-                    </a:p>
-                  </a:txBody>
-                  <a:tcPr marL="68580" marR="68580" marT="0" marB="0"/>
-                </a:tc>
-                <a:tc>
-                  <a:txBody>
-                    <a:bodyPr/>
-                    <a:lstStyle/>
-                    <a:p>
-                      <a:pPr>
-                        <a:lnSpc>
-                          <a:spcPct val="107000"/>
-                        </a:lnSpc>
-                        <a:spcAft>
-                          <a:spcPts val="0"/>
-                        </a:spcAft>
-                      </a:pPr>
-                      <a:r>
-                        <a:rPr lang="en-GB" sz="1000" dirty="0">
-                          <a:effectLst/>
-                        </a:rPr>
-                        <a:t>N/A</a:t>
-                      </a:r>
-                      <a:endParaRPr lang="en-GB" sz="1100" dirty="0">
-                        <a:effectLst/>
-                        <a:latin typeface="Calibri" panose="020F0502020204030204" pitchFamily="34" charset="0"/>
-                        <a:ea typeface="Calibri" panose="020F0502020204030204" pitchFamily="34" charset="0"/>
-                        <a:cs typeface="Times New Roman" panose="02020603050405020304" pitchFamily="18" charset="0"/>
-                      </a:endParaRPr>
-                    </a:p>
-                  </a:txBody>
-                  <a:tcPr marL="68580" marR="68580" marT="0" marB="0"/>
-                </a:tc>
-                <a:extLst>
-                  <a:ext uri="{0D108BD9-81ED-4DB2-BD59-A6C34878D82A}">
-                    <a16:rowId xmlns:a16="http://schemas.microsoft.com/office/drawing/2014/main" val="3548271114"/>
-                  </a:ext>
-                </a:extLst>
-              </a:tr>
-            </a:tbl>
-          </a:graphicData>
-        </a:graphic>
-      </p:graphicFrame>
-    </p:spTree>
-    <p:extLst>
-      <p:ext uri="{BB962C8B-B14F-4D97-AF65-F5344CB8AC3E}">
-        <p14:creationId xmlns:p14="http://schemas.microsoft.com/office/powerpoint/2010/main" val="2303453692"/>
-      </p:ext>
-    </p:extLst>
-  </p:cSld>
-  <p:clrMapOvr>
-    <a:masterClrMapping/>
-  </p:clrMapOvr>
-  <p:timing>
-    <p:tnLst>
-      <p:par>
-        <p:cTn id="1" dur="indefinite" restart="never" nodeType="tmRoot"/>
-      </p:par>
-    </p:tnLst>
-  </p:timing>
-</p:sld>
-</file>
-
-<file path=ppt/slides/slide9.xml><?xml version="1.0" encoding="utf-8"?>
-<p:sld xmlns:a="http://schemas.openxmlformats.org/drawingml/2006/main" xmlns:r="http://schemas.openxmlformats.org/officeDocument/2006/relationships" xmlns:p="http://schemas.openxmlformats.org/presentationml/2006/main">
-  <p:cSld>
-    <p:spTree>
-      <p:nvGrpSpPr>
-        <p:cNvPr id="1" name=""/>
-        <p:cNvGrpSpPr/>
-        <p:nvPr/>
-      </p:nvGrpSpPr>
-      <p:grpSpPr>
-        <a:xfrm>
-          <a:off x="0" y="0"/>
-          <a:ext cx="0" cy="0"/>
-          <a:chOff x="0" y="0"/>
-          <a:chExt cx="0" cy="0"/>
-        </a:xfrm>
-      </p:grpSpPr>
-      <p:sp>
-        <p:nvSpPr>
-          <p:cNvPr id="2" name="Title 1"/>
-          <p:cNvSpPr>
-            <a:spLocks noGrp="1"/>
-          </p:cNvSpPr>
-          <p:nvPr>
-            <p:ph type="title"/>
-          </p:nvPr>
-        </p:nvSpPr>
-        <p:spPr>
-          <a:xfrm>
-            <a:off x="778932" y="551350"/>
-            <a:ext cx="11125201" cy="1480650"/>
-          </a:xfrm>
-        </p:spPr>
-        <p:txBody>
-          <a:bodyPr/>
-          <a:lstStyle/>
-          <a:p>
-            <a:r>
-              <a:rPr lang="en-GB" dirty="0" smtClean="0"/>
-              <a:t>Pair Programming Log: Driver: Luke Observer: Hayden</a:t>
-            </a:r>
-            <a:endParaRPr lang="en-GB" dirty="0"/>
-          </a:p>
-        </p:txBody>
-      </p:sp>
-      <p:sp>
-        <p:nvSpPr>
-          <p:cNvPr id="5" name="Rectangle 1"/>
-          <p:cNvSpPr>
-            <a:spLocks noChangeArrowheads="1"/>
-          </p:cNvSpPr>
-          <p:nvPr/>
-        </p:nvSpPr>
-        <p:spPr bwMode="auto">
-          <a:xfrm>
-            <a:off x="917045" y="2217738"/>
-            <a:ext cx="14128073" cy="779012"/>
-          </a:xfrm>
-          <a:prstGeom prst="rect">
-            <a:avLst/>
-          </a:prstGeom>
-          <a:noFill/>
-          <a:ln>
-            <a:noFill/>
-          </a:ln>
-          <a:effectLst/>
-          <a:extLst>
-            <a:ext uri="{909E8E84-426E-40DD-AFC4-6F175D3DCCD1}">
-              <a14:hiddenFill xmlns:a14="http://schemas.microsoft.com/office/drawing/2010/main">
-                <a:solidFill>
-                  <a:schemeClr val="accent1"/>
-                </a:solidFill>
-              </a14:hiddenFill>
-            </a:ext>
-            <a:ext uri="{91240B29-F687-4F45-9708-019B960494DF}">
-              <a14:hiddenLine xmlns:a14="http://schemas.microsoft.com/office/drawing/2010/main" w="9525">
-                <a:solidFill>
-                  <a:schemeClr val="tx1"/>
-                </a:solidFill>
-                <a:miter lim="800000"/>
-                <a:headEnd/>
-                <a:tailEnd/>
-              </a14:hiddenLine>
-            </a:ext>
-            <a:ext uri="{AF507438-7753-43E0-B8FC-AC1667EBCBE1}">
-              <a14:hiddenEffects xmlns:a14="http://schemas.microsoft.com/office/drawing/2010/main">
-                <a:effectLst>
-                  <a:outerShdw dist="35921" dir="2700000" algn="ctr" rotWithShape="0">
-                    <a:schemeClr val="bg2"/>
-                  </a:outerShdw>
-                </a:effectLst>
-              </a14:hiddenEffects>
-            </a:ext>
-          </a:extLst>
-        </p:spPr>
-        <p:txBody>
-          <a:bodyPr vert="horz" wrap="square" lIns="91440" tIns="45720" rIns="91440" bIns="45720" numCol="1" anchor="ctr" anchorCtr="0" compatLnSpc="1">
-            <a:prstTxWarp prst="textNoShape">
-              <a:avLst/>
-            </a:prstTxWarp>
-            <a:spAutoFit/>
-          </a:bodyPr>
-          <a:lstStyle/>
-          <a:p>
-            <a:endParaRPr lang="en-GB"/>
-          </a:p>
-        </p:txBody>
-      </p:sp>
-      <p:graphicFrame>
-        <p:nvGraphicFramePr>
-          <p:cNvPr id="4" name="Table 3"/>
-          <p:cNvGraphicFramePr>
-            <a:graphicFrameLocks noGrp="1"/>
-          </p:cNvGraphicFramePr>
-          <p:nvPr>
-            <p:extLst>
-              <p:ext uri="{D42A27DB-BD31-4B8C-83A1-F6EECF244321}">
-                <p14:modId xmlns:p14="http://schemas.microsoft.com/office/powerpoint/2010/main" val="1835689356"/>
-              </p:ext>
-            </p:extLst>
-          </p:nvPr>
-        </p:nvGraphicFramePr>
-        <p:xfrm>
-          <a:off x="778932" y="2217738"/>
-          <a:ext cx="9719733" cy="3708400"/>
-        </p:xfrm>
-        <a:graphic>
-          <a:graphicData uri="http://schemas.openxmlformats.org/drawingml/2006/table">
-            <a:tbl>
-              <a:tblPr firstRow="1" firstCol="1" bandRow="1">
-                <a:tableStyleId>{5C22544A-7EE6-4342-B048-85BDC9FD1C3A}</a:tableStyleId>
-              </a:tblPr>
-              <a:tblGrid>
-                <a:gridCol w="1350184">
-                  <a:extLst>
-                    <a:ext uri="{9D8B030D-6E8A-4147-A177-3AD203B41FA5}">
-                      <a16:colId xmlns:a16="http://schemas.microsoft.com/office/drawing/2014/main" val="1048540984"/>
-                    </a:ext>
-                  </a:extLst>
-                </a:gridCol>
-                <a:gridCol w="1350184">
-                  <a:extLst>
-                    <a:ext uri="{9D8B030D-6E8A-4147-A177-3AD203B41FA5}">
-                      <a16:colId xmlns:a16="http://schemas.microsoft.com/office/drawing/2014/main" val="2445411088"/>
-                    </a:ext>
-                  </a:extLst>
-                </a:gridCol>
-                <a:gridCol w="1305442">
-                  <a:extLst>
-                    <a:ext uri="{9D8B030D-6E8A-4147-A177-3AD203B41FA5}">
-                      <a16:colId xmlns:a16="http://schemas.microsoft.com/office/drawing/2014/main" val="2690907219"/>
-                    </a:ext>
-                  </a:extLst>
-                </a:gridCol>
-                <a:gridCol w="2159499">
-                  <a:extLst>
-                    <a:ext uri="{9D8B030D-6E8A-4147-A177-3AD203B41FA5}">
-                      <a16:colId xmlns:a16="http://schemas.microsoft.com/office/drawing/2014/main" val="2581217375"/>
-                    </a:ext>
-                  </a:extLst>
-                </a:gridCol>
-                <a:gridCol w="3554424">
-                  <a:extLst>
-                    <a:ext uri="{9D8B030D-6E8A-4147-A177-3AD203B41FA5}">
-                      <a16:colId xmlns:a16="http://schemas.microsoft.com/office/drawing/2014/main" val="3951904435"/>
-                    </a:ext>
-                  </a:extLst>
-                </a:gridCol>
-              </a:tblGrid>
-              <a:tr h="1942536">
-                <a:tc>
-                  <a:txBody>
-                    <a:bodyPr/>
-                    <a:lstStyle/>
-                    <a:p>
-                      <a:pPr>
-                        <a:lnSpc>
-                          <a:spcPct val="107000"/>
-                        </a:lnSpc>
-                        <a:spcAft>
-                          <a:spcPts val="0"/>
-                        </a:spcAft>
-                      </a:pPr>
-                      <a:r>
-                        <a:rPr lang="en-GB" sz="1100">
-                          <a:effectLst/>
-                        </a:rPr>
-                        <a:t>Time session started</a:t>
-                      </a:r>
-                      <a:endParaRPr lang="en-GB" sz="1100">
-                        <a:effectLst/>
-                        <a:latin typeface="Calibri" panose="020F0502020204030204" pitchFamily="34" charset="0"/>
-                        <a:ea typeface="Calibri" panose="020F0502020204030204" pitchFamily="34" charset="0"/>
-                        <a:cs typeface="Times New Roman" panose="02020603050405020304" pitchFamily="18" charset="0"/>
-                      </a:endParaRPr>
-                    </a:p>
-                  </a:txBody>
-                  <a:tcPr marL="68580" marR="68580" marT="0" marB="0"/>
-                </a:tc>
-                <a:tc>
-                  <a:txBody>
-                    <a:bodyPr/>
-                    <a:lstStyle/>
-                    <a:p>
-                      <a:pPr>
-                        <a:lnSpc>
-                          <a:spcPct val="107000"/>
-                        </a:lnSpc>
-                        <a:spcAft>
-                          <a:spcPts val="0"/>
-                        </a:spcAft>
-                      </a:pPr>
-                      <a:r>
-                        <a:rPr lang="en-GB" sz="1100">
-                          <a:effectLst/>
-                        </a:rPr>
-                        <a:t>Number of lines of code written</a:t>
-                      </a:r>
-                      <a:endParaRPr lang="en-GB" sz="1100">
-                        <a:effectLst/>
-                        <a:latin typeface="Calibri" panose="020F0502020204030204" pitchFamily="34" charset="0"/>
-                        <a:ea typeface="Calibri" panose="020F0502020204030204" pitchFamily="34" charset="0"/>
-                        <a:cs typeface="Times New Roman" panose="02020603050405020304" pitchFamily="18" charset="0"/>
-                      </a:endParaRPr>
-                    </a:p>
-                  </a:txBody>
-                  <a:tcPr marL="68580" marR="68580" marT="0" marB="0"/>
-                </a:tc>
-                <a:tc>
-                  <a:txBody>
-                    <a:bodyPr/>
-                    <a:lstStyle/>
-                    <a:p>
-                      <a:pPr>
-                        <a:lnSpc>
-                          <a:spcPct val="107000"/>
-                        </a:lnSpc>
-                        <a:spcAft>
-                          <a:spcPts val="0"/>
-                        </a:spcAft>
-                      </a:pPr>
-                      <a:r>
-                        <a:rPr lang="en-GB" sz="1100">
-                          <a:effectLst/>
-                        </a:rPr>
-                        <a:t>Errors spotted (and by whom)</a:t>
-                      </a:r>
-                      <a:endParaRPr lang="en-GB" sz="1100">
-                        <a:effectLst/>
-                        <a:latin typeface="Calibri" panose="020F0502020204030204" pitchFamily="34" charset="0"/>
-                        <a:ea typeface="Calibri" panose="020F0502020204030204" pitchFamily="34" charset="0"/>
-                        <a:cs typeface="Times New Roman" panose="02020603050405020304" pitchFamily="18" charset="0"/>
-                      </a:endParaRPr>
-                    </a:p>
-                  </a:txBody>
-                  <a:tcPr marL="68580" marR="68580" marT="0" marB="0"/>
-                </a:tc>
-                <a:tc>
-                  <a:txBody>
-                    <a:bodyPr/>
-                    <a:lstStyle/>
-                    <a:p>
-                      <a:pPr>
-                        <a:lnSpc>
-                          <a:spcPct val="107000"/>
-                        </a:lnSpc>
-                        <a:spcAft>
-                          <a:spcPts val="0"/>
-                        </a:spcAft>
-                      </a:pPr>
-                      <a:r>
-                        <a:rPr lang="en-GB" sz="1100">
-                          <a:effectLst/>
-                        </a:rPr>
-                        <a:t>Activity (what’s being coded), or tested, or compiled</a:t>
-                      </a:r>
-                      <a:endParaRPr lang="en-GB" sz="1100">
-                        <a:effectLst/>
-                        <a:latin typeface="Calibri" panose="020F0502020204030204" pitchFamily="34" charset="0"/>
-                        <a:ea typeface="Calibri" panose="020F0502020204030204" pitchFamily="34" charset="0"/>
-                        <a:cs typeface="Times New Roman" panose="02020603050405020304" pitchFamily="18" charset="0"/>
-                      </a:endParaRPr>
-                    </a:p>
-                  </a:txBody>
-                  <a:tcPr marL="68580" marR="68580" marT="0" marB="0"/>
-                </a:tc>
-                <a:tc>
-                  <a:txBody>
-                    <a:bodyPr/>
-                    <a:lstStyle/>
-                    <a:p>
-                      <a:pPr>
-                        <a:lnSpc>
-                          <a:spcPct val="107000"/>
-                        </a:lnSpc>
-                        <a:spcAft>
-                          <a:spcPts val="0"/>
-                        </a:spcAft>
-                      </a:pPr>
-                      <a:r>
-                        <a:rPr lang="en-GB" sz="1100">
-                          <a:effectLst/>
-                        </a:rPr>
-                        <a:t>Comments</a:t>
-                      </a:r>
-                      <a:endParaRPr lang="en-GB" sz="1100">
-                        <a:effectLst/>
-                        <a:latin typeface="Calibri" panose="020F0502020204030204" pitchFamily="34" charset="0"/>
-                        <a:ea typeface="Calibri" panose="020F0502020204030204" pitchFamily="34" charset="0"/>
-                        <a:cs typeface="Times New Roman" panose="02020603050405020304" pitchFamily="18" charset="0"/>
-                      </a:endParaRPr>
-                    </a:p>
-                  </a:txBody>
-                  <a:tcPr marL="68580" marR="68580" marT="0" marB="0"/>
-                </a:tc>
-                <a:extLst>
-                  <a:ext uri="{0D108BD9-81ED-4DB2-BD59-A6C34878D82A}">
-                    <a16:rowId xmlns:a16="http://schemas.microsoft.com/office/drawing/2014/main" val="2810814912"/>
-                  </a:ext>
-                </a:extLst>
-              </a:tr>
-              <a:tr h="1765864">
-                <a:tc>
-                  <a:txBody>
-                    <a:bodyPr/>
-                    <a:lstStyle/>
-                    <a:p>
-                      <a:pPr>
-                        <a:lnSpc>
-                          <a:spcPct val="107000"/>
-                        </a:lnSpc>
-                        <a:spcAft>
-                          <a:spcPts val="0"/>
-                        </a:spcAft>
-                      </a:pPr>
-                      <a:r>
-                        <a:rPr lang="en-GB" sz="1000">
-                          <a:effectLst/>
-                        </a:rPr>
-                        <a:t>30/10/2019</a:t>
-                      </a:r>
-                      <a:endParaRPr lang="en-GB" sz="1100">
-                        <a:effectLst/>
-                      </a:endParaRPr>
-                    </a:p>
-                    <a:p>
-                      <a:pPr>
-                        <a:lnSpc>
-                          <a:spcPct val="107000"/>
-                        </a:lnSpc>
-                        <a:spcAft>
-                          <a:spcPts val="0"/>
-                        </a:spcAft>
-                      </a:pPr>
-                      <a:r>
-                        <a:rPr lang="en-GB" sz="1000">
-                          <a:effectLst/>
-                        </a:rPr>
-                        <a:t>2:15pm-4:15pm</a:t>
-                      </a:r>
-                      <a:endParaRPr lang="en-GB" sz="1100">
-                        <a:effectLst/>
-                        <a:latin typeface="Calibri" panose="020F0502020204030204" pitchFamily="34" charset="0"/>
-                        <a:ea typeface="Calibri" panose="020F0502020204030204" pitchFamily="34" charset="0"/>
-                        <a:cs typeface="Times New Roman" panose="02020603050405020304" pitchFamily="18" charset="0"/>
-                      </a:endParaRPr>
-                    </a:p>
-                  </a:txBody>
-                  <a:tcPr marL="68580" marR="68580" marT="0" marB="0"/>
-                </a:tc>
-                <a:tc>
-                  <a:txBody>
-                    <a:bodyPr/>
-                    <a:lstStyle/>
-                    <a:p>
-                      <a:pPr>
-                        <a:lnSpc>
-                          <a:spcPct val="107000"/>
-                        </a:lnSpc>
-                        <a:spcAft>
-                          <a:spcPts val="0"/>
-                        </a:spcAft>
-                      </a:pPr>
-                      <a:r>
-                        <a:rPr lang="en-GB" sz="1000">
-                          <a:effectLst/>
-                        </a:rPr>
-                        <a:t>30 lines of codes </a:t>
-                      </a:r>
-                      <a:endParaRPr lang="en-GB" sz="1100">
-                        <a:effectLst/>
-                        <a:latin typeface="Calibri" panose="020F0502020204030204" pitchFamily="34" charset="0"/>
-                        <a:ea typeface="Calibri" panose="020F0502020204030204" pitchFamily="34" charset="0"/>
-                        <a:cs typeface="Times New Roman" panose="02020603050405020304" pitchFamily="18" charset="0"/>
-                      </a:endParaRPr>
-                    </a:p>
-                  </a:txBody>
-                  <a:tcPr marL="68580" marR="68580" marT="0" marB="0"/>
-                </a:tc>
-                <a:tc>
-                  <a:txBody>
-                    <a:bodyPr/>
-                    <a:lstStyle/>
-                    <a:p>
-                      <a:pPr>
-                        <a:lnSpc>
-                          <a:spcPct val="107000"/>
-                        </a:lnSpc>
-                        <a:spcAft>
-                          <a:spcPts val="0"/>
-                        </a:spcAft>
-                      </a:pPr>
-                      <a:r>
-                        <a:rPr lang="en-GB" sz="1000">
-                          <a:effectLst/>
-                        </a:rPr>
-                        <a:t>HTTP errors. Luke has spotted the errors.</a:t>
-                      </a:r>
-                      <a:endParaRPr lang="en-GB" sz="1100">
-                        <a:effectLst/>
-                        <a:latin typeface="Calibri" panose="020F0502020204030204" pitchFamily="34" charset="0"/>
-                        <a:ea typeface="Calibri" panose="020F0502020204030204" pitchFamily="34" charset="0"/>
-                        <a:cs typeface="Times New Roman" panose="02020603050405020304" pitchFamily="18" charset="0"/>
-                      </a:endParaRPr>
-                    </a:p>
-                  </a:txBody>
-                  <a:tcPr marL="68580" marR="68580" marT="0" marB="0"/>
-                </a:tc>
-                <a:tc>
-                  <a:txBody>
-                    <a:bodyPr/>
-                    <a:lstStyle/>
-                    <a:p>
-                      <a:pPr>
-                        <a:lnSpc>
-                          <a:spcPct val="107000"/>
-                        </a:lnSpc>
-                        <a:spcAft>
-                          <a:spcPts val="0"/>
-                        </a:spcAft>
-                      </a:pPr>
-                      <a:r>
-                        <a:rPr lang="en-GB" sz="1000">
-                          <a:effectLst/>
-                        </a:rPr>
-                        <a:t>Coded the API to work with the application as well as experimenting with it. </a:t>
-                      </a:r>
-                      <a:endParaRPr lang="en-GB" sz="1100">
-                        <a:effectLst/>
-                        <a:latin typeface="Calibri" panose="020F0502020204030204" pitchFamily="34" charset="0"/>
-                        <a:ea typeface="Calibri" panose="020F0502020204030204" pitchFamily="34" charset="0"/>
-                        <a:cs typeface="Times New Roman" panose="02020603050405020304" pitchFamily="18" charset="0"/>
-                      </a:endParaRPr>
-                    </a:p>
-                  </a:txBody>
-                  <a:tcPr marL="68580" marR="68580" marT="0" marB="0"/>
-                </a:tc>
-                <a:tc>
-                  <a:txBody>
-                    <a:bodyPr/>
-                    <a:lstStyle/>
-                    <a:p>
-                      <a:pPr>
-                        <a:lnSpc>
-                          <a:spcPct val="107000"/>
-                        </a:lnSpc>
-                        <a:spcAft>
-                          <a:spcPts val="0"/>
-                        </a:spcAft>
-                      </a:pPr>
-                      <a:r>
-                        <a:rPr lang="en-GB" sz="1000" dirty="0">
-                          <a:effectLst/>
-                        </a:rPr>
-                        <a:t>Used  this library </a:t>
-                      </a:r>
-                      <a:r>
-                        <a:rPr lang="en-GB" sz="1000" u="sng" dirty="0">
-                          <a:effectLst/>
-                          <a:hlinkClick r:id="rId2"/>
-                        </a:rPr>
-                        <a:t>https://newsapi.org/</a:t>
-                      </a:r>
-                      <a:endParaRPr lang="en-GB" sz="1100" dirty="0">
-                        <a:effectLst/>
-                      </a:endParaRPr>
-                    </a:p>
-                    <a:p>
-                      <a:pPr>
-                        <a:lnSpc>
-                          <a:spcPct val="107000"/>
-                        </a:lnSpc>
-                        <a:spcAft>
-                          <a:spcPts val="0"/>
-                        </a:spcAft>
-                      </a:pPr>
-                      <a:r>
-                        <a:rPr lang="en-GB" sz="1000" dirty="0">
-                          <a:effectLst/>
-                        </a:rPr>
-                        <a:t>to write our code for the news API</a:t>
-                      </a:r>
-                      <a:endParaRPr lang="en-GB" sz="1100" dirty="0">
-                        <a:effectLst/>
-                        <a:latin typeface="Calibri" panose="020F0502020204030204" pitchFamily="34" charset="0"/>
-                        <a:ea typeface="Calibri" panose="020F0502020204030204" pitchFamily="34" charset="0"/>
-                        <a:cs typeface="Times New Roman" panose="02020603050405020304" pitchFamily="18" charset="0"/>
-                      </a:endParaRPr>
-                    </a:p>
-                  </a:txBody>
-                  <a:tcPr marL="68580" marR="68580" marT="0" marB="0"/>
-                </a:tc>
-                <a:extLst>
-                  <a:ext uri="{0D108BD9-81ED-4DB2-BD59-A6C34878D82A}">
-                    <a16:rowId xmlns:a16="http://schemas.microsoft.com/office/drawing/2014/main" val="2290276428"/>
-                  </a:ext>
-                </a:extLst>
-              </a:tr>
-            </a:tbl>
-          </a:graphicData>
-        </a:graphic>
-      </p:graphicFrame>
-    </p:spTree>
-    <p:extLst>
-      <p:ext uri="{BB962C8B-B14F-4D97-AF65-F5344CB8AC3E}">
-        <p14:creationId xmlns:p14="http://schemas.microsoft.com/office/powerpoint/2010/main" val="1799454038"/>
-      </p:ext>
-    </p:extLst>
-  </p:cSld>
-  <p:clrMapOvr>
-    <a:masterClrMapping/>
-  </p:clrMapOvr>
-  <p:timing>
-    <p:tnLst>
-      <p:par>
-        <p:cTn id="1" dur="indefinite" restart="never" nodeType="tmRoot"/>
-      </p:par>
-    </p:tnLst>
-  </p:timing>
-</p:sld>
-</file>
-
 <file path=ppt/theme/theme1.xml><?xml version="1.0" encoding="utf-8"?>
 <a:theme xmlns:a="http://schemas.openxmlformats.org/drawingml/2006/main" name="Integral">
   <a:themeElements>

--- a/Software Presentation.pptx
+++ b/Software Presentation.pptx
@@ -8920,7 +8920,7 @@
           <a:p>
             <a:fld id="{6AD6EE87-EBD5-4F12-A48A-63ACA297AC8F}" type="datetimeFigureOut">
               <a:rPr lang="en-US" dirty="0"/>
-              <a:t>11/5/2019</a:t>
+              <a:t>11/12/2019</a:t>
             </a:fld>
             <a:endParaRPr lang="en-US" dirty="0"/>
           </a:p>
@@ -9122,7 +9122,7 @@
           <a:p>
             <a:fld id="{4CD73815-2707-4475-8F1A-B873CB631BB4}" type="datetimeFigureOut">
               <a:rPr lang="en-US" dirty="0"/>
-              <a:t>11/5/2019</a:t>
+              <a:t>11/12/2019</a:t>
             </a:fld>
             <a:endParaRPr lang="en-US" dirty="0"/>
           </a:p>
@@ -9297,7 +9297,7 @@
           <a:p>
             <a:fld id="{2A4AFB99-0EAB-4182-AFF8-E214C82A68F6}" type="datetimeFigureOut">
               <a:rPr lang="en-US" dirty="0"/>
-              <a:t>11/5/2019</a:t>
+              <a:t>11/12/2019</a:t>
             </a:fld>
             <a:endParaRPr lang="en-US" dirty="0"/>
           </a:p>
@@ -9497,7 +9497,7 @@
           <a:p>
             <a:fld id="{A5D3794B-289A-4A80-97D7-111025398D45}" type="datetimeFigureOut">
               <a:rPr lang="en-US" dirty="0"/>
-              <a:t>11/5/2019</a:t>
+              <a:t>11/12/2019</a:t>
             </a:fld>
             <a:endParaRPr lang="en-US" dirty="0"/>
           </a:p>
@@ -18390,7 +18390,7 @@
           <a:p>
             <a:fld id="{5A61015F-7CC6-4D0A-9D87-873EA4C304CC}" type="datetimeFigureOut">
               <a:rPr lang="en-US" dirty="0"/>
-              <a:t>11/5/2019</a:t>
+              <a:t>11/12/2019</a:t>
             </a:fld>
             <a:endParaRPr lang="en-US" dirty="0"/>
           </a:p>
@@ -18659,7 +18659,7 @@
           <a:p>
             <a:fld id="{93C6A301-0538-44EC-B09D-202E1042A48B}" type="datetimeFigureOut">
               <a:rPr lang="en-US" dirty="0"/>
-              <a:t>11/5/2019</a:t>
+              <a:t>11/12/2019</a:t>
             </a:fld>
             <a:endParaRPr lang="en-US" dirty="0"/>
           </a:p>
@@ -19052,7 +19052,7 @@
           <a:p>
             <a:fld id="{D789574A-8875-45EF-8EA2-3CAA0F7ABC4C}" type="datetimeFigureOut">
               <a:rPr lang="en-US" dirty="0"/>
-              <a:t>11/5/2019</a:t>
+              <a:t>11/12/2019</a:t>
             </a:fld>
             <a:endParaRPr lang="en-US" dirty="0"/>
           </a:p>
@@ -19165,7 +19165,7 @@
           <a:p>
             <a:fld id="{67EF4D4C-5367-4C26-9E2B-D8088D7FCA81}" type="datetimeFigureOut">
               <a:rPr lang="en-US" dirty="0"/>
-              <a:t>11/5/2019</a:t>
+              <a:t>11/12/2019</a:t>
             </a:fld>
             <a:endParaRPr lang="en-US" dirty="0"/>
           </a:p>
@@ -19255,7 +19255,7 @@
           <a:p>
             <a:fld id="{56E91E96-98B0-4413-9547-46F3504108EF}" type="datetimeFigureOut">
               <a:rPr lang="en-US" dirty="0"/>
-              <a:t>11/5/2019</a:t>
+              <a:t>11/12/2019</a:t>
             </a:fld>
             <a:endParaRPr lang="en-US" dirty="0"/>
           </a:p>
@@ -19540,7 +19540,7 @@
           <a:p>
             <a:fld id="{05C68B11-C5A8-448C-8CE9-B1A273C79CFC}" type="datetimeFigureOut">
               <a:rPr lang="en-US" dirty="0"/>
-              <a:t>11/5/2019</a:t>
+              <a:t>11/12/2019</a:t>
             </a:fld>
             <a:endParaRPr lang="en-US" dirty="0"/>
           </a:p>
@@ -19815,7 +19815,7 @@
           <a:p>
             <a:fld id="{C7616CA0-919D-4A49-9C8A-62FDFB3A5183}" type="datetimeFigureOut">
               <a:rPr lang="en-US" dirty="0"/>
-              <a:t>11/5/2019</a:t>
+              <a:t>11/12/2019</a:t>
             </a:fld>
             <a:endParaRPr lang="en-US" dirty="0"/>
           </a:p>
@@ -20061,7 +20061,7 @@
             <a:fld id="{90298CD5-6C1E-4009-B41F-6DF62E31D3BE}" type="datetimeFigureOut">
               <a:rPr lang="en-US" dirty="0"/>
               <a:pPr/>
-              <a:t>11/5/2019</a:t>
+              <a:t>11/12/2019</a:t>
             </a:fld>
             <a:endParaRPr lang="en-US" dirty="0"/>
           </a:p>
@@ -22583,13 +22583,8 @@
             </a:pPr>
             <a:r>
               <a:rPr lang="en-GB" sz="2000" dirty="0" smtClean="0"/>
-              <a:t>Advantages – Sets out a overview of what </a:t>
+              <a:t>Advantages – Sets out a overview of what needs to be done with a set time frame.</a:t>
             </a:r>
-            <a:r>
-              <a:rPr lang="en-GB" sz="2000" dirty="0" smtClean="0"/>
-              <a:t>needs to be done with a set time frame.</a:t>
-            </a:r>
-            <a:endParaRPr lang="en-GB" sz="2000" dirty="0" smtClean="0"/>
           </a:p>
           <a:p>
             <a:pPr marL="0" indent="0">
@@ -22807,11 +22802,7 @@
             </a:pPr>
             <a:r>
               <a:rPr lang="en-GB" dirty="0" smtClean="0"/>
-              <a:t>Hayden </a:t>
-            </a:r>
-            <a:r>
-              <a:rPr lang="en-GB" dirty="0" smtClean="0"/>
-              <a:t>– </a:t>
+              <a:t>Hayden – </a:t>
             </a:r>
             <a:r>
               <a:rPr lang="en-GB" dirty="0"/>
@@ -22841,7 +22832,6 @@
               <a:rPr lang="en-GB" dirty="0" smtClean="0"/>
               <a:t>presentation</a:t>
             </a:r>
-            <a:endParaRPr lang="en-GB" dirty="0" smtClean="0"/>
           </a:p>
           <a:p>
             <a:pPr>
@@ -23214,14 +23204,14 @@
             <p:ph idx="1"/>
             <p:extLst>
               <p:ext uri="{D42A27DB-BD31-4B8C-83A1-F6EECF244321}">
-                <p14:modId xmlns:p14="http://schemas.microsoft.com/office/powerpoint/2010/main" val="9259608"/>
+                <p14:modId xmlns:p14="http://schemas.microsoft.com/office/powerpoint/2010/main" val="1002270686"/>
               </p:ext>
             </p:extLst>
           </p:nvPr>
         </p:nvGraphicFramePr>
         <p:xfrm>
           <a:off x="5710845" y="846841"/>
-          <a:ext cx="5700798" cy="5561015"/>
+          <a:ext cx="5700798" cy="6099177"/>
         </p:xfrm>
         <a:graphic>
           <a:graphicData uri="http://schemas.openxmlformats.org/drawingml/2006/table">
@@ -23471,7 +23461,7 @@
                           <a:ea typeface="Calibri" panose="020F0502020204030204" pitchFamily="34" charset="0"/>
                           <a:cs typeface="Times New Roman" panose="02020603050405020304" pitchFamily="18" charset="0"/>
                         </a:rPr>
-                        <a:t>Log in page / Database creation / email</a:t>
+                        <a:t>A</a:t>
                       </a:r>
                       <a:r>
                         <a:rPr lang="en-GB" sz="1100" baseline="0" dirty="0" smtClean="0">
@@ -23480,7 +23470,7 @@
                           <a:ea typeface="Calibri" panose="020F0502020204030204" pitchFamily="34" charset="0"/>
                           <a:cs typeface="Times New Roman" panose="02020603050405020304" pitchFamily="18" charset="0"/>
                         </a:rPr>
-                        <a:t> authorisation.</a:t>
+                        <a:t>uthorise Spotify application.</a:t>
                       </a:r>
                       <a:endParaRPr lang="en-GB" sz="1100" dirty="0">
                         <a:effectLst/>
@@ -23570,12 +23560,12 @@
                         </a:spcAft>
                       </a:pPr>
                       <a:r>
-                        <a:rPr lang="en-GB" sz="1100">
+                        <a:rPr lang="en-GB" sz="1100" dirty="0">
                           <a:effectLst/>
                         </a:rPr>
                         <a:t>1</a:t>
                       </a:r>
-                      <a:endParaRPr lang="en-GB" sz="1100">
+                      <a:endParaRPr lang="en-GB" sz="1100" dirty="0">
                         <a:effectLst/>
                         <a:latin typeface="Calibri" panose="020F0502020204030204" pitchFamily="34" charset="0"/>
                         <a:ea typeface="Calibri" panose="020F0502020204030204" pitchFamily="34" charset="0"/>
@@ -23641,9 +23631,27 @@
                           <a:ea typeface="Calibri" panose="020F0502020204030204" pitchFamily="34" charset="0"/>
                           <a:cs typeface="Times New Roman" panose="02020603050405020304" pitchFamily="18" charset="0"/>
                         </a:rPr>
-                        <a:t>New playlist</a:t>
+                        <a:t>News API</a:t>
                       </a:r>
-                      <a:endParaRPr lang="en-GB" sz="1100" dirty="0">
+                      <a:r>
+                        <a:rPr lang="en-GB" sz="1100" baseline="0" dirty="0">
+                          <a:effectLst/>
+                          <a:latin typeface="+mn-lt"/>
+                          <a:ea typeface="Calibri" panose="020F0502020204030204" pitchFamily="34" charset="0"/>
+                          <a:cs typeface="Times New Roman" panose="02020603050405020304" pitchFamily="18" charset="0"/>
+                        </a:rPr>
+                        <a:t> </a:t>
+                      </a:r>
+                      <a:r>
+                        <a:rPr lang="en-GB" sz="1100" baseline="0" dirty="0" smtClean="0">
+                          <a:effectLst/>
+                          <a:latin typeface="+mn-lt"/>
+                          <a:ea typeface="Calibri" panose="020F0502020204030204" pitchFamily="34" charset="0"/>
+                          <a:cs typeface="Times New Roman" panose="02020603050405020304" pitchFamily="18" charset="0"/>
+                        </a:rPr>
+                        <a:t>– Reading news articles.</a:t>
+                      </a:r>
+                      <a:endParaRPr lang="en-GB" sz="1100" dirty="0" smtClean="0">
                         <a:effectLst/>
                         <a:latin typeface="+mn-lt"/>
                         <a:ea typeface="Calibri" panose="020F0502020204030204" pitchFamily="34" charset="0"/>
@@ -23658,7 +23666,7 @@
                     <a:bodyPr/>
                     <a:lstStyle/>
                     <a:p>
-                      <a:pPr>
+                      <a:pPr algn="just">
                         <a:lnSpc>
                           <a:spcPct val="107000"/>
                         </a:lnSpc>
@@ -23667,10 +23675,10 @@
                         </a:spcAft>
                       </a:pPr>
                       <a:r>
-                        <a:rPr lang="en-GB" sz="1100" dirty="0">
+                        <a:rPr lang="en-GB" sz="1100" dirty="0" smtClean="0">
                           <a:effectLst/>
                         </a:rPr>
-                        <a:t>Create a playlist that’s relating the new headlines of the day </a:t>
+                        <a:t>As a user I want to be able to read current articles.</a:t>
                       </a:r>
                     </a:p>
                     <a:p>
@@ -23737,7 +23745,7 @@
                         <a:rPr lang="en-GB" sz="1100" dirty="0" smtClean="0">
                           <a:effectLst/>
                         </a:rPr>
-                        <a:t>5</a:t>
+                        <a:t>1</a:t>
                       </a:r>
                       <a:endParaRPr lang="en-GB" sz="1100" dirty="0">
                         <a:effectLst/>
@@ -23834,7 +23842,7 @@
                           <a:ea typeface="Calibri" panose="020F0502020204030204" pitchFamily="34" charset="0"/>
                           <a:cs typeface="Times New Roman" panose="02020603050405020304" pitchFamily="18" charset="0"/>
                         </a:rPr>
-                        <a:t>Easy to use interface</a:t>
+                        <a:t>Creating the playlist.</a:t>
                       </a:r>
                       <a:endParaRPr lang="en-GB" sz="1100" dirty="0">
                         <a:effectLst/>
@@ -23851,6 +23859,43 @@
                     <a:bodyPr/>
                     <a:lstStyle/>
                     <a:p>
+                      <a:pPr marL="0" marR="0" lvl="0" indent="0" algn="just" defTabSz="914400" rtl="0" eaLnBrk="1" fontAlgn="auto" latinLnBrk="0" hangingPunct="1">
+                        <a:lnSpc>
+                          <a:spcPct val="107000"/>
+                        </a:lnSpc>
+                        <a:spcBef>
+                          <a:spcPts val="0"/>
+                        </a:spcBef>
+                        <a:spcAft>
+                          <a:spcPts val="0"/>
+                        </a:spcAft>
+                        <a:buClrTx/>
+                        <a:buSzTx/>
+                        <a:buFontTx/>
+                        <a:buNone/>
+                        <a:tabLst/>
+                        <a:defRPr/>
+                      </a:pPr>
+                      <a:r>
+                        <a:rPr lang="en-GB" sz="1100" dirty="0" smtClean="0">
+                          <a:effectLst/>
+                        </a:rPr>
+                        <a:t>Create a playlist that’s relating</a:t>
+                      </a:r>
+                      <a:r>
+                        <a:rPr lang="en-GB" sz="1100" baseline="0" dirty="0" smtClean="0">
+                          <a:effectLst/>
+                        </a:rPr>
+                        <a:t> </a:t>
+                      </a:r>
+                      <a:r>
+                        <a:rPr lang="en-GB" sz="1100" dirty="0" smtClean="0">
+                          <a:effectLst/>
+                        </a:rPr>
+                        <a:t>the new headlines of the day.</a:t>
+                      </a:r>
+                    </a:p>
+                    <a:p>
                       <a:pPr algn="just">
                         <a:lnSpc>
                           <a:spcPct val="107000"/>
@@ -23859,12 +23904,22 @@
                           <a:spcPts val="0"/>
                         </a:spcAft>
                       </a:pPr>
-                      <a:r>
-                        <a:rPr lang="en-GB" sz="1100" dirty="0">
-                          <a:effectLst/>
-                        </a:rPr>
-                        <a:t>As a user I would like a user friendly, easy and efficient GUI so that my experience is pleasant and enjoyable. </a:t>
-                      </a:r>
+                      <a:endParaRPr lang="en-GB" sz="1100" dirty="0" smtClean="0">
+                        <a:effectLst/>
+                      </a:endParaRPr>
+                    </a:p>
+                    <a:p>
+                      <a:pPr algn="just">
+                        <a:lnSpc>
+                          <a:spcPct val="107000"/>
+                        </a:lnSpc>
+                        <a:spcAft>
+                          <a:spcPts val="0"/>
+                        </a:spcAft>
+                      </a:pPr>
+                      <a:endParaRPr lang="en-GB" sz="1100" dirty="0" smtClean="0">
+                        <a:effectLst/>
+                      </a:endParaRPr>
                     </a:p>
                     <a:p>
                       <a:pPr>
@@ -23930,7 +23985,7 @@
                         <a:rPr lang="en-GB" sz="1100" dirty="0" smtClean="0">
                           <a:effectLst/>
                         </a:rPr>
-                        <a:t>3</a:t>
+                        <a:t>10</a:t>
                       </a:r>
                       <a:endParaRPr lang="en-GB" sz="1100" dirty="0">
                         <a:effectLst/>
@@ -24027,16 +24082,7 @@
                           <a:ea typeface="Calibri" panose="020F0502020204030204" pitchFamily="34" charset="0"/>
                           <a:cs typeface="Times New Roman" panose="02020603050405020304" pitchFamily="18" charset="0"/>
                         </a:rPr>
-                        <a:t>Account</a:t>
-                      </a:r>
-                      <a:r>
-                        <a:rPr lang="en-GB" sz="1100" baseline="0" dirty="0" smtClean="0">
-                          <a:effectLst/>
-                          <a:latin typeface="+mn-lt"/>
-                          <a:ea typeface="Calibri" panose="020F0502020204030204" pitchFamily="34" charset="0"/>
-                          <a:cs typeface="Times New Roman" panose="02020603050405020304" pitchFamily="18" charset="0"/>
-                        </a:rPr>
-                        <a:t> Page / “my play list” option.</a:t>
+                        <a:t>Intuitive user interface.</a:t>
                       </a:r>
                       <a:endParaRPr lang="en-GB" sz="1100" dirty="0">
                         <a:effectLst/>
@@ -24053,19 +24099,28 @@
                     <a:bodyPr/>
                     <a:lstStyle/>
                     <a:p>
-                      <a:pPr algn="just">
+                      <a:pPr marL="0" marR="0" lvl="0" indent="0" algn="just" defTabSz="914400" rtl="0" eaLnBrk="1" fontAlgn="auto" latinLnBrk="0" hangingPunct="1">
                         <a:lnSpc>
                           <a:spcPct val="107000"/>
                         </a:lnSpc>
+                        <a:spcBef>
+                          <a:spcPts val="0"/>
+                        </a:spcBef>
                         <a:spcAft>
                           <a:spcPts val="0"/>
                         </a:spcAft>
+                        <a:buClrTx/>
+                        <a:buSzTx/>
+                        <a:buFontTx/>
+                        <a:buNone/>
+                        <a:tabLst/>
+                        <a:defRPr/>
                       </a:pPr>
                       <a:r>
-                        <a:rPr lang="en-GB" sz="1100">
+                        <a:rPr lang="en-GB" sz="1100" dirty="0" smtClean="0">
                           <a:effectLst/>
                         </a:rPr>
-                        <a:t>Saving the playlist to the users account</a:t>
+                        <a:t>As a user I would like a user friendly, easy and efficient GUI so that my experience is pleasant and enjoyable. </a:t>
                       </a:r>
                     </a:p>
                     <a:p>
@@ -24078,12 +24133,12 @@
                         </a:spcAft>
                       </a:pPr>
                       <a:r>
-                        <a:rPr lang="en-GB" sz="1100">
+                        <a:rPr lang="en-GB" sz="1100" dirty="0">
                           <a:effectLst/>
                         </a:rPr>
                         <a:t> </a:t>
                       </a:r>
-                      <a:endParaRPr lang="en-GB" sz="1100">
+                      <a:endParaRPr lang="en-GB" sz="1100" dirty="0">
                         <a:effectLst/>
                         <a:latin typeface="Calibri" panose="020F0502020204030204" pitchFamily="34" charset="0"/>
                         <a:ea typeface="Calibri" panose="020F0502020204030204" pitchFamily="34" charset="0"/>
@@ -24116,7 +24171,7 @@
                         <a:rPr lang="en-GB" sz="1100" dirty="0" smtClean="0">
                           <a:effectLst/>
                         </a:rPr>
-                        <a:t>2</a:t>
+                        <a:t>3</a:t>
                       </a:r>
                       <a:endParaRPr lang="en-GB" sz="1100" dirty="0">
                         <a:effectLst/>
@@ -24142,12 +24197,12 @@
                         </a:spcAft>
                       </a:pPr>
                       <a:r>
-                        <a:rPr lang="en-GB" sz="1100">
+                        <a:rPr lang="en-GB" sz="1100" dirty="0">
                           <a:effectLst/>
                         </a:rPr>
                         <a:t>4</a:t>
                       </a:r>
-                      <a:endParaRPr lang="en-GB" sz="1100">
+                      <a:endParaRPr lang="en-GB" sz="1100" dirty="0">
                         <a:effectLst/>
                         <a:latin typeface="Calibri" panose="020F0502020204030204" pitchFamily="34" charset="0"/>
                         <a:ea typeface="Calibri" panose="020F0502020204030204" pitchFamily="34" charset="0"/>
@@ -24213,7 +24268,7 @@
                           <a:ea typeface="Calibri" panose="020F0502020204030204" pitchFamily="34" charset="0"/>
                           <a:cs typeface="Times New Roman" panose="02020603050405020304" pitchFamily="18" charset="0"/>
                         </a:rPr>
-                        <a:t>Home Page</a:t>
+                        <a:t>Saving the playlist to Spotify account.</a:t>
                       </a:r>
                       <a:endParaRPr lang="en-GB" sz="1100" dirty="0">
                         <a:effectLst/>
@@ -24230,22 +24285,6 @@
                     <a:bodyPr/>
                     <a:lstStyle/>
                     <a:p>
-                      <a:pPr algn="just">
-                        <a:lnSpc>
-                          <a:spcPct val="107000"/>
-                        </a:lnSpc>
-                        <a:spcAft>
-                          <a:spcPts val="0"/>
-                        </a:spcAft>
-                      </a:pPr>
-                      <a:r>
-                        <a:rPr lang="en-GB" sz="1100">
-                          <a:effectLst/>
-                        </a:rPr>
-                        <a:t>As a user I want to read the article related to the song on the playlist</a:t>
-                      </a:r>
-                    </a:p>
-                    <a:p>
                       <a:pPr>
                         <a:lnSpc>
                           <a:spcPct val="107000"/>
@@ -24255,12 +24294,18 @@
                         </a:spcAft>
                       </a:pPr>
                       <a:r>
-                        <a:rPr lang="en-GB" sz="1100">
+                        <a:rPr lang="en-GB" sz="1100" dirty="0">
                           <a:effectLst/>
                         </a:rPr>
                         <a:t> </a:t>
                       </a:r>
-                      <a:endParaRPr lang="en-GB" sz="1100">
+                      <a:r>
+                        <a:rPr lang="en-GB" sz="1100" dirty="0" smtClean="0">
+                          <a:effectLst/>
+                        </a:rPr>
+                        <a:t>As a user I would like to be able to save the playlist to my Spotify account for future use.</a:t>
+                      </a:r>
+                      <a:endParaRPr lang="en-GB" sz="1100" dirty="0">
                         <a:effectLst/>
                         <a:latin typeface="Calibri" panose="020F0502020204030204" pitchFamily="34" charset="0"/>
                         <a:ea typeface="Calibri" panose="020F0502020204030204" pitchFamily="34" charset="0"/>
@@ -24293,7 +24338,7 @@
                         <a:rPr lang="en-GB" sz="1100" dirty="0" smtClean="0">
                           <a:effectLst/>
                         </a:rPr>
-                        <a:t>1</a:t>
+                        <a:t>15</a:t>
                       </a:r>
                       <a:endParaRPr lang="en-GB" sz="1100" dirty="0">
                         <a:effectLst/>
@@ -24383,6 +24428,15 @@
                           <a:spcPts val="0"/>
                         </a:spcAft>
                       </a:pPr>
+                      <a:r>
+                        <a:rPr lang="en-GB" sz="1100" dirty="0" smtClean="0">
+                          <a:effectLst/>
+                          <a:latin typeface="+mn-lt"/>
+                          <a:ea typeface="Calibri" panose="020F0502020204030204" pitchFamily="34" charset="0"/>
+                          <a:cs typeface="Times New Roman" panose="02020603050405020304" pitchFamily="18" charset="0"/>
+                        </a:rPr>
+                        <a:t>Downloading the Spotify playlist.</a:t>
+                      </a:r>
                       <a:endParaRPr lang="en-GB" sz="1100" dirty="0">
                         <a:effectLst/>
                         <a:latin typeface="+mn-lt"/>
@@ -24410,8 +24464,17 @@
                         <a:rPr lang="en-GB" sz="1100" dirty="0">
                           <a:effectLst/>
                         </a:rPr>
-                        <a:t>As a user I would like to be able to download my news related playlist to listen offline</a:t>
+                        <a:t>As a user I would like to be able to download my news related playlist to listen </a:t>
                       </a:r>
+                      <a:r>
+                        <a:rPr lang="en-GB" sz="1100" dirty="0" smtClean="0">
+                          <a:effectLst/>
+                        </a:rPr>
+                        <a:t>offline.</a:t>
+                      </a:r>
+                      <a:endParaRPr lang="en-GB" sz="1100" dirty="0">
+                        <a:effectLst/>
+                      </a:endParaRPr>
                     </a:p>
                     <a:p>
                       <a:pPr>
@@ -24461,7 +24524,7 @@
                         <a:rPr lang="en-GB" sz="1100" dirty="0" smtClean="0">
                           <a:effectLst/>
                         </a:rPr>
-                        <a:t>1</a:t>
+                        <a:t>15</a:t>
                       </a:r>
                       <a:endParaRPr lang="en-GB" sz="1100" dirty="0">
                         <a:effectLst/>

--- a/Software Presentation.pptx
+++ b/Software Presentation.pptx
@@ -8920,7 +8920,7 @@
           <a:p>
             <a:fld id="{6AD6EE87-EBD5-4F12-A48A-63ACA297AC8F}" type="datetimeFigureOut">
               <a:rPr lang="en-US" dirty="0"/>
-              <a:t>11/12/2019</a:t>
+              <a:t>11/13/2019</a:t>
             </a:fld>
             <a:endParaRPr lang="en-US" dirty="0"/>
           </a:p>
@@ -9122,7 +9122,7 @@
           <a:p>
             <a:fld id="{4CD73815-2707-4475-8F1A-B873CB631BB4}" type="datetimeFigureOut">
               <a:rPr lang="en-US" dirty="0"/>
-              <a:t>11/12/2019</a:t>
+              <a:t>11/13/2019</a:t>
             </a:fld>
             <a:endParaRPr lang="en-US" dirty="0"/>
           </a:p>
@@ -9297,7 +9297,7 @@
           <a:p>
             <a:fld id="{2A4AFB99-0EAB-4182-AFF8-E214C82A68F6}" type="datetimeFigureOut">
               <a:rPr lang="en-US" dirty="0"/>
-              <a:t>11/12/2019</a:t>
+              <a:t>11/13/2019</a:t>
             </a:fld>
             <a:endParaRPr lang="en-US" dirty="0"/>
           </a:p>
@@ -9497,7 +9497,7 @@
           <a:p>
             <a:fld id="{A5D3794B-289A-4A80-97D7-111025398D45}" type="datetimeFigureOut">
               <a:rPr lang="en-US" dirty="0"/>
-              <a:t>11/12/2019</a:t>
+              <a:t>11/13/2019</a:t>
             </a:fld>
             <a:endParaRPr lang="en-US" dirty="0"/>
           </a:p>
@@ -18390,7 +18390,7 @@
           <a:p>
             <a:fld id="{5A61015F-7CC6-4D0A-9D87-873EA4C304CC}" type="datetimeFigureOut">
               <a:rPr lang="en-US" dirty="0"/>
-              <a:t>11/12/2019</a:t>
+              <a:t>11/13/2019</a:t>
             </a:fld>
             <a:endParaRPr lang="en-US" dirty="0"/>
           </a:p>
@@ -18659,7 +18659,7 @@
           <a:p>
             <a:fld id="{93C6A301-0538-44EC-B09D-202E1042A48B}" type="datetimeFigureOut">
               <a:rPr lang="en-US" dirty="0"/>
-              <a:t>11/12/2019</a:t>
+              <a:t>11/13/2019</a:t>
             </a:fld>
             <a:endParaRPr lang="en-US" dirty="0"/>
           </a:p>
@@ -19052,7 +19052,7 @@
           <a:p>
             <a:fld id="{D789574A-8875-45EF-8EA2-3CAA0F7ABC4C}" type="datetimeFigureOut">
               <a:rPr lang="en-US" dirty="0"/>
-              <a:t>11/12/2019</a:t>
+              <a:t>11/13/2019</a:t>
             </a:fld>
             <a:endParaRPr lang="en-US" dirty="0"/>
           </a:p>
@@ -19165,7 +19165,7 @@
           <a:p>
             <a:fld id="{67EF4D4C-5367-4C26-9E2B-D8088D7FCA81}" type="datetimeFigureOut">
               <a:rPr lang="en-US" dirty="0"/>
-              <a:t>11/12/2019</a:t>
+              <a:t>11/13/2019</a:t>
             </a:fld>
             <a:endParaRPr lang="en-US" dirty="0"/>
           </a:p>
@@ -19255,7 +19255,7 @@
           <a:p>
             <a:fld id="{56E91E96-98B0-4413-9547-46F3504108EF}" type="datetimeFigureOut">
               <a:rPr lang="en-US" dirty="0"/>
-              <a:t>11/12/2019</a:t>
+              <a:t>11/13/2019</a:t>
             </a:fld>
             <a:endParaRPr lang="en-US" dirty="0"/>
           </a:p>
@@ -19540,7 +19540,7 @@
           <a:p>
             <a:fld id="{05C68B11-C5A8-448C-8CE9-B1A273C79CFC}" type="datetimeFigureOut">
               <a:rPr lang="en-US" dirty="0"/>
-              <a:t>11/12/2019</a:t>
+              <a:t>11/13/2019</a:t>
             </a:fld>
             <a:endParaRPr lang="en-US" dirty="0"/>
           </a:p>
@@ -19815,7 +19815,7 @@
           <a:p>
             <a:fld id="{C7616CA0-919D-4A49-9C8A-62FDFB3A5183}" type="datetimeFigureOut">
               <a:rPr lang="en-US" dirty="0"/>
-              <a:t>11/12/2019</a:t>
+              <a:t>11/13/2019</a:t>
             </a:fld>
             <a:endParaRPr lang="en-US" dirty="0"/>
           </a:p>
@@ -20061,7 +20061,7 @@
             <a:fld id="{90298CD5-6C1E-4009-B41F-6DF62E31D3BE}" type="datetimeFigureOut">
               <a:rPr lang="en-US" dirty="0"/>
               <a:pPr/>
-              <a:t>11/12/2019</a:t>
+              <a:t>11/13/2019</a:t>
             </a:fld>
             <a:endParaRPr lang="en-US" dirty="0"/>
           </a:p>
@@ -23204,13 +23204,13 @@
             <p:ph idx="1"/>
             <p:extLst>
               <p:ext uri="{D42A27DB-BD31-4B8C-83A1-F6EECF244321}">
-                <p14:modId xmlns:p14="http://schemas.microsoft.com/office/powerpoint/2010/main" val="1002270686"/>
+                <p14:modId xmlns:p14="http://schemas.microsoft.com/office/powerpoint/2010/main" val="4085412977"/>
               </p:ext>
             </p:extLst>
           </p:nvPr>
         </p:nvGraphicFramePr>
         <p:xfrm>
-          <a:off x="5710845" y="846841"/>
+          <a:off x="5668032" y="724515"/>
           <a:ext cx="5700798" cy="6099177"/>
         </p:xfrm>
         <a:graphic>
@@ -23534,7 +23534,7 @@
                         <a:rPr lang="en-GB" sz="1100" dirty="0" smtClean="0">
                           <a:effectLst/>
                         </a:rPr>
-                        <a:t>8</a:t>
+                        <a:t>20</a:t>
                       </a:r>
                       <a:endParaRPr lang="en-GB" sz="1100" dirty="0">
                         <a:effectLst/>
@@ -23745,7 +23745,7 @@
                         <a:rPr lang="en-GB" sz="1100" dirty="0" smtClean="0">
                           <a:effectLst/>
                         </a:rPr>
-                        <a:t>1</a:t>
+                        <a:t>5</a:t>
                       </a:r>
                       <a:endParaRPr lang="en-GB" sz="1100" dirty="0">
                         <a:effectLst/>
@@ -23985,7 +23985,7 @@
                         <a:rPr lang="en-GB" sz="1100" dirty="0" smtClean="0">
                           <a:effectLst/>
                         </a:rPr>
-                        <a:t>10</a:t>
+                        <a:t>15</a:t>
                       </a:r>
                       <a:endParaRPr lang="en-GB" sz="1100" dirty="0">
                         <a:effectLst/>
@@ -24171,7 +24171,7 @@
                         <a:rPr lang="en-GB" sz="1100" dirty="0" smtClean="0">
                           <a:effectLst/>
                         </a:rPr>
-                        <a:t>3</a:t>
+                        <a:t>10</a:t>
                       </a:r>
                       <a:endParaRPr lang="en-GB" sz="1100" dirty="0">
                         <a:effectLst/>
@@ -24338,7 +24338,7 @@
                         <a:rPr lang="en-GB" sz="1100" dirty="0" smtClean="0">
                           <a:effectLst/>
                         </a:rPr>
-                        <a:t>15</a:t>
+                        <a:t>25</a:t>
                       </a:r>
                       <a:endParaRPr lang="en-GB" sz="1100" dirty="0">
                         <a:effectLst/>
@@ -24364,12 +24364,12 @@
                         </a:spcAft>
                       </a:pPr>
                       <a:r>
-                        <a:rPr lang="en-GB" sz="1100">
+                        <a:rPr lang="en-GB" sz="1100" dirty="0">
                           <a:effectLst/>
                         </a:rPr>
                         <a:t>5</a:t>
                       </a:r>
-                      <a:endParaRPr lang="en-GB" sz="1100">
+                      <a:endParaRPr lang="en-GB" sz="1100" dirty="0">
                         <a:effectLst/>
                         <a:latin typeface="Calibri" panose="020F0502020204030204" pitchFamily="34" charset="0"/>
                         <a:ea typeface="Calibri" panose="020F0502020204030204" pitchFamily="34" charset="0"/>
@@ -24400,12 +24400,12 @@
                         </a:spcAft>
                       </a:pPr>
                       <a:r>
-                        <a:rPr lang="en-GB" sz="1100">
+                        <a:rPr lang="en-GB" sz="1100" dirty="0">
                           <a:effectLst/>
                         </a:rPr>
                         <a:t>6</a:t>
                       </a:r>
-                      <a:endParaRPr lang="en-GB" sz="1100">
+                      <a:endParaRPr lang="en-GB" sz="1100" dirty="0">
                         <a:effectLst/>
                         <a:latin typeface="Calibri" panose="020F0502020204030204" pitchFamily="34" charset="0"/>
                         <a:ea typeface="Calibri" panose="020F0502020204030204" pitchFamily="34" charset="0"/>
@@ -24515,16 +24515,10 @@
                         </a:spcAft>
                       </a:pPr>
                       <a:r>
-                        <a:rPr lang="en-GB" sz="1100" dirty="0">
-                          <a:effectLst/>
-                        </a:rPr>
-                        <a:t> </a:t>
-                      </a:r>
-                      <a:r>
                         <a:rPr lang="en-GB" sz="1100" dirty="0" smtClean="0">
                           <a:effectLst/>
                         </a:rPr>
-                        <a:t>15</a:t>
+                        <a:t>25</a:t>
                       </a:r>
                       <a:endParaRPr lang="en-GB" sz="1100" dirty="0">
                         <a:effectLst/>
